--- a/net_ppt.pptx
+++ b/net_ppt.pptx
@@ -5,32 +5,35 @@
     <p:sldMasterId id="2147483648" r:id="rId1"/>
   </p:sldMasterIdLst>
   <p:notesMasterIdLst>
-    <p:notesMasterId r:id="rId8"/>
+    <p:notesMasterId r:id="rId6"/>
   </p:notesMasterIdLst>
   <p:sldIdLst>
     <p:sldId id="256" r:id="rId3"/>
-    <p:sldId id="279" r:id="rId4"/>
-    <p:sldId id="257" r:id="rId5"/>
-    <p:sldId id="259" r:id="rId6"/>
-    <p:sldId id="260" r:id="rId7"/>
-    <p:sldId id="261" r:id="rId9"/>
-    <p:sldId id="263" r:id="rId10"/>
-    <p:sldId id="264" r:id="rId11"/>
-    <p:sldId id="265" r:id="rId12"/>
-    <p:sldId id="267" r:id="rId13"/>
-    <p:sldId id="290" r:id="rId14"/>
-    <p:sldId id="268" r:id="rId15"/>
-    <p:sldId id="291" r:id="rId16"/>
-    <p:sldId id="269" r:id="rId17"/>
-    <p:sldId id="270" r:id="rId18"/>
-    <p:sldId id="271" r:id="rId19"/>
-    <p:sldId id="272" r:id="rId20"/>
-    <p:sldId id="273" r:id="rId21"/>
-    <p:sldId id="274" r:id="rId22"/>
-    <p:sldId id="275" r:id="rId23"/>
-    <p:sldId id="276" r:id="rId24"/>
-    <p:sldId id="277" r:id="rId25"/>
-    <p:sldId id="278" r:id="rId26"/>
+    <p:sldId id="305" r:id="rId4"/>
+    <p:sldId id="279" r:id="rId5"/>
+    <p:sldId id="257" r:id="rId7"/>
+    <p:sldId id="259" r:id="rId8"/>
+    <p:sldId id="260" r:id="rId9"/>
+    <p:sldId id="261" r:id="rId10"/>
+    <p:sldId id="263" r:id="rId11"/>
+    <p:sldId id="264" r:id="rId12"/>
+    <p:sldId id="265" r:id="rId13"/>
+    <p:sldId id="267" r:id="rId14"/>
+    <p:sldId id="290" r:id="rId15"/>
+    <p:sldId id="268" r:id="rId16"/>
+    <p:sldId id="291" r:id="rId17"/>
+    <p:sldId id="306" r:id="rId18"/>
+    <p:sldId id="269" r:id="rId19"/>
+    <p:sldId id="270" r:id="rId20"/>
+    <p:sldId id="271" r:id="rId21"/>
+    <p:sldId id="272" r:id="rId22"/>
+    <p:sldId id="273" r:id="rId23"/>
+    <p:sldId id="303" r:id="rId24"/>
+    <p:sldId id="304" r:id="rId25"/>
+    <p:sldId id="274" r:id="rId26"/>
+    <p:sldId id="276" r:id="rId27"/>
+    <p:sldId id="277" r:id="rId28"/>
+    <p:sldId id="278" r:id="rId29"/>
   </p:sldIdLst>
   <p:sldSz cx="12192000" cy="6858000"/>
   <p:notesSz cx="6858000" cy="9144000"/>
@@ -524,7 +527,7 @@
       <p:grpSpPr/>
       <p:sp>
         <p:nvSpPr>
-          <p:cNvPr id="2" name="幻灯片图像占位符 1"/>
+          <p:cNvPr id="2" name="Slide Image Placeholder 1"/>
           <p:cNvSpPr/>
           <p:nvPr>
             <p:ph type="sldImg" idx="2"/>
@@ -534,7 +537,7 @@
       </p:sp>
       <p:sp>
         <p:nvSpPr>
-          <p:cNvPr id="3" name="文本占位符 2"/>
+          <p:cNvPr id="3" name="Text Placeholder 2"/>
           <p:cNvSpPr/>
           <p:nvPr>
             <p:ph type="body" idx="3"/>
@@ -544,6 +547,27 @@
         <p:txBody>
           <a:bodyPr/>
           <a:p>
+            <a:endParaRPr lang="en-US"/>
+          </a:p>
+        </p:txBody>
+      </p:sp>
+      <p:sp>
+        <p:nvSpPr>
+          <p:cNvPr id="4" name="Slide Number Placeholder 3"/>
+          <p:cNvSpPr>
+            <a:spLocks noGrp="1"/>
+          </p:cNvSpPr>
+          <p:nvPr>
+            <p:ph type="sldNum" sz="quarter" idx="5"/>
+          </p:nvPr>
+        </p:nvSpPr>
+        <p:spPr/>
+        <p:txBody>
+          <a:bodyPr/>
+          <a:p>
+            <a:fld id="{A6837353-30EB-4A48-80EB-173D804AEFBD}" type="slidenum">
+              <a:rPr lang="zh-CN" altLang="en-US" smtClean="0"/>
+            </a:fld>
             <a:endParaRPr lang="zh-CN" altLang="en-US"/>
           </a:p>
         </p:txBody>
@@ -588,6 +612,115 @@
         <p:txBody>
           <a:bodyPr/>
           <a:p>
+            <a:endParaRPr lang="zh-CN" altLang="en-US"/>
+          </a:p>
+        </p:txBody>
+      </p:sp>
+    </p:spTree>
+  </p:cSld>
+  <p:clrMapOvr>
+    <a:masterClrMapping/>
+  </p:clrMapOvr>
+</p:notes>
+</file>
+
+<file path=ppt/notesSlides/notesSlide3.xml><?xml version="1.0" encoding="utf-8"?>
+<p:notes xmlns:a="http://schemas.openxmlformats.org/drawingml/2006/main" xmlns:r="http://schemas.openxmlformats.org/officeDocument/2006/relationships" xmlns:p="http://schemas.openxmlformats.org/presentationml/2006/main">
+  <p:cSld>
+    <p:spTree>
+      <p:nvGrpSpPr>
+        <p:cNvPr id="1" name=""/>
+        <p:cNvGrpSpPr/>
+        <p:nvPr/>
+      </p:nvGrpSpPr>
+      <p:grpSpPr/>
+      <p:sp>
+        <p:nvSpPr>
+          <p:cNvPr id="2" name="幻灯片图像占位符 1"/>
+          <p:cNvSpPr/>
+          <p:nvPr>
+            <p:ph type="sldImg" idx="2"/>
+          </p:nvPr>
+        </p:nvSpPr>
+        <p:spPr/>
+      </p:sp>
+      <p:sp>
+        <p:nvSpPr>
+          <p:cNvPr id="3" name="文本占位符 2"/>
+          <p:cNvSpPr/>
+          <p:nvPr>
+            <p:ph type="body" idx="3"/>
+          </p:nvPr>
+        </p:nvSpPr>
+        <p:spPr/>
+        <p:txBody>
+          <a:bodyPr/>
+          <a:p>
+            <a:endParaRPr lang="zh-CN" altLang="en-US"/>
+          </a:p>
+        </p:txBody>
+      </p:sp>
+    </p:spTree>
+  </p:cSld>
+  <p:clrMapOvr>
+    <a:masterClrMapping/>
+  </p:clrMapOvr>
+</p:notes>
+</file>
+
+<file path=ppt/notesSlides/notesSlide4.xml><?xml version="1.0" encoding="utf-8"?>
+<p:notes xmlns:a="http://schemas.openxmlformats.org/drawingml/2006/main" xmlns:r="http://schemas.openxmlformats.org/officeDocument/2006/relationships" xmlns:p="http://schemas.openxmlformats.org/presentationml/2006/main">
+  <p:cSld>
+    <p:spTree>
+      <p:nvGrpSpPr>
+        <p:cNvPr id="1" name=""/>
+        <p:cNvGrpSpPr/>
+        <p:nvPr/>
+      </p:nvGrpSpPr>
+      <p:grpSpPr/>
+      <p:sp>
+        <p:nvSpPr>
+          <p:cNvPr id="2" name="Slide Image Placeholder 1"/>
+          <p:cNvSpPr/>
+          <p:nvPr>
+            <p:ph type="sldImg" idx="2"/>
+          </p:nvPr>
+        </p:nvSpPr>
+        <p:spPr/>
+      </p:sp>
+      <p:sp>
+        <p:nvSpPr>
+          <p:cNvPr id="3" name="Text Placeholder 2"/>
+          <p:cNvSpPr/>
+          <p:nvPr>
+            <p:ph type="body" idx="3"/>
+          </p:nvPr>
+        </p:nvSpPr>
+        <p:spPr/>
+        <p:txBody>
+          <a:bodyPr/>
+          <a:p>
+            <a:endParaRPr lang="en-US"/>
+          </a:p>
+        </p:txBody>
+      </p:sp>
+      <p:sp>
+        <p:nvSpPr>
+          <p:cNvPr id="4" name="Slide Number Placeholder 3"/>
+          <p:cNvSpPr>
+            <a:spLocks noGrp="1"/>
+          </p:cNvSpPr>
+          <p:nvPr>
+            <p:ph type="sldNum" sz="quarter" idx="5"/>
+          </p:nvPr>
+        </p:nvSpPr>
+        <p:spPr/>
+        <p:txBody>
+          <a:bodyPr/>
+          <a:p>
+            <a:fld id="{A6837353-30EB-4A48-80EB-173D804AEFBD}" type="slidenum">
+              <a:rPr lang="zh-CN" altLang="en-US" smtClean="0"/>
+            </a:fld>
             <a:endParaRPr lang="zh-CN" altLang="en-US"/>
           </a:p>
         </p:txBody>
@@ -624,7 +757,7 @@
             <a:spLocks noGrp="1"/>
           </p:cNvSpPr>
           <p:nvPr>
-            <p:ph type="ctrTitle"/>
+            <p:ph type="ctrTitle" hasCustomPrompt="1"/>
           </p:nvPr>
         </p:nvSpPr>
         <p:spPr>
@@ -656,7 +789,7 @@
             <a:spLocks noGrp="1"/>
           </p:cNvSpPr>
           <p:nvPr>
-            <p:ph type="subTitle" idx="1"/>
+            <p:ph type="subTitle" idx="1" hasCustomPrompt="1"/>
           </p:nvPr>
         </p:nvSpPr>
         <p:spPr>
@@ -809,7 +942,7 @@
             <a:spLocks noGrp="1"/>
           </p:cNvSpPr>
           <p:nvPr>
-            <p:ph/>
+            <p:ph hasCustomPrompt="1"/>
           </p:nvPr>
         </p:nvSpPr>
         <p:spPr>
@@ -958,7 +1091,7 @@
             <a:spLocks noGrp="1"/>
           </p:cNvSpPr>
           <p:nvPr>
-            <p:ph type="title"/>
+            <p:ph type="title" hasCustomPrompt="1"/>
           </p:nvPr>
         </p:nvSpPr>
         <p:spPr/>
@@ -981,7 +1114,7 @@
             <a:spLocks noGrp="1"/>
           </p:cNvSpPr>
           <p:nvPr>
-            <p:ph idx="1"/>
+            <p:ph idx="1" hasCustomPrompt="1"/>
           </p:nvPr>
         </p:nvSpPr>
         <p:spPr/>
@@ -1125,7 +1258,7 @@
             <a:spLocks noGrp="1"/>
           </p:cNvSpPr>
           <p:nvPr>
-            <p:ph type="title"/>
+            <p:ph type="title" hasCustomPrompt="1"/>
           </p:nvPr>
         </p:nvSpPr>
         <p:spPr>
@@ -1157,7 +1290,7 @@
             <a:spLocks noGrp="1"/>
           </p:cNvSpPr>
           <p:nvPr>
-            <p:ph type="body" idx="1"/>
+            <p:ph type="body" idx="1" hasCustomPrompt="1"/>
           </p:nvPr>
         </p:nvSpPr>
         <p:spPr>
@@ -1365,7 +1498,7 @@
             <a:spLocks noGrp="1"/>
           </p:cNvSpPr>
           <p:nvPr>
-            <p:ph type="title"/>
+            <p:ph type="title" hasCustomPrompt="1"/>
           </p:nvPr>
         </p:nvSpPr>
         <p:spPr/>
@@ -1388,7 +1521,7 @@
             <a:spLocks noGrp="1"/>
           </p:cNvSpPr>
           <p:nvPr>
-            <p:ph sz="half" idx="1"/>
+            <p:ph sz="half" idx="1" hasCustomPrompt="1"/>
           </p:nvPr>
         </p:nvSpPr>
         <p:spPr>
@@ -1449,7 +1582,7 @@
             <a:spLocks noGrp="1"/>
           </p:cNvSpPr>
           <p:nvPr>
-            <p:ph sz="half" idx="2"/>
+            <p:ph sz="half" idx="2" hasCustomPrompt="1"/>
           </p:nvPr>
         </p:nvSpPr>
         <p:spPr>
@@ -1598,7 +1731,7 @@
             <a:spLocks noGrp="1"/>
           </p:cNvSpPr>
           <p:nvPr>
-            <p:ph type="title"/>
+            <p:ph type="title" hasCustomPrompt="1"/>
           </p:nvPr>
         </p:nvSpPr>
         <p:spPr>
@@ -1626,7 +1759,7 @@
             <a:spLocks noGrp="1"/>
           </p:cNvSpPr>
           <p:nvPr>
-            <p:ph type="body" idx="1"/>
+            <p:ph type="body" idx="1" hasCustomPrompt="1"/>
           </p:nvPr>
         </p:nvSpPr>
         <p:spPr>
@@ -1692,7 +1825,7 @@
             <a:spLocks noGrp="1"/>
           </p:cNvSpPr>
           <p:nvPr>
-            <p:ph sz="half" idx="2"/>
+            <p:ph sz="half" idx="2" hasCustomPrompt="1"/>
           </p:nvPr>
         </p:nvSpPr>
         <p:spPr>
@@ -1753,7 +1886,7 @@
             <a:spLocks noGrp="1"/>
           </p:cNvSpPr>
           <p:nvPr>
-            <p:ph type="body" sz="quarter" idx="3"/>
+            <p:ph type="body" sz="quarter" idx="3" hasCustomPrompt="1"/>
           </p:nvPr>
         </p:nvSpPr>
         <p:spPr>
@@ -1819,7 +1952,7 @@
             <a:spLocks noGrp="1"/>
           </p:cNvSpPr>
           <p:nvPr>
-            <p:ph sz="quarter" idx="4"/>
+            <p:ph sz="quarter" idx="4" hasCustomPrompt="1"/>
           </p:nvPr>
         </p:nvSpPr>
         <p:spPr>
@@ -1968,7 +2101,7 @@
             <a:spLocks noGrp="1"/>
           </p:cNvSpPr>
           <p:nvPr>
-            <p:ph type="title"/>
+            <p:ph type="title" hasCustomPrompt="1"/>
           </p:nvPr>
         </p:nvSpPr>
         <p:spPr/>
@@ -2167,7 +2300,7 @@
             <a:spLocks noGrp="1"/>
           </p:cNvSpPr>
           <p:nvPr>
-            <p:ph type="title"/>
+            <p:ph type="title" hasCustomPrompt="1"/>
           </p:nvPr>
         </p:nvSpPr>
         <p:spPr>
@@ -2260,7 +2393,7 @@
             <a:spLocks noGrp="1"/>
           </p:cNvSpPr>
           <p:nvPr>
-            <p:ph type="body" sz="half" idx="2"/>
+            <p:ph type="body" sz="half" idx="2" hasCustomPrompt="1"/>
           </p:nvPr>
         </p:nvSpPr>
         <p:spPr>
@@ -2414,7 +2547,7 @@
             <a:spLocks noGrp="1"/>
           </p:cNvSpPr>
           <p:nvPr>
-            <p:ph type="title" orient="vert"/>
+            <p:ph type="title" orient="vert" hasCustomPrompt="1"/>
           </p:nvPr>
         </p:nvSpPr>
         <p:spPr>
@@ -2442,7 +2575,7 @@
             <a:spLocks noGrp="1"/>
           </p:cNvSpPr>
           <p:nvPr>
-            <p:ph type="body" orient="vert" idx="1"/>
+            <p:ph type="body" orient="vert" idx="1" hasCustomPrompt="1"/>
           </p:nvPr>
         </p:nvSpPr>
         <p:spPr>
@@ -2848,7 +2981,7 @@
         <a:spcBef>
           <a:spcPts val="1000"/>
         </a:spcBef>
-        <a:buFont typeface="Arial" panose="020B0604020202020204" pitchFamily="34" charset="0"/>
+        <a:buFont typeface="Arial" panose="02080604020202020204" charset="0"/>
         <a:buChar char="•"/>
         <a:defRPr sz="2800" kern="1200">
           <a:solidFill>
@@ -2866,7 +2999,7 @@
         <a:spcBef>
           <a:spcPts val="500"/>
         </a:spcBef>
-        <a:buFont typeface="Arial" panose="020B0604020202020204" pitchFamily="34" charset="0"/>
+        <a:buFont typeface="Arial" panose="02080604020202020204" charset="0"/>
         <a:buChar char="•"/>
         <a:defRPr sz="2400" kern="1200">
           <a:solidFill>
@@ -2884,7 +3017,7 @@
         <a:spcBef>
           <a:spcPts val="500"/>
         </a:spcBef>
-        <a:buFont typeface="Arial" panose="020B0604020202020204" pitchFamily="34" charset="0"/>
+        <a:buFont typeface="Arial" panose="02080604020202020204" charset="0"/>
         <a:buChar char="•"/>
         <a:defRPr sz="2000" kern="1200">
           <a:solidFill>
@@ -2902,7 +3035,7 @@
         <a:spcBef>
           <a:spcPts val="500"/>
         </a:spcBef>
-        <a:buFont typeface="Arial" panose="020B0604020202020204" pitchFamily="34" charset="0"/>
+        <a:buFont typeface="Arial" panose="02080604020202020204" charset="0"/>
         <a:buChar char="•"/>
         <a:defRPr sz="1800" kern="1200">
           <a:solidFill>
@@ -2920,7 +3053,7 @@
         <a:spcBef>
           <a:spcPts val="500"/>
         </a:spcBef>
-        <a:buFont typeface="Arial" panose="020B0604020202020204" pitchFamily="34" charset="0"/>
+        <a:buFont typeface="Arial" panose="02080604020202020204" charset="0"/>
         <a:buChar char="•"/>
         <a:defRPr sz="1800" kern="1200">
           <a:solidFill>
@@ -2938,7 +3071,7 @@
         <a:spcBef>
           <a:spcPts val="500"/>
         </a:spcBef>
-        <a:buFont typeface="Arial" panose="020B0604020202020204" pitchFamily="34" charset="0"/>
+        <a:buFont typeface="Arial" panose="02080604020202020204" charset="0"/>
         <a:buChar char="•"/>
         <a:defRPr sz="1800" kern="1200">
           <a:solidFill>
@@ -2956,7 +3089,7 @@
         <a:spcBef>
           <a:spcPts val="500"/>
         </a:spcBef>
-        <a:buFont typeface="Arial" panose="020B0604020202020204" pitchFamily="34" charset="0"/>
+        <a:buFont typeface="Arial" panose="02080604020202020204" charset="0"/>
         <a:buChar char="•"/>
         <a:defRPr sz="1800" kern="1200">
           <a:solidFill>
@@ -2974,7 +3107,7 @@
         <a:spcBef>
           <a:spcPts val="500"/>
         </a:spcBef>
-        <a:buFont typeface="Arial" panose="020B0604020202020204" pitchFamily="34" charset="0"/>
+        <a:buFont typeface="Arial" panose="02080604020202020204" charset="0"/>
         <a:buChar char="•"/>
         <a:defRPr sz="1800" kern="1200">
           <a:solidFill>
@@ -2992,7 +3125,7 @@
         <a:spcBef>
           <a:spcPts val="500"/>
         </a:spcBef>
-        <a:buFont typeface="Arial" panose="020B0604020202020204" pitchFamily="34" charset="0"/>
+        <a:buFont typeface="Arial" panose="02080604020202020204" charset="0"/>
         <a:buChar char="•"/>
         <a:defRPr sz="1800" kern="1200">
           <a:solidFill>
@@ -3207,6 +3340,106 @@
           <a:p>
             <a:r>
               <a:rPr lang="en-US" altLang="zh-CN"/>
+              <a:t>5.</a:t>
+            </a:r>
+            <a:r>
+              <a:rPr lang="zh-CN" altLang="en-US"/>
+              <a:t>在</a:t>
+            </a:r>
+            <a:r>
+              <a:rPr lang="en-US" altLang="zh-CN"/>
+              <a:t>EgmService</a:t>
+            </a:r>
+            <a:r>
+              <a:rPr lang="zh-CN" altLang="en-US"/>
+              <a:t>定义同意的事务调用入口</a:t>
+            </a:r>
+            <a:endParaRPr lang="zh-CN" altLang="en-US"/>
+          </a:p>
+        </p:txBody>
+      </p:sp>
+      <p:pic>
+        <p:nvPicPr>
+          <p:cNvPr id="4" name="图片 3" descr="old_step6"/>
+          <p:cNvPicPr>
+            <a:picLocks noChangeAspect="1"/>
+          </p:cNvPicPr>
+          <p:nvPr/>
+        </p:nvPicPr>
+        <p:blipFill>
+          <a:blip r:embed="rId1"/>
+          <a:stretch>
+            <a:fillRect/>
+          </a:stretch>
+        </p:blipFill>
+        <p:spPr>
+          <a:xfrm>
+            <a:off x="1163955" y="3529965"/>
+            <a:ext cx="10038080" cy="2647315"/>
+          </a:xfrm>
+          <a:prstGeom prst="rect">
+            <a:avLst/>
+          </a:prstGeom>
+        </p:spPr>
+      </p:pic>
+    </p:spTree>
+  </p:cSld>
+  <p:clrMapOvr>
+    <a:masterClrMapping/>
+  </p:clrMapOvr>
+</p:sld>
+</file>
+
+<file path=ppt/slides/slide11.xml><?xml version="1.0" encoding="utf-8"?>
+<p:sld xmlns:a="http://schemas.openxmlformats.org/drawingml/2006/main" xmlns:r="http://schemas.openxmlformats.org/officeDocument/2006/relationships" xmlns:p="http://schemas.openxmlformats.org/presentationml/2006/main">
+  <p:cSld>
+    <p:spTree>
+      <p:nvGrpSpPr>
+        <p:cNvPr id="1" name=""/>
+        <p:cNvGrpSpPr/>
+        <p:nvPr/>
+      </p:nvGrpSpPr>
+      <p:grpSpPr/>
+      <p:sp>
+        <p:nvSpPr>
+          <p:cNvPr id="2" name="标题 1"/>
+          <p:cNvSpPr>
+            <a:spLocks noGrp="1"/>
+          </p:cNvSpPr>
+          <p:nvPr>
+            <p:ph type="title"/>
+          </p:nvPr>
+        </p:nvSpPr>
+        <p:spPr/>
+        <p:txBody>
+          <a:bodyPr/>
+          <a:p>
+            <a:r>
+              <a:rPr lang="zh-CN" altLang="en-US">
+                <a:sym typeface="+mn-ea"/>
+              </a:rPr>
+              <a:t>一条网络请求之路</a:t>
+            </a:r>
+            <a:endParaRPr lang="zh-CN" altLang="en-US"/>
+          </a:p>
+        </p:txBody>
+      </p:sp>
+      <p:sp>
+        <p:nvSpPr>
+          <p:cNvPr id="3" name="内容占位符 2"/>
+          <p:cNvSpPr>
+            <a:spLocks noGrp="1"/>
+          </p:cNvSpPr>
+          <p:nvPr>
+            <p:ph idx="1"/>
+          </p:nvPr>
+        </p:nvSpPr>
+        <p:spPr/>
+        <p:txBody>
+          <a:bodyPr/>
+          <a:p>
+            <a:r>
+              <a:rPr lang="en-US" altLang="zh-CN"/>
               <a:t>6.</a:t>
             </a:r>
             <a:r>
@@ -3219,7 +3452,7 @@
             </a:r>
             <a:r>
               <a:rPr lang="zh-CN" altLang="en-US"/>
-              <a:t>业务回调方法，并将其进行注册</a:t>
+              <a:t>业务回调方法</a:t>
             </a:r>
             <a:endParaRPr lang="zh-CN" altLang="en-US"/>
           </a:p>
@@ -3257,7 +3490,7 @@
 </p:sld>
 </file>
 
-<file path=ppt/slides/slide11.xml><?xml version="1.0" encoding="utf-8"?>
+<file path=ppt/slides/slide12.xml><?xml version="1.0" encoding="utf-8"?>
 <p:sld xmlns:a="http://schemas.openxmlformats.org/drawingml/2006/main" xmlns:r="http://schemas.openxmlformats.org/officeDocument/2006/relationships" xmlns:p="http://schemas.openxmlformats.org/presentationml/2006/main">
   <p:cSld>
     <p:spTree>
@@ -3308,7 +3541,11 @@
             <a:pPr marL="0" indent="0">
               <a:buNone/>
             </a:pPr>
-            <a:endParaRPr lang="en-US" altLang="zh-CN"/>
+            <a:r>
+              <a:rPr lang="x-none" altLang="en-US"/>
+              <a:t>7.将EgmCallback进行全局注册与反注册</a:t>
+            </a:r>
+            <a:endParaRPr lang="x-none" altLang="en-US"/>
           </a:p>
         </p:txBody>
       </p:sp>
@@ -3344,7 +3581,7 @@
 </p:sld>
 </file>
 
-<file path=ppt/slides/slide12.xml><?xml version="1.0" encoding="utf-8"?>
+<file path=ppt/slides/slide13.xml><?xml version="1.0" encoding="utf-8"?>
 <p:sld xmlns:a="http://schemas.openxmlformats.org/drawingml/2006/main" xmlns:r="http://schemas.openxmlformats.org/officeDocument/2006/relationships" xmlns:p="http://schemas.openxmlformats.org/presentationml/2006/main">
   <p:cSld>
     <p:spTree>
@@ -3392,7 +3629,11 @@
         <p:txBody>
           <a:bodyPr/>
           <a:p>
-            <a:endParaRPr lang="zh-CN" altLang="en-US"/>
+            <a:r>
+              <a:rPr lang="x-none" altLang="zh-CN"/>
+              <a:t>8.发起请求</a:t>
+            </a:r>
+            <a:endParaRPr lang="x-none" altLang="zh-CN"/>
           </a:p>
         </p:txBody>
       </p:sp>
@@ -3428,89 +3669,6 @@
 </p:sld>
 </file>
 
-<file path=ppt/slides/slide13.xml><?xml version="1.0" encoding="utf-8"?>
-<p:sld xmlns:a="http://schemas.openxmlformats.org/drawingml/2006/main" xmlns:r="http://schemas.openxmlformats.org/officeDocument/2006/relationships" xmlns:p="http://schemas.openxmlformats.org/presentationml/2006/main">
-  <p:cSld>
-    <p:spTree>
-      <p:nvGrpSpPr>
-        <p:cNvPr id="1" name=""/>
-        <p:cNvGrpSpPr/>
-        <p:nvPr/>
-      </p:nvGrpSpPr>
-      <p:grpSpPr/>
-      <p:sp>
-        <p:nvSpPr>
-          <p:cNvPr id="2" name="标题 1"/>
-          <p:cNvSpPr>
-            <a:spLocks noGrp="1"/>
-          </p:cNvSpPr>
-          <p:nvPr>
-            <p:ph type="title"/>
-          </p:nvPr>
-        </p:nvSpPr>
-        <p:spPr/>
-        <p:txBody>
-          <a:bodyPr/>
-          <a:p>
-            <a:r>
-              <a:rPr lang="zh-CN" altLang="en-US"/>
-              <a:t>结论</a:t>
-            </a:r>
-            <a:endParaRPr lang="zh-CN" altLang="en-US"/>
-          </a:p>
-        </p:txBody>
-      </p:sp>
-      <p:sp>
-        <p:nvSpPr>
-          <p:cNvPr id="3" name="内容占位符 2"/>
-          <p:cNvSpPr>
-            <a:spLocks noGrp="1"/>
-          </p:cNvSpPr>
-          <p:nvPr>
-            <p:ph idx="1"/>
-          </p:nvPr>
-        </p:nvSpPr>
-        <p:spPr/>
-        <p:txBody>
-          <a:bodyPr/>
-          <a:p>
-            <a:r>
-              <a:rPr lang="zh-CN" altLang="en-US"/>
-              <a:t>1. 一个普通的网络请求需要做出10处修改</a:t>
-            </a:r>
-            <a:endParaRPr lang="zh-CN" altLang="en-US"/>
-          </a:p>
-          <a:p>
-            <a:r>
-              <a:rPr lang="zh-CN" altLang="en-US"/>
-              <a:t>2. 很难根据网络请求追踪到网络返回，反之亦然</a:t>
-            </a:r>
-            <a:endParaRPr lang="zh-CN" altLang="en-US"/>
-          </a:p>
-          <a:p>
-            <a:r>
-              <a:rPr lang="zh-CN" altLang="en-US"/>
-              <a:t>3. 回调对象不能及时被回收，占用内存</a:t>
-            </a:r>
-            <a:endParaRPr lang="zh-CN" altLang="en-US"/>
-          </a:p>
-          <a:p>
-            <a:r>
-              <a:rPr lang="zh-CN" altLang="en-US"/>
-              <a:t>4. 对多次相同网路请求处理繁琐</a:t>
-            </a:r>
-            <a:endParaRPr lang="zh-CN" altLang="en-US"/>
-          </a:p>
-        </p:txBody>
-      </p:sp>
-    </p:spTree>
-  </p:cSld>
-  <p:clrMapOvr>
-    <a:masterClrMapping/>
-  </p:clrMapOvr>
-</p:sld>
-</file>
-
 <file path=ppt/slides/slide14.xml><?xml version="1.0" encoding="utf-8"?>
 <p:sld xmlns:a="http://schemas.openxmlformats.org/drawingml/2006/main" xmlns:r="http://schemas.openxmlformats.org/officeDocument/2006/relationships" xmlns:p="http://schemas.openxmlformats.org/presentationml/2006/main">
   <p:cSld>
@@ -3537,7 +3695,7 @@
           <a:p>
             <a:r>
               <a:rPr lang="zh-CN" altLang="en-US"/>
-              <a:t>WHAT WE WANT</a:t>
+              <a:t>结论</a:t>
             </a:r>
             <a:endParaRPr lang="zh-CN" altLang="en-US"/>
           </a:p>
@@ -3559,28 +3717,43 @@
           <a:p>
             <a:r>
               <a:rPr lang="zh-CN" altLang="en-US"/>
-              <a:t>1. 接口简单，使用方便</a:t>
-            </a:r>
-            <a:endParaRPr lang="zh-CN" altLang="en-US"/>
+              <a:t>1. 一个普通的网络请求</a:t>
+            </a:r>
+            <a:r>
+              <a:rPr lang="x-none" altLang="zh-CN"/>
+              <a:t>需要改动6个文件</a:t>
+            </a:r>
+            <a:endParaRPr lang="x-none" altLang="zh-CN"/>
           </a:p>
           <a:p>
             <a:r>
               <a:rPr lang="zh-CN" altLang="en-US"/>
-              <a:t>2. 易于扩展和替换</a:t>
+              <a:t>2. 很难根据网络请求追踪到网络返回，反之亦然</a:t>
             </a:r>
             <a:endParaRPr lang="zh-CN" altLang="en-US"/>
           </a:p>
           <a:p>
             <a:r>
               <a:rPr lang="zh-CN" altLang="en-US"/>
-              <a:t>3. 方便监控</a:t>
-            </a:r>
-            <a:endParaRPr lang="zh-CN" altLang="en-US"/>
-          </a:p>
-          <a:p>
+              <a:t>3. 回调对象不能及时被回收，占用内存</a:t>
+            </a:r>
+            <a:endParaRPr lang="zh-CN" altLang="en-US"/>
+          </a:p>
+          <a:p>
+            <a:r>
+              <a:rPr lang="x-none" altLang="zh-CN"/>
+              <a:t>4.多次重复的请求很难进行区分</a:t>
+            </a:r>
+            <a:endParaRPr lang="x-none" altLang="zh-CN"/>
+          </a:p>
+          <a:p>
+            <a:r>
+              <a:rPr lang="x-none" altLang="zh-CN"/>
+              <a:t>5</a:t>
+            </a:r>
             <a:r>
               <a:rPr lang="zh-CN" altLang="en-US"/>
-              <a:t>4. 高性能</a:t>
+              <a:t>. 对多次相同网路请求处理繁琐</a:t>
             </a:r>
             <a:endParaRPr lang="zh-CN" altLang="en-US"/>
           </a:p>
@@ -3595,6 +3768,191 @@
 </file>
 
 <file path=ppt/slides/slide15.xml><?xml version="1.0" encoding="utf-8"?>
+<p:sld xmlns:a="http://schemas.openxmlformats.org/drawingml/2006/main" xmlns:r="http://schemas.openxmlformats.org/officeDocument/2006/relationships" xmlns:p="http://schemas.openxmlformats.org/presentationml/2006/main">
+  <p:cSld>
+    <p:spTree>
+      <p:nvGrpSpPr>
+        <p:cNvPr id="1" name=""/>
+        <p:cNvGrpSpPr/>
+        <p:nvPr/>
+      </p:nvGrpSpPr>
+      <p:grpSpPr/>
+      <p:sp>
+        <p:nvSpPr>
+          <p:cNvPr id="2" name="Title 1"/>
+          <p:cNvSpPr>
+            <a:spLocks noGrp="1"/>
+          </p:cNvSpPr>
+          <p:nvPr>
+            <p:ph type="title"/>
+          </p:nvPr>
+        </p:nvSpPr>
+        <p:spPr/>
+        <p:txBody>
+          <a:bodyPr/>
+          <a:p>
+            <a:endParaRPr lang="en-US"/>
+          </a:p>
+        </p:txBody>
+      </p:sp>
+      <p:sp>
+        <p:nvSpPr>
+          <p:cNvPr id="3" name="Content Placeholder 2"/>
+          <p:cNvSpPr>
+            <a:spLocks noGrp="1"/>
+          </p:cNvSpPr>
+          <p:nvPr>
+            <p:ph idx="1"/>
+          </p:nvPr>
+        </p:nvSpPr>
+        <p:spPr/>
+        <p:txBody>
+          <a:bodyPr/>
+          <a:p>
+            <a:endParaRPr lang="en-US"/>
+          </a:p>
+        </p:txBody>
+      </p:sp>
+      <p:pic>
+        <p:nvPicPr>
+          <p:cNvPr id="4" name="Picture 3" descr="response1"/>
+          <p:cNvPicPr>
+            <a:picLocks noChangeAspect="1"/>
+          </p:cNvPicPr>
+          <p:nvPr/>
+        </p:nvPicPr>
+        <p:blipFill>
+          <a:blip r:embed="rId1"/>
+          <a:stretch>
+            <a:fillRect/>
+          </a:stretch>
+        </p:blipFill>
+        <p:spPr>
+          <a:xfrm>
+            <a:off x="4824095" y="4093210"/>
+            <a:ext cx="6563995" cy="2621915"/>
+          </a:xfrm>
+          <a:prstGeom prst="rect">
+            <a:avLst/>
+          </a:prstGeom>
+        </p:spPr>
+      </p:pic>
+      <p:pic>
+        <p:nvPicPr>
+          <p:cNvPr id="6" name="Picture 5" descr="request1"/>
+          <p:cNvPicPr>
+            <a:picLocks noChangeAspect="1"/>
+          </p:cNvPicPr>
+          <p:nvPr/>
+        </p:nvPicPr>
+        <p:blipFill>
+          <a:blip r:embed="rId2"/>
+          <a:stretch>
+            <a:fillRect/>
+          </a:stretch>
+        </p:blipFill>
+        <p:spPr>
+          <a:xfrm>
+            <a:off x="4849495" y="1485265"/>
+            <a:ext cx="6631305" cy="2650490"/>
+          </a:xfrm>
+          <a:prstGeom prst="rect">
+            <a:avLst/>
+          </a:prstGeom>
+        </p:spPr>
+      </p:pic>
+    </p:spTree>
+  </p:cSld>
+  <p:clrMapOvr>
+    <a:masterClrMapping/>
+  </p:clrMapOvr>
+</p:sld>
+</file>
+
+<file path=ppt/slides/slide16.xml><?xml version="1.0" encoding="utf-8"?>
+<p:sld xmlns:a="http://schemas.openxmlformats.org/drawingml/2006/main" xmlns:r="http://schemas.openxmlformats.org/officeDocument/2006/relationships" xmlns:p="http://schemas.openxmlformats.org/presentationml/2006/main">
+  <p:cSld>
+    <p:spTree>
+      <p:nvGrpSpPr>
+        <p:cNvPr id="1" name=""/>
+        <p:cNvGrpSpPr/>
+        <p:nvPr/>
+      </p:nvGrpSpPr>
+      <p:grpSpPr/>
+      <p:sp>
+        <p:nvSpPr>
+          <p:cNvPr id="2" name="标题 1"/>
+          <p:cNvSpPr>
+            <a:spLocks noGrp="1"/>
+          </p:cNvSpPr>
+          <p:nvPr>
+            <p:ph type="title"/>
+          </p:nvPr>
+        </p:nvSpPr>
+        <p:spPr/>
+        <p:txBody>
+          <a:bodyPr/>
+          <a:p>
+            <a:r>
+              <a:rPr lang="zh-CN" altLang="en-US"/>
+              <a:t>WHAT WE WANT</a:t>
+            </a:r>
+            <a:endParaRPr lang="zh-CN" altLang="en-US"/>
+          </a:p>
+        </p:txBody>
+      </p:sp>
+      <p:sp>
+        <p:nvSpPr>
+          <p:cNvPr id="3" name="内容占位符 2"/>
+          <p:cNvSpPr>
+            <a:spLocks noGrp="1"/>
+          </p:cNvSpPr>
+          <p:nvPr>
+            <p:ph idx="1"/>
+          </p:nvPr>
+        </p:nvSpPr>
+        <p:spPr/>
+        <p:txBody>
+          <a:bodyPr/>
+          <a:p>
+            <a:r>
+              <a:rPr lang="zh-CN" altLang="en-US"/>
+              <a:t>1. 接口简单，使用方便</a:t>
+            </a:r>
+            <a:endParaRPr lang="zh-CN" altLang="en-US"/>
+          </a:p>
+          <a:p>
+            <a:r>
+              <a:rPr lang="zh-CN" altLang="en-US"/>
+              <a:t>2. 易于扩展和替换</a:t>
+            </a:r>
+            <a:endParaRPr lang="zh-CN" altLang="en-US"/>
+          </a:p>
+          <a:p>
+            <a:r>
+              <a:rPr lang="zh-CN" altLang="en-US"/>
+              <a:t>3. 方便监控</a:t>
+            </a:r>
+            <a:endParaRPr lang="zh-CN" altLang="en-US"/>
+          </a:p>
+          <a:p>
+            <a:r>
+              <a:rPr lang="zh-CN" altLang="en-US"/>
+              <a:t>4. 高性能</a:t>
+            </a:r>
+            <a:endParaRPr lang="zh-CN" altLang="en-US"/>
+          </a:p>
+        </p:txBody>
+      </p:sp>
+    </p:spTree>
+  </p:cSld>
+  <p:clrMapOvr>
+    <a:masterClrMapping/>
+  </p:clrMapOvr>
+</p:sld>
+</file>
+
+<file path=ppt/slides/slide17.xml><?xml version="1.0" encoding="utf-8"?>
 <p:sld xmlns:a="http://schemas.openxmlformats.org/drawingml/2006/main" xmlns:r="http://schemas.openxmlformats.org/officeDocument/2006/relationships" xmlns:p="http://schemas.openxmlformats.org/presentationml/2006/main">
   <p:cSld>
     <p:spTree>
@@ -3677,8 +4035,8 @@
                     <a:srgbClr val="FFFFFF"/>
                   </a:solidFill>
                 </a:uFill>
-                <a:latin typeface="Arial" panose="020B0604020202020204"/>
-                <a:ea typeface="宋体" panose="02010600030101010101" pitchFamily="2" charset="-122"/>
+                <a:latin typeface="Arial" panose="02080604020202020204" charset="0"/>
+                <a:ea typeface="SimSun" charset="-122"/>
               </a:rPr>
               <a:t>Business Customization</a:t>
             </a:r>
@@ -3691,7 +4049,7 @@
                   <a:srgbClr val="FFFFFF"/>
                 </a:solidFill>
               </a:uFill>
-              <a:latin typeface="Arial" panose="020B0604020202020204"/>
+              <a:latin typeface="Arial" panose="02080604020202020204" charset="0"/>
             </a:endParaRPr>
           </a:p>
         </p:txBody>
@@ -3704,7 +4062,7 @@
         </p:nvSpPr>
         <p:spPr>
           <a:xfrm>
-            <a:off x="2900160" y="3424500"/>
+            <a:off x="2883650" y="3424500"/>
             <a:ext cx="6385680" cy="1305720"/>
           </a:xfrm>
           <a:prstGeom prst="rect">
@@ -3743,8 +4101,8 @@
                     <a:srgbClr val="FFFFFF"/>
                   </a:solidFill>
                 </a:uFill>
-                <a:latin typeface="Arial" panose="020B0604020202020204"/>
-                <a:ea typeface="宋体" panose="02010600030101010101" pitchFamily="2" charset="-122"/>
+                <a:latin typeface="Arial" panose="02080604020202020204" charset="0"/>
+                <a:ea typeface="SimSun" charset="-122"/>
               </a:rPr>
               <a:t>Net API</a:t>
             </a:r>
@@ -3757,7 +4115,7 @@
                   <a:srgbClr val="FFFFFF"/>
                 </a:solidFill>
               </a:uFill>
-              <a:latin typeface="Arial" panose="020B0604020202020204"/>
+              <a:latin typeface="Arial" panose="02080604020202020204" charset="0"/>
             </a:endParaRPr>
           </a:p>
         </p:txBody>
@@ -3770,7 +4128,7 @@
         </p:nvSpPr>
         <p:spPr>
           <a:xfrm>
-            <a:off x="2914560" y="4762440"/>
+            <a:off x="2881540" y="4762440"/>
             <a:ext cx="6385680" cy="1305720"/>
           </a:xfrm>
           <a:prstGeom prst="rect">
@@ -3809,8 +4167,8 @@
                     <a:srgbClr val="FFFFFF"/>
                   </a:solidFill>
                 </a:uFill>
-                <a:latin typeface="Arial" panose="020B0604020202020204"/>
-                <a:ea typeface="宋体" panose="02010600030101010101" pitchFamily="2" charset="-122"/>
+                <a:latin typeface="Arial" panose="02080604020202020204" charset="0"/>
+                <a:ea typeface="SimSun" charset="-122"/>
               </a:rPr>
               <a:t>OkHttp Implementation</a:t>
             </a:r>
@@ -3823,7 +4181,7 @@
                   <a:srgbClr val="FFFFFF"/>
                 </a:solidFill>
               </a:uFill>
-              <a:latin typeface="Arial" panose="020B0604020202020204"/>
+              <a:latin typeface="Arial" panose="02080604020202020204" charset="0"/>
             </a:endParaRPr>
           </a:p>
         </p:txBody>
@@ -3836,7 +4194,7 @@
 </p:sld>
 </file>
 
-<file path=ppt/slides/slide16.xml><?xml version="1.0" encoding="utf-8"?>
+<file path=ppt/slides/slide18.xml><?xml version="1.0" encoding="utf-8"?>
 <p:sld xmlns:a="http://schemas.openxmlformats.org/drawingml/2006/main" xmlns:r="http://schemas.openxmlformats.org/officeDocument/2006/relationships" xmlns:p="http://schemas.openxmlformats.org/presentationml/2006/main">
   <p:cSld>
     <p:spTree>
@@ -3901,7 +4259,7 @@
 </p:sld>
 </file>
 
-<file path=ppt/slides/slide17.xml><?xml version="1.0" encoding="utf-8"?>
+<file path=ppt/slides/slide19.xml><?xml version="1.0" encoding="utf-8"?>
 <p:sld xmlns:a="http://schemas.openxmlformats.org/drawingml/2006/main" xmlns:r="http://schemas.openxmlformats.org/officeDocument/2006/relationships" xmlns:p="http://schemas.openxmlformats.org/presentationml/2006/main">
   <p:cSld>
     <p:spTree>
@@ -3966,7 +4324,86 @@
 </p:sld>
 </file>
 
-<file path=ppt/slides/slide18.xml><?xml version="1.0" encoding="utf-8"?>
+<file path=ppt/slides/slide2.xml><?xml version="1.0" encoding="utf-8"?>
+<p:sld xmlns:a="http://schemas.openxmlformats.org/drawingml/2006/main" xmlns:r="http://schemas.openxmlformats.org/officeDocument/2006/relationships" xmlns:p="http://schemas.openxmlformats.org/presentationml/2006/main">
+  <p:cSld>
+    <p:spTree>
+      <p:nvGrpSpPr>
+        <p:cNvPr id="1" name=""/>
+        <p:cNvGrpSpPr/>
+        <p:nvPr/>
+      </p:nvGrpSpPr>
+      <p:grpSpPr/>
+      <p:sp>
+        <p:nvSpPr>
+          <p:cNvPr id="2" name="标题 1"/>
+          <p:cNvSpPr>
+            <a:spLocks noGrp="1"/>
+          </p:cNvSpPr>
+          <p:nvPr>
+            <p:ph type="title"/>
+          </p:nvPr>
+        </p:nvSpPr>
+        <p:spPr/>
+        <p:txBody>
+          <a:bodyPr/>
+          <a:p>
+            <a:endParaRPr lang="zh-CN" altLang="en-US"/>
+          </a:p>
+        </p:txBody>
+      </p:sp>
+      <p:sp>
+        <p:nvSpPr>
+          <p:cNvPr id="3" name="内容占位符 2"/>
+          <p:cNvSpPr>
+            <a:spLocks noGrp="1"/>
+          </p:cNvSpPr>
+          <p:nvPr>
+            <p:ph idx="1"/>
+          </p:nvPr>
+        </p:nvSpPr>
+        <p:spPr/>
+        <p:txBody>
+          <a:bodyPr/>
+          <a:p>
+            <a:r>
+              <a:rPr lang="x-none" altLang="zh-CN"/>
+              <a:t>Why we want to make a change</a:t>
+            </a:r>
+            <a:endParaRPr lang="x-none" altLang="zh-CN"/>
+          </a:p>
+          <a:p>
+            <a:r>
+              <a:rPr lang="x-none" altLang="zh-CN"/>
+              <a:t>What we want</a:t>
+            </a:r>
+            <a:endParaRPr lang="x-none" altLang="zh-CN"/>
+          </a:p>
+          <a:p>
+            <a:r>
+              <a:rPr lang="x-none" altLang="zh-CN"/>
+              <a:t>How to make it</a:t>
+            </a:r>
+            <a:endParaRPr lang="x-none" altLang="zh-CN"/>
+          </a:p>
+          <a:p>
+            <a:r>
+              <a:rPr lang="x-none" altLang="zh-CN"/>
+              <a:t>more</a:t>
+            </a:r>
+            <a:endParaRPr lang="x-none" altLang="zh-CN"/>
+          </a:p>
+        </p:txBody>
+      </p:sp>
+    </p:spTree>
+  </p:cSld>
+  <p:clrMapOvr>
+    <a:masterClrMapping/>
+  </p:clrMapOvr>
+</p:sld>
+</file>
+
+<file path=ppt/slides/slide20.xml><?xml version="1.0" encoding="utf-8"?>
 <p:sld xmlns:a="http://schemas.openxmlformats.org/drawingml/2006/main" xmlns:r="http://schemas.openxmlformats.org/officeDocument/2006/relationships" xmlns:p="http://schemas.openxmlformats.org/presentationml/2006/main">
   <p:cSld>
     <p:spTree>
@@ -4031,186 +4468,6 @@
 </p:sld>
 </file>
 
-<file path=ppt/slides/slide19.xml><?xml version="1.0" encoding="utf-8"?>
-<p:sld xmlns:a="http://schemas.openxmlformats.org/drawingml/2006/main" xmlns:r="http://schemas.openxmlformats.org/officeDocument/2006/relationships" xmlns:p="http://schemas.openxmlformats.org/presentationml/2006/main">
-  <p:cSld>
-    <p:spTree>
-      <p:nvGrpSpPr>
-        <p:cNvPr id="1" name=""/>
-        <p:cNvGrpSpPr/>
-        <p:nvPr/>
-      </p:nvGrpSpPr>
-      <p:grpSpPr/>
-      <p:sp>
-        <p:nvSpPr>
-          <p:cNvPr id="2" name="标题 1"/>
-          <p:cNvSpPr>
-            <a:spLocks noGrp="1"/>
-          </p:cNvSpPr>
-          <p:nvPr>
-            <p:ph type="title"/>
-          </p:nvPr>
-        </p:nvSpPr>
-        <p:spPr/>
-        <p:txBody>
-          <a:bodyPr/>
-          <a:p>
-            <a:endParaRPr lang="zh-CN" altLang="en-US"/>
-          </a:p>
-        </p:txBody>
-      </p:sp>
-      <p:sp>
-        <p:nvSpPr>
-          <p:cNvPr id="3" name="内容占位符 2"/>
-          <p:cNvSpPr>
-            <a:spLocks noGrp="1"/>
-          </p:cNvSpPr>
-          <p:nvPr>
-            <p:ph idx="1"/>
-          </p:nvPr>
-        </p:nvSpPr>
-        <p:spPr/>
-        <p:txBody>
-          <a:bodyPr/>
-          <a:p>
-            <a:endParaRPr lang="zh-CN" altLang="en-US"/>
-          </a:p>
-        </p:txBody>
-      </p:sp>
-    </p:spTree>
-  </p:cSld>
-  <p:clrMapOvr>
-    <a:masterClrMapping/>
-  </p:clrMapOvr>
-</p:sld>
-</file>
-
-<file path=ppt/slides/slide2.xml><?xml version="1.0" encoding="utf-8"?>
-<p:sld xmlns:a="http://schemas.openxmlformats.org/drawingml/2006/main" xmlns:r="http://schemas.openxmlformats.org/officeDocument/2006/relationships" xmlns:p="http://schemas.openxmlformats.org/presentationml/2006/main">
-  <p:cSld>
-    <p:spTree>
-      <p:nvGrpSpPr>
-        <p:cNvPr id="1" name=""/>
-        <p:cNvGrpSpPr/>
-        <p:nvPr/>
-      </p:nvGrpSpPr>
-      <p:grpSpPr/>
-      <p:sp>
-        <p:nvSpPr>
-          <p:cNvPr id="2" name="标题 1"/>
-          <p:cNvSpPr>
-            <a:spLocks noGrp="1"/>
-          </p:cNvSpPr>
-          <p:nvPr>
-            <p:ph type="title"/>
-          </p:nvPr>
-        </p:nvSpPr>
-        <p:spPr/>
-        <p:txBody>
-          <a:bodyPr/>
-          <a:p>
-            <a:endParaRPr lang="zh-CN" altLang="en-US"/>
-          </a:p>
-        </p:txBody>
-      </p:sp>
-      <p:sp>
-        <p:nvSpPr>
-          <p:cNvPr id="3" name="内容占位符 2"/>
-          <p:cNvSpPr>
-            <a:spLocks noGrp="1"/>
-          </p:cNvSpPr>
-          <p:nvPr>
-            <p:ph idx="1"/>
-          </p:nvPr>
-        </p:nvSpPr>
-        <p:spPr/>
-        <p:txBody>
-          <a:bodyPr/>
-          <a:p>
-            <a:r>
-              <a:rPr lang="zh-CN" altLang="en-US"/>
-              <a:t>1.	旧框架接口复杂，使用繁琐</a:t>
-            </a:r>
-            <a:endParaRPr lang="zh-CN" altLang="en-US"/>
-          </a:p>
-          <a:p>
-            <a:r>
-              <a:rPr lang="zh-CN" altLang="en-US"/>
-              <a:t>2.	效率低下</a:t>
-            </a:r>
-            <a:endParaRPr lang="zh-CN" altLang="en-US"/>
-          </a:p>
-          <a:p>
-            <a:r>
-              <a:rPr lang="zh-CN" altLang="en-US"/>
-              <a:t>3.	基于HttpClient实现</a:t>
-            </a:r>
-            <a:endParaRPr lang="zh-CN" altLang="en-US"/>
-          </a:p>
-        </p:txBody>
-      </p:sp>
-    </p:spTree>
-  </p:cSld>
-  <p:clrMapOvr>
-    <a:masterClrMapping/>
-  </p:clrMapOvr>
-</p:sld>
-</file>
-
-<file path=ppt/slides/slide20.xml><?xml version="1.0" encoding="utf-8"?>
-<p:sld xmlns:a="http://schemas.openxmlformats.org/drawingml/2006/main" xmlns:r="http://schemas.openxmlformats.org/officeDocument/2006/relationships" xmlns:p="http://schemas.openxmlformats.org/presentationml/2006/main">
-  <p:cSld>
-    <p:spTree>
-      <p:nvGrpSpPr>
-        <p:cNvPr id="1" name=""/>
-        <p:cNvGrpSpPr/>
-        <p:nvPr/>
-      </p:nvGrpSpPr>
-      <p:grpSpPr/>
-      <p:sp>
-        <p:nvSpPr>
-          <p:cNvPr id="2" name="标题 1"/>
-          <p:cNvSpPr>
-            <a:spLocks noGrp="1"/>
-          </p:cNvSpPr>
-          <p:nvPr>
-            <p:ph type="title"/>
-          </p:nvPr>
-        </p:nvSpPr>
-        <p:spPr/>
-        <p:txBody>
-          <a:bodyPr/>
-          <a:p>
-            <a:endParaRPr lang="zh-CN" altLang="en-US"/>
-          </a:p>
-        </p:txBody>
-      </p:sp>
-      <p:sp>
-        <p:nvSpPr>
-          <p:cNvPr id="3" name="内容占位符 2"/>
-          <p:cNvSpPr>
-            <a:spLocks noGrp="1"/>
-          </p:cNvSpPr>
-          <p:nvPr>
-            <p:ph idx="1"/>
-          </p:nvPr>
-        </p:nvSpPr>
-        <p:spPr/>
-        <p:txBody>
-          <a:bodyPr/>
-          <a:p>
-            <a:endParaRPr lang="zh-CN" altLang="en-US"/>
-          </a:p>
-        </p:txBody>
-      </p:sp>
-    </p:spTree>
-  </p:cSld>
-  <p:clrMapOvr>
-    <a:masterClrMapping/>
-  </p:clrMapOvr>
-</p:sld>
-</file>
-
 <file path=ppt/slides/slide21.xml><?xml version="1.0" encoding="utf-8"?>
 <p:sld xmlns:a="http://schemas.openxmlformats.org/drawingml/2006/main" xmlns:r="http://schemas.openxmlformats.org/officeDocument/2006/relationships" xmlns:p="http://schemas.openxmlformats.org/presentationml/2006/main">
   <p:cSld>
@@ -4223,7 +4480,7 @@
       <p:grpSpPr/>
       <p:sp>
         <p:nvSpPr>
-          <p:cNvPr id="2" name="标题 1"/>
+          <p:cNvPr id="2" name="Title 1"/>
           <p:cNvSpPr>
             <a:spLocks noGrp="1"/>
           </p:cNvSpPr>
@@ -4235,13 +4492,17 @@
         <p:txBody>
           <a:bodyPr/>
           <a:p>
-            <a:endParaRPr lang="zh-CN" altLang="en-US"/>
-          </a:p>
-        </p:txBody>
-      </p:sp>
-      <p:sp>
-        <p:nvSpPr>
-          <p:cNvPr id="3" name="内容占位符 2"/>
+            <a:r>
+              <a:rPr lang="x-none" altLang="en-US"/>
+              <a:t>WHY OKHTTP</a:t>
+            </a:r>
+            <a:endParaRPr lang="x-none" altLang="en-US"/>
+          </a:p>
+        </p:txBody>
+      </p:sp>
+      <p:sp>
+        <p:nvSpPr>
+          <p:cNvPr id="3" name="Content Placeholder 2"/>
           <p:cNvSpPr>
             <a:spLocks noGrp="1"/>
           </p:cNvSpPr>
@@ -4251,9 +4512,81 @@
         </p:nvSpPr>
         <p:spPr/>
         <p:txBody>
-          <a:bodyPr/>
-          <a:p>
-            <a:endParaRPr lang="zh-CN" altLang="en-US"/>
+          <a:bodyPr>
+            <a:normAutofit lnSpcReduction="10000"/>
+          </a:bodyPr>
+          <a:p>
+            <a:pPr marL="0" indent="0">
+              <a:buNone/>
+            </a:pPr>
+            <a:r>
+              <a:rPr lang="en-US"/>
+              <a:t>OkHttp is an HTTP client that’s efficient by default:</a:t>
+            </a:r>
+            <a:endParaRPr lang="en-US"/>
+          </a:p>
+          <a:p>
+            <a:r>
+              <a:rPr lang="en-US" sz="2000"/>
+              <a:t>HTTP/2 support allows all requests to the same host to share a socket.</a:t>
+            </a:r>
+            <a:endParaRPr lang="en-US" sz="2000"/>
+          </a:p>
+          <a:p>
+            <a:r>
+              <a:rPr lang="en-US" sz="2000"/>
+              <a:t>Connection pooling reduces request latency (if HTTP/2 isn’t available).</a:t>
+            </a:r>
+            <a:endParaRPr lang="en-US" sz="2000"/>
+          </a:p>
+          <a:p>
+            <a:r>
+              <a:rPr lang="en-US" sz="2000"/>
+              <a:t>Transparent GZIP shrinks download sizes.</a:t>
+            </a:r>
+            <a:endParaRPr lang="en-US" sz="2000"/>
+          </a:p>
+          <a:p>
+            <a:r>
+              <a:rPr lang="en-US" sz="2000"/>
+              <a:t>Response caching avoids the network completely for repeat requests.</a:t>
+            </a:r>
+            <a:endParaRPr lang="en-US" sz="2000"/>
+          </a:p>
+          <a:p>
+            <a:r>
+              <a:rPr lang="en-US" sz="2000"/>
+              <a:t>supports both synchronous blocking calls and async calls with callbacks.</a:t>
+            </a:r>
+            <a:endParaRPr lang="en-US" sz="2000"/>
+          </a:p>
+          <a:p>
+            <a:r>
+              <a:rPr lang="en-US" sz="2000"/>
+              <a:t>support https</a:t>
+            </a:r>
+            <a:endParaRPr lang="en-US" sz="2000"/>
+          </a:p>
+          <a:p>
+            <a:r>
+              <a:rPr lang="en-US" sz="2000"/>
+              <a:t>over 13,000 stars on github</a:t>
+            </a:r>
+            <a:endParaRPr lang="en-US" sz="2000"/>
+          </a:p>
+          <a:p>
+            <a:r>
+              <a:rPr lang="en-US" sz="2000"/>
+              <a:t>continuous maintenance</a:t>
+            </a:r>
+            <a:endParaRPr lang="en-US" sz="2000"/>
+          </a:p>
+          <a:p>
+            <a:r>
+              <a:rPr lang="x-none" altLang="en-US" sz="2000"/>
+              <a:t>more...</a:t>
+            </a:r>
+            <a:endParaRPr lang="x-none" altLang="en-US" sz="2000"/>
           </a:p>
         </p:txBody>
       </p:sp>
@@ -4289,6 +4622,12 @@
         <p:txBody>
           <a:bodyPr/>
           <a:p>
+            <a:r>
+              <a:rPr lang="x-none" altLang="zh-CN">
+                <a:sym typeface="+mn-ea"/>
+              </a:rPr>
+              <a:t>okhttp实现原理</a:t>
+            </a:r>
             <a:endParaRPr lang="zh-CN" altLang="en-US"/>
           </a:p>
         </p:txBody>
@@ -4305,9 +4644,98 @@
         </p:nvSpPr>
         <p:spPr/>
         <p:txBody>
-          <a:bodyPr/>
-          <a:p>
-            <a:endParaRPr lang="zh-CN" altLang="en-US"/>
+          <a:bodyPr>
+            <a:normAutofit lnSpcReduction="10000"/>
+          </a:bodyPr>
+          <a:p>
+            <a:pPr marL="0" indent="0">
+              <a:buNone/>
+            </a:pPr>
+            <a:r>
+              <a:rPr lang="x-none" altLang="zh-CN"/>
+              <a:t>OkHttpClient</a:t>
+            </a:r>
+            <a:endParaRPr lang="x-none" altLang="zh-CN"/>
+          </a:p>
+          <a:p>
+            <a:pPr marL="0" indent="0">
+              <a:buNone/>
+            </a:pPr>
+            <a:r>
+              <a:rPr lang="x-none" altLang="zh-CN"/>
+              <a:t>	a.配置信息和资源管理</a:t>
+            </a:r>
+            <a:endParaRPr lang="x-none" altLang="zh-CN"/>
+          </a:p>
+          <a:p>
+            <a:pPr marL="0" indent="0">
+              <a:buNone/>
+            </a:pPr>
+            <a:r>
+              <a:rPr lang="x-none" altLang="zh-CN"/>
+              <a:t>		Dispatcher</a:t>
+            </a:r>
+            <a:endParaRPr lang="x-none" altLang="zh-CN"/>
+          </a:p>
+          <a:p>
+            <a:pPr marL="0" indent="0">
+              <a:buNone/>
+            </a:pPr>
+            <a:r>
+              <a:rPr lang="x-none" altLang="zh-CN"/>
+              <a:t>		dns</a:t>
+            </a:r>
+            <a:endParaRPr lang="x-none" altLang="zh-CN"/>
+          </a:p>
+          <a:p>
+            <a:pPr marL="0" indent="0">
+              <a:buNone/>
+            </a:pPr>
+            <a:r>
+              <a:rPr lang="x-none" altLang="zh-CN"/>
+              <a:t>		timeout</a:t>
+            </a:r>
+            <a:endParaRPr lang="x-none" altLang="zh-CN"/>
+          </a:p>
+          <a:p>
+            <a:pPr marL="0" indent="0">
+              <a:buNone/>
+            </a:pPr>
+            <a:r>
+              <a:rPr lang="x-none" altLang="zh-CN"/>
+              <a:t>		cookie</a:t>
+            </a:r>
+            <a:endParaRPr lang="x-none" altLang="zh-CN"/>
+          </a:p>
+          <a:p>
+            <a:pPr marL="0" indent="0">
+              <a:buNone/>
+            </a:pPr>
+            <a:r>
+              <a:rPr lang="x-none" altLang="zh-CN"/>
+              <a:t>		cache</a:t>
+            </a:r>
+            <a:endParaRPr lang="x-none" altLang="zh-CN"/>
+          </a:p>
+          <a:p>
+            <a:pPr marL="0" indent="0">
+              <a:buNone/>
+            </a:pPr>
+            <a:r>
+              <a:rPr lang="x-none" altLang="zh-CN"/>
+              <a:t>		more...</a:t>
+            </a:r>
+            <a:endParaRPr lang="x-none" altLang="zh-CN"/>
+          </a:p>
+          <a:p>
+            <a:pPr marL="0" indent="0">
+              <a:buNone/>
+            </a:pPr>
+            <a:r>
+              <a:rPr lang="x-none" altLang="zh-CN"/>
+              <a:t>	b.Call工厂</a:t>
+            </a:r>
+            <a:endParaRPr lang="x-none" altLang="zh-CN"/>
           </a:p>
         </p:txBody>
       </p:sp>
@@ -4331,6 +4759,613 @@
       <p:grpSpPr/>
       <p:sp>
         <p:nvSpPr>
+          <p:cNvPr id="5" name="Down Arrow 4"/>
+          <p:cNvSpPr/>
+          <p:nvPr/>
+        </p:nvSpPr>
+        <p:spPr>
+          <a:xfrm rot="10800000">
+            <a:off x="8096250" y="1605915"/>
+            <a:ext cx="365125" cy="4578350"/>
+          </a:xfrm>
+          <a:prstGeom prst="downArrow">
+            <a:avLst/>
+          </a:prstGeom>
+        </p:spPr>
+        <p:style>
+          <a:lnRef idx="2">
+            <a:schemeClr val="accent1">
+              <a:shade val="50000"/>
+            </a:schemeClr>
+          </a:lnRef>
+          <a:fillRef idx="1">
+            <a:schemeClr val="accent1"/>
+          </a:fillRef>
+          <a:effectRef idx="0">
+            <a:schemeClr val="accent1"/>
+          </a:effectRef>
+          <a:fontRef idx="minor">
+            <a:schemeClr val="lt1"/>
+          </a:fontRef>
+        </p:style>
+        <p:txBody>
+          <a:bodyPr rtlCol="0" anchor="ctr"/>
+          <a:p>
+            <a:pPr algn="ctr"/>
+            <a:endParaRPr lang="en-US"/>
+          </a:p>
+        </p:txBody>
+      </p:sp>
+      <p:sp>
+        <p:nvSpPr>
+          <p:cNvPr id="4" name="Down Arrow 3"/>
+          <p:cNvSpPr/>
+          <p:nvPr/>
+        </p:nvSpPr>
+        <p:spPr>
+          <a:xfrm>
+            <a:off x="6904355" y="1644015"/>
+            <a:ext cx="365125" cy="4578350"/>
+          </a:xfrm>
+          <a:prstGeom prst="downArrow">
+            <a:avLst/>
+          </a:prstGeom>
+        </p:spPr>
+        <p:style>
+          <a:lnRef idx="2">
+            <a:schemeClr val="accent1">
+              <a:shade val="50000"/>
+            </a:schemeClr>
+          </a:lnRef>
+          <a:fillRef idx="1">
+            <a:schemeClr val="accent1"/>
+          </a:fillRef>
+          <a:effectRef idx="0">
+            <a:schemeClr val="accent1"/>
+          </a:effectRef>
+          <a:fontRef idx="minor">
+            <a:schemeClr val="lt1"/>
+          </a:fontRef>
+        </p:style>
+        <p:txBody>
+          <a:bodyPr rtlCol="0" anchor="ctr"/>
+          <a:p>
+            <a:pPr algn="ctr"/>
+            <a:endParaRPr lang="en-US"/>
+          </a:p>
+        </p:txBody>
+      </p:sp>
+      <p:sp>
+        <p:nvSpPr>
+          <p:cNvPr id="2" name="标题 1"/>
+          <p:cNvSpPr>
+            <a:spLocks noGrp="1"/>
+          </p:cNvSpPr>
+          <p:nvPr>
+            <p:ph type="title"/>
+          </p:nvPr>
+        </p:nvSpPr>
+        <p:spPr/>
+        <p:txBody>
+          <a:bodyPr/>
+          <a:p>
+            <a:r>
+              <a:rPr lang="x-none" altLang="zh-CN"/>
+              <a:t>okhttp实现原理</a:t>
+            </a:r>
+            <a:endParaRPr lang="x-none" altLang="zh-CN"/>
+          </a:p>
+        </p:txBody>
+      </p:sp>
+      <p:sp>
+        <p:nvSpPr>
+          <p:cNvPr id="3" name="内容占位符 2"/>
+          <p:cNvSpPr>
+            <a:spLocks noGrp="1"/>
+          </p:cNvSpPr>
+          <p:nvPr>
+            <p:ph idx="1"/>
+          </p:nvPr>
+        </p:nvSpPr>
+        <p:spPr/>
+        <p:txBody>
+          <a:bodyPr/>
+          <a:p>
+            <a:r>
+              <a:rPr lang="x-none" altLang="zh-CN"/>
+              <a:t>Call代表一条网络请求的全部过程</a:t>
+            </a:r>
+            <a:endParaRPr lang="x-none" altLang="zh-CN"/>
+          </a:p>
+        </p:txBody>
+      </p:sp>
+      <p:sp>
+        <p:nvSpPr>
+          <p:cNvPr id="9" name="Rectangle 8"/>
+          <p:cNvSpPr/>
+          <p:nvPr/>
+        </p:nvSpPr>
+        <p:spPr>
+          <a:xfrm>
+            <a:off x="5600700" y="2343150"/>
+            <a:ext cx="4220210" cy="516890"/>
+          </a:xfrm>
+          <a:prstGeom prst="rect">
+            <a:avLst/>
+          </a:prstGeom>
+        </p:spPr>
+        <p:style>
+          <a:lnRef idx="2">
+            <a:schemeClr val="accent1">
+              <a:shade val="50000"/>
+            </a:schemeClr>
+          </a:lnRef>
+          <a:fillRef idx="1">
+            <a:schemeClr val="accent1"/>
+          </a:fillRef>
+          <a:effectRef idx="0">
+            <a:schemeClr val="accent1"/>
+          </a:effectRef>
+          <a:fontRef idx="minor">
+            <a:schemeClr val="lt1"/>
+          </a:fontRef>
+        </p:style>
+        <p:txBody>
+          <a:bodyPr rtlCol="0" anchor="ctr"/>
+          <a:p>
+            <a:pPr algn="ctr"/>
+            <a:r>
+              <a:rPr lang="en-US"/>
+              <a:t>RetryAndFollowUpInterceptor</a:t>
+            </a:r>
+            <a:endParaRPr lang="en-US"/>
+          </a:p>
+        </p:txBody>
+      </p:sp>
+      <p:sp>
+        <p:nvSpPr>
+          <p:cNvPr id="10" name="Rectangle 9"/>
+          <p:cNvSpPr/>
+          <p:nvPr/>
+        </p:nvSpPr>
+        <p:spPr>
+          <a:xfrm>
+            <a:off x="5594985" y="1770380"/>
+            <a:ext cx="4220210" cy="516890"/>
+          </a:xfrm>
+          <a:prstGeom prst="rect">
+            <a:avLst/>
+          </a:prstGeom>
+        </p:spPr>
+        <p:style>
+          <a:lnRef idx="2">
+            <a:schemeClr val="accent1">
+              <a:shade val="50000"/>
+            </a:schemeClr>
+          </a:lnRef>
+          <a:fillRef idx="1">
+            <a:schemeClr val="accent1"/>
+          </a:fillRef>
+          <a:effectRef idx="0">
+            <a:schemeClr val="accent1"/>
+          </a:effectRef>
+          <a:fontRef idx="minor">
+            <a:schemeClr val="lt1"/>
+          </a:fontRef>
+        </p:style>
+        <p:txBody>
+          <a:bodyPr rtlCol="0" anchor="ctr"/>
+          <a:p>
+            <a:pPr algn="ctr"/>
+            <a:r>
+              <a:rPr lang="en-US"/>
+              <a:t>interceptors</a:t>
+            </a:r>
+            <a:endParaRPr lang="en-US"/>
+          </a:p>
+        </p:txBody>
+      </p:sp>
+      <p:sp>
+        <p:nvSpPr>
+          <p:cNvPr id="11" name="Rectangle 10"/>
+          <p:cNvSpPr/>
+          <p:nvPr/>
+        </p:nvSpPr>
+        <p:spPr>
+          <a:xfrm>
+            <a:off x="5594350" y="2929890"/>
+            <a:ext cx="4220210" cy="516890"/>
+          </a:xfrm>
+          <a:prstGeom prst="rect">
+            <a:avLst/>
+          </a:prstGeom>
+        </p:spPr>
+        <p:style>
+          <a:lnRef idx="2">
+            <a:schemeClr val="accent1">
+              <a:shade val="50000"/>
+            </a:schemeClr>
+          </a:lnRef>
+          <a:fillRef idx="1">
+            <a:schemeClr val="accent1"/>
+          </a:fillRef>
+          <a:effectRef idx="0">
+            <a:schemeClr val="accent1"/>
+          </a:effectRef>
+          <a:fontRef idx="minor">
+            <a:schemeClr val="lt1"/>
+          </a:fontRef>
+        </p:style>
+        <p:txBody>
+          <a:bodyPr rtlCol="0" anchor="ctr"/>
+          <a:p>
+            <a:pPr algn="ctr"/>
+            <a:r>
+              <a:rPr lang="en-US"/>
+              <a:t>BridgeInterceptor</a:t>
+            </a:r>
+            <a:endParaRPr lang="en-US"/>
+          </a:p>
+        </p:txBody>
+      </p:sp>
+      <p:sp>
+        <p:nvSpPr>
+          <p:cNvPr id="12" name="Rectangle 11"/>
+          <p:cNvSpPr/>
+          <p:nvPr/>
+        </p:nvSpPr>
+        <p:spPr>
+          <a:xfrm>
+            <a:off x="5591175" y="3525520"/>
+            <a:ext cx="4220210" cy="516890"/>
+          </a:xfrm>
+          <a:prstGeom prst="rect">
+            <a:avLst/>
+          </a:prstGeom>
+        </p:spPr>
+        <p:style>
+          <a:lnRef idx="2">
+            <a:schemeClr val="accent1">
+              <a:shade val="50000"/>
+            </a:schemeClr>
+          </a:lnRef>
+          <a:fillRef idx="1">
+            <a:schemeClr val="accent1"/>
+          </a:fillRef>
+          <a:effectRef idx="0">
+            <a:schemeClr val="accent1"/>
+          </a:effectRef>
+          <a:fontRef idx="minor">
+            <a:schemeClr val="lt1"/>
+          </a:fontRef>
+        </p:style>
+        <p:txBody>
+          <a:bodyPr rtlCol="0" anchor="ctr"/>
+          <a:p>
+            <a:pPr algn="ctr"/>
+            <a:r>
+              <a:rPr lang="en-US"/>
+              <a:t>CacheInterceptor</a:t>
+            </a:r>
+            <a:endParaRPr lang="en-US"/>
+          </a:p>
+        </p:txBody>
+      </p:sp>
+      <p:sp>
+        <p:nvSpPr>
+          <p:cNvPr id="13" name="Rectangle 12"/>
+          <p:cNvSpPr/>
+          <p:nvPr/>
+        </p:nvSpPr>
+        <p:spPr>
+          <a:xfrm>
+            <a:off x="5589905" y="4164965"/>
+            <a:ext cx="4220210" cy="516890"/>
+          </a:xfrm>
+          <a:prstGeom prst="rect">
+            <a:avLst/>
+          </a:prstGeom>
+        </p:spPr>
+        <p:style>
+          <a:lnRef idx="2">
+            <a:schemeClr val="accent1">
+              <a:shade val="50000"/>
+            </a:schemeClr>
+          </a:lnRef>
+          <a:fillRef idx="1">
+            <a:schemeClr val="accent1"/>
+          </a:fillRef>
+          <a:effectRef idx="0">
+            <a:schemeClr val="accent1"/>
+          </a:effectRef>
+          <a:fontRef idx="minor">
+            <a:schemeClr val="lt1"/>
+          </a:fontRef>
+        </p:style>
+        <p:txBody>
+          <a:bodyPr rtlCol="0" anchor="ctr"/>
+          <a:p>
+            <a:pPr algn="ctr"/>
+            <a:r>
+              <a:rPr lang="en-US"/>
+              <a:t>ConnectInterceptor</a:t>
+            </a:r>
+            <a:endParaRPr lang="en-US"/>
+          </a:p>
+        </p:txBody>
+      </p:sp>
+      <p:sp>
+        <p:nvSpPr>
+          <p:cNvPr id="14" name="Rectangle 13"/>
+          <p:cNvSpPr/>
+          <p:nvPr/>
+        </p:nvSpPr>
+        <p:spPr>
+          <a:xfrm>
+            <a:off x="5586730" y="5444490"/>
+            <a:ext cx="4220210" cy="516890"/>
+          </a:xfrm>
+          <a:prstGeom prst="rect">
+            <a:avLst/>
+          </a:prstGeom>
+        </p:spPr>
+        <p:style>
+          <a:lnRef idx="2">
+            <a:schemeClr val="accent1">
+              <a:shade val="50000"/>
+            </a:schemeClr>
+          </a:lnRef>
+          <a:fillRef idx="1">
+            <a:schemeClr val="accent1"/>
+          </a:fillRef>
+          <a:effectRef idx="0">
+            <a:schemeClr val="accent1"/>
+          </a:effectRef>
+          <a:fontRef idx="minor">
+            <a:schemeClr val="lt1"/>
+          </a:fontRef>
+        </p:style>
+        <p:txBody>
+          <a:bodyPr rtlCol="0" anchor="ctr"/>
+          <a:p>
+            <a:pPr algn="ctr"/>
+            <a:r>
+              <a:rPr lang="en-US"/>
+              <a:t>CallServerInterceptor</a:t>
+            </a:r>
+            <a:endParaRPr lang="en-US"/>
+          </a:p>
+        </p:txBody>
+      </p:sp>
+      <p:sp>
+        <p:nvSpPr>
+          <p:cNvPr id="15" name="Rectangle 14"/>
+          <p:cNvSpPr/>
+          <p:nvPr/>
+        </p:nvSpPr>
+        <p:spPr>
+          <a:xfrm>
+            <a:off x="5593080" y="4780280"/>
+            <a:ext cx="4220210" cy="516890"/>
+          </a:xfrm>
+          <a:prstGeom prst="rect">
+            <a:avLst/>
+          </a:prstGeom>
+        </p:spPr>
+        <p:style>
+          <a:lnRef idx="2">
+            <a:schemeClr val="accent1">
+              <a:shade val="50000"/>
+            </a:schemeClr>
+          </a:lnRef>
+          <a:fillRef idx="1">
+            <a:schemeClr val="accent1"/>
+          </a:fillRef>
+          <a:effectRef idx="0">
+            <a:schemeClr val="accent1"/>
+          </a:effectRef>
+          <a:fontRef idx="minor">
+            <a:schemeClr val="lt1"/>
+          </a:fontRef>
+        </p:style>
+        <p:txBody>
+          <a:bodyPr rtlCol="0" anchor="ctr"/>
+          <a:p>
+            <a:pPr algn="ctr"/>
+            <a:r>
+              <a:rPr lang="en-US"/>
+              <a:t>networkInterceptors</a:t>
+            </a:r>
+            <a:endParaRPr lang="en-US"/>
+          </a:p>
+        </p:txBody>
+      </p:sp>
+      <p:sp>
+        <p:nvSpPr>
+          <p:cNvPr id="6" name="Text Box 5"/>
+          <p:cNvSpPr txBox="1"/>
+          <p:nvPr/>
+        </p:nvSpPr>
+        <p:spPr>
+          <a:xfrm>
+            <a:off x="7016115" y="6363970"/>
+            <a:ext cx="1440180" cy="365760"/>
+          </a:xfrm>
+          <a:prstGeom prst="rect">
+            <a:avLst/>
+          </a:prstGeom>
+          <a:noFill/>
+        </p:spPr>
+        <p:txBody>
+          <a:bodyPr wrap="none" rtlCol="0">
+            <a:spAutoFit/>
+          </a:bodyPr>
+          <a:p>
+            <a:r>
+              <a:rPr lang="x-none" altLang="en-US"/>
+              <a:t>Http Server</a:t>
+            </a:r>
+            <a:endParaRPr lang="x-none" altLang="en-US"/>
+          </a:p>
+        </p:txBody>
+      </p:sp>
+    </p:spTree>
+  </p:cSld>
+  <p:clrMapOvr>
+    <a:masterClrMapping/>
+  </p:clrMapOvr>
+</p:sld>
+</file>
+
+<file path=ppt/slides/slide24.xml><?xml version="1.0" encoding="utf-8"?>
+<p:sld xmlns:a="http://schemas.openxmlformats.org/drawingml/2006/main" xmlns:r="http://schemas.openxmlformats.org/officeDocument/2006/relationships" xmlns:p="http://schemas.openxmlformats.org/presentationml/2006/main">
+  <p:cSld>
+    <p:spTree>
+      <p:nvGrpSpPr>
+        <p:cNvPr id="1" name=""/>
+        <p:cNvGrpSpPr/>
+        <p:nvPr/>
+      </p:nvGrpSpPr>
+      <p:grpSpPr/>
+      <p:sp>
+        <p:nvSpPr>
+          <p:cNvPr id="2" name="标题 1"/>
+          <p:cNvSpPr>
+            <a:spLocks noGrp="1"/>
+          </p:cNvSpPr>
+          <p:nvPr>
+            <p:ph type="title"/>
+          </p:nvPr>
+        </p:nvSpPr>
+        <p:spPr/>
+        <p:txBody>
+          <a:bodyPr/>
+          <a:p>
+            <a:r>
+              <a:rPr lang="x-none" altLang="zh-CN"/>
+              <a:t>MORE</a:t>
+            </a:r>
+            <a:endParaRPr lang="x-none" altLang="zh-CN"/>
+          </a:p>
+        </p:txBody>
+      </p:sp>
+      <p:sp>
+        <p:nvSpPr>
+          <p:cNvPr id="3" name="内容占位符 2"/>
+          <p:cNvSpPr>
+            <a:spLocks noGrp="1"/>
+          </p:cNvSpPr>
+          <p:nvPr>
+            <p:ph idx="1"/>
+          </p:nvPr>
+        </p:nvSpPr>
+        <p:spPr/>
+        <p:txBody>
+          <a:bodyPr/>
+          <a:p>
+            <a:r>
+              <a:rPr lang="x-none" altLang="zh-CN"/>
+              <a:t>1.日志输出</a:t>
+            </a:r>
+            <a:endParaRPr lang="x-none" altLang="zh-CN"/>
+          </a:p>
+          <a:p>
+            <a:r>
+              <a:rPr lang="x-none" altLang="zh-CN"/>
+              <a:t>2.性能监控</a:t>
+            </a:r>
+            <a:endParaRPr lang="x-none" altLang="zh-CN"/>
+          </a:p>
+          <a:p>
+            <a:r>
+              <a:rPr lang="x-none" altLang="zh-CN"/>
+              <a:t>3.目前美聊Android大约有接口190个左右，需要分别修改</a:t>
+            </a:r>
+            <a:endParaRPr lang="x-none" altLang="zh-CN"/>
+          </a:p>
+          <a:p>
+            <a:r>
+              <a:rPr lang="x-none" altLang="zh-CN"/>
+              <a:t>4.上传稳定的包到代码库中</a:t>
+            </a:r>
+            <a:endParaRPr lang="x-none" altLang="zh-CN"/>
+          </a:p>
+        </p:txBody>
+      </p:sp>
+    </p:spTree>
+  </p:cSld>
+  <p:clrMapOvr>
+    <a:masterClrMapping/>
+  </p:clrMapOvr>
+</p:sld>
+</file>
+
+<file path=ppt/slides/slide25.xml><?xml version="1.0" encoding="utf-8"?>
+<p:sld xmlns:a="http://schemas.openxmlformats.org/drawingml/2006/main" xmlns:r="http://schemas.openxmlformats.org/officeDocument/2006/relationships" xmlns:p="http://schemas.openxmlformats.org/presentationml/2006/main">
+  <p:cSld>
+    <p:spTree>
+      <p:nvGrpSpPr>
+        <p:cNvPr id="1" name=""/>
+        <p:cNvGrpSpPr/>
+        <p:nvPr/>
+      </p:nvGrpSpPr>
+      <p:grpSpPr/>
+      <p:sp>
+        <p:nvSpPr>
+          <p:cNvPr id="2" name="标题 1"/>
+          <p:cNvSpPr>
+            <a:spLocks noGrp="1"/>
+          </p:cNvSpPr>
+          <p:nvPr>
+            <p:ph type="title"/>
+          </p:nvPr>
+        </p:nvSpPr>
+        <p:spPr/>
+        <p:txBody>
+          <a:bodyPr/>
+          <a:p>
+            <a:endParaRPr lang="zh-CN" altLang="en-US"/>
+          </a:p>
+        </p:txBody>
+      </p:sp>
+      <p:sp>
+        <p:nvSpPr>
+          <p:cNvPr id="3" name="内容占位符 2"/>
+          <p:cNvSpPr>
+            <a:spLocks noGrp="1"/>
+          </p:cNvSpPr>
+          <p:nvPr>
+            <p:ph idx="1"/>
+          </p:nvPr>
+        </p:nvSpPr>
+        <p:spPr/>
+        <p:txBody>
+          <a:bodyPr/>
+          <a:p>
+            <a:endParaRPr lang="zh-CN" altLang="en-US"/>
+          </a:p>
+        </p:txBody>
+      </p:sp>
+    </p:spTree>
+  </p:cSld>
+  <p:clrMapOvr>
+    <a:masterClrMapping/>
+  </p:clrMapOvr>
+</p:sld>
+</file>
+
+<file path=ppt/slides/slide26.xml><?xml version="1.0" encoding="utf-8"?>
+<p:sld xmlns:a="http://schemas.openxmlformats.org/drawingml/2006/main" xmlns:r="http://schemas.openxmlformats.org/officeDocument/2006/relationships" xmlns:p="http://schemas.openxmlformats.org/presentationml/2006/main">
+  <p:cSld>
+    <p:spTree>
+      <p:nvGrpSpPr>
+        <p:cNvPr id="1" name=""/>
+        <p:cNvGrpSpPr/>
+        <p:nvPr/>
+      </p:nvGrpSpPr>
+      <p:grpSpPr/>
+      <p:sp>
+        <p:nvSpPr>
           <p:cNvPr id="2" name="标题 1"/>
           <p:cNvSpPr>
             <a:spLocks noGrp="1"/>
@@ -4374,6 +5409,84 @@
 </file>
 
 <file path=ppt/slides/slide3.xml><?xml version="1.0" encoding="utf-8"?>
+<p:sld xmlns:a="http://schemas.openxmlformats.org/drawingml/2006/main" xmlns:r="http://schemas.openxmlformats.org/officeDocument/2006/relationships" xmlns:p="http://schemas.openxmlformats.org/presentationml/2006/main">
+  <p:cSld>
+    <p:spTree>
+      <p:nvGrpSpPr>
+        <p:cNvPr id="1" name=""/>
+        <p:cNvGrpSpPr/>
+        <p:nvPr/>
+      </p:nvGrpSpPr>
+      <p:grpSpPr/>
+      <p:sp>
+        <p:nvSpPr>
+          <p:cNvPr id="2" name="标题 1"/>
+          <p:cNvSpPr>
+            <a:spLocks noGrp="1"/>
+          </p:cNvSpPr>
+          <p:nvPr>
+            <p:ph type="title"/>
+          </p:nvPr>
+        </p:nvSpPr>
+        <p:spPr/>
+        <p:txBody>
+          <a:bodyPr/>
+          <a:p>
+            <a:r>
+              <a:rPr lang="x-none" altLang="zh-CN">
+                <a:sym typeface="+mn-ea"/>
+              </a:rPr>
+              <a:t>Why we want to make a change</a:t>
+            </a:r>
+            <a:endParaRPr lang="zh-CN" altLang="en-US"/>
+          </a:p>
+        </p:txBody>
+      </p:sp>
+      <p:sp>
+        <p:nvSpPr>
+          <p:cNvPr id="3" name="内容占位符 2"/>
+          <p:cNvSpPr>
+            <a:spLocks noGrp="1"/>
+          </p:cNvSpPr>
+          <p:nvPr>
+            <p:ph idx="1"/>
+          </p:nvPr>
+        </p:nvSpPr>
+        <p:spPr/>
+        <p:txBody>
+          <a:bodyPr/>
+          <a:p>
+            <a:r>
+              <a:rPr lang="zh-CN" altLang="en-US"/>
+              <a:t>1.	旧框架接口复杂，使用繁琐</a:t>
+            </a:r>
+            <a:endParaRPr lang="zh-CN" altLang="en-US"/>
+          </a:p>
+          <a:p>
+            <a:r>
+              <a:rPr lang="zh-CN" altLang="en-US"/>
+              <a:t>2.	效率低下</a:t>
+            </a:r>
+            <a:endParaRPr lang="zh-CN" altLang="en-US"/>
+          </a:p>
+          <a:p>
+            <a:r>
+              <a:rPr lang="zh-CN" altLang="en-US"/>
+              <a:t>3.	基于HttpClient实现</a:t>
+            </a:r>
+            <a:endParaRPr lang="zh-CN" altLang="en-US"/>
+          </a:p>
+        </p:txBody>
+      </p:sp>
+    </p:spTree>
+  </p:cSld>
+  <p:clrMapOvr>
+    <a:masterClrMapping/>
+  </p:clrMapOvr>
+</p:sld>
+</file>
+
+<file path=ppt/slides/slide4.xml><?xml version="1.0" encoding="utf-8"?>
 <p:sld xmlns:a="http://schemas.openxmlformats.org/drawingml/2006/main" xmlns:r="http://schemas.openxmlformats.org/officeDocument/2006/relationships" xmlns:p="http://schemas.openxmlformats.org/presentationml/2006/main">
   <p:cSld>
     <p:spTree>
@@ -4495,7 +5608,7 @@
 </p:sld>
 </file>
 
-<file path=ppt/slides/slide4.xml><?xml version="1.0" encoding="utf-8"?>
+<file path=ppt/slides/slide5.xml><?xml version="1.0" encoding="utf-8"?>
 <p:sld xmlns:a="http://schemas.openxmlformats.org/drawingml/2006/main" xmlns:r="http://schemas.openxmlformats.org/officeDocument/2006/relationships" xmlns:p="http://schemas.openxmlformats.org/presentationml/2006/main">
   <p:cSld>
     <p:spTree>
@@ -4599,7 +5712,7 @@
 </p:sld>
 </file>
 
-<file path=ppt/slides/slide5.xml><?xml version="1.0" encoding="utf-8"?>
+<file path=ppt/slides/slide6.xml><?xml version="1.0" encoding="utf-8"?>
 <p:sld xmlns:a="http://schemas.openxmlformats.org/drawingml/2006/main" xmlns:r="http://schemas.openxmlformats.org/officeDocument/2006/relationships" xmlns:p="http://schemas.openxmlformats.org/presentationml/2006/main">
   <p:cSld>
     <p:spTree>
@@ -4709,7 +5822,7 @@
 </p:sld>
 </file>
 
-<file path=ppt/slides/slide6.xml><?xml version="1.0" encoding="utf-8"?>
+<file path=ppt/slides/slide7.xml><?xml version="1.0" encoding="utf-8"?>
 <p:sld xmlns:a="http://schemas.openxmlformats.org/drawingml/2006/main" xmlns:r="http://schemas.openxmlformats.org/officeDocument/2006/relationships" xmlns:p="http://schemas.openxmlformats.org/presentationml/2006/main">
   <p:cSld>
     <p:spTree>
@@ -4822,7 +5935,7 @@
               <a:spcBef>
                 <a:spcPts val="1000"/>
               </a:spcBef>
-              <a:buFont typeface="Arial" panose="020B0604020202020204" pitchFamily="34" charset="0"/>
+              <a:buFont typeface="Arial" panose="02080604020202020204" charset="0"/>
               <a:buChar char="•"/>
               <a:defRPr sz="2800" kern="1200">
                 <a:solidFill>
@@ -4840,7 +5953,7 @@
               <a:spcBef>
                 <a:spcPts val="500"/>
               </a:spcBef>
-              <a:buFont typeface="Arial" panose="020B0604020202020204" pitchFamily="34" charset="0"/>
+              <a:buFont typeface="Arial" panose="02080604020202020204" charset="0"/>
               <a:buChar char="•"/>
               <a:defRPr sz="2400" kern="1200">
                 <a:solidFill>
@@ -4858,7 +5971,7 @@
               <a:spcBef>
                 <a:spcPts val="500"/>
               </a:spcBef>
-              <a:buFont typeface="Arial" panose="020B0604020202020204" pitchFamily="34" charset="0"/>
+              <a:buFont typeface="Arial" panose="02080604020202020204" charset="0"/>
               <a:buChar char="•"/>
               <a:defRPr sz="2000" kern="1200">
                 <a:solidFill>
@@ -4876,7 +5989,7 @@
               <a:spcBef>
                 <a:spcPts val="500"/>
               </a:spcBef>
-              <a:buFont typeface="Arial" panose="020B0604020202020204" pitchFamily="34" charset="0"/>
+              <a:buFont typeface="Arial" panose="02080604020202020204" charset="0"/>
               <a:buChar char="•"/>
               <a:defRPr sz="1800" kern="1200">
                 <a:solidFill>
@@ -4894,7 +6007,7 @@
               <a:spcBef>
                 <a:spcPts val="500"/>
               </a:spcBef>
-              <a:buFont typeface="Arial" panose="020B0604020202020204" pitchFamily="34" charset="0"/>
+              <a:buFont typeface="Arial" panose="02080604020202020204" charset="0"/>
               <a:buChar char="•"/>
               <a:defRPr sz="1800" kern="1200">
                 <a:solidFill>
@@ -4912,7 +6025,7 @@
               <a:spcBef>
                 <a:spcPts val="500"/>
               </a:spcBef>
-              <a:buFont typeface="Arial" panose="020B0604020202020204" pitchFamily="34" charset="0"/>
+              <a:buFont typeface="Arial" panose="02080604020202020204" charset="0"/>
               <a:buChar char="•"/>
               <a:defRPr sz="1800" kern="1200">
                 <a:solidFill>
@@ -4930,7 +6043,7 @@
               <a:spcBef>
                 <a:spcPts val="500"/>
               </a:spcBef>
-              <a:buFont typeface="Arial" panose="020B0604020202020204" pitchFamily="34" charset="0"/>
+              <a:buFont typeface="Arial" panose="02080604020202020204" charset="0"/>
               <a:buChar char="•"/>
               <a:defRPr sz="1800" kern="1200">
                 <a:solidFill>
@@ -4948,7 +6061,7 @@
               <a:spcBef>
                 <a:spcPts val="500"/>
               </a:spcBef>
-              <a:buFont typeface="Arial" panose="020B0604020202020204" pitchFamily="34" charset="0"/>
+              <a:buFont typeface="Arial" panose="02080604020202020204" charset="0"/>
               <a:buChar char="•"/>
               <a:defRPr sz="1800" kern="1200">
                 <a:solidFill>
@@ -4966,7 +6079,7 @@
               <a:spcBef>
                 <a:spcPts val="500"/>
               </a:spcBef>
-              <a:buFont typeface="Arial" panose="020B0604020202020204" pitchFamily="34" charset="0"/>
+              <a:buFont typeface="Arial" panose="02080604020202020204" charset="0"/>
               <a:buChar char="•"/>
               <a:defRPr sz="1800" kern="1200">
                 <a:solidFill>
@@ -5002,7 +6115,7 @@
 </p:sld>
 </file>
 
-<file path=ppt/slides/slide7.xml><?xml version="1.0" encoding="utf-8"?>
+<file path=ppt/slides/slide8.xml><?xml version="1.0" encoding="utf-8"?>
 <p:sld xmlns:a="http://schemas.openxmlformats.org/drawingml/2006/main" xmlns:r="http://schemas.openxmlformats.org/officeDocument/2006/relationships" xmlns:p="http://schemas.openxmlformats.org/presentationml/2006/main">
   <p:cSld>
     <p:spTree>
@@ -5056,11 +6169,7 @@
             </a:r>
             <a:r>
               <a:rPr lang="zh-CN" altLang="en-US"/>
-              <a:t>根</a:t>
-            </a:r>
-            <a:r>
-              <a:rPr lang="zh-CN" altLang="en-US"/>
-              <a:t>据事务的</a:t>
+              <a:t>根据事务的</a:t>
             </a:r>
             <a:r>
               <a:rPr lang="en-US" altLang="zh-CN"/>
@@ -5106,7 +6215,7 @@
 </p:sld>
 </file>
 
-<file path=ppt/slides/slide8.xml><?xml version="1.0" encoding="utf-8"?>
+<file path=ppt/slides/slide9.xml><?xml version="1.0" encoding="utf-8"?>
 <p:sld xmlns:a="http://schemas.openxmlformats.org/drawingml/2006/main" xmlns:r="http://schemas.openxmlformats.org/officeDocument/2006/relationships" xmlns:p="http://schemas.openxmlformats.org/presentationml/2006/main">
   <p:cSld>
     <p:spTree>
@@ -5200,106 +6309,6 @@
           <a:xfrm>
             <a:off x="2460625" y="2364740"/>
             <a:ext cx="7335520" cy="4097655"/>
-          </a:xfrm>
-          <a:prstGeom prst="rect">
-            <a:avLst/>
-          </a:prstGeom>
-        </p:spPr>
-      </p:pic>
-    </p:spTree>
-  </p:cSld>
-  <p:clrMapOvr>
-    <a:masterClrMapping/>
-  </p:clrMapOvr>
-</p:sld>
-</file>
-
-<file path=ppt/slides/slide9.xml><?xml version="1.0" encoding="utf-8"?>
-<p:sld xmlns:a="http://schemas.openxmlformats.org/drawingml/2006/main" xmlns:r="http://schemas.openxmlformats.org/officeDocument/2006/relationships" xmlns:p="http://schemas.openxmlformats.org/presentationml/2006/main">
-  <p:cSld>
-    <p:spTree>
-      <p:nvGrpSpPr>
-        <p:cNvPr id="1" name=""/>
-        <p:cNvGrpSpPr/>
-        <p:nvPr/>
-      </p:nvGrpSpPr>
-      <p:grpSpPr/>
-      <p:sp>
-        <p:nvSpPr>
-          <p:cNvPr id="2" name="标题 1"/>
-          <p:cNvSpPr>
-            <a:spLocks noGrp="1"/>
-          </p:cNvSpPr>
-          <p:nvPr>
-            <p:ph type="title"/>
-          </p:nvPr>
-        </p:nvSpPr>
-        <p:spPr/>
-        <p:txBody>
-          <a:bodyPr/>
-          <a:p>
-            <a:r>
-              <a:rPr lang="zh-CN" altLang="en-US">
-                <a:sym typeface="+mn-ea"/>
-              </a:rPr>
-              <a:t>一条网络请求之路</a:t>
-            </a:r>
-            <a:endParaRPr lang="zh-CN" altLang="en-US"/>
-          </a:p>
-        </p:txBody>
-      </p:sp>
-      <p:sp>
-        <p:nvSpPr>
-          <p:cNvPr id="3" name="内容占位符 2"/>
-          <p:cNvSpPr>
-            <a:spLocks noGrp="1"/>
-          </p:cNvSpPr>
-          <p:nvPr>
-            <p:ph idx="1"/>
-          </p:nvPr>
-        </p:nvSpPr>
-        <p:spPr/>
-        <p:txBody>
-          <a:bodyPr/>
-          <a:p>
-            <a:r>
-              <a:rPr lang="en-US" altLang="zh-CN"/>
-              <a:t>5.</a:t>
-            </a:r>
-            <a:r>
-              <a:rPr lang="zh-CN" altLang="en-US"/>
-              <a:t>在</a:t>
-            </a:r>
-            <a:r>
-              <a:rPr lang="en-US" altLang="zh-CN"/>
-              <a:t>EgmService</a:t>
-            </a:r>
-            <a:r>
-              <a:rPr lang="zh-CN" altLang="en-US"/>
-              <a:t>定义同意的事务调用入口</a:t>
-            </a:r>
-            <a:endParaRPr lang="zh-CN" altLang="en-US"/>
-          </a:p>
-        </p:txBody>
-      </p:sp>
-      <p:pic>
-        <p:nvPicPr>
-          <p:cNvPr id="4" name="图片 3" descr="old_step6"/>
-          <p:cNvPicPr>
-            <a:picLocks noChangeAspect="1"/>
-          </p:cNvPicPr>
-          <p:nvPr/>
-        </p:nvPicPr>
-        <p:blipFill>
-          <a:blip r:embed="rId1"/>
-          <a:stretch>
-            <a:fillRect/>
-          </a:stretch>
-        </p:blipFill>
-        <p:spPr>
-          <a:xfrm>
-            <a:off x="1163955" y="3529965"/>
-            <a:ext cx="10038080" cy="2647315"/>
           </a:xfrm>
           <a:prstGeom prst="rect">
             <a:avLst/>
@@ -5565,7 +6574,33 @@
       </a:bgFillStyleLst>
     </a:fmtScheme>
   </a:themeElements>
-  <a:objectDefaults/>
+  <a:objectDefaults>
+    <a:spDef>
+      <a:spPr/>
+      <a:bodyPr rtlCol="0" anchor="ctr"/>
+      <a:lstStyle>
+        <a:defPPr algn="ctr">
+          <a:defRPr lang="en-US"/>
+        </a:defPPr>
+      </a:lstStyle>
+      <a:style>
+        <a:lnRef idx="2">
+          <a:schemeClr val="accent1">
+            <a:shade val="50000"/>
+          </a:schemeClr>
+        </a:lnRef>
+        <a:fillRef idx="1">
+          <a:schemeClr val="accent1"/>
+        </a:fillRef>
+        <a:effectRef idx="0">
+          <a:schemeClr val="accent1"/>
+        </a:effectRef>
+        <a:fontRef idx="minor">
+          <a:schemeClr val="lt1"/>
+        </a:fontRef>
+      </a:style>
+    </a:spDef>
+  </a:objectDefaults>
   <a:extraClrSchemeLst/>
   <a:extLst>
     <a:ext uri="{05A4C25C-085E-4340-85A3-A5531E510DB2}">

--- a/net_ppt.pptx
+++ b/net_ppt.pptx
@@ -22,18 +22,16 @@
     <p:sldId id="290" r:id="rId15"/>
     <p:sldId id="268" r:id="rId16"/>
     <p:sldId id="291" r:id="rId17"/>
-    <p:sldId id="306" r:id="rId18"/>
-    <p:sldId id="269" r:id="rId19"/>
-    <p:sldId id="270" r:id="rId20"/>
-    <p:sldId id="271" r:id="rId21"/>
-    <p:sldId id="272" r:id="rId22"/>
+    <p:sldId id="269" r:id="rId18"/>
+    <p:sldId id="270" r:id="rId19"/>
+    <p:sldId id="330" r:id="rId20"/>
+    <p:sldId id="272" r:id="rId21"/>
+    <p:sldId id="331" r:id="rId22"/>
     <p:sldId id="273" r:id="rId23"/>
     <p:sldId id="303" r:id="rId24"/>
     <p:sldId id="304" r:id="rId25"/>
     <p:sldId id="274" r:id="rId26"/>
     <p:sldId id="276" r:id="rId27"/>
-    <p:sldId id="277" r:id="rId28"/>
-    <p:sldId id="278" r:id="rId29"/>
   </p:sldIdLst>
   <p:sldSz cx="12192000" cy="6858000"/>
   <p:notesSz cx="6858000" cy="9144000"/>
@@ -3779,6 +3777,331 @@
       <p:grpSpPr/>
       <p:sp>
         <p:nvSpPr>
+          <p:cNvPr id="2" name="标题 1"/>
+          <p:cNvSpPr>
+            <a:spLocks noGrp="1"/>
+          </p:cNvSpPr>
+          <p:nvPr>
+            <p:ph type="title"/>
+          </p:nvPr>
+        </p:nvSpPr>
+        <p:spPr/>
+        <p:txBody>
+          <a:bodyPr/>
+          <a:p>
+            <a:r>
+              <a:rPr lang="zh-CN" altLang="en-US"/>
+              <a:t>WHAT WE WANT</a:t>
+            </a:r>
+            <a:endParaRPr lang="zh-CN" altLang="en-US"/>
+          </a:p>
+        </p:txBody>
+      </p:sp>
+      <p:sp>
+        <p:nvSpPr>
+          <p:cNvPr id="3" name="内容占位符 2"/>
+          <p:cNvSpPr>
+            <a:spLocks noGrp="1"/>
+          </p:cNvSpPr>
+          <p:nvPr>
+            <p:ph idx="1"/>
+          </p:nvPr>
+        </p:nvSpPr>
+        <p:spPr/>
+        <p:txBody>
+          <a:bodyPr/>
+          <a:p>
+            <a:r>
+              <a:rPr lang="zh-CN" altLang="en-US"/>
+              <a:t>1. 接口简单，使用方便</a:t>
+            </a:r>
+            <a:endParaRPr lang="zh-CN" altLang="en-US"/>
+          </a:p>
+          <a:p>
+            <a:r>
+              <a:rPr lang="zh-CN" altLang="en-US"/>
+              <a:t>2. 易于扩展和替换</a:t>
+            </a:r>
+            <a:endParaRPr lang="zh-CN" altLang="en-US"/>
+          </a:p>
+          <a:p>
+            <a:r>
+              <a:rPr lang="zh-CN" altLang="en-US"/>
+              <a:t>3. 方便监控</a:t>
+            </a:r>
+            <a:endParaRPr lang="zh-CN" altLang="en-US"/>
+          </a:p>
+          <a:p>
+            <a:r>
+              <a:rPr lang="zh-CN" altLang="en-US"/>
+              <a:t>4. 高性能</a:t>
+            </a:r>
+            <a:endParaRPr lang="zh-CN" altLang="en-US"/>
+          </a:p>
+        </p:txBody>
+      </p:sp>
+    </p:spTree>
+  </p:cSld>
+  <p:clrMapOvr>
+    <a:masterClrMapping/>
+  </p:clrMapOvr>
+</p:sld>
+</file>
+
+<file path=ppt/slides/slide16.xml><?xml version="1.0" encoding="utf-8"?>
+<p:sld xmlns:a="http://schemas.openxmlformats.org/drawingml/2006/main" xmlns:r="http://schemas.openxmlformats.org/officeDocument/2006/relationships" xmlns:p="http://schemas.openxmlformats.org/presentationml/2006/main">
+  <p:cSld>
+    <p:spTree>
+      <p:nvGrpSpPr>
+        <p:cNvPr id="1" name=""/>
+        <p:cNvGrpSpPr/>
+        <p:nvPr/>
+      </p:nvGrpSpPr>
+      <p:grpSpPr/>
+      <p:sp>
+        <p:nvSpPr>
+          <p:cNvPr id="2" name="标题 1"/>
+          <p:cNvSpPr>
+            <a:spLocks noGrp="1"/>
+          </p:cNvSpPr>
+          <p:nvPr>
+            <p:ph type="title"/>
+          </p:nvPr>
+        </p:nvSpPr>
+        <p:spPr/>
+        <p:txBody>
+          <a:bodyPr>
+            <a:normAutofit/>
+          </a:bodyPr>
+          <a:p>
+            <a:r>
+              <a:rPr lang="zh-CN" altLang="en-US">
+                <a:sym typeface="+mn-ea"/>
+              </a:rPr>
+              <a:t>HOW TO MAKE IT</a:t>
+            </a:r>
+            <a:endParaRPr lang="zh-CN" altLang="en-US"/>
+          </a:p>
+        </p:txBody>
+      </p:sp>
+      <p:sp>
+        <p:nvSpPr>
+          <p:cNvPr id="128" name="CustomShape 1"/>
+          <p:cNvSpPr/>
+          <p:nvPr/>
+        </p:nvSpPr>
+        <p:spPr>
+          <a:xfrm>
+            <a:off x="2886120" y="2095570"/>
+            <a:ext cx="6385680" cy="1305720"/>
+          </a:xfrm>
+          <a:prstGeom prst="rect">
+            <a:avLst/>
+          </a:prstGeom>
+        </p:spPr>
+        <p:style>
+          <a:lnRef idx="2">
+            <a:schemeClr val="accent1">
+              <a:shade val="50000"/>
+            </a:schemeClr>
+          </a:lnRef>
+          <a:fillRef idx="1">
+            <a:schemeClr val="accent1"/>
+          </a:fillRef>
+          <a:effectRef idx="0">
+            <a:schemeClr val="accent1"/>
+          </a:effectRef>
+          <a:fontRef idx="minor"/>
+        </p:style>
+        <p:txBody>
+          <a:bodyPr lIns="90000" tIns="45000" rIns="90000" bIns="45000" anchor="ctr"/>
+          <a:p>
+            <a:pPr algn="ctr">
+              <a:lnSpc>
+                <a:spcPct val="100000"/>
+              </a:lnSpc>
+            </a:pPr>
+            <a:r>
+              <a:rPr lang="en-US" sz="3200" b="0" strike="noStrike" spc="-1">
+                <a:solidFill>
+                  <a:srgbClr val="FFFFFF"/>
+                </a:solidFill>
+                <a:uFill>
+                  <a:solidFill>
+                    <a:srgbClr val="FFFFFF"/>
+                  </a:solidFill>
+                </a:uFill>
+                <a:latin typeface="Arial" panose="02080604020202020204" charset="0"/>
+                <a:ea typeface="SimSun" charset="-122"/>
+              </a:rPr>
+              <a:t>Business Customization</a:t>
+            </a:r>
+            <a:endParaRPr lang="en-US" sz="3200" b="0" strike="noStrike" spc="-1">
+              <a:solidFill>
+                <a:srgbClr val="000000"/>
+              </a:solidFill>
+              <a:uFill>
+                <a:solidFill>
+                  <a:srgbClr val="FFFFFF"/>
+                </a:solidFill>
+              </a:uFill>
+              <a:latin typeface="Arial" panose="02080604020202020204" charset="0"/>
+            </a:endParaRPr>
+          </a:p>
+        </p:txBody>
+      </p:sp>
+      <p:sp>
+        <p:nvSpPr>
+          <p:cNvPr id="129" name="CustomShape 2"/>
+          <p:cNvSpPr/>
+          <p:nvPr/>
+        </p:nvSpPr>
+        <p:spPr>
+          <a:xfrm>
+            <a:off x="2883650" y="3424500"/>
+            <a:ext cx="6385680" cy="1305720"/>
+          </a:xfrm>
+          <a:prstGeom prst="rect">
+            <a:avLst/>
+          </a:prstGeom>
+        </p:spPr>
+        <p:style>
+          <a:lnRef idx="2">
+            <a:schemeClr val="accent1">
+              <a:shade val="50000"/>
+            </a:schemeClr>
+          </a:lnRef>
+          <a:fillRef idx="1">
+            <a:schemeClr val="accent1"/>
+          </a:fillRef>
+          <a:effectRef idx="0">
+            <a:schemeClr val="accent1"/>
+          </a:effectRef>
+          <a:fontRef idx="minor"/>
+        </p:style>
+        <p:txBody>
+          <a:bodyPr lIns="90000" tIns="45000" rIns="90000" bIns="45000" anchor="ctr"/>
+          <a:p>
+            <a:pPr algn="ctr">
+              <a:lnSpc>
+                <a:spcPct val="100000"/>
+              </a:lnSpc>
+            </a:pPr>
+            <a:r>
+              <a:rPr lang="en-US" sz="3200" b="0" strike="noStrike" spc="-1">
+                <a:solidFill>
+                  <a:srgbClr val="FFFFFF"/>
+                </a:solidFill>
+                <a:uFill>
+                  <a:solidFill>
+                    <a:srgbClr val="FFFFFF"/>
+                  </a:solidFill>
+                </a:uFill>
+                <a:latin typeface="Arial" panose="02080604020202020204" charset="0"/>
+                <a:ea typeface="SimSun" charset="-122"/>
+              </a:rPr>
+              <a:t>Net API</a:t>
+            </a:r>
+            <a:endParaRPr lang="en-US" sz="3200" b="0" strike="noStrike" spc="-1">
+              <a:solidFill>
+                <a:srgbClr val="000000"/>
+              </a:solidFill>
+              <a:uFill>
+                <a:solidFill>
+                  <a:srgbClr val="FFFFFF"/>
+                </a:solidFill>
+              </a:uFill>
+              <a:latin typeface="Arial" panose="02080604020202020204" charset="0"/>
+            </a:endParaRPr>
+          </a:p>
+        </p:txBody>
+      </p:sp>
+      <p:sp>
+        <p:nvSpPr>
+          <p:cNvPr id="130" name="CustomShape 3"/>
+          <p:cNvSpPr/>
+          <p:nvPr/>
+        </p:nvSpPr>
+        <p:spPr>
+          <a:xfrm>
+            <a:off x="2881540" y="4762440"/>
+            <a:ext cx="6385680" cy="1305720"/>
+          </a:xfrm>
+          <a:prstGeom prst="rect">
+            <a:avLst/>
+          </a:prstGeom>
+        </p:spPr>
+        <p:style>
+          <a:lnRef idx="2">
+            <a:schemeClr val="accent1">
+              <a:shade val="50000"/>
+            </a:schemeClr>
+          </a:lnRef>
+          <a:fillRef idx="1">
+            <a:schemeClr val="accent1"/>
+          </a:fillRef>
+          <a:effectRef idx="0">
+            <a:schemeClr val="accent1"/>
+          </a:effectRef>
+          <a:fontRef idx="minor"/>
+        </p:style>
+        <p:txBody>
+          <a:bodyPr lIns="90000" tIns="45000" rIns="90000" bIns="45000" anchor="ctr"/>
+          <a:p>
+            <a:pPr algn="ctr">
+              <a:lnSpc>
+                <a:spcPct val="100000"/>
+              </a:lnSpc>
+            </a:pPr>
+            <a:r>
+              <a:rPr lang="en-US" sz="3200" b="0" strike="noStrike" spc="-1">
+                <a:solidFill>
+                  <a:srgbClr val="FFFFFF"/>
+                </a:solidFill>
+                <a:uFill>
+                  <a:solidFill>
+                    <a:srgbClr val="FFFFFF"/>
+                  </a:solidFill>
+                </a:uFill>
+                <a:latin typeface="Arial" panose="02080604020202020204" charset="0"/>
+                <a:ea typeface="SimSun" charset="-122"/>
+              </a:rPr>
+              <a:t>OkHttp Implementation</a:t>
+            </a:r>
+            <a:endParaRPr lang="en-US" sz="3200" b="0" strike="noStrike" spc="-1">
+              <a:solidFill>
+                <a:srgbClr val="000000"/>
+              </a:solidFill>
+              <a:uFill>
+                <a:solidFill>
+                  <a:srgbClr val="FFFFFF"/>
+                </a:solidFill>
+              </a:uFill>
+              <a:latin typeface="Arial" panose="02080604020202020204" charset="0"/>
+            </a:endParaRPr>
+          </a:p>
+        </p:txBody>
+      </p:sp>
+    </p:spTree>
+  </p:cSld>
+  <p:clrMapOvr>
+    <a:masterClrMapping/>
+  </p:clrMapOvr>
+</p:sld>
+</file>
+
+<file path=ppt/slides/slide17.xml><?xml version="1.0" encoding="utf-8"?>
+<p:sld xmlns:a="http://schemas.openxmlformats.org/drawingml/2006/main" xmlns:r="http://schemas.openxmlformats.org/officeDocument/2006/relationships" xmlns:p="http://schemas.openxmlformats.org/presentationml/2006/main">
+  <p:cSld>
+    <p:spTree>
+      <p:nvGrpSpPr>
+        <p:cNvPr id="1" name=""/>
+        <p:cNvGrpSpPr/>
+        <p:nvPr/>
+      </p:nvGrpSpPr>
+      <p:grpSpPr/>
+      <p:sp>
+        <p:nvSpPr>
           <p:cNvPr id="2" name="Title 1"/>
           <p:cNvSpPr>
             <a:spLocks noGrp="1"/>
@@ -3869,331 +4192,6 @@
 </p:sld>
 </file>
 
-<file path=ppt/slides/slide16.xml><?xml version="1.0" encoding="utf-8"?>
-<p:sld xmlns:a="http://schemas.openxmlformats.org/drawingml/2006/main" xmlns:r="http://schemas.openxmlformats.org/officeDocument/2006/relationships" xmlns:p="http://schemas.openxmlformats.org/presentationml/2006/main">
-  <p:cSld>
-    <p:spTree>
-      <p:nvGrpSpPr>
-        <p:cNvPr id="1" name=""/>
-        <p:cNvGrpSpPr/>
-        <p:nvPr/>
-      </p:nvGrpSpPr>
-      <p:grpSpPr/>
-      <p:sp>
-        <p:nvSpPr>
-          <p:cNvPr id="2" name="标题 1"/>
-          <p:cNvSpPr>
-            <a:spLocks noGrp="1"/>
-          </p:cNvSpPr>
-          <p:nvPr>
-            <p:ph type="title"/>
-          </p:nvPr>
-        </p:nvSpPr>
-        <p:spPr/>
-        <p:txBody>
-          <a:bodyPr/>
-          <a:p>
-            <a:r>
-              <a:rPr lang="zh-CN" altLang="en-US"/>
-              <a:t>WHAT WE WANT</a:t>
-            </a:r>
-            <a:endParaRPr lang="zh-CN" altLang="en-US"/>
-          </a:p>
-        </p:txBody>
-      </p:sp>
-      <p:sp>
-        <p:nvSpPr>
-          <p:cNvPr id="3" name="内容占位符 2"/>
-          <p:cNvSpPr>
-            <a:spLocks noGrp="1"/>
-          </p:cNvSpPr>
-          <p:nvPr>
-            <p:ph idx="1"/>
-          </p:nvPr>
-        </p:nvSpPr>
-        <p:spPr/>
-        <p:txBody>
-          <a:bodyPr/>
-          <a:p>
-            <a:r>
-              <a:rPr lang="zh-CN" altLang="en-US"/>
-              <a:t>1. 接口简单，使用方便</a:t>
-            </a:r>
-            <a:endParaRPr lang="zh-CN" altLang="en-US"/>
-          </a:p>
-          <a:p>
-            <a:r>
-              <a:rPr lang="zh-CN" altLang="en-US"/>
-              <a:t>2. 易于扩展和替换</a:t>
-            </a:r>
-            <a:endParaRPr lang="zh-CN" altLang="en-US"/>
-          </a:p>
-          <a:p>
-            <a:r>
-              <a:rPr lang="zh-CN" altLang="en-US"/>
-              <a:t>3. 方便监控</a:t>
-            </a:r>
-            <a:endParaRPr lang="zh-CN" altLang="en-US"/>
-          </a:p>
-          <a:p>
-            <a:r>
-              <a:rPr lang="zh-CN" altLang="en-US"/>
-              <a:t>4. 高性能</a:t>
-            </a:r>
-            <a:endParaRPr lang="zh-CN" altLang="en-US"/>
-          </a:p>
-        </p:txBody>
-      </p:sp>
-    </p:spTree>
-  </p:cSld>
-  <p:clrMapOvr>
-    <a:masterClrMapping/>
-  </p:clrMapOvr>
-</p:sld>
-</file>
-
-<file path=ppt/slides/slide17.xml><?xml version="1.0" encoding="utf-8"?>
-<p:sld xmlns:a="http://schemas.openxmlformats.org/drawingml/2006/main" xmlns:r="http://schemas.openxmlformats.org/officeDocument/2006/relationships" xmlns:p="http://schemas.openxmlformats.org/presentationml/2006/main">
-  <p:cSld>
-    <p:spTree>
-      <p:nvGrpSpPr>
-        <p:cNvPr id="1" name=""/>
-        <p:cNvGrpSpPr/>
-        <p:nvPr/>
-      </p:nvGrpSpPr>
-      <p:grpSpPr/>
-      <p:sp>
-        <p:nvSpPr>
-          <p:cNvPr id="2" name="标题 1"/>
-          <p:cNvSpPr>
-            <a:spLocks noGrp="1"/>
-          </p:cNvSpPr>
-          <p:nvPr>
-            <p:ph type="title"/>
-          </p:nvPr>
-        </p:nvSpPr>
-        <p:spPr/>
-        <p:txBody>
-          <a:bodyPr>
-            <a:normAutofit/>
-          </a:bodyPr>
-          <a:p>
-            <a:r>
-              <a:rPr lang="zh-CN" altLang="en-US">
-                <a:sym typeface="+mn-ea"/>
-              </a:rPr>
-              <a:t>HOW TO MAKE IT</a:t>
-            </a:r>
-            <a:endParaRPr lang="zh-CN" altLang="en-US"/>
-          </a:p>
-        </p:txBody>
-      </p:sp>
-      <p:sp>
-        <p:nvSpPr>
-          <p:cNvPr id="128" name="CustomShape 1"/>
-          <p:cNvSpPr/>
-          <p:nvPr/>
-        </p:nvSpPr>
-        <p:spPr>
-          <a:xfrm>
-            <a:off x="2886120" y="2095570"/>
-            <a:ext cx="6385680" cy="1305720"/>
-          </a:xfrm>
-          <a:prstGeom prst="rect">
-            <a:avLst/>
-          </a:prstGeom>
-        </p:spPr>
-        <p:style>
-          <a:lnRef idx="2">
-            <a:schemeClr val="accent1">
-              <a:shade val="50000"/>
-            </a:schemeClr>
-          </a:lnRef>
-          <a:fillRef idx="1">
-            <a:schemeClr val="accent1"/>
-          </a:fillRef>
-          <a:effectRef idx="0">
-            <a:schemeClr val="accent1"/>
-          </a:effectRef>
-          <a:fontRef idx="minor"/>
-        </p:style>
-        <p:txBody>
-          <a:bodyPr lIns="90000" tIns="45000" rIns="90000" bIns="45000" anchor="ctr"/>
-          <a:p>
-            <a:pPr algn="ctr">
-              <a:lnSpc>
-                <a:spcPct val="100000"/>
-              </a:lnSpc>
-            </a:pPr>
-            <a:r>
-              <a:rPr lang="en-US" sz="3200" b="0" strike="noStrike" spc="-1">
-                <a:solidFill>
-                  <a:srgbClr val="FFFFFF"/>
-                </a:solidFill>
-                <a:uFill>
-                  <a:solidFill>
-                    <a:srgbClr val="FFFFFF"/>
-                  </a:solidFill>
-                </a:uFill>
-                <a:latin typeface="Arial" panose="02080604020202020204" charset="0"/>
-                <a:ea typeface="SimSun" charset="-122"/>
-              </a:rPr>
-              <a:t>Business Customization</a:t>
-            </a:r>
-            <a:endParaRPr lang="en-US" sz="3200" b="0" strike="noStrike" spc="-1">
-              <a:solidFill>
-                <a:srgbClr val="000000"/>
-              </a:solidFill>
-              <a:uFill>
-                <a:solidFill>
-                  <a:srgbClr val="FFFFFF"/>
-                </a:solidFill>
-              </a:uFill>
-              <a:latin typeface="Arial" panose="02080604020202020204" charset="0"/>
-            </a:endParaRPr>
-          </a:p>
-        </p:txBody>
-      </p:sp>
-      <p:sp>
-        <p:nvSpPr>
-          <p:cNvPr id="129" name="CustomShape 2"/>
-          <p:cNvSpPr/>
-          <p:nvPr/>
-        </p:nvSpPr>
-        <p:spPr>
-          <a:xfrm>
-            <a:off x="2883650" y="3424500"/>
-            <a:ext cx="6385680" cy="1305720"/>
-          </a:xfrm>
-          <a:prstGeom prst="rect">
-            <a:avLst/>
-          </a:prstGeom>
-        </p:spPr>
-        <p:style>
-          <a:lnRef idx="2">
-            <a:schemeClr val="accent1">
-              <a:shade val="50000"/>
-            </a:schemeClr>
-          </a:lnRef>
-          <a:fillRef idx="1">
-            <a:schemeClr val="accent1"/>
-          </a:fillRef>
-          <a:effectRef idx="0">
-            <a:schemeClr val="accent1"/>
-          </a:effectRef>
-          <a:fontRef idx="minor"/>
-        </p:style>
-        <p:txBody>
-          <a:bodyPr lIns="90000" tIns="45000" rIns="90000" bIns="45000" anchor="ctr"/>
-          <a:p>
-            <a:pPr algn="ctr">
-              <a:lnSpc>
-                <a:spcPct val="100000"/>
-              </a:lnSpc>
-            </a:pPr>
-            <a:r>
-              <a:rPr lang="en-US" sz="3200" b="0" strike="noStrike" spc="-1">
-                <a:solidFill>
-                  <a:srgbClr val="FFFFFF"/>
-                </a:solidFill>
-                <a:uFill>
-                  <a:solidFill>
-                    <a:srgbClr val="FFFFFF"/>
-                  </a:solidFill>
-                </a:uFill>
-                <a:latin typeface="Arial" panose="02080604020202020204" charset="0"/>
-                <a:ea typeface="SimSun" charset="-122"/>
-              </a:rPr>
-              <a:t>Net API</a:t>
-            </a:r>
-            <a:endParaRPr lang="en-US" sz="3200" b="0" strike="noStrike" spc="-1">
-              <a:solidFill>
-                <a:srgbClr val="000000"/>
-              </a:solidFill>
-              <a:uFill>
-                <a:solidFill>
-                  <a:srgbClr val="FFFFFF"/>
-                </a:solidFill>
-              </a:uFill>
-              <a:latin typeface="Arial" panose="02080604020202020204" charset="0"/>
-            </a:endParaRPr>
-          </a:p>
-        </p:txBody>
-      </p:sp>
-      <p:sp>
-        <p:nvSpPr>
-          <p:cNvPr id="130" name="CustomShape 3"/>
-          <p:cNvSpPr/>
-          <p:nvPr/>
-        </p:nvSpPr>
-        <p:spPr>
-          <a:xfrm>
-            <a:off x="2881540" y="4762440"/>
-            <a:ext cx="6385680" cy="1305720"/>
-          </a:xfrm>
-          <a:prstGeom prst="rect">
-            <a:avLst/>
-          </a:prstGeom>
-        </p:spPr>
-        <p:style>
-          <a:lnRef idx="2">
-            <a:schemeClr val="accent1">
-              <a:shade val="50000"/>
-            </a:schemeClr>
-          </a:lnRef>
-          <a:fillRef idx="1">
-            <a:schemeClr val="accent1"/>
-          </a:fillRef>
-          <a:effectRef idx="0">
-            <a:schemeClr val="accent1"/>
-          </a:effectRef>
-          <a:fontRef idx="minor"/>
-        </p:style>
-        <p:txBody>
-          <a:bodyPr lIns="90000" tIns="45000" rIns="90000" bIns="45000" anchor="ctr"/>
-          <a:p>
-            <a:pPr algn="ctr">
-              <a:lnSpc>
-                <a:spcPct val="100000"/>
-              </a:lnSpc>
-            </a:pPr>
-            <a:r>
-              <a:rPr lang="en-US" sz="3200" b="0" strike="noStrike" spc="-1">
-                <a:solidFill>
-                  <a:srgbClr val="FFFFFF"/>
-                </a:solidFill>
-                <a:uFill>
-                  <a:solidFill>
-                    <a:srgbClr val="FFFFFF"/>
-                  </a:solidFill>
-                </a:uFill>
-                <a:latin typeface="Arial" panose="02080604020202020204" charset="0"/>
-                <a:ea typeface="SimSun" charset="-122"/>
-              </a:rPr>
-              <a:t>OkHttp Implementation</a:t>
-            </a:r>
-            <a:endParaRPr lang="en-US" sz="3200" b="0" strike="noStrike" spc="-1">
-              <a:solidFill>
-                <a:srgbClr val="000000"/>
-              </a:solidFill>
-              <a:uFill>
-                <a:solidFill>
-                  <a:srgbClr val="FFFFFF"/>
-                </a:solidFill>
-              </a:uFill>
-              <a:latin typeface="Arial" panose="02080604020202020204" charset="0"/>
-            </a:endParaRPr>
-          </a:p>
-        </p:txBody>
-      </p:sp>
-    </p:spTree>
-  </p:cSld>
-  <p:clrMapOvr>
-    <a:masterClrMapping/>
-  </p:clrMapOvr>
-</p:sld>
-</file>
-
 <file path=ppt/slides/slide18.xml><?xml version="1.0" encoding="utf-8"?>
 <p:sld xmlns:a="http://schemas.openxmlformats.org/drawingml/2006/main" xmlns:r="http://schemas.openxmlformats.org/officeDocument/2006/relationships" xmlns:p="http://schemas.openxmlformats.org/presentationml/2006/main">
   <p:cSld>
@@ -4224,7 +4222,7 @@
       </p:sp>
       <p:pic>
         <p:nvPicPr>
-          <p:cNvPr id="132" name="Picture 3"/>
+          <p:cNvPr id="134" name="Picture 3"/>
           <p:cNvPicPr>
             <a:picLocks noChangeAspect="1"/>
           </p:cNvPicPr>
@@ -4240,8 +4238,8 @@
         </p:blipFill>
         <p:spPr>
           <a:xfrm>
-            <a:off x="3037840" y="2038985"/>
-            <a:ext cx="6115050" cy="3924300"/>
+            <a:off x="1628140" y="1877060"/>
+            <a:ext cx="8934450" cy="4248150"/>
           </a:xfrm>
           <a:prstGeom prst="rect">
             <a:avLst/>
@@ -4289,7 +4287,7 @@
       </p:sp>
       <p:pic>
         <p:nvPicPr>
-          <p:cNvPr id="134" name="Picture 3"/>
+          <p:cNvPr id="132" name="Picture 3"/>
           <p:cNvPicPr>
             <a:picLocks noChangeAspect="1"/>
           </p:cNvPicPr>
@@ -4305,8 +4303,8 @@
         </p:blipFill>
         <p:spPr>
           <a:xfrm>
-            <a:off x="1628140" y="1877060"/>
-            <a:ext cx="8934450" cy="4248150"/>
+            <a:off x="3037840" y="2038985"/>
+            <a:ext cx="6115050" cy="3924300"/>
           </a:xfrm>
           <a:prstGeom prst="rect">
             <a:avLst/>
@@ -5289,114 +5287,6 @@
               <a:t>4.上传稳定的包到代码库中</a:t>
             </a:r>
             <a:endParaRPr lang="x-none" altLang="zh-CN"/>
-          </a:p>
-        </p:txBody>
-      </p:sp>
-    </p:spTree>
-  </p:cSld>
-  <p:clrMapOvr>
-    <a:masterClrMapping/>
-  </p:clrMapOvr>
-</p:sld>
-</file>
-
-<file path=ppt/slides/slide25.xml><?xml version="1.0" encoding="utf-8"?>
-<p:sld xmlns:a="http://schemas.openxmlformats.org/drawingml/2006/main" xmlns:r="http://schemas.openxmlformats.org/officeDocument/2006/relationships" xmlns:p="http://schemas.openxmlformats.org/presentationml/2006/main">
-  <p:cSld>
-    <p:spTree>
-      <p:nvGrpSpPr>
-        <p:cNvPr id="1" name=""/>
-        <p:cNvGrpSpPr/>
-        <p:nvPr/>
-      </p:nvGrpSpPr>
-      <p:grpSpPr/>
-      <p:sp>
-        <p:nvSpPr>
-          <p:cNvPr id="2" name="标题 1"/>
-          <p:cNvSpPr>
-            <a:spLocks noGrp="1"/>
-          </p:cNvSpPr>
-          <p:nvPr>
-            <p:ph type="title"/>
-          </p:nvPr>
-        </p:nvSpPr>
-        <p:spPr/>
-        <p:txBody>
-          <a:bodyPr/>
-          <a:p>
-            <a:endParaRPr lang="zh-CN" altLang="en-US"/>
-          </a:p>
-        </p:txBody>
-      </p:sp>
-      <p:sp>
-        <p:nvSpPr>
-          <p:cNvPr id="3" name="内容占位符 2"/>
-          <p:cNvSpPr>
-            <a:spLocks noGrp="1"/>
-          </p:cNvSpPr>
-          <p:nvPr>
-            <p:ph idx="1"/>
-          </p:nvPr>
-        </p:nvSpPr>
-        <p:spPr/>
-        <p:txBody>
-          <a:bodyPr/>
-          <a:p>
-            <a:endParaRPr lang="zh-CN" altLang="en-US"/>
-          </a:p>
-        </p:txBody>
-      </p:sp>
-    </p:spTree>
-  </p:cSld>
-  <p:clrMapOvr>
-    <a:masterClrMapping/>
-  </p:clrMapOvr>
-</p:sld>
-</file>
-
-<file path=ppt/slides/slide26.xml><?xml version="1.0" encoding="utf-8"?>
-<p:sld xmlns:a="http://schemas.openxmlformats.org/drawingml/2006/main" xmlns:r="http://schemas.openxmlformats.org/officeDocument/2006/relationships" xmlns:p="http://schemas.openxmlformats.org/presentationml/2006/main">
-  <p:cSld>
-    <p:spTree>
-      <p:nvGrpSpPr>
-        <p:cNvPr id="1" name=""/>
-        <p:cNvGrpSpPr/>
-        <p:nvPr/>
-      </p:nvGrpSpPr>
-      <p:grpSpPr/>
-      <p:sp>
-        <p:nvSpPr>
-          <p:cNvPr id="2" name="标题 1"/>
-          <p:cNvSpPr>
-            <a:spLocks noGrp="1"/>
-          </p:cNvSpPr>
-          <p:nvPr>
-            <p:ph type="title"/>
-          </p:nvPr>
-        </p:nvSpPr>
-        <p:spPr/>
-        <p:txBody>
-          <a:bodyPr/>
-          <a:p>
-            <a:endParaRPr lang="zh-CN" altLang="en-US"/>
-          </a:p>
-        </p:txBody>
-      </p:sp>
-      <p:sp>
-        <p:nvSpPr>
-          <p:cNvPr id="3" name="内容占位符 2"/>
-          <p:cNvSpPr>
-            <a:spLocks noGrp="1"/>
-          </p:cNvSpPr>
-          <p:nvPr>
-            <p:ph idx="1"/>
-          </p:nvPr>
-        </p:nvSpPr>
-        <p:spPr/>
-        <p:txBody>
-          <a:bodyPr/>
-          <a:p>
-            <a:endParaRPr lang="zh-CN" altLang="en-US"/>
           </a:p>
         </p:txBody>
       </p:sp>

--- a/net_ppt.pptx
+++ b/net_ppt.pptx
@@ -5,33 +5,32 @@
     <p:sldMasterId id="2147483648" r:id="rId1"/>
   </p:sldMasterIdLst>
   <p:notesMasterIdLst>
-    <p:notesMasterId r:id="rId6"/>
+    <p:notesMasterId r:id="rId8"/>
   </p:notesMasterIdLst>
   <p:sldIdLst>
     <p:sldId id="256" r:id="rId3"/>
     <p:sldId id="305" r:id="rId4"/>
-    <p:sldId id="279" r:id="rId5"/>
-    <p:sldId id="257" r:id="rId7"/>
-    <p:sldId id="259" r:id="rId8"/>
-    <p:sldId id="260" r:id="rId9"/>
-    <p:sldId id="261" r:id="rId10"/>
-    <p:sldId id="263" r:id="rId11"/>
-    <p:sldId id="264" r:id="rId12"/>
-    <p:sldId id="265" r:id="rId13"/>
-    <p:sldId id="267" r:id="rId14"/>
-    <p:sldId id="290" r:id="rId15"/>
-    <p:sldId id="268" r:id="rId16"/>
-    <p:sldId id="291" r:id="rId17"/>
-    <p:sldId id="269" r:id="rId18"/>
-    <p:sldId id="270" r:id="rId19"/>
-    <p:sldId id="330" r:id="rId20"/>
-    <p:sldId id="272" r:id="rId21"/>
-    <p:sldId id="331" r:id="rId22"/>
-    <p:sldId id="273" r:id="rId23"/>
-    <p:sldId id="303" r:id="rId24"/>
-    <p:sldId id="304" r:id="rId25"/>
-    <p:sldId id="274" r:id="rId26"/>
-    <p:sldId id="276" r:id="rId27"/>
+    <p:sldId id="257" r:id="rId5"/>
+    <p:sldId id="259" r:id="rId6"/>
+    <p:sldId id="260" r:id="rId7"/>
+    <p:sldId id="261" r:id="rId9"/>
+    <p:sldId id="263" r:id="rId10"/>
+    <p:sldId id="264" r:id="rId11"/>
+    <p:sldId id="265" r:id="rId12"/>
+    <p:sldId id="267" r:id="rId13"/>
+    <p:sldId id="290" r:id="rId14"/>
+    <p:sldId id="268" r:id="rId15"/>
+    <p:sldId id="291" r:id="rId16"/>
+    <p:sldId id="269" r:id="rId17"/>
+    <p:sldId id="270" r:id="rId18"/>
+    <p:sldId id="330" r:id="rId19"/>
+    <p:sldId id="272" r:id="rId20"/>
+    <p:sldId id="331" r:id="rId21"/>
+    <p:sldId id="273" r:id="rId22"/>
+    <p:sldId id="303" r:id="rId23"/>
+    <p:sldId id="304" r:id="rId24"/>
+    <p:sldId id="274" r:id="rId25"/>
+    <p:sldId id="276" r:id="rId26"/>
   </p:sldIdLst>
   <p:sldSz cx="12192000" cy="6858000"/>
   <p:notesSz cx="6858000" cy="9144000"/>
@@ -136,28 +135,28 @@
         <p14:section name="默认节" id="{9070c916-59b8-4b3f-b409-6900ea2fcec4}">
           <p14:sldIdLst>
             <p14:sldId id="256"/>
-            <p14:sldId id="279"/>
+            <p14:sldId id="305"/>
             <p14:sldId id="257"/>
             <p14:sldId id="259"/>
             <p14:sldId id="260"/>
             <p14:sldId id="261"/>
             <p14:sldId id="263"/>
-            <p14:sldId id="268"/>
-            <p14:sldId id="291"/>
-            <p14:sldId id="270"/>
-            <p14:sldId id="271"/>
-            <p14:sldId id="272"/>
-            <p14:sldId id="273"/>
-            <p14:sldId id="274"/>
-            <p14:sldId id="275"/>
-            <p14:sldId id="276"/>
-            <p14:sldId id="277"/>
-            <p14:sldId id="278"/>
-            <p14:sldId id="269"/>
-            <p14:sldId id="265"/>
             <p14:sldId id="264"/>
             <p14:sldId id="267"/>
             <p14:sldId id="290"/>
+            <p14:sldId id="268"/>
+            <p14:sldId id="269"/>
+            <p14:sldId id="270"/>
+            <p14:sldId id="330"/>
+            <p14:sldId id="272"/>
+            <p14:sldId id="331"/>
+            <p14:sldId id="273"/>
+            <p14:sldId id="303"/>
+            <p14:sldId id="304"/>
+            <p14:sldId id="274"/>
+            <p14:sldId id="276"/>
+            <p14:sldId id="291"/>
+            <p14:sldId id="265"/>
           </p14:sldIdLst>
         </p14:section>
       </p14:sectionLst>
@@ -525,7 +524,7 @@
       <p:grpSpPr/>
       <p:sp>
         <p:nvSpPr>
-          <p:cNvPr id="2" name="Slide Image Placeholder 1"/>
+          <p:cNvPr id="2" name="幻灯片图像占位符 1"/>
           <p:cNvSpPr/>
           <p:nvPr>
             <p:ph type="sldImg" idx="2"/>
@@ -535,7 +534,7 @@
       </p:sp>
       <p:sp>
         <p:nvSpPr>
-          <p:cNvPr id="3" name="Text Placeholder 2"/>
+          <p:cNvPr id="3" name="文本占位符 2"/>
           <p:cNvSpPr/>
           <p:nvPr>
             <p:ph type="body" idx="3"/>
@@ -545,27 +544,6 @@
         <p:txBody>
           <a:bodyPr/>
           <a:p>
-            <a:endParaRPr lang="en-US"/>
-          </a:p>
-        </p:txBody>
-      </p:sp>
-      <p:sp>
-        <p:nvSpPr>
-          <p:cNvPr id="4" name="Slide Number Placeholder 3"/>
-          <p:cNvSpPr>
-            <a:spLocks noGrp="1"/>
-          </p:cNvSpPr>
-          <p:nvPr>
-            <p:ph type="sldNum" sz="quarter" idx="5"/>
-          </p:nvPr>
-        </p:nvSpPr>
-        <p:spPr/>
-        <p:txBody>
-          <a:bodyPr/>
-          <a:p>
-            <a:fld id="{A6837353-30EB-4A48-80EB-173D804AEFBD}" type="slidenum">
-              <a:rPr lang="zh-CN" altLang="en-US" smtClean="0"/>
-            </a:fld>
             <a:endParaRPr lang="zh-CN" altLang="en-US"/>
           </a:p>
         </p:txBody>
@@ -623,50 +601,6 @@
 </file>
 
 <file path=ppt/notesSlides/notesSlide3.xml><?xml version="1.0" encoding="utf-8"?>
-<p:notes xmlns:a="http://schemas.openxmlformats.org/drawingml/2006/main" xmlns:r="http://schemas.openxmlformats.org/officeDocument/2006/relationships" xmlns:p="http://schemas.openxmlformats.org/presentationml/2006/main">
-  <p:cSld>
-    <p:spTree>
-      <p:nvGrpSpPr>
-        <p:cNvPr id="1" name=""/>
-        <p:cNvGrpSpPr/>
-        <p:nvPr/>
-      </p:nvGrpSpPr>
-      <p:grpSpPr/>
-      <p:sp>
-        <p:nvSpPr>
-          <p:cNvPr id="2" name="幻灯片图像占位符 1"/>
-          <p:cNvSpPr/>
-          <p:nvPr>
-            <p:ph type="sldImg" idx="2"/>
-          </p:nvPr>
-        </p:nvSpPr>
-        <p:spPr/>
-      </p:sp>
-      <p:sp>
-        <p:nvSpPr>
-          <p:cNvPr id="3" name="文本占位符 2"/>
-          <p:cNvSpPr/>
-          <p:nvPr>
-            <p:ph type="body" idx="3"/>
-          </p:nvPr>
-        </p:nvSpPr>
-        <p:spPr/>
-        <p:txBody>
-          <a:bodyPr/>
-          <a:p>
-            <a:endParaRPr lang="zh-CN" altLang="en-US"/>
-          </a:p>
-        </p:txBody>
-      </p:sp>
-    </p:spTree>
-  </p:cSld>
-  <p:clrMapOvr>
-    <a:masterClrMapping/>
-  </p:clrMapOvr>
-</p:notes>
-</file>
-
-<file path=ppt/notesSlides/notesSlide4.xml><?xml version="1.0" encoding="utf-8"?>
 <p:notes xmlns:a="http://schemas.openxmlformats.org/drawingml/2006/main" xmlns:r="http://schemas.openxmlformats.org/officeDocument/2006/relationships" xmlns:p="http://schemas.openxmlformats.org/presentationml/2006/main">
   <p:cSld>
     <p:spTree>
@@ -755,7 +689,7 @@
             <a:spLocks noGrp="1"/>
           </p:cNvSpPr>
           <p:nvPr>
-            <p:ph type="ctrTitle" hasCustomPrompt="1"/>
+            <p:ph type="ctrTitle"/>
           </p:nvPr>
         </p:nvSpPr>
         <p:spPr>
@@ -787,7 +721,7 @@
             <a:spLocks noGrp="1"/>
           </p:cNvSpPr>
           <p:nvPr>
-            <p:ph type="subTitle" idx="1" hasCustomPrompt="1"/>
+            <p:ph type="subTitle" idx="1"/>
           </p:nvPr>
         </p:nvSpPr>
         <p:spPr>
@@ -940,7 +874,7 @@
             <a:spLocks noGrp="1"/>
           </p:cNvSpPr>
           <p:nvPr>
-            <p:ph hasCustomPrompt="1"/>
+            <p:ph/>
           </p:nvPr>
         </p:nvSpPr>
         <p:spPr>
@@ -1089,7 +1023,7 @@
             <a:spLocks noGrp="1"/>
           </p:cNvSpPr>
           <p:nvPr>
-            <p:ph type="title" hasCustomPrompt="1"/>
+            <p:ph type="title"/>
           </p:nvPr>
         </p:nvSpPr>
         <p:spPr/>
@@ -1112,7 +1046,7 @@
             <a:spLocks noGrp="1"/>
           </p:cNvSpPr>
           <p:nvPr>
-            <p:ph idx="1" hasCustomPrompt="1"/>
+            <p:ph idx="1"/>
           </p:nvPr>
         </p:nvSpPr>
         <p:spPr/>
@@ -1256,7 +1190,7 @@
             <a:spLocks noGrp="1"/>
           </p:cNvSpPr>
           <p:nvPr>
-            <p:ph type="title" hasCustomPrompt="1"/>
+            <p:ph type="title"/>
           </p:nvPr>
         </p:nvSpPr>
         <p:spPr>
@@ -1288,7 +1222,7 @@
             <a:spLocks noGrp="1"/>
           </p:cNvSpPr>
           <p:nvPr>
-            <p:ph type="body" idx="1" hasCustomPrompt="1"/>
+            <p:ph type="body" idx="1"/>
           </p:nvPr>
         </p:nvSpPr>
         <p:spPr>
@@ -1496,7 +1430,7 @@
             <a:spLocks noGrp="1"/>
           </p:cNvSpPr>
           <p:nvPr>
-            <p:ph type="title" hasCustomPrompt="1"/>
+            <p:ph type="title"/>
           </p:nvPr>
         </p:nvSpPr>
         <p:spPr/>
@@ -1519,7 +1453,7 @@
             <a:spLocks noGrp="1"/>
           </p:cNvSpPr>
           <p:nvPr>
-            <p:ph sz="half" idx="1" hasCustomPrompt="1"/>
+            <p:ph sz="half" idx="1"/>
           </p:nvPr>
         </p:nvSpPr>
         <p:spPr>
@@ -1580,7 +1514,7 @@
             <a:spLocks noGrp="1"/>
           </p:cNvSpPr>
           <p:nvPr>
-            <p:ph sz="half" idx="2" hasCustomPrompt="1"/>
+            <p:ph sz="half" idx="2"/>
           </p:nvPr>
         </p:nvSpPr>
         <p:spPr>
@@ -1729,7 +1663,7 @@
             <a:spLocks noGrp="1"/>
           </p:cNvSpPr>
           <p:nvPr>
-            <p:ph type="title" hasCustomPrompt="1"/>
+            <p:ph type="title"/>
           </p:nvPr>
         </p:nvSpPr>
         <p:spPr>
@@ -1757,7 +1691,7 @@
             <a:spLocks noGrp="1"/>
           </p:cNvSpPr>
           <p:nvPr>
-            <p:ph type="body" idx="1" hasCustomPrompt="1"/>
+            <p:ph type="body" idx="1"/>
           </p:nvPr>
         </p:nvSpPr>
         <p:spPr>
@@ -1823,7 +1757,7 @@
             <a:spLocks noGrp="1"/>
           </p:cNvSpPr>
           <p:nvPr>
-            <p:ph sz="half" idx="2" hasCustomPrompt="1"/>
+            <p:ph sz="half" idx="2"/>
           </p:nvPr>
         </p:nvSpPr>
         <p:spPr>
@@ -1884,7 +1818,7 @@
             <a:spLocks noGrp="1"/>
           </p:cNvSpPr>
           <p:nvPr>
-            <p:ph type="body" sz="quarter" idx="3" hasCustomPrompt="1"/>
+            <p:ph type="body" sz="quarter" idx="3"/>
           </p:nvPr>
         </p:nvSpPr>
         <p:spPr>
@@ -1950,7 +1884,7 @@
             <a:spLocks noGrp="1"/>
           </p:cNvSpPr>
           <p:nvPr>
-            <p:ph sz="quarter" idx="4" hasCustomPrompt="1"/>
+            <p:ph sz="quarter" idx="4"/>
           </p:nvPr>
         </p:nvSpPr>
         <p:spPr>
@@ -2099,7 +2033,7 @@
             <a:spLocks noGrp="1"/>
           </p:cNvSpPr>
           <p:nvPr>
-            <p:ph type="title" hasCustomPrompt="1"/>
+            <p:ph type="title"/>
           </p:nvPr>
         </p:nvSpPr>
         <p:spPr/>
@@ -2298,7 +2232,7 @@
             <a:spLocks noGrp="1"/>
           </p:cNvSpPr>
           <p:nvPr>
-            <p:ph type="title" hasCustomPrompt="1"/>
+            <p:ph type="title"/>
           </p:nvPr>
         </p:nvSpPr>
         <p:spPr>
@@ -2391,7 +2325,7 @@
             <a:spLocks noGrp="1"/>
           </p:cNvSpPr>
           <p:nvPr>
-            <p:ph type="body" sz="half" idx="2" hasCustomPrompt="1"/>
+            <p:ph type="body" sz="half" idx="2"/>
           </p:nvPr>
         </p:nvSpPr>
         <p:spPr>
@@ -2545,7 +2479,7 @@
             <a:spLocks noGrp="1"/>
           </p:cNvSpPr>
           <p:nvPr>
-            <p:ph type="title" orient="vert" hasCustomPrompt="1"/>
+            <p:ph type="title" orient="vert"/>
           </p:nvPr>
         </p:nvSpPr>
         <p:spPr>
@@ -2573,7 +2507,7 @@
             <a:spLocks noGrp="1"/>
           </p:cNvSpPr>
           <p:nvPr>
-            <p:ph type="body" orient="vert" idx="1" hasCustomPrompt="1"/>
+            <p:ph type="body" orient="vert" idx="1"/>
           </p:nvPr>
         </p:nvSpPr>
         <p:spPr>
@@ -2979,7 +2913,7 @@
         <a:spcBef>
           <a:spcPts val="1000"/>
         </a:spcBef>
-        <a:buFont typeface="Arial" panose="02080604020202020204" charset="0"/>
+        <a:buFont typeface="Arial" panose="020B0604020202020204" pitchFamily="34" charset="0"/>
         <a:buChar char="•"/>
         <a:defRPr sz="2800" kern="1200">
           <a:solidFill>
@@ -2997,7 +2931,7 @@
         <a:spcBef>
           <a:spcPts val="500"/>
         </a:spcBef>
-        <a:buFont typeface="Arial" panose="02080604020202020204" charset="0"/>
+        <a:buFont typeface="Arial" panose="020B0604020202020204" pitchFamily="34" charset="0"/>
         <a:buChar char="•"/>
         <a:defRPr sz="2400" kern="1200">
           <a:solidFill>
@@ -3015,7 +2949,7 @@
         <a:spcBef>
           <a:spcPts val="500"/>
         </a:spcBef>
-        <a:buFont typeface="Arial" panose="02080604020202020204" charset="0"/>
+        <a:buFont typeface="Arial" panose="020B0604020202020204" pitchFamily="34" charset="0"/>
         <a:buChar char="•"/>
         <a:defRPr sz="2000" kern="1200">
           <a:solidFill>
@@ -3033,7 +2967,7 @@
         <a:spcBef>
           <a:spcPts val="500"/>
         </a:spcBef>
-        <a:buFont typeface="Arial" panose="02080604020202020204" charset="0"/>
+        <a:buFont typeface="Arial" panose="020B0604020202020204" pitchFamily="34" charset="0"/>
         <a:buChar char="•"/>
         <a:defRPr sz="1800" kern="1200">
           <a:solidFill>
@@ -3051,7 +2985,7 @@
         <a:spcBef>
           <a:spcPts val="500"/>
         </a:spcBef>
-        <a:buFont typeface="Arial" panose="02080604020202020204" charset="0"/>
+        <a:buFont typeface="Arial" panose="020B0604020202020204" pitchFamily="34" charset="0"/>
         <a:buChar char="•"/>
         <a:defRPr sz="1800" kern="1200">
           <a:solidFill>
@@ -3069,7 +3003,7 @@
         <a:spcBef>
           <a:spcPts val="500"/>
         </a:spcBef>
-        <a:buFont typeface="Arial" panose="02080604020202020204" charset="0"/>
+        <a:buFont typeface="Arial" panose="020B0604020202020204" pitchFamily="34" charset="0"/>
         <a:buChar char="•"/>
         <a:defRPr sz="1800" kern="1200">
           <a:solidFill>
@@ -3087,7 +3021,7 @@
         <a:spcBef>
           <a:spcPts val="500"/>
         </a:spcBef>
-        <a:buFont typeface="Arial" panose="02080604020202020204" charset="0"/>
+        <a:buFont typeface="Arial" panose="020B0604020202020204" pitchFamily="34" charset="0"/>
         <a:buChar char="•"/>
         <a:defRPr sz="1800" kern="1200">
           <a:solidFill>
@@ -3105,7 +3039,7 @@
         <a:spcBef>
           <a:spcPts val="500"/>
         </a:spcBef>
-        <a:buFont typeface="Arial" panose="02080604020202020204" charset="0"/>
+        <a:buFont typeface="Arial" panose="020B0604020202020204" pitchFamily="34" charset="0"/>
         <a:buChar char="•"/>
         <a:defRPr sz="1800" kern="1200">
           <a:solidFill>
@@ -3123,7 +3057,7 @@
         <a:spcBef>
           <a:spcPts val="500"/>
         </a:spcBef>
-        <a:buFont typeface="Arial" panose="02080604020202020204" charset="0"/>
+        <a:buFont typeface="Arial" panose="020B0604020202020204" pitchFamily="34" charset="0"/>
         <a:buChar char="•"/>
         <a:defRPr sz="1800" kern="1200">
           <a:solidFill>
@@ -3312,13 +3246,14 @@
         <p:txBody>
           <a:bodyPr/>
           <a:p>
-            <a:r>
-              <a:rPr lang="zh-CN" altLang="en-US">
+            <a:pPr algn="l"/>
+            <a:r>
+              <a:rPr lang="zh-CN" altLang="en-US" sz="3200">
                 <a:sym typeface="+mn-ea"/>
               </a:rPr>
-              <a:t>一条网络请求之路</a:t>
-            </a:r>
-            <a:endParaRPr lang="zh-CN" altLang="en-US"/>
+              <a:t>8.重写EgmCallback业务回调方法</a:t>
+            </a:r>
+            <a:endParaRPr lang="zh-CN" altLang="en-US" sz="3200"/>
           </a:p>
         </p:txBody>
       </p:sp>
@@ -3336,122 +3271,9 @@
         <p:txBody>
           <a:bodyPr/>
           <a:p>
-            <a:r>
-              <a:rPr lang="en-US" altLang="zh-CN"/>
-              <a:t>5.</a:t>
-            </a:r>
-            <a:r>
-              <a:rPr lang="zh-CN" altLang="en-US"/>
-              <a:t>在</a:t>
-            </a:r>
-            <a:r>
-              <a:rPr lang="en-US" altLang="zh-CN"/>
-              <a:t>EgmService</a:t>
-            </a:r>
-            <a:r>
-              <a:rPr lang="zh-CN" altLang="en-US"/>
-              <a:t>定义同意的事务调用入口</a:t>
-            </a:r>
-            <a:endParaRPr lang="zh-CN" altLang="en-US"/>
-          </a:p>
-        </p:txBody>
-      </p:sp>
-      <p:pic>
-        <p:nvPicPr>
-          <p:cNvPr id="4" name="图片 3" descr="old_step6"/>
-          <p:cNvPicPr>
-            <a:picLocks noChangeAspect="1"/>
-          </p:cNvPicPr>
-          <p:nvPr/>
-        </p:nvPicPr>
-        <p:blipFill>
-          <a:blip r:embed="rId1"/>
-          <a:stretch>
-            <a:fillRect/>
-          </a:stretch>
-        </p:blipFill>
-        <p:spPr>
-          <a:xfrm>
-            <a:off x="1163955" y="3529965"/>
-            <a:ext cx="10038080" cy="2647315"/>
-          </a:xfrm>
-          <a:prstGeom prst="rect">
-            <a:avLst/>
-          </a:prstGeom>
-        </p:spPr>
-      </p:pic>
-    </p:spTree>
-  </p:cSld>
-  <p:clrMapOvr>
-    <a:masterClrMapping/>
-  </p:clrMapOvr>
-</p:sld>
-</file>
-
-<file path=ppt/slides/slide11.xml><?xml version="1.0" encoding="utf-8"?>
-<p:sld xmlns:a="http://schemas.openxmlformats.org/drawingml/2006/main" xmlns:r="http://schemas.openxmlformats.org/officeDocument/2006/relationships" xmlns:p="http://schemas.openxmlformats.org/presentationml/2006/main">
-  <p:cSld>
-    <p:spTree>
-      <p:nvGrpSpPr>
-        <p:cNvPr id="1" name=""/>
-        <p:cNvGrpSpPr/>
-        <p:nvPr/>
-      </p:nvGrpSpPr>
-      <p:grpSpPr/>
-      <p:sp>
-        <p:nvSpPr>
-          <p:cNvPr id="2" name="标题 1"/>
-          <p:cNvSpPr>
-            <a:spLocks noGrp="1"/>
-          </p:cNvSpPr>
-          <p:nvPr>
-            <p:ph type="title"/>
-          </p:nvPr>
-        </p:nvSpPr>
-        <p:spPr/>
-        <p:txBody>
-          <a:bodyPr/>
-          <a:p>
-            <a:r>
-              <a:rPr lang="zh-CN" altLang="en-US">
-                <a:sym typeface="+mn-ea"/>
-              </a:rPr>
-              <a:t>一条网络请求之路</a:t>
-            </a:r>
-            <a:endParaRPr lang="zh-CN" altLang="en-US"/>
-          </a:p>
-        </p:txBody>
-      </p:sp>
-      <p:sp>
-        <p:nvSpPr>
-          <p:cNvPr id="3" name="内容占位符 2"/>
-          <p:cNvSpPr>
-            <a:spLocks noGrp="1"/>
-          </p:cNvSpPr>
-          <p:nvPr>
-            <p:ph idx="1"/>
-          </p:nvPr>
-        </p:nvSpPr>
-        <p:spPr/>
-        <p:txBody>
-          <a:bodyPr/>
-          <a:p>
-            <a:r>
-              <a:rPr lang="en-US" altLang="zh-CN"/>
-              <a:t>6.</a:t>
-            </a:r>
-            <a:r>
-              <a:rPr lang="zh-CN" altLang="en-US"/>
-              <a:t>重写</a:t>
-            </a:r>
-            <a:r>
-              <a:rPr lang="en-US" altLang="zh-CN"/>
-              <a:t>EgmCallback</a:t>
-            </a:r>
-            <a:r>
-              <a:rPr lang="zh-CN" altLang="en-US"/>
-              <a:t>业务回调方法</a:t>
-            </a:r>
+            <a:pPr marL="0" indent="0">
+              <a:buNone/>
+            </a:pPr>
             <a:endParaRPr lang="zh-CN" altLang="en-US"/>
           </a:p>
         </p:txBody>
@@ -3488,7 +3310,7 @@
 </p:sld>
 </file>
 
-<file path=ppt/slides/slide12.xml><?xml version="1.0" encoding="utf-8"?>
+<file path=ppt/slides/slide11.xml><?xml version="1.0" encoding="utf-8"?>
 <p:sld xmlns:a="http://schemas.openxmlformats.org/drawingml/2006/main" xmlns:r="http://schemas.openxmlformats.org/officeDocument/2006/relationships" xmlns:p="http://schemas.openxmlformats.org/presentationml/2006/main">
   <p:cSld>
     <p:spTree>
@@ -3512,13 +3334,14 @@
         <p:txBody>
           <a:bodyPr/>
           <a:p>
-            <a:r>
-              <a:rPr lang="zh-CN" altLang="en-US">
+            <a:pPr algn="l"/>
+            <a:r>
+              <a:rPr lang="zh-CN" altLang="en-US" sz="3200">
                 <a:sym typeface="+mn-ea"/>
               </a:rPr>
-              <a:t>一条网络请求之路</a:t>
-            </a:r>
-            <a:endParaRPr lang="zh-CN" altLang="en-US"/>
+              <a:t>9.将EgmCallback进行全局注册与反注册</a:t>
+            </a:r>
+            <a:endParaRPr lang="zh-CN" altLang="en-US" sz="3200"/>
           </a:p>
         </p:txBody>
       </p:sp>
@@ -3539,10 +3362,6 @@
             <a:pPr marL="0" indent="0">
               <a:buNone/>
             </a:pPr>
-            <a:r>
-              <a:rPr lang="x-none" altLang="en-US"/>
-              <a:t>7.将EgmCallback进行全局注册与反注册</a:t>
-            </a:r>
             <a:endParaRPr lang="x-none" altLang="en-US"/>
           </a:p>
         </p:txBody>
@@ -3579,7 +3398,7 @@
 </p:sld>
 </file>
 
-<file path=ppt/slides/slide13.xml><?xml version="1.0" encoding="utf-8"?>
+<file path=ppt/slides/slide12.xml><?xml version="1.0" encoding="utf-8"?>
 <p:sld xmlns:a="http://schemas.openxmlformats.org/drawingml/2006/main" xmlns:r="http://schemas.openxmlformats.org/officeDocument/2006/relationships" xmlns:p="http://schemas.openxmlformats.org/presentationml/2006/main">
   <p:cSld>
     <p:spTree>
@@ -3603,13 +3422,14 @@
         <p:txBody>
           <a:bodyPr/>
           <a:p>
-            <a:r>
-              <a:rPr lang="zh-CN" altLang="en-US">
+            <a:pPr algn="l"/>
+            <a:r>
+              <a:rPr lang="zh-CN" altLang="en-US" sz="3200">
                 <a:sym typeface="+mn-ea"/>
               </a:rPr>
-              <a:t>一条网络请求之路</a:t>
-            </a:r>
-            <a:endParaRPr lang="zh-CN" altLang="en-US"/>
+              <a:t>10.发起请求</a:t>
+            </a:r>
+            <a:endParaRPr lang="zh-CN" altLang="en-US" sz="3200"/>
           </a:p>
         </p:txBody>
       </p:sp>
@@ -3627,10 +3447,9 @@
         <p:txBody>
           <a:bodyPr/>
           <a:p>
-            <a:r>
-              <a:rPr lang="x-none" altLang="zh-CN"/>
-              <a:t>8.发起请求</a:t>
-            </a:r>
+            <a:pPr marL="0" indent="0">
+              <a:buNone/>
+            </a:pPr>
             <a:endParaRPr lang="x-none" altLang="zh-CN"/>
           </a:p>
         </p:txBody>
@@ -3667,6 +3486,167 @@
 </p:sld>
 </file>
 
+<file path=ppt/slides/slide13.xml><?xml version="1.0" encoding="utf-8"?>
+<p:sld xmlns:a="http://schemas.openxmlformats.org/drawingml/2006/main" xmlns:r="http://schemas.openxmlformats.org/officeDocument/2006/relationships" xmlns:p="http://schemas.openxmlformats.org/presentationml/2006/main">
+  <p:cSld>
+    <p:spTree>
+      <p:nvGrpSpPr>
+        <p:cNvPr id="1" name=""/>
+        <p:cNvGrpSpPr/>
+        <p:nvPr/>
+      </p:nvGrpSpPr>
+      <p:grpSpPr/>
+      <p:sp>
+        <p:nvSpPr>
+          <p:cNvPr id="2" name="标题 1"/>
+          <p:cNvSpPr>
+            <a:spLocks noGrp="1"/>
+          </p:cNvSpPr>
+          <p:nvPr>
+            <p:ph type="title"/>
+          </p:nvPr>
+        </p:nvSpPr>
+        <p:spPr/>
+        <p:txBody>
+          <a:bodyPr/>
+          <a:p>
+            <a:r>
+              <a:rPr lang="en-US" altLang="zh-CN"/>
+              <a:t>WHY</a:t>
+            </a:r>
+            <a:endParaRPr lang="en-US" altLang="zh-CN"/>
+          </a:p>
+        </p:txBody>
+      </p:sp>
+      <p:sp>
+        <p:nvSpPr>
+          <p:cNvPr id="3" name="内容占位符 2"/>
+          <p:cNvSpPr>
+            <a:spLocks noGrp="1"/>
+          </p:cNvSpPr>
+          <p:nvPr>
+            <p:ph idx="1"/>
+          </p:nvPr>
+        </p:nvSpPr>
+        <p:spPr/>
+        <p:txBody>
+          <a:bodyPr/>
+          <a:p>
+            <a:r>
+              <a:rPr lang="zh-CN" altLang="en-US"/>
+              <a:t>接口复杂，使用繁琐</a:t>
+            </a:r>
+            <a:endParaRPr lang="zh-CN" altLang="en-US"/>
+          </a:p>
+          <a:p>
+            <a:pPr lvl="1"/>
+            <a:r>
+              <a:rPr lang="zh-CN" altLang="en-US">
+                <a:sym typeface="+mn-ea"/>
+              </a:rPr>
+              <a:t>一个普通的网络请求</a:t>
+            </a:r>
+            <a:r>
+              <a:rPr lang="x-none" altLang="zh-CN">
+                <a:sym typeface="+mn-ea"/>
+              </a:rPr>
+              <a:t>需要改动6个文件</a:t>
+            </a:r>
+            <a:endParaRPr lang="x-none" altLang="zh-CN">
+              <a:sym typeface="+mn-ea"/>
+            </a:endParaRPr>
+          </a:p>
+          <a:p>
+            <a:pPr lvl="1"/>
+            <a:r>
+              <a:rPr lang="zh-CN" altLang="en-US">
+                <a:sym typeface="+mn-ea"/>
+              </a:rPr>
+              <a:t>很难根据网络请求追踪到网络返回，反之亦然</a:t>
+            </a:r>
+            <a:endParaRPr lang="zh-CN" altLang="en-US">
+              <a:sym typeface="+mn-ea"/>
+            </a:endParaRPr>
+          </a:p>
+          <a:p>
+            <a:pPr lvl="1"/>
+            <a:r>
+              <a:rPr lang="x-none" altLang="zh-CN">
+                <a:sym typeface="+mn-ea"/>
+              </a:rPr>
+              <a:t>多次重复的请求很难进行区分</a:t>
+            </a:r>
+            <a:endParaRPr lang="x-none" altLang="zh-CN">
+              <a:sym typeface="+mn-ea"/>
+            </a:endParaRPr>
+          </a:p>
+          <a:p>
+            <a:pPr lvl="1"/>
+            <a:r>
+              <a:rPr lang="zh-CN" altLang="en-US">
+                <a:sym typeface="+mn-ea"/>
+              </a:rPr>
+              <a:t>对多次相同网路请求处理繁琐</a:t>
+            </a:r>
+            <a:endParaRPr lang="x-none" altLang="zh-CN">
+              <a:sym typeface="+mn-ea"/>
+            </a:endParaRPr>
+          </a:p>
+          <a:p>
+            <a:pPr lvl="0"/>
+            <a:r>
+              <a:rPr lang="zh-CN" altLang="x-none" sz="2800">
+                <a:sym typeface="+mn-ea"/>
+              </a:rPr>
+              <a:t>性能问题</a:t>
+            </a:r>
+            <a:endParaRPr lang="zh-CN" altLang="x-none" sz="2800">
+              <a:sym typeface="+mn-ea"/>
+            </a:endParaRPr>
+          </a:p>
+          <a:p>
+            <a:pPr lvl="1"/>
+            <a:r>
+              <a:rPr lang="zh-CN" altLang="en-US"/>
+              <a:t> </a:t>
+            </a:r>
+            <a:r>
+              <a:rPr lang="zh-CN" altLang="en-US">
+                <a:sym typeface="+mn-ea"/>
+              </a:rPr>
+              <a:t>回调对象不能及时被回收，占用内存</a:t>
+            </a:r>
+            <a:endParaRPr lang="zh-CN" altLang="en-US"/>
+          </a:p>
+          <a:p>
+            <a:r>
+              <a:rPr lang="en-US" altLang="zh-CN"/>
+              <a:t>HttpClient</a:t>
+            </a:r>
+            <a:r>
+              <a:rPr lang="zh-CN" altLang="en-US"/>
+              <a:t>在</a:t>
+            </a:r>
+            <a:r>
+              <a:rPr lang="en-US" altLang="zh-CN"/>
+              <a:t>Android6.0</a:t>
+            </a:r>
+            <a:r>
+              <a:rPr lang="zh-CN" altLang="en-US"/>
+              <a:t>后不再提供支持</a:t>
+            </a:r>
+            <a:endParaRPr lang="zh-CN" altLang="en-US"/>
+          </a:p>
+        </p:txBody>
+      </p:sp>
+    </p:spTree>
+  </p:cSld>
+  <p:clrMapOvr>
+    <a:masterClrMapping/>
+  </p:clrMapOvr>
+</p:sld>
+</file>
+
 <file path=ppt/slides/slide14.xml><?xml version="1.0" encoding="utf-8"?>
 <p:sld xmlns:a="http://schemas.openxmlformats.org/drawingml/2006/main" xmlns:r="http://schemas.openxmlformats.org/officeDocument/2006/relationships" xmlns:p="http://schemas.openxmlformats.org/presentationml/2006/main">
   <p:cSld>
@@ -3693,7 +3673,7 @@
           <a:p>
             <a:r>
               <a:rPr lang="zh-CN" altLang="en-US"/>
-              <a:t>结论</a:t>
+              <a:t>WHAT WE WANT</a:t>
             </a:r>
             <a:endParaRPr lang="zh-CN" altLang="en-US"/>
           </a:p>
@@ -3715,43 +3695,28 @@
           <a:p>
             <a:r>
               <a:rPr lang="zh-CN" altLang="en-US"/>
-              <a:t>1. 一个普通的网络请求</a:t>
-            </a:r>
-            <a:r>
-              <a:rPr lang="x-none" altLang="zh-CN"/>
-              <a:t>需要改动6个文件</a:t>
-            </a:r>
-            <a:endParaRPr lang="x-none" altLang="zh-CN"/>
+              <a:t>1. 接口简单，使用方便</a:t>
+            </a:r>
+            <a:endParaRPr lang="zh-CN" altLang="en-US"/>
           </a:p>
           <a:p>
             <a:r>
               <a:rPr lang="zh-CN" altLang="en-US"/>
-              <a:t>2. 很难根据网络请求追踪到网络返回，反之亦然</a:t>
+              <a:t>2. 易于扩展和替换</a:t>
             </a:r>
             <a:endParaRPr lang="zh-CN" altLang="en-US"/>
           </a:p>
           <a:p>
             <a:r>
               <a:rPr lang="zh-CN" altLang="en-US"/>
-              <a:t>3. 回调对象不能及时被回收，占用内存</a:t>
-            </a:r>
-            <a:endParaRPr lang="zh-CN" altLang="en-US"/>
-          </a:p>
-          <a:p>
-            <a:r>
-              <a:rPr lang="x-none" altLang="zh-CN"/>
-              <a:t>4.多次重复的请求很难进行区分</a:t>
-            </a:r>
-            <a:endParaRPr lang="x-none" altLang="zh-CN"/>
-          </a:p>
-          <a:p>
-            <a:r>
-              <a:rPr lang="x-none" altLang="zh-CN"/>
-              <a:t>5</a:t>
-            </a:r>
+              <a:t>3. 方便监控</a:t>
+            </a:r>
+            <a:endParaRPr lang="zh-CN" altLang="en-US"/>
+          </a:p>
+          <a:p>
             <a:r>
               <a:rPr lang="zh-CN" altLang="en-US"/>
-              <a:t>. 对多次相同网路请求处理繁琐</a:t>
+              <a:t>4. 高性能</a:t>
             </a:r>
             <a:endParaRPr lang="zh-CN" altLang="en-US"/>
           </a:p>
@@ -3766,89 +3731,6 @@
 </file>
 
 <file path=ppt/slides/slide15.xml><?xml version="1.0" encoding="utf-8"?>
-<p:sld xmlns:a="http://schemas.openxmlformats.org/drawingml/2006/main" xmlns:r="http://schemas.openxmlformats.org/officeDocument/2006/relationships" xmlns:p="http://schemas.openxmlformats.org/presentationml/2006/main">
-  <p:cSld>
-    <p:spTree>
-      <p:nvGrpSpPr>
-        <p:cNvPr id="1" name=""/>
-        <p:cNvGrpSpPr/>
-        <p:nvPr/>
-      </p:nvGrpSpPr>
-      <p:grpSpPr/>
-      <p:sp>
-        <p:nvSpPr>
-          <p:cNvPr id="2" name="标题 1"/>
-          <p:cNvSpPr>
-            <a:spLocks noGrp="1"/>
-          </p:cNvSpPr>
-          <p:nvPr>
-            <p:ph type="title"/>
-          </p:nvPr>
-        </p:nvSpPr>
-        <p:spPr/>
-        <p:txBody>
-          <a:bodyPr/>
-          <a:p>
-            <a:r>
-              <a:rPr lang="zh-CN" altLang="en-US"/>
-              <a:t>WHAT WE WANT</a:t>
-            </a:r>
-            <a:endParaRPr lang="zh-CN" altLang="en-US"/>
-          </a:p>
-        </p:txBody>
-      </p:sp>
-      <p:sp>
-        <p:nvSpPr>
-          <p:cNvPr id="3" name="内容占位符 2"/>
-          <p:cNvSpPr>
-            <a:spLocks noGrp="1"/>
-          </p:cNvSpPr>
-          <p:nvPr>
-            <p:ph idx="1"/>
-          </p:nvPr>
-        </p:nvSpPr>
-        <p:spPr/>
-        <p:txBody>
-          <a:bodyPr/>
-          <a:p>
-            <a:r>
-              <a:rPr lang="zh-CN" altLang="en-US"/>
-              <a:t>1. 接口简单，使用方便</a:t>
-            </a:r>
-            <a:endParaRPr lang="zh-CN" altLang="en-US"/>
-          </a:p>
-          <a:p>
-            <a:r>
-              <a:rPr lang="zh-CN" altLang="en-US"/>
-              <a:t>2. 易于扩展和替换</a:t>
-            </a:r>
-            <a:endParaRPr lang="zh-CN" altLang="en-US"/>
-          </a:p>
-          <a:p>
-            <a:r>
-              <a:rPr lang="zh-CN" altLang="en-US"/>
-              <a:t>3. 方便监控</a:t>
-            </a:r>
-            <a:endParaRPr lang="zh-CN" altLang="en-US"/>
-          </a:p>
-          <a:p>
-            <a:r>
-              <a:rPr lang="zh-CN" altLang="en-US"/>
-              <a:t>4. 高性能</a:t>
-            </a:r>
-            <a:endParaRPr lang="zh-CN" altLang="en-US"/>
-          </a:p>
-        </p:txBody>
-      </p:sp>
-    </p:spTree>
-  </p:cSld>
-  <p:clrMapOvr>
-    <a:masterClrMapping/>
-  </p:clrMapOvr>
-</p:sld>
-</file>
-
-<file path=ppt/slides/slide16.xml><?xml version="1.0" encoding="utf-8"?>
 <p:sld xmlns:a="http://schemas.openxmlformats.org/drawingml/2006/main" xmlns:r="http://schemas.openxmlformats.org/officeDocument/2006/relationships" xmlns:p="http://schemas.openxmlformats.org/presentationml/2006/main">
   <p:cSld>
     <p:spTree>
@@ -3931,8 +3813,8 @@
                     <a:srgbClr val="FFFFFF"/>
                   </a:solidFill>
                 </a:uFill>
-                <a:latin typeface="Arial" panose="02080604020202020204" charset="0"/>
-                <a:ea typeface="SimSun" charset="-122"/>
+                <a:latin typeface="Arial" panose="020B0604020202020204" pitchFamily="34" charset="0"/>
+                <a:ea typeface="宋体" panose="02010600030101010101" pitchFamily="2" charset="-122"/>
               </a:rPr>
               <a:t>Business Customization</a:t>
             </a:r>
@@ -3945,7 +3827,7 @@
                   <a:srgbClr val="FFFFFF"/>
                 </a:solidFill>
               </a:uFill>
-              <a:latin typeface="Arial" panose="02080604020202020204" charset="0"/>
+              <a:latin typeface="Arial" panose="020B0604020202020204" pitchFamily="34" charset="0"/>
             </a:endParaRPr>
           </a:p>
         </p:txBody>
@@ -3997,8 +3879,8 @@
                     <a:srgbClr val="FFFFFF"/>
                   </a:solidFill>
                 </a:uFill>
-                <a:latin typeface="Arial" panose="02080604020202020204" charset="0"/>
-                <a:ea typeface="SimSun" charset="-122"/>
+                <a:latin typeface="Arial" panose="020B0604020202020204" pitchFamily="34" charset="0"/>
+                <a:ea typeface="宋体" panose="02010600030101010101" pitchFamily="2" charset="-122"/>
               </a:rPr>
               <a:t>Net API</a:t>
             </a:r>
@@ -4011,7 +3893,7 @@
                   <a:srgbClr val="FFFFFF"/>
                 </a:solidFill>
               </a:uFill>
-              <a:latin typeface="Arial" panose="02080604020202020204" charset="0"/>
+              <a:latin typeface="Arial" panose="020B0604020202020204" pitchFamily="34" charset="0"/>
             </a:endParaRPr>
           </a:p>
         </p:txBody>
@@ -4063,8 +3945,8 @@
                     <a:srgbClr val="FFFFFF"/>
                   </a:solidFill>
                 </a:uFill>
-                <a:latin typeface="Arial" panose="02080604020202020204" charset="0"/>
-                <a:ea typeface="SimSun" charset="-122"/>
+                <a:latin typeface="Arial" panose="020B0604020202020204" pitchFamily="34" charset="0"/>
+                <a:ea typeface="宋体" panose="02010600030101010101" pitchFamily="2" charset="-122"/>
               </a:rPr>
               <a:t>OkHttp Implementation</a:t>
             </a:r>
@@ -4077,7 +3959,7 @@
                   <a:srgbClr val="FFFFFF"/>
                 </a:solidFill>
               </a:uFill>
-              <a:latin typeface="Arial" panose="02080604020202020204" charset="0"/>
+              <a:latin typeface="Arial" panose="020B0604020202020204" pitchFamily="34" charset="0"/>
             </a:endParaRPr>
           </a:p>
         </p:txBody>
@@ -4090,7 +3972,7 @@
 </p:sld>
 </file>
 
-<file path=ppt/slides/slide17.xml><?xml version="1.0" encoding="utf-8"?>
+<file path=ppt/slides/slide16.xml><?xml version="1.0" encoding="utf-8"?>
 <p:sld xmlns:a="http://schemas.openxmlformats.org/drawingml/2006/main" xmlns:r="http://schemas.openxmlformats.org/officeDocument/2006/relationships" xmlns:p="http://schemas.openxmlformats.org/presentationml/2006/main">
   <p:cSld>
     <p:spTree>
@@ -4192,7 +4074,7 @@
 </p:sld>
 </file>
 
-<file path=ppt/slides/slide18.xml><?xml version="1.0" encoding="utf-8"?>
+<file path=ppt/slides/slide17.xml><?xml version="1.0" encoding="utf-8"?>
 <p:sld xmlns:a="http://schemas.openxmlformats.org/drawingml/2006/main" xmlns:r="http://schemas.openxmlformats.org/officeDocument/2006/relationships" xmlns:p="http://schemas.openxmlformats.org/presentationml/2006/main">
   <p:cSld>
     <p:spTree>
@@ -4216,7 +4098,11 @@
         <p:txBody>
           <a:bodyPr/>
           <a:p>
-            <a:endParaRPr lang="zh-CN" altLang="en-US"/>
+            <a:r>
+              <a:rPr lang="zh-CN" altLang="en-US" sz="3200"/>
+              <a:t>Net API</a:t>
+            </a:r>
+            <a:endParaRPr lang="zh-CN" altLang="en-US" sz="3200"/>
           </a:p>
         </p:txBody>
       </p:sp>
@@ -4257,7 +4143,7 @@
 </p:sld>
 </file>
 
-<file path=ppt/slides/slide19.xml><?xml version="1.0" encoding="utf-8"?>
+<file path=ppt/slides/slide18.xml><?xml version="1.0" encoding="utf-8"?>
 <p:sld xmlns:a="http://schemas.openxmlformats.org/drawingml/2006/main" xmlns:r="http://schemas.openxmlformats.org/officeDocument/2006/relationships" xmlns:p="http://schemas.openxmlformats.org/presentationml/2006/main">
   <p:cSld>
     <p:spTree>
@@ -4281,7 +4167,12 @@
         <p:txBody>
           <a:bodyPr/>
           <a:p>
-            <a:endParaRPr lang="zh-CN" altLang="en-US"/>
+            <a:pPr algn="l"/>
+            <a:r>
+              <a:rPr lang="zh-CN" altLang="en-US" sz="3200"/>
+              <a:t>Business Customization</a:t>
+            </a:r>
+            <a:endParaRPr lang="zh-CN" altLang="en-US" sz="3200"/>
           </a:p>
         </p:txBody>
       </p:sp>
@@ -4322,7 +4213,7 @@
 </p:sld>
 </file>
 
-<file path=ppt/slides/slide2.xml><?xml version="1.0" encoding="utf-8"?>
+<file path=ppt/slides/slide19.xml><?xml version="1.0" encoding="utf-8"?>
 <p:sld xmlns:a="http://schemas.openxmlformats.org/drawingml/2006/main" xmlns:r="http://schemas.openxmlformats.org/officeDocument/2006/relationships" xmlns:p="http://schemas.openxmlformats.org/presentationml/2006/main">
   <p:cSld>
     <p:spTree>
@@ -4346,86 +4237,12 @@
         <p:txBody>
           <a:bodyPr/>
           <a:p>
-            <a:endParaRPr lang="zh-CN" altLang="en-US"/>
-          </a:p>
-        </p:txBody>
-      </p:sp>
-      <p:sp>
-        <p:nvSpPr>
-          <p:cNvPr id="3" name="内容占位符 2"/>
-          <p:cNvSpPr>
-            <a:spLocks noGrp="1"/>
-          </p:cNvSpPr>
-          <p:nvPr>
-            <p:ph idx="1"/>
-          </p:nvPr>
-        </p:nvSpPr>
-        <p:spPr/>
-        <p:txBody>
-          <a:bodyPr/>
-          <a:p>
-            <a:r>
-              <a:rPr lang="x-none" altLang="zh-CN"/>
-              <a:t>Why we want to make a change</a:t>
-            </a:r>
-            <a:endParaRPr lang="x-none" altLang="zh-CN"/>
-          </a:p>
-          <a:p>
-            <a:r>
-              <a:rPr lang="x-none" altLang="zh-CN"/>
-              <a:t>What we want</a:t>
-            </a:r>
-            <a:endParaRPr lang="x-none" altLang="zh-CN"/>
-          </a:p>
-          <a:p>
-            <a:r>
-              <a:rPr lang="x-none" altLang="zh-CN"/>
-              <a:t>How to make it</a:t>
-            </a:r>
-            <a:endParaRPr lang="x-none" altLang="zh-CN"/>
-          </a:p>
-          <a:p>
-            <a:r>
-              <a:rPr lang="x-none" altLang="zh-CN"/>
-              <a:t>more</a:t>
-            </a:r>
-            <a:endParaRPr lang="x-none" altLang="zh-CN"/>
-          </a:p>
-        </p:txBody>
-      </p:sp>
-    </p:spTree>
-  </p:cSld>
-  <p:clrMapOvr>
-    <a:masterClrMapping/>
-  </p:clrMapOvr>
-</p:sld>
-</file>
-
-<file path=ppt/slides/slide20.xml><?xml version="1.0" encoding="utf-8"?>
-<p:sld xmlns:a="http://schemas.openxmlformats.org/drawingml/2006/main" xmlns:r="http://schemas.openxmlformats.org/officeDocument/2006/relationships" xmlns:p="http://schemas.openxmlformats.org/presentationml/2006/main">
-  <p:cSld>
-    <p:spTree>
-      <p:nvGrpSpPr>
-        <p:cNvPr id="1" name=""/>
-        <p:cNvGrpSpPr/>
-        <p:nvPr/>
-      </p:nvGrpSpPr>
-      <p:grpSpPr/>
-      <p:sp>
-        <p:nvSpPr>
-          <p:cNvPr id="2" name="标题 1"/>
-          <p:cNvSpPr>
-            <a:spLocks noGrp="1"/>
-          </p:cNvSpPr>
-          <p:nvPr>
-            <p:ph type="title"/>
-          </p:nvPr>
-        </p:nvSpPr>
-        <p:spPr/>
-        <p:txBody>
-          <a:bodyPr/>
-          <a:p>
-            <a:endParaRPr lang="zh-CN" altLang="en-US"/>
+            <a:pPr algn="l"/>
+            <a:r>
+              <a:rPr lang="zh-CN" altLang="en-US" sz="3200"/>
+              <a:t>OkHttp Implementation</a:t>
+            </a:r>
+            <a:endParaRPr lang="zh-CN" altLang="en-US" sz="3200"/>
           </a:p>
         </p:txBody>
       </p:sp>
@@ -4466,6 +4283,216 @@
 </p:sld>
 </file>
 
+<file path=ppt/slides/slide2.xml><?xml version="1.0" encoding="utf-8"?>
+<p:sld xmlns:a="http://schemas.openxmlformats.org/drawingml/2006/main" xmlns:r="http://schemas.openxmlformats.org/officeDocument/2006/relationships" xmlns:p="http://schemas.openxmlformats.org/presentationml/2006/main">
+  <p:cSld>
+    <p:spTree>
+      <p:nvGrpSpPr>
+        <p:cNvPr id="1" name=""/>
+        <p:cNvGrpSpPr/>
+        <p:nvPr/>
+      </p:nvGrpSpPr>
+      <p:grpSpPr/>
+      <p:sp>
+        <p:nvSpPr>
+          <p:cNvPr id="2" name="标题 1"/>
+          <p:cNvSpPr>
+            <a:spLocks noGrp="1"/>
+          </p:cNvSpPr>
+          <p:nvPr>
+            <p:ph type="title"/>
+          </p:nvPr>
+        </p:nvSpPr>
+        <p:spPr/>
+        <p:txBody>
+          <a:bodyPr/>
+          <a:p>
+            <a:endParaRPr lang="zh-CN" altLang="en-US"/>
+          </a:p>
+        </p:txBody>
+      </p:sp>
+      <p:sp>
+        <p:nvSpPr>
+          <p:cNvPr id="3" name="内容占位符 2"/>
+          <p:cNvSpPr>
+            <a:spLocks noGrp="1"/>
+          </p:cNvSpPr>
+          <p:nvPr>
+            <p:ph idx="1"/>
+          </p:nvPr>
+        </p:nvSpPr>
+        <p:spPr/>
+        <p:txBody>
+          <a:bodyPr/>
+          <a:p>
+            <a:r>
+              <a:rPr lang="x-none" altLang="zh-CN"/>
+              <a:t>Why make a change</a:t>
+            </a:r>
+            <a:endParaRPr lang="x-none" altLang="zh-CN"/>
+          </a:p>
+          <a:p>
+            <a:r>
+              <a:rPr lang="x-none" altLang="zh-CN"/>
+              <a:t>What we want</a:t>
+            </a:r>
+            <a:endParaRPr lang="x-none" altLang="zh-CN"/>
+          </a:p>
+          <a:p>
+            <a:r>
+              <a:rPr lang="x-none" altLang="zh-CN"/>
+              <a:t>How to make it</a:t>
+            </a:r>
+            <a:endParaRPr lang="x-none" altLang="zh-CN"/>
+          </a:p>
+          <a:p>
+            <a:r>
+              <a:rPr lang="x-none" altLang="zh-CN"/>
+              <a:t>more</a:t>
+            </a:r>
+            <a:endParaRPr lang="x-none" altLang="zh-CN"/>
+          </a:p>
+        </p:txBody>
+      </p:sp>
+    </p:spTree>
+  </p:cSld>
+  <p:clrMapOvr>
+    <a:masterClrMapping/>
+  </p:clrMapOvr>
+</p:sld>
+</file>
+
+<file path=ppt/slides/slide20.xml><?xml version="1.0" encoding="utf-8"?>
+<p:sld xmlns:a="http://schemas.openxmlformats.org/drawingml/2006/main" xmlns:r="http://schemas.openxmlformats.org/officeDocument/2006/relationships" xmlns:p="http://schemas.openxmlformats.org/presentationml/2006/main">
+  <p:cSld>
+    <p:spTree>
+      <p:nvGrpSpPr>
+        <p:cNvPr id="1" name=""/>
+        <p:cNvGrpSpPr/>
+        <p:nvPr/>
+      </p:nvGrpSpPr>
+      <p:grpSpPr/>
+      <p:sp>
+        <p:nvSpPr>
+          <p:cNvPr id="2" name="Title 1"/>
+          <p:cNvSpPr>
+            <a:spLocks noGrp="1"/>
+          </p:cNvSpPr>
+          <p:nvPr>
+            <p:ph type="title"/>
+          </p:nvPr>
+        </p:nvSpPr>
+        <p:spPr/>
+        <p:txBody>
+          <a:bodyPr/>
+          <a:p>
+            <a:pPr algn="l"/>
+            <a:r>
+              <a:rPr lang="zh-CN" altLang="en-US" sz="3200"/>
+              <a:t>WHY OKHTTP</a:t>
+            </a:r>
+            <a:endParaRPr lang="zh-CN" altLang="en-US" sz="3200"/>
+          </a:p>
+        </p:txBody>
+      </p:sp>
+      <p:sp>
+        <p:nvSpPr>
+          <p:cNvPr id="3" name="Content Placeholder 2"/>
+          <p:cNvSpPr>
+            <a:spLocks noGrp="1"/>
+          </p:cNvSpPr>
+          <p:nvPr>
+            <p:ph idx="1"/>
+          </p:nvPr>
+        </p:nvSpPr>
+        <p:spPr/>
+        <p:txBody>
+          <a:bodyPr>
+            <a:normAutofit lnSpcReduction="10000"/>
+          </a:bodyPr>
+          <a:p>
+            <a:pPr marL="0" indent="0">
+              <a:buNone/>
+            </a:pPr>
+            <a:r>
+              <a:rPr lang="en-US"/>
+              <a:t>OkHttp is an HTTP client that’s efficient by default:</a:t>
+            </a:r>
+            <a:endParaRPr lang="en-US"/>
+          </a:p>
+          <a:p>
+            <a:r>
+              <a:rPr lang="en-US" sz="2000"/>
+              <a:t>HTTP/2 support allows all requests to the same host to share a socket.</a:t>
+            </a:r>
+            <a:endParaRPr lang="en-US" sz="2000"/>
+          </a:p>
+          <a:p>
+            <a:r>
+              <a:rPr lang="en-US" sz="2000"/>
+              <a:t>Connection pooling reduces request latency (if HTTP/2 isn’t available).</a:t>
+            </a:r>
+            <a:endParaRPr lang="en-US" sz="2000"/>
+          </a:p>
+          <a:p>
+            <a:r>
+              <a:rPr lang="en-US" sz="2000"/>
+              <a:t>Transparent GZIP shrinks download sizes.</a:t>
+            </a:r>
+            <a:endParaRPr lang="en-US" sz="2000"/>
+          </a:p>
+          <a:p>
+            <a:r>
+              <a:rPr lang="en-US" sz="2000"/>
+              <a:t>Response caching avoids the network completely for repeat requests.</a:t>
+            </a:r>
+            <a:endParaRPr lang="en-US" sz="2000"/>
+          </a:p>
+          <a:p>
+            <a:r>
+              <a:rPr lang="en-US" sz="2000"/>
+              <a:t>supports both synchronous blocking calls and async calls with callbacks.</a:t>
+            </a:r>
+            <a:endParaRPr lang="en-US" sz="2000"/>
+          </a:p>
+          <a:p>
+            <a:r>
+              <a:rPr lang="en-US" sz="2000"/>
+              <a:t>support https</a:t>
+            </a:r>
+            <a:endParaRPr lang="en-US" sz="2000"/>
+          </a:p>
+          <a:p>
+            <a:r>
+              <a:rPr lang="en-US" sz="2000"/>
+              <a:t>over 13,000 stars on github</a:t>
+            </a:r>
+            <a:endParaRPr lang="en-US" sz="2000"/>
+          </a:p>
+          <a:p>
+            <a:r>
+              <a:rPr lang="en-US" sz="2000"/>
+              <a:t>continuous maintenance</a:t>
+            </a:r>
+            <a:endParaRPr lang="en-US" sz="2000"/>
+          </a:p>
+          <a:p>
+            <a:r>
+              <a:rPr lang="x-none" altLang="en-US" sz="2000"/>
+              <a:t>more...</a:t>
+            </a:r>
+            <a:endParaRPr lang="x-none" altLang="en-US" sz="2000"/>
+          </a:p>
+        </p:txBody>
+      </p:sp>
+    </p:spTree>
+  </p:cSld>
+  <p:clrMapOvr>
+    <a:masterClrMapping/>
+  </p:clrMapOvr>
+</p:sld>
+</file>
+
 <file path=ppt/slides/slide21.xml><?xml version="1.0" encoding="utf-8"?>
 <p:sld xmlns:a="http://schemas.openxmlformats.org/drawingml/2006/main" xmlns:r="http://schemas.openxmlformats.org/officeDocument/2006/relationships" xmlns:p="http://schemas.openxmlformats.org/presentationml/2006/main">
   <p:cSld>
@@ -4478,7 +4505,7 @@
       <p:grpSpPr/>
       <p:sp>
         <p:nvSpPr>
-          <p:cNvPr id="2" name="Title 1"/>
+          <p:cNvPr id="2" name="标题 1"/>
           <p:cNvSpPr>
             <a:spLocks noGrp="1"/>
           </p:cNvSpPr>
@@ -4490,17 +4517,20 @@
         <p:txBody>
           <a:bodyPr/>
           <a:p>
-            <a:r>
-              <a:rPr lang="x-none" altLang="en-US"/>
-              <a:t>WHY OKHTTP</a:t>
-            </a:r>
-            <a:endParaRPr lang="x-none" altLang="en-US"/>
-          </a:p>
-        </p:txBody>
-      </p:sp>
-      <p:sp>
-        <p:nvSpPr>
-          <p:cNvPr id="3" name="Content Placeholder 2"/>
+            <a:pPr algn="l"/>
+            <a:r>
+              <a:rPr lang="zh-CN" altLang="en-US" sz="3200">
+                <a:sym typeface="+mn-ea"/>
+              </a:rPr>
+              <a:t>okhttp实现原理</a:t>
+            </a:r>
+            <a:endParaRPr lang="zh-CN" altLang="en-US" sz="3200"/>
+          </a:p>
+        </p:txBody>
+      </p:sp>
+      <p:sp>
+        <p:nvSpPr>
+          <p:cNvPr id="3" name="内容占位符 2"/>
           <p:cNvSpPr>
             <a:spLocks noGrp="1"/>
           </p:cNvSpPr>
@@ -4518,73 +4548,90 @@
               <a:buNone/>
             </a:pPr>
             <a:r>
-              <a:rPr lang="en-US"/>
-              <a:t>OkHttp is an HTTP client that’s efficient by default:</a:t>
-            </a:r>
-            <a:endParaRPr lang="en-US"/>
-          </a:p>
-          <a:p>
-            <a:r>
-              <a:rPr lang="en-US" sz="2000"/>
-              <a:t>HTTP/2 support allows all requests to the same host to share a socket.</a:t>
-            </a:r>
-            <a:endParaRPr lang="en-US" sz="2000"/>
-          </a:p>
-          <a:p>
-            <a:r>
-              <a:rPr lang="en-US" sz="2000"/>
-              <a:t>Connection pooling reduces request latency (if HTTP/2 isn’t available).</a:t>
-            </a:r>
-            <a:endParaRPr lang="en-US" sz="2000"/>
-          </a:p>
-          <a:p>
-            <a:r>
-              <a:rPr lang="en-US" sz="2000"/>
-              <a:t>Transparent GZIP shrinks download sizes.</a:t>
-            </a:r>
-            <a:endParaRPr lang="en-US" sz="2000"/>
-          </a:p>
-          <a:p>
-            <a:r>
-              <a:rPr lang="en-US" sz="2000"/>
-              <a:t>Response caching avoids the network completely for repeat requests.</a:t>
-            </a:r>
-            <a:endParaRPr lang="en-US" sz="2000"/>
-          </a:p>
-          <a:p>
-            <a:r>
-              <a:rPr lang="en-US" sz="2000"/>
-              <a:t>supports both synchronous blocking calls and async calls with callbacks.</a:t>
-            </a:r>
-            <a:endParaRPr lang="en-US" sz="2000"/>
-          </a:p>
-          <a:p>
-            <a:r>
-              <a:rPr lang="en-US" sz="2000"/>
-              <a:t>support https</a:t>
-            </a:r>
-            <a:endParaRPr lang="en-US" sz="2000"/>
-          </a:p>
-          <a:p>
-            <a:r>
-              <a:rPr lang="en-US" sz="2000"/>
-              <a:t>over 13,000 stars on github</a:t>
-            </a:r>
-            <a:endParaRPr lang="en-US" sz="2000"/>
-          </a:p>
-          <a:p>
-            <a:r>
-              <a:rPr lang="en-US" sz="2000"/>
-              <a:t>continuous maintenance</a:t>
-            </a:r>
-            <a:endParaRPr lang="en-US" sz="2000"/>
-          </a:p>
-          <a:p>
-            <a:r>
-              <a:rPr lang="x-none" altLang="en-US" sz="2000"/>
-              <a:t>more...</a:t>
-            </a:r>
-            <a:endParaRPr lang="x-none" altLang="en-US" sz="2000"/>
+              <a:rPr lang="x-none" altLang="zh-CN"/>
+              <a:t>OkHttpClient</a:t>
+            </a:r>
+            <a:endParaRPr lang="x-none" altLang="zh-CN"/>
+          </a:p>
+          <a:p>
+            <a:pPr marL="0" indent="0">
+              <a:buNone/>
+            </a:pPr>
+            <a:r>
+              <a:rPr lang="x-none" altLang="zh-CN"/>
+              <a:t>	a.配置信息和资源管理</a:t>
+            </a:r>
+            <a:endParaRPr lang="x-none" altLang="zh-CN"/>
+          </a:p>
+          <a:p>
+            <a:pPr marL="0" indent="0">
+              <a:buNone/>
+            </a:pPr>
+            <a:r>
+              <a:rPr lang="x-none" altLang="zh-CN"/>
+              <a:t>		Dispatcher</a:t>
+            </a:r>
+            <a:endParaRPr lang="x-none" altLang="zh-CN"/>
+          </a:p>
+          <a:p>
+            <a:pPr marL="0" indent="0">
+              <a:buNone/>
+            </a:pPr>
+            <a:r>
+              <a:rPr lang="x-none" altLang="zh-CN"/>
+              <a:t>		dns</a:t>
+            </a:r>
+            <a:endParaRPr lang="x-none" altLang="zh-CN"/>
+          </a:p>
+          <a:p>
+            <a:pPr marL="0" indent="0">
+              <a:buNone/>
+            </a:pPr>
+            <a:r>
+              <a:rPr lang="x-none" altLang="zh-CN"/>
+              <a:t>		timeout</a:t>
+            </a:r>
+            <a:endParaRPr lang="x-none" altLang="zh-CN"/>
+          </a:p>
+          <a:p>
+            <a:pPr marL="0" indent="0">
+              <a:buNone/>
+            </a:pPr>
+            <a:r>
+              <a:rPr lang="x-none" altLang="zh-CN"/>
+              <a:t>		cookie</a:t>
+            </a:r>
+            <a:endParaRPr lang="x-none" altLang="zh-CN"/>
+          </a:p>
+          <a:p>
+            <a:pPr marL="0" indent="0">
+              <a:buNone/>
+            </a:pPr>
+            <a:r>
+              <a:rPr lang="x-none" altLang="zh-CN"/>
+              <a:t>		cache</a:t>
+            </a:r>
+            <a:endParaRPr lang="x-none" altLang="zh-CN"/>
+          </a:p>
+          <a:p>
+            <a:pPr marL="0" indent="0">
+              <a:buNone/>
+            </a:pPr>
+            <a:r>
+              <a:rPr lang="x-none" altLang="zh-CN"/>
+              <a:t>		more...</a:t>
+            </a:r>
+            <a:endParaRPr lang="x-none" altLang="zh-CN"/>
+          </a:p>
+          <a:p>
+            <a:pPr marL="0" indent="0">
+              <a:buNone/>
+            </a:pPr>
+            <a:r>
+              <a:rPr lang="x-none" altLang="zh-CN"/>
+              <a:t>	b.Call工厂</a:t>
+            </a:r>
+            <a:endParaRPr lang="x-none" altLang="zh-CN"/>
           </a:p>
         </p:txBody>
       </p:sp>
@@ -4597,155 +4644,6 @@
 </file>
 
 <file path=ppt/slides/slide22.xml><?xml version="1.0" encoding="utf-8"?>
-<p:sld xmlns:a="http://schemas.openxmlformats.org/drawingml/2006/main" xmlns:r="http://schemas.openxmlformats.org/officeDocument/2006/relationships" xmlns:p="http://schemas.openxmlformats.org/presentationml/2006/main">
-  <p:cSld>
-    <p:spTree>
-      <p:nvGrpSpPr>
-        <p:cNvPr id="1" name=""/>
-        <p:cNvGrpSpPr/>
-        <p:nvPr/>
-      </p:nvGrpSpPr>
-      <p:grpSpPr/>
-      <p:sp>
-        <p:nvSpPr>
-          <p:cNvPr id="2" name="标题 1"/>
-          <p:cNvSpPr>
-            <a:spLocks noGrp="1"/>
-          </p:cNvSpPr>
-          <p:nvPr>
-            <p:ph type="title"/>
-          </p:nvPr>
-        </p:nvSpPr>
-        <p:spPr/>
-        <p:txBody>
-          <a:bodyPr/>
-          <a:p>
-            <a:r>
-              <a:rPr lang="x-none" altLang="zh-CN">
-                <a:sym typeface="+mn-ea"/>
-              </a:rPr>
-              <a:t>okhttp实现原理</a:t>
-            </a:r>
-            <a:endParaRPr lang="zh-CN" altLang="en-US"/>
-          </a:p>
-        </p:txBody>
-      </p:sp>
-      <p:sp>
-        <p:nvSpPr>
-          <p:cNvPr id="3" name="内容占位符 2"/>
-          <p:cNvSpPr>
-            <a:spLocks noGrp="1"/>
-          </p:cNvSpPr>
-          <p:nvPr>
-            <p:ph idx="1"/>
-          </p:nvPr>
-        </p:nvSpPr>
-        <p:spPr/>
-        <p:txBody>
-          <a:bodyPr>
-            <a:normAutofit lnSpcReduction="10000"/>
-          </a:bodyPr>
-          <a:p>
-            <a:pPr marL="0" indent="0">
-              <a:buNone/>
-            </a:pPr>
-            <a:r>
-              <a:rPr lang="x-none" altLang="zh-CN"/>
-              <a:t>OkHttpClient</a:t>
-            </a:r>
-            <a:endParaRPr lang="x-none" altLang="zh-CN"/>
-          </a:p>
-          <a:p>
-            <a:pPr marL="0" indent="0">
-              <a:buNone/>
-            </a:pPr>
-            <a:r>
-              <a:rPr lang="x-none" altLang="zh-CN"/>
-              <a:t>	a.配置信息和资源管理</a:t>
-            </a:r>
-            <a:endParaRPr lang="x-none" altLang="zh-CN"/>
-          </a:p>
-          <a:p>
-            <a:pPr marL="0" indent="0">
-              <a:buNone/>
-            </a:pPr>
-            <a:r>
-              <a:rPr lang="x-none" altLang="zh-CN"/>
-              <a:t>		Dispatcher</a:t>
-            </a:r>
-            <a:endParaRPr lang="x-none" altLang="zh-CN"/>
-          </a:p>
-          <a:p>
-            <a:pPr marL="0" indent="0">
-              <a:buNone/>
-            </a:pPr>
-            <a:r>
-              <a:rPr lang="x-none" altLang="zh-CN"/>
-              <a:t>		dns</a:t>
-            </a:r>
-            <a:endParaRPr lang="x-none" altLang="zh-CN"/>
-          </a:p>
-          <a:p>
-            <a:pPr marL="0" indent="0">
-              <a:buNone/>
-            </a:pPr>
-            <a:r>
-              <a:rPr lang="x-none" altLang="zh-CN"/>
-              <a:t>		timeout</a:t>
-            </a:r>
-            <a:endParaRPr lang="x-none" altLang="zh-CN"/>
-          </a:p>
-          <a:p>
-            <a:pPr marL="0" indent="0">
-              <a:buNone/>
-            </a:pPr>
-            <a:r>
-              <a:rPr lang="x-none" altLang="zh-CN"/>
-              <a:t>		cookie</a:t>
-            </a:r>
-            <a:endParaRPr lang="x-none" altLang="zh-CN"/>
-          </a:p>
-          <a:p>
-            <a:pPr marL="0" indent="0">
-              <a:buNone/>
-            </a:pPr>
-            <a:r>
-              <a:rPr lang="x-none" altLang="zh-CN"/>
-              <a:t>		cache</a:t>
-            </a:r>
-            <a:endParaRPr lang="x-none" altLang="zh-CN"/>
-          </a:p>
-          <a:p>
-            <a:pPr marL="0" indent="0">
-              <a:buNone/>
-            </a:pPr>
-            <a:r>
-              <a:rPr lang="x-none" altLang="zh-CN"/>
-              <a:t>		more...</a:t>
-            </a:r>
-            <a:endParaRPr lang="x-none" altLang="zh-CN"/>
-          </a:p>
-          <a:p>
-            <a:pPr marL="0" indent="0">
-              <a:buNone/>
-            </a:pPr>
-            <a:r>
-              <a:rPr lang="x-none" altLang="zh-CN"/>
-              <a:t>	b.Call工厂</a:t>
-            </a:r>
-            <a:endParaRPr lang="x-none" altLang="zh-CN"/>
-          </a:p>
-        </p:txBody>
-      </p:sp>
-    </p:spTree>
-  </p:cSld>
-  <p:clrMapOvr>
-    <a:masterClrMapping/>
-  </p:clrMapOvr>
-</p:sld>
-</file>
-
-<file path=ppt/slides/slide23.xml><?xml version="1.0" encoding="utf-8"?>
 <p:sld xmlns:a="http://schemas.openxmlformats.org/drawingml/2006/main" xmlns:r="http://schemas.openxmlformats.org/officeDocument/2006/relationships" xmlns:p="http://schemas.openxmlformats.org/presentationml/2006/main">
   <p:cSld>
     <p:spTree>
@@ -4848,10 +4746,10 @@
           <a:bodyPr/>
           <a:p>
             <a:r>
-              <a:rPr lang="x-none" altLang="zh-CN"/>
+              <a:rPr lang="zh-CN" altLang="en-US" sz="3200"/>
               <a:t>okhttp实现原理</a:t>
             </a:r>
-            <a:endParaRPr lang="x-none" altLang="zh-CN"/>
+            <a:endParaRPr lang="zh-CN" altLang="en-US" sz="3200"/>
           </a:p>
         </p:txBody>
       </p:sp>
@@ -5215,7 +5113,7 @@
 </p:sld>
 </file>
 
-<file path=ppt/slides/slide24.xml><?xml version="1.0" encoding="utf-8"?>
+<file path=ppt/slides/slide23.xml><?xml version="1.0" encoding="utf-8"?>
 <p:sld xmlns:a="http://schemas.openxmlformats.org/drawingml/2006/main" xmlns:r="http://schemas.openxmlformats.org/officeDocument/2006/relationships" xmlns:p="http://schemas.openxmlformats.org/presentationml/2006/main">
   <p:cSld>
     <p:spTree>
@@ -5270,7 +5168,19 @@
           <a:p>
             <a:r>
               <a:rPr lang="x-none" altLang="zh-CN"/>
-              <a:t>2.性能监控</a:t>
+              <a:t>2.</a:t>
+            </a:r>
+            <a:r>
+              <a:rPr lang="zh-CN" altLang="en-US" sz="3200">
+                <a:latin typeface="+mj-lt"/>
+                <a:ea typeface="+mj-ea"/>
+                <a:cs typeface="+mj-cs"/>
+              </a:rPr>
+              <a:t>性能</a:t>
+            </a:r>
+            <a:r>
+              <a:rPr lang="x-none" altLang="zh-CN"/>
+              <a:t>监控</a:t>
             </a:r>
             <a:endParaRPr lang="x-none" altLang="zh-CN"/>
           </a:p>
@@ -5320,125 +5230,17 @@
         </p:nvSpPr>
         <p:spPr/>
         <p:txBody>
-          <a:bodyPr/>
-          <a:p>
-            <a:r>
-              <a:rPr lang="x-none" altLang="zh-CN">
+          <a:bodyPr>
+            <a:normAutofit/>
+          </a:bodyPr>
+          <a:p>
+            <a:r>
+              <a:rPr lang="zh-CN" altLang="en-US" sz="3200">
                 <a:sym typeface="+mn-ea"/>
               </a:rPr>
-              <a:t>Why we want to make a change</a:t>
-            </a:r>
-            <a:endParaRPr lang="zh-CN" altLang="en-US"/>
-          </a:p>
-        </p:txBody>
-      </p:sp>
-      <p:sp>
-        <p:nvSpPr>
-          <p:cNvPr id="3" name="内容占位符 2"/>
-          <p:cNvSpPr>
-            <a:spLocks noGrp="1"/>
-          </p:cNvSpPr>
-          <p:nvPr>
-            <p:ph idx="1"/>
-          </p:nvPr>
-        </p:nvSpPr>
-        <p:spPr/>
-        <p:txBody>
-          <a:bodyPr/>
-          <a:p>
-            <a:r>
-              <a:rPr lang="zh-CN" altLang="en-US"/>
-              <a:t>1.	旧框架接口复杂，使用繁琐</a:t>
-            </a:r>
-            <a:endParaRPr lang="zh-CN" altLang="en-US"/>
-          </a:p>
-          <a:p>
-            <a:r>
-              <a:rPr lang="zh-CN" altLang="en-US"/>
-              <a:t>2.	效率低下</a:t>
-            </a:r>
-            <a:endParaRPr lang="zh-CN" altLang="en-US"/>
-          </a:p>
-          <a:p>
-            <a:r>
-              <a:rPr lang="zh-CN" altLang="en-US"/>
-              <a:t>3.	基于HttpClient实现</a:t>
-            </a:r>
-            <a:endParaRPr lang="zh-CN" altLang="en-US"/>
-          </a:p>
-        </p:txBody>
-      </p:sp>
-    </p:spTree>
-  </p:cSld>
-  <p:clrMapOvr>
-    <a:masterClrMapping/>
-  </p:clrMapOvr>
-</p:sld>
-</file>
-
-<file path=ppt/slides/slide4.xml><?xml version="1.0" encoding="utf-8"?>
-<p:sld xmlns:a="http://schemas.openxmlformats.org/drawingml/2006/main" xmlns:r="http://schemas.openxmlformats.org/officeDocument/2006/relationships" xmlns:p="http://schemas.openxmlformats.org/presentationml/2006/main">
-  <p:cSld>
-    <p:spTree>
-      <p:nvGrpSpPr>
-        <p:cNvPr id="1" name=""/>
-        <p:cNvGrpSpPr/>
-        <p:nvPr/>
-      </p:nvGrpSpPr>
-      <p:grpSpPr/>
-      <p:sp>
-        <p:nvSpPr>
-          <p:cNvPr id="2" name="标题 1"/>
-          <p:cNvSpPr>
-            <a:spLocks noGrp="1"/>
-          </p:cNvSpPr>
-          <p:nvPr>
-            <p:ph type="title"/>
-          </p:nvPr>
-        </p:nvSpPr>
-        <p:spPr/>
-        <p:txBody>
-          <a:bodyPr/>
-          <a:p>
-            <a:r>
-              <a:rPr lang="zh-CN" altLang="en-US"/>
-              <a:t>一条网络请求之路</a:t>
-            </a:r>
-            <a:endParaRPr lang="en-US" altLang="zh-CN"/>
-          </a:p>
-        </p:txBody>
-      </p:sp>
-      <p:sp>
-        <p:nvSpPr>
-          <p:cNvPr id="3" name="内容占位符 2"/>
-          <p:cNvSpPr>
-            <a:spLocks noGrp="1"/>
-          </p:cNvSpPr>
-          <p:nvPr>
-            <p:ph idx="1"/>
-          </p:nvPr>
-        </p:nvSpPr>
-        <p:spPr/>
-        <p:txBody>
-          <a:bodyPr/>
-          <a:p>
-            <a:r>
-              <a:rPr lang="en-US" altLang="zh-CN"/>
-              <a:t>1.</a:t>
-            </a:r>
-            <a:r>
-              <a:rPr lang="zh-CN" altLang="en-US"/>
-              <a:t>定义网络协议相关数据，在</a:t>
-            </a:r>
-            <a:r>
-              <a:rPr lang="en-US" altLang="zh-CN"/>
-              <a:t>EgmProtocol</a:t>
-            </a:r>
-            <a:r>
-              <a:rPr lang="zh-CN" altLang="en-US"/>
-              <a:t>中</a:t>
-            </a:r>
-            <a:endParaRPr lang="zh-CN" altLang="en-US"/>
+              <a:t>1.定义网络协议相关数据</a:t>
+            </a:r>
+            <a:endParaRPr lang="zh-CN" altLang="en-US" sz="3200"/>
           </a:p>
         </p:txBody>
       </p:sp>
@@ -5458,7 +5260,7 @@
         </p:blipFill>
         <p:spPr>
           <a:xfrm>
-            <a:off x="1146175" y="2347595"/>
+            <a:off x="1146175" y="1920875"/>
             <a:ext cx="10058400" cy="2432685"/>
           </a:xfrm>
           <a:prstGeom prst="rect">
@@ -5498,7 +5300,7 @@
 </p:sld>
 </file>
 
-<file path=ppt/slides/slide5.xml><?xml version="1.0" encoding="utf-8"?>
+<file path=ppt/slides/slide4.xml><?xml version="1.0" encoding="utf-8"?>
 <p:sld xmlns:a="http://schemas.openxmlformats.org/drawingml/2006/main" xmlns:r="http://schemas.openxmlformats.org/officeDocument/2006/relationships" xmlns:p="http://schemas.openxmlformats.org/presentationml/2006/main">
   <p:cSld>
     <p:spTree>
@@ -5523,12 +5325,20 @@
           <a:bodyPr/>
           <a:p>
             <a:r>
-              <a:rPr lang="zh-CN" altLang="en-US">
+              <a:rPr lang="en-US" altLang="zh-CN" sz="3200">
                 <a:sym typeface="+mn-ea"/>
               </a:rPr>
-              <a:t>一条网络请求之路</a:t>
-            </a:r>
-            <a:endParaRPr lang="zh-CN" altLang="en-US"/>
+              <a:t>2.</a:t>
+            </a:r>
+            <a:r>
+              <a:rPr lang="zh-CN" altLang="en-US" sz="3200">
+                <a:sym typeface="+mn-ea"/>
+              </a:rPr>
+              <a:t>为每一条网络请求添加事务ID</a:t>
+            </a:r>
+            <a:endParaRPr lang="zh-CN" altLang="en-US" sz="3200">
+              <a:sym typeface="+mn-ea"/>
+            </a:endParaRPr>
           </a:p>
         </p:txBody>
       </p:sp>
@@ -5546,26 +5356,9 @@
         <p:txBody>
           <a:bodyPr/>
           <a:p>
-            <a:r>
-              <a:rPr lang="en-US" altLang="zh-CN"/>
-              <a:t>2.</a:t>
-            </a:r>
-            <a:r>
-              <a:rPr lang="zh-CN" altLang="en-US"/>
-              <a:t>为每一条网络请求添加事务</a:t>
-            </a:r>
-            <a:endParaRPr lang="zh-CN" altLang="en-US"/>
-          </a:p>
-          <a:p>
-            <a:pPr lvl="1"/>
-            <a:r>
-              <a:rPr lang="zh-CN" altLang="en-US"/>
-              <a:t>分配事务</a:t>
-            </a:r>
-            <a:r>
-              <a:rPr lang="en-US" altLang="zh-CN"/>
-              <a:t>id</a:t>
-            </a:r>
+            <a:pPr marL="0" indent="0">
+              <a:buNone/>
+            </a:pPr>
             <a:endParaRPr lang="en-US" altLang="zh-CN"/>
           </a:p>
         </p:txBody>
@@ -5586,8 +5379,113 @@
         </p:blipFill>
         <p:spPr>
           <a:xfrm>
-            <a:off x="1036320" y="3758565"/>
+            <a:off x="1036320" y="3131820"/>
             <a:ext cx="10119995" cy="2418715"/>
+          </a:xfrm>
+          <a:prstGeom prst="rect">
+            <a:avLst/>
+          </a:prstGeom>
+        </p:spPr>
+      </p:pic>
+    </p:spTree>
+  </p:cSld>
+  <p:clrMapOvr>
+    <a:masterClrMapping/>
+  </p:clrMapOvr>
+</p:sld>
+</file>
+
+<file path=ppt/slides/slide5.xml><?xml version="1.0" encoding="utf-8"?>
+<p:sld xmlns:a="http://schemas.openxmlformats.org/drawingml/2006/main" xmlns:r="http://schemas.openxmlformats.org/officeDocument/2006/relationships" xmlns:p="http://schemas.openxmlformats.org/presentationml/2006/main">
+  <p:cSld>
+    <p:spTree>
+      <p:nvGrpSpPr>
+        <p:cNvPr id="1" name=""/>
+        <p:cNvGrpSpPr/>
+        <p:nvPr/>
+      </p:nvGrpSpPr>
+      <p:grpSpPr/>
+      <p:sp>
+        <p:nvSpPr>
+          <p:cNvPr id="2" name="标题 1"/>
+          <p:cNvSpPr>
+            <a:spLocks noGrp="1"/>
+          </p:cNvSpPr>
+          <p:nvPr>
+            <p:ph type="title"/>
+          </p:nvPr>
+        </p:nvSpPr>
+        <p:spPr/>
+        <p:txBody>
+          <a:bodyPr/>
+          <a:p>
+            <a:r>
+              <a:rPr lang="en-US" altLang="zh-CN" sz="3200">
+                <a:sym typeface="+mn-ea"/>
+              </a:rPr>
+              <a:t>3.</a:t>
+            </a:r>
+            <a:r>
+              <a:rPr lang="zh-CN" altLang="en-US" sz="3200">
+                <a:sym typeface="+mn-ea"/>
+              </a:rPr>
+              <a:t>添加事务，</a:t>
+            </a:r>
+            <a:r>
+              <a:rPr lang="zh-CN" altLang="en-US" sz="3200">
+                <a:sym typeface="+mn-ea"/>
+              </a:rPr>
+              <a:t>发起请求，反序列化数据，分发结果</a:t>
+            </a:r>
+            <a:endParaRPr lang="zh-CN" altLang="en-US" sz="3200"/>
+          </a:p>
+        </p:txBody>
+      </p:sp>
+      <p:sp>
+        <p:nvSpPr>
+          <p:cNvPr id="3" name="内容占位符 2"/>
+          <p:cNvSpPr>
+            <a:spLocks noGrp="1"/>
+          </p:cNvSpPr>
+          <p:nvPr>
+            <p:ph idx="1"/>
+          </p:nvPr>
+        </p:nvSpPr>
+        <p:spPr/>
+        <p:txBody>
+          <a:bodyPr/>
+          <a:p>
+            <a:pPr marL="0" indent="0">
+              <a:buNone/>
+            </a:pPr>
+            <a:endParaRPr lang="zh-CN" altLang="en-US" sz="2800"/>
+          </a:p>
+          <a:p>
+            <a:pPr marL="0" indent="0">
+              <a:buNone/>
+            </a:pPr>
+            <a:endParaRPr lang="zh-CN" altLang="en-US"/>
+          </a:p>
+        </p:txBody>
+      </p:sp>
+      <p:pic>
+        <p:nvPicPr>
+          <p:cNvPr id="4" name="图片 3" descr="old_step4"/>
+          <p:cNvPicPr>
+            <a:picLocks noChangeAspect="1"/>
+          </p:cNvPicPr>
+          <p:nvPr/>
+        </p:nvPicPr>
+        <p:blipFill>
+          <a:blip r:embed="rId1"/>
+          <a:stretch>
+            <a:fillRect/>
+          </a:stretch>
+        </p:blipFill>
+        <p:spPr>
+          <a:xfrm>
+            <a:off x="3462655" y="2368550"/>
+            <a:ext cx="5266055" cy="3665855"/>
           </a:xfrm>
           <a:prstGeom prst="rect">
             <a:avLst/>
@@ -5624,125 +5522,17 @@
         </p:nvSpPr>
         <p:spPr/>
         <p:txBody>
-          <a:bodyPr/>
-          <a:p>
-            <a:r>
-              <a:rPr lang="zh-CN" altLang="en-US">
+          <a:bodyPr>
+            <a:normAutofit/>
+          </a:bodyPr>
+          <a:p>
+            <a:r>
+              <a:rPr lang="zh-CN" altLang="en-US" sz="3200">
                 <a:sym typeface="+mn-ea"/>
               </a:rPr>
-              <a:t>一条网络请求之路</a:t>
-            </a:r>
-            <a:endParaRPr lang="zh-CN" altLang="en-US"/>
-          </a:p>
-        </p:txBody>
-      </p:sp>
-      <p:sp>
-        <p:nvSpPr>
-          <p:cNvPr id="3" name="内容占位符 2"/>
-          <p:cNvSpPr>
-            <a:spLocks noGrp="1"/>
-          </p:cNvSpPr>
-          <p:nvPr>
-            <p:ph idx="1"/>
-          </p:nvPr>
-        </p:nvSpPr>
-        <p:spPr/>
-        <p:txBody>
-          <a:bodyPr/>
-          <a:p>
-            <a:r>
-              <a:rPr lang="en-US" altLang="zh-CN" sz="2800">
-                <a:sym typeface="+mn-ea"/>
-              </a:rPr>
-              <a:t>2.</a:t>
-            </a:r>
-            <a:r>
-              <a:rPr lang="zh-CN" altLang="en-US" sz="2800">
-                <a:sym typeface="+mn-ea"/>
-              </a:rPr>
-              <a:t>为每一条网络请求添加事务</a:t>
-            </a:r>
-            <a:endParaRPr lang="zh-CN" altLang="en-US" sz="2800"/>
-          </a:p>
-          <a:p>
-            <a:pPr lvl="1"/>
-            <a:r>
-              <a:rPr lang="zh-CN" altLang="en-US" sz="2800"/>
-              <a:t>发起请求，反序列化数据，分发结果</a:t>
-            </a:r>
-            <a:endParaRPr lang="zh-CN" altLang="en-US" sz="2800"/>
-          </a:p>
-          <a:p>
-            <a:pPr marL="0" indent="0">
-              <a:buNone/>
-            </a:pPr>
-            <a:endParaRPr lang="zh-CN" altLang="en-US"/>
-          </a:p>
-        </p:txBody>
-      </p:sp>
-      <p:pic>
-        <p:nvPicPr>
-          <p:cNvPr id="4" name="图片 3" descr="old_step4"/>
-          <p:cNvPicPr>
-            <a:picLocks noChangeAspect="1"/>
-          </p:cNvPicPr>
-          <p:nvPr/>
-        </p:nvPicPr>
-        <p:blipFill>
-          <a:blip r:embed="rId1"/>
-          <a:stretch>
-            <a:fillRect/>
-          </a:stretch>
-        </p:blipFill>
-        <p:spPr>
-          <a:xfrm>
-            <a:off x="3462655" y="2861945"/>
-            <a:ext cx="5266055" cy="3665855"/>
-          </a:xfrm>
-          <a:prstGeom prst="rect">
-            <a:avLst/>
-          </a:prstGeom>
-        </p:spPr>
-      </p:pic>
-    </p:spTree>
-  </p:cSld>
-  <p:clrMapOvr>
-    <a:masterClrMapping/>
-  </p:clrMapOvr>
-</p:sld>
-</file>
-
-<file path=ppt/slides/slide7.xml><?xml version="1.0" encoding="utf-8"?>
-<p:sld xmlns:a="http://schemas.openxmlformats.org/drawingml/2006/main" xmlns:r="http://schemas.openxmlformats.org/officeDocument/2006/relationships" xmlns:p="http://schemas.openxmlformats.org/presentationml/2006/main">
-  <p:cSld>
-    <p:spTree>
-      <p:nvGrpSpPr>
-        <p:cNvPr id="1" name=""/>
-        <p:cNvGrpSpPr/>
-        <p:nvPr/>
-      </p:nvGrpSpPr>
-      <p:grpSpPr/>
-      <p:sp>
-        <p:nvSpPr>
-          <p:cNvPr id="2" name="标题 1"/>
-          <p:cNvSpPr>
-            <a:spLocks noGrp="1"/>
-          </p:cNvSpPr>
-          <p:nvPr>
-            <p:ph type="title"/>
-          </p:nvPr>
-        </p:nvSpPr>
-        <p:spPr/>
-        <p:txBody>
-          <a:bodyPr/>
-          <a:p>
-            <a:r>
-              <a:rPr lang="zh-CN" altLang="en-US">
-                <a:sym typeface="+mn-ea"/>
-              </a:rPr>
-              <a:t>一条网络请求之路</a:t>
-            </a:r>
-            <a:endParaRPr lang="zh-CN" altLang="en-US"/>
+              <a:t>4.在回调函数基类中定义成功失败的业务回调函数</a:t>
+            </a:r>
+            <a:endParaRPr lang="zh-CN" altLang="en-US" sz="3200"/>
           </a:p>
         </p:txBody>
       </p:sp>
@@ -5825,7 +5615,7 @@
               <a:spcBef>
                 <a:spcPts val="1000"/>
               </a:spcBef>
-              <a:buFont typeface="Arial" panose="02080604020202020204" charset="0"/>
+              <a:buFont typeface="Arial" panose="020B0604020202020204" pitchFamily="34" charset="0"/>
               <a:buChar char="•"/>
               <a:defRPr sz="2800" kern="1200">
                 <a:solidFill>
@@ -5843,7 +5633,7 @@
               <a:spcBef>
                 <a:spcPts val="500"/>
               </a:spcBef>
-              <a:buFont typeface="Arial" panose="02080604020202020204" charset="0"/>
+              <a:buFont typeface="Arial" panose="020B0604020202020204" pitchFamily="34" charset="0"/>
               <a:buChar char="•"/>
               <a:defRPr sz="2400" kern="1200">
                 <a:solidFill>
@@ -5861,7 +5651,7 @@
               <a:spcBef>
                 <a:spcPts val="500"/>
               </a:spcBef>
-              <a:buFont typeface="Arial" panose="02080604020202020204" charset="0"/>
+              <a:buFont typeface="Arial" panose="020B0604020202020204" pitchFamily="34" charset="0"/>
               <a:buChar char="•"/>
               <a:defRPr sz="2000" kern="1200">
                 <a:solidFill>
@@ -5879,7 +5669,7 @@
               <a:spcBef>
                 <a:spcPts val="500"/>
               </a:spcBef>
-              <a:buFont typeface="Arial" panose="02080604020202020204" charset="0"/>
+              <a:buFont typeface="Arial" panose="020B0604020202020204" pitchFamily="34" charset="0"/>
               <a:buChar char="•"/>
               <a:defRPr sz="1800" kern="1200">
                 <a:solidFill>
@@ -5897,7 +5687,7 @@
               <a:spcBef>
                 <a:spcPts val="500"/>
               </a:spcBef>
-              <a:buFont typeface="Arial" panose="02080604020202020204" charset="0"/>
+              <a:buFont typeface="Arial" panose="020B0604020202020204" pitchFamily="34" charset="0"/>
               <a:buChar char="•"/>
               <a:defRPr sz="1800" kern="1200">
                 <a:solidFill>
@@ -5915,7 +5705,7 @@
               <a:spcBef>
                 <a:spcPts val="500"/>
               </a:spcBef>
-              <a:buFont typeface="Arial" panose="02080604020202020204" charset="0"/>
+              <a:buFont typeface="Arial" panose="020B0604020202020204" pitchFamily="34" charset="0"/>
               <a:buChar char="•"/>
               <a:defRPr sz="1800" kern="1200">
                 <a:solidFill>
@@ -5933,7 +5723,7 @@
               <a:spcBef>
                 <a:spcPts val="500"/>
               </a:spcBef>
-              <a:buFont typeface="Arial" panose="02080604020202020204" charset="0"/>
+              <a:buFont typeface="Arial" panose="020B0604020202020204" pitchFamily="34" charset="0"/>
               <a:buChar char="•"/>
               <a:defRPr sz="1800" kern="1200">
                 <a:solidFill>
@@ -5951,7 +5741,7 @@
               <a:spcBef>
                 <a:spcPts val="500"/>
               </a:spcBef>
-              <a:buFont typeface="Arial" panose="02080604020202020204" charset="0"/>
+              <a:buFont typeface="Arial" panose="020B0604020202020204" pitchFamily="34" charset="0"/>
               <a:buChar char="•"/>
               <a:defRPr sz="1800" kern="1200">
                 <a:solidFill>
@@ -5969,7 +5759,7 @@
               <a:spcBef>
                 <a:spcPts val="500"/>
               </a:spcBef>
-              <a:buFont typeface="Arial" panose="02080604020202020204" charset="0"/>
+              <a:buFont typeface="Arial" panose="020B0604020202020204" pitchFamily="34" charset="0"/>
               <a:buChar char="•"/>
               <a:defRPr sz="1800" kern="1200">
                 <a:solidFill>
@@ -5985,14 +5775,6 @@
             <a:pPr marL="0" indent="0">
               <a:buNone/>
             </a:pPr>
-            <a:r>
-              <a:rPr lang="en-US" altLang="zh-CN"/>
-              <a:t>3.</a:t>
-            </a:r>
-            <a:r>
-              <a:rPr lang="zh-CN" altLang="en-US"/>
-              <a:t>在回调函数基类中定义成功失败的业务回调函数</a:t>
-            </a:r>
             <a:endParaRPr lang="zh-CN" altLang="en-US"/>
           </a:p>
         </p:txBody>
@@ -6005,7 +5787,7 @@
 </p:sld>
 </file>
 
-<file path=ppt/slides/slide8.xml><?xml version="1.0" encoding="utf-8"?>
+<file path=ppt/slides/slide7.xml><?xml version="1.0" encoding="utf-8"?>
 <p:sld xmlns:a="http://schemas.openxmlformats.org/drawingml/2006/main" xmlns:r="http://schemas.openxmlformats.org/officeDocument/2006/relationships" xmlns:p="http://schemas.openxmlformats.org/presentationml/2006/main">
   <p:cSld>
     <p:spTree>
@@ -6027,15 +5809,17 @@
         </p:nvSpPr>
         <p:spPr/>
         <p:txBody>
-          <a:bodyPr/>
-          <a:p>
-            <a:r>
-              <a:rPr lang="zh-CN" altLang="en-US">
+          <a:bodyPr>
+            <a:normAutofit/>
+          </a:bodyPr>
+          <a:p>
+            <a:r>
+              <a:rPr lang="zh-CN" altLang="en-US" sz="3200">
                 <a:sym typeface="+mn-ea"/>
               </a:rPr>
-              <a:t>一条网络请求之路</a:t>
-            </a:r>
-            <a:endParaRPr lang="zh-CN" altLang="en-US"/>
+              <a:t>5.根据事务的id，将结果分发到对应的业务回调中</a:t>
+            </a:r>
+            <a:endParaRPr lang="zh-CN" altLang="en-US" sz="3200"/>
           </a:p>
         </p:txBody>
       </p:sp>
@@ -6053,22 +5837,9 @@
         <p:txBody>
           <a:bodyPr/>
           <a:p>
-            <a:r>
-              <a:rPr lang="en-US" altLang="zh-CN"/>
-              <a:t>4.</a:t>
-            </a:r>
-            <a:r>
-              <a:rPr lang="zh-CN" altLang="en-US"/>
-              <a:t>根据事务的</a:t>
-            </a:r>
-            <a:r>
-              <a:rPr lang="en-US" altLang="zh-CN"/>
-              <a:t>id</a:t>
-            </a:r>
-            <a:r>
-              <a:rPr lang="zh-CN" altLang="en-US"/>
-              <a:t>，将结果分发到对应的业务回调中</a:t>
-            </a:r>
+            <a:pPr marL="0" indent="0">
+              <a:buNone/>
+            </a:pPr>
             <a:endParaRPr lang="zh-CN" altLang="en-US"/>
           </a:p>
         </p:txBody>
@@ -6105,7 +5876,7 @@
 </p:sld>
 </file>
 
-<file path=ppt/slides/slide9.xml><?xml version="1.0" encoding="utf-8"?>
+<file path=ppt/slides/slide8.xml><?xml version="1.0" encoding="utf-8"?>
 <p:sld xmlns:a="http://schemas.openxmlformats.org/drawingml/2006/main" xmlns:r="http://schemas.openxmlformats.org/officeDocument/2006/relationships" xmlns:p="http://schemas.openxmlformats.org/presentationml/2006/main">
   <p:cSld>
     <p:spTree>
@@ -6127,15 +5898,17 @@
         </p:nvSpPr>
         <p:spPr/>
         <p:txBody>
-          <a:bodyPr/>
-          <a:p>
-            <a:r>
-              <a:rPr lang="zh-CN" altLang="en-US">
+          <a:bodyPr>
+            <a:normAutofit/>
+          </a:bodyPr>
+          <a:p>
+            <a:r>
+              <a:rPr lang="zh-CN" altLang="en-US" sz="3200">
                 <a:sym typeface="+mn-ea"/>
               </a:rPr>
-              <a:t>一条网络请求之路</a:t>
-            </a:r>
-            <a:endParaRPr lang="zh-CN" altLang="en-US"/>
+              <a:t>6.根据事务的id，将结果分发到对应的业务回调中</a:t>
+            </a:r>
+            <a:endParaRPr lang="zh-CN" altLang="en-US" sz="3200"/>
           </a:p>
         </p:txBody>
       </p:sp>
@@ -6153,30 +5926,9 @@
         <p:txBody>
           <a:bodyPr/>
           <a:p>
-            <a:r>
-              <a:rPr lang="en-US" altLang="zh-CN">
-                <a:sym typeface="+mn-ea"/>
-              </a:rPr>
-              <a:t>4.</a:t>
-            </a:r>
-            <a:r>
-              <a:rPr lang="zh-CN" altLang="en-US">
-                <a:sym typeface="+mn-ea"/>
-              </a:rPr>
-              <a:t>根据事务的</a:t>
-            </a:r>
-            <a:r>
-              <a:rPr lang="en-US" altLang="zh-CN">
-                <a:sym typeface="+mn-ea"/>
-              </a:rPr>
-              <a:t>id</a:t>
-            </a:r>
-            <a:r>
-              <a:rPr lang="zh-CN" altLang="en-US">
-                <a:sym typeface="+mn-ea"/>
-              </a:rPr>
-              <a:t>，将结果分发到对应的业务回调中</a:t>
-            </a:r>
+            <a:pPr marL="0" indent="0">
+              <a:buNone/>
+            </a:pPr>
             <a:endParaRPr lang="zh-CN" altLang="en-US"/>
           </a:p>
         </p:txBody>
@@ -6199,6 +5951,93 @@
           <a:xfrm>
             <a:off x="2460625" y="2364740"/>
             <a:ext cx="7335520" cy="4097655"/>
+          </a:xfrm>
+          <a:prstGeom prst="rect">
+            <a:avLst/>
+          </a:prstGeom>
+        </p:spPr>
+      </p:pic>
+    </p:spTree>
+  </p:cSld>
+  <p:clrMapOvr>
+    <a:masterClrMapping/>
+  </p:clrMapOvr>
+</p:sld>
+</file>
+
+<file path=ppt/slides/slide9.xml><?xml version="1.0" encoding="utf-8"?>
+<p:sld xmlns:a="http://schemas.openxmlformats.org/drawingml/2006/main" xmlns:r="http://schemas.openxmlformats.org/officeDocument/2006/relationships" xmlns:p="http://schemas.openxmlformats.org/presentationml/2006/main">
+  <p:cSld>
+    <p:spTree>
+      <p:nvGrpSpPr>
+        <p:cNvPr id="1" name=""/>
+        <p:cNvGrpSpPr/>
+        <p:nvPr/>
+      </p:nvGrpSpPr>
+      <p:grpSpPr/>
+      <p:sp>
+        <p:nvSpPr>
+          <p:cNvPr id="2" name="标题 1"/>
+          <p:cNvSpPr>
+            <a:spLocks noGrp="1"/>
+          </p:cNvSpPr>
+          <p:nvPr>
+            <p:ph type="title"/>
+          </p:nvPr>
+        </p:nvSpPr>
+        <p:spPr/>
+        <p:txBody>
+          <a:bodyPr/>
+          <a:p>
+            <a:r>
+              <a:rPr lang="zh-CN" altLang="en-US" sz="3200">
+                <a:sym typeface="+mn-ea"/>
+              </a:rPr>
+              <a:t>7.在EgmService定义同意的事务调用入口</a:t>
+            </a:r>
+            <a:endParaRPr lang="zh-CN" altLang="en-US" sz="3200"/>
+          </a:p>
+        </p:txBody>
+      </p:sp>
+      <p:sp>
+        <p:nvSpPr>
+          <p:cNvPr id="3" name="内容占位符 2"/>
+          <p:cNvSpPr>
+            <a:spLocks noGrp="1"/>
+          </p:cNvSpPr>
+          <p:nvPr>
+            <p:ph idx="1"/>
+          </p:nvPr>
+        </p:nvSpPr>
+        <p:spPr/>
+        <p:txBody>
+          <a:bodyPr/>
+          <a:p>
+            <a:pPr marL="0" indent="0">
+              <a:buNone/>
+            </a:pPr>
+            <a:endParaRPr lang="zh-CN" altLang="en-US"/>
+          </a:p>
+        </p:txBody>
+      </p:sp>
+      <p:pic>
+        <p:nvPicPr>
+          <p:cNvPr id="4" name="图片 3" descr="old_step6"/>
+          <p:cNvPicPr>
+            <a:picLocks noChangeAspect="1"/>
+          </p:cNvPicPr>
+          <p:nvPr/>
+        </p:nvPicPr>
+        <p:blipFill>
+          <a:blip r:embed="rId1"/>
+          <a:stretch>
+            <a:fillRect/>
+          </a:stretch>
+        </p:blipFill>
+        <p:spPr>
+          <a:xfrm>
+            <a:off x="1163955" y="3529965"/>
+            <a:ext cx="10038080" cy="2647315"/>
           </a:xfrm>
           <a:prstGeom prst="rect">
             <a:avLst/>

--- a/net_ppt.pptx
+++ b/net_ppt.pptx
@@ -5,33 +5,32 @@
     <p:sldMasterId id="2147483648" r:id="rId1"/>
   </p:sldMasterIdLst>
   <p:notesMasterIdLst>
-    <p:notesMasterId r:id="rId6"/>
+    <p:notesMasterId r:id="rId8"/>
   </p:notesMasterIdLst>
   <p:sldIdLst>
     <p:sldId id="256" r:id="rId3"/>
     <p:sldId id="305" r:id="rId4"/>
-    <p:sldId id="279" r:id="rId5"/>
-    <p:sldId id="257" r:id="rId7"/>
-    <p:sldId id="259" r:id="rId8"/>
-    <p:sldId id="260" r:id="rId9"/>
-    <p:sldId id="261" r:id="rId10"/>
-    <p:sldId id="263" r:id="rId11"/>
-    <p:sldId id="264" r:id="rId12"/>
-    <p:sldId id="265" r:id="rId13"/>
-    <p:sldId id="267" r:id="rId14"/>
-    <p:sldId id="290" r:id="rId15"/>
-    <p:sldId id="268" r:id="rId16"/>
-    <p:sldId id="291" r:id="rId17"/>
-    <p:sldId id="269" r:id="rId18"/>
-    <p:sldId id="270" r:id="rId19"/>
-    <p:sldId id="330" r:id="rId20"/>
-    <p:sldId id="272" r:id="rId21"/>
-    <p:sldId id="331" r:id="rId22"/>
-    <p:sldId id="273" r:id="rId23"/>
-    <p:sldId id="303" r:id="rId24"/>
-    <p:sldId id="304" r:id="rId25"/>
-    <p:sldId id="274" r:id="rId26"/>
-    <p:sldId id="276" r:id="rId27"/>
+    <p:sldId id="257" r:id="rId5"/>
+    <p:sldId id="259" r:id="rId6"/>
+    <p:sldId id="260" r:id="rId7"/>
+    <p:sldId id="261" r:id="rId9"/>
+    <p:sldId id="263" r:id="rId10"/>
+    <p:sldId id="264" r:id="rId11"/>
+    <p:sldId id="265" r:id="rId12"/>
+    <p:sldId id="267" r:id="rId13"/>
+    <p:sldId id="290" r:id="rId14"/>
+    <p:sldId id="268" r:id="rId15"/>
+    <p:sldId id="291" r:id="rId16"/>
+    <p:sldId id="269" r:id="rId17"/>
+    <p:sldId id="270" r:id="rId18"/>
+    <p:sldId id="330" r:id="rId19"/>
+    <p:sldId id="272" r:id="rId20"/>
+    <p:sldId id="331" r:id="rId21"/>
+    <p:sldId id="273" r:id="rId22"/>
+    <p:sldId id="303" r:id="rId23"/>
+    <p:sldId id="304" r:id="rId24"/>
+    <p:sldId id="274" r:id="rId25"/>
+    <p:sldId id="276" r:id="rId26"/>
   </p:sldIdLst>
   <p:sldSz cx="12192000" cy="6858000"/>
   <p:notesSz cx="6858000" cy="9144000"/>
@@ -525,7 +524,7 @@
       <p:grpSpPr/>
       <p:sp>
         <p:nvSpPr>
-          <p:cNvPr id="2" name="Slide Image Placeholder 1"/>
+          <p:cNvPr id="2" name="幻灯片图像占位符 1"/>
           <p:cNvSpPr/>
           <p:nvPr>
             <p:ph type="sldImg" idx="2"/>
@@ -535,7 +534,7 @@
       </p:sp>
       <p:sp>
         <p:nvSpPr>
-          <p:cNvPr id="3" name="Text Placeholder 2"/>
+          <p:cNvPr id="3" name="文本占位符 2"/>
           <p:cNvSpPr/>
           <p:nvPr>
             <p:ph type="body" idx="3"/>
@@ -545,27 +544,6 @@
         <p:txBody>
           <a:bodyPr/>
           <a:p>
-            <a:endParaRPr lang="en-US"/>
-          </a:p>
-        </p:txBody>
-      </p:sp>
-      <p:sp>
-        <p:nvSpPr>
-          <p:cNvPr id="4" name="Slide Number Placeholder 3"/>
-          <p:cNvSpPr>
-            <a:spLocks noGrp="1"/>
-          </p:cNvSpPr>
-          <p:nvPr>
-            <p:ph type="sldNum" sz="quarter" idx="5"/>
-          </p:nvPr>
-        </p:nvSpPr>
-        <p:spPr/>
-        <p:txBody>
-          <a:bodyPr/>
-          <a:p>
-            <a:fld id="{A6837353-30EB-4A48-80EB-173D804AEFBD}" type="slidenum">
-              <a:rPr lang="zh-CN" altLang="en-US" smtClean="0"/>
-            </a:fld>
             <a:endParaRPr lang="zh-CN" altLang="en-US"/>
           </a:p>
         </p:txBody>
@@ -634,50 +612,6 @@
       <p:grpSpPr/>
       <p:sp>
         <p:nvSpPr>
-          <p:cNvPr id="2" name="幻灯片图像占位符 1"/>
-          <p:cNvSpPr/>
-          <p:nvPr>
-            <p:ph type="sldImg" idx="2"/>
-          </p:nvPr>
-        </p:nvSpPr>
-        <p:spPr/>
-      </p:sp>
-      <p:sp>
-        <p:nvSpPr>
-          <p:cNvPr id="3" name="文本占位符 2"/>
-          <p:cNvSpPr/>
-          <p:nvPr>
-            <p:ph type="body" idx="3"/>
-          </p:nvPr>
-        </p:nvSpPr>
-        <p:spPr/>
-        <p:txBody>
-          <a:bodyPr/>
-          <a:p>
-            <a:endParaRPr lang="zh-CN" altLang="en-US"/>
-          </a:p>
-        </p:txBody>
-      </p:sp>
-    </p:spTree>
-  </p:cSld>
-  <p:clrMapOvr>
-    <a:masterClrMapping/>
-  </p:clrMapOvr>
-</p:notes>
-</file>
-
-<file path=ppt/notesSlides/notesSlide4.xml><?xml version="1.0" encoding="utf-8"?>
-<p:notes xmlns:a="http://schemas.openxmlformats.org/drawingml/2006/main" xmlns:r="http://schemas.openxmlformats.org/officeDocument/2006/relationships" xmlns:p="http://schemas.openxmlformats.org/presentationml/2006/main">
-  <p:cSld>
-    <p:spTree>
-      <p:nvGrpSpPr>
-        <p:cNvPr id="1" name=""/>
-        <p:cNvGrpSpPr/>
-        <p:nvPr/>
-      </p:nvGrpSpPr>
-      <p:grpSpPr/>
-      <p:sp>
-        <p:nvSpPr>
           <p:cNvPr id="2" name="Slide Image Placeholder 1"/>
           <p:cNvSpPr/>
           <p:nvPr>
@@ -733,7 +667,7 @@
 
 <file path=ppt/slideLayouts/slideLayout1.xml><?xml version="1.0" encoding="utf-8"?>
 <p:sldLayout xmlns:a="http://schemas.openxmlformats.org/drawingml/2006/main" xmlns:r="http://schemas.openxmlformats.org/officeDocument/2006/relationships" xmlns:p="http://schemas.openxmlformats.org/presentationml/2006/main" type="title" preserve="1">
-  <p:cSld name="标题幻灯片">
+  <p:cSld name="Title Slide">
     <p:spTree>
       <p:nvGrpSpPr>
         <p:cNvPr id="1" name=""/>
@@ -750,12 +684,12 @@
       </p:grpSpPr>
       <p:sp>
         <p:nvSpPr>
-          <p:cNvPr id="2" name="标题 1"/>
-          <p:cNvSpPr>
-            <a:spLocks noGrp="1"/>
-          </p:cNvSpPr>
-          <p:nvPr>
-            <p:ph type="ctrTitle" hasCustomPrompt="1"/>
+          <p:cNvPr id="2" name="Title 1"/>
+          <p:cNvSpPr>
+            <a:spLocks noGrp="1"/>
+          </p:cNvSpPr>
+          <p:nvPr>
+            <p:ph type="ctrTitle"/>
           </p:nvPr>
         </p:nvSpPr>
         <p:spPr>
@@ -773,21 +707,21 @@
           </a:lstStyle>
           <a:p>
             <a:r>
-              <a:rPr lang="zh-CN" altLang="en-US" smtClean="0"/>
-              <a:t>单击此处编辑母版标题样式</a:t>
-            </a:r>
-            <a:endParaRPr lang="zh-CN" altLang="en-US"/>
-          </a:p>
-        </p:txBody>
-      </p:sp>
-      <p:sp>
-        <p:nvSpPr>
-          <p:cNvPr id="3" name="副标题 2"/>
-          <p:cNvSpPr>
-            <a:spLocks noGrp="1"/>
-          </p:cNvSpPr>
-          <p:nvPr>
-            <p:ph type="subTitle" idx="1" hasCustomPrompt="1"/>
+              <a:rPr lang="en-US" smtClean="0"/>
+              <a:t>Click to edit Master title style</a:t>
+            </a:r>
+            <a:endParaRPr lang="en-US"/>
+          </a:p>
+        </p:txBody>
+      </p:sp>
+      <p:sp>
+        <p:nvSpPr>
+          <p:cNvPr id="3" name="Subtitle 2"/>
+          <p:cNvSpPr>
+            <a:spLocks noGrp="1"/>
+          </p:cNvSpPr>
+          <p:nvPr>
+            <p:ph type="subTitle" idx="1"/>
           </p:nvPr>
         </p:nvSpPr>
         <p:spPr>
@@ -838,16 +772,16 @@
           </a:lstStyle>
           <a:p>
             <a:r>
-              <a:rPr lang="zh-CN" altLang="en-US" smtClean="0"/>
-              <a:t>单击此处编辑母版副标题样式</a:t>
-            </a:r>
-            <a:endParaRPr lang="zh-CN" altLang="en-US"/>
-          </a:p>
-        </p:txBody>
-      </p:sp>
-      <p:sp>
-        <p:nvSpPr>
-          <p:cNvPr id="4" name="日期占位符 3"/>
+              <a:rPr lang="en-US" smtClean="0"/>
+              <a:t>Click to edit Master subtitle style</a:t>
+            </a:r>
+            <a:endParaRPr lang="en-US"/>
+          </a:p>
+        </p:txBody>
+      </p:sp>
+      <p:sp>
+        <p:nvSpPr>
+          <p:cNvPr id="4" name="Date Placeholder 3"/>
           <p:cNvSpPr>
             <a:spLocks noGrp="1"/>
           </p:cNvSpPr>
@@ -869,7 +803,7 @@
       </p:sp>
       <p:sp>
         <p:nvSpPr>
-          <p:cNvPr id="5" name="页脚占位符 4"/>
+          <p:cNvPr id="5" name="Footer Placeholder 4"/>
           <p:cNvSpPr>
             <a:spLocks noGrp="1"/>
           </p:cNvSpPr>
@@ -888,7 +822,7 @@
       </p:sp>
       <p:sp>
         <p:nvSpPr>
-          <p:cNvPr id="6" name="灯片编号占位符 5"/>
+          <p:cNvPr id="6" name="Slide Number Placeholder 5"/>
           <p:cNvSpPr>
             <a:spLocks noGrp="1"/>
           </p:cNvSpPr>
@@ -913,12 +847,13 @@
   <p:clrMapOvr>
     <a:masterClrMapping/>
   </p:clrMapOvr>
+  <p:hf sldNum="0" hdr="0" ftr="0" dt="0"/>
 </p:sldLayout>
 </file>
 
 <file path=ppt/slideLayouts/slideLayout10.xml><?xml version="1.0" encoding="utf-8"?>
-<p:sldLayout xmlns:a="http://schemas.openxmlformats.org/drawingml/2006/main" xmlns:r="http://schemas.openxmlformats.org/officeDocument/2006/relationships" xmlns:p="http://schemas.openxmlformats.org/presentationml/2006/main" type="objOnly" preserve="1">
-  <p:cSld name="内容">
+<p:sldLayout xmlns:a="http://schemas.openxmlformats.org/drawingml/2006/main" xmlns:r="http://schemas.openxmlformats.org/officeDocument/2006/relationships" xmlns:p="http://schemas.openxmlformats.org/presentationml/2006/main" type="vertTx" preserve="1">
+  <p:cSld name="Title and Vertical Text">
     <p:spTree>
       <p:nvGrpSpPr>
         <p:cNvPr id="1" name=""/>
@@ -935,68 +870,86 @@
       </p:grpSpPr>
       <p:sp>
         <p:nvSpPr>
-          <p:cNvPr id="2" name="内容占位符 1"/>
-          <p:cNvSpPr>
-            <a:spLocks noGrp="1"/>
-          </p:cNvSpPr>
-          <p:nvPr>
-            <p:ph hasCustomPrompt="1"/>
-          </p:nvPr>
-        </p:nvSpPr>
-        <p:spPr>
-          <a:xfrm>
-            <a:off x="838200" y="365125"/>
-            <a:ext cx="10515600" cy="5811838"/>
-          </a:xfrm>
-        </p:spPr>
+          <p:cNvPr id="2" name="Title 1"/>
+          <p:cNvSpPr>
+            <a:spLocks noGrp="1"/>
+          </p:cNvSpPr>
+          <p:nvPr>
+            <p:ph type="title"/>
+          </p:nvPr>
+        </p:nvSpPr>
+        <p:spPr/>
         <p:txBody>
           <a:bodyPr/>
           <a:lstStyle/>
           <a:p>
+            <a:r>
+              <a:rPr lang="en-US" smtClean="0"/>
+              <a:t>Click to edit Master title style</a:t>
+            </a:r>
+            <a:endParaRPr lang="en-US"/>
+          </a:p>
+        </p:txBody>
+      </p:sp>
+      <p:sp>
+        <p:nvSpPr>
+          <p:cNvPr id="3" name="Vertical Text Placeholder 2"/>
+          <p:cNvSpPr>
+            <a:spLocks noGrp="1"/>
+          </p:cNvSpPr>
+          <p:nvPr>
+            <p:ph type="body" orient="vert" idx="1"/>
+          </p:nvPr>
+        </p:nvSpPr>
+        <p:spPr/>
+        <p:txBody>
+          <a:bodyPr vert="eaVert"/>
+          <a:lstStyle/>
+          <a:p>
             <a:pPr lvl="0"/>
             <a:r>
-              <a:rPr lang="zh-CN" altLang="en-US" smtClean="0"/>
-              <a:t>单击此处编辑母版文本样式</a:t>
-            </a:r>
-            <a:endParaRPr lang="zh-CN" altLang="en-US" smtClean="0"/>
+              <a:rPr lang="en-US" smtClean="0"/>
+              <a:t>Click to edit Master text styles</a:t>
+            </a:r>
+            <a:endParaRPr lang="en-US" smtClean="0"/>
           </a:p>
           <a:p>
             <a:pPr lvl="1"/>
             <a:r>
-              <a:rPr lang="zh-CN" altLang="en-US" smtClean="0"/>
-              <a:t>第二级</a:t>
-            </a:r>
-            <a:endParaRPr lang="zh-CN" altLang="en-US" smtClean="0"/>
+              <a:rPr lang="en-US" smtClean="0"/>
+              <a:t>Second level</a:t>
+            </a:r>
+            <a:endParaRPr lang="en-US" smtClean="0"/>
           </a:p>
           <a:p>
             <a:pPr lvl="2"/>
             <a:r>
-              <a:rPr lang="zh-CN" altLang="en-US" smtClean="0"/>
-              <a:t>第三级</a:t>
-            </a:r>
-            <a:endParaRPr lang="zh-CN" altLang="en-US" smtClean="0"/>
+              <a:rPr lang="en-US" smtClean="0"/>
+              <a:t>Third level</a:t>
+            </a:r>
+            <a:endParaRPr lang="en-US" smtClean="0"/>
           </a:p>
           <a:p>
             <a:pPr lvl="3"/>
             <a:r>
-              <a:rPr lang="zh-CN" altLang="en-US" smtClean="0"/>
-              <a:t>第四级</a:t>
-            </a:r>
-            <a:endParaRPr lang="zh-CN" altLang="en-US" smtClean="0"/>
+              <a:rPr lang="en-US" smtClean="0"/>
+              <a:t>Fourth level</a:t>
+            </a:r>
+            <a:endParaRPr lang="en-US" smtClean="0"/>
           </a:p>
           <a:p>
             <a:pPr lvl="4"/>
             <a:r>
-              <a:rPr lang="zh-CN" altLang="en-US" smtClean="0"/>
-              <a:t>第五级</a:t>
-            </a:r>
-            <a:endParaRPr lang="zh-CN" altLang="en-US"/>
-          </a:p>
-        </p:txBody>
-      </p:sp>
-      <p:sp>
-        <p:nvSpPr>
-          <p:cNvPr id="3" name="日期占位符 2"/>
+              <a:rPr lang="en-US" smtClean="0"/>
+              <a:t>Fifth level</a:t>
+            </a:r>
+            <a:endParaRPr lang="en-US"/>
+          </a:p>
+        </p:txBody>
+      </p:sp>
+      <p:sp>
+        <p:nvSpPr>
+          <p:cNvPr id="4" name="Date Placeholder 3"/>
           <p:cNvSpPr>
             <a:spLocks noGrp="1"/>
           </p:cNvSpPr>
@@ -1009,51 +962,148 @@
           <a:bodyPr/>
           <a:lstStyle/>
           <a:p>
-            <a:fld id="{82F288E0-7875-42C4-84C8-98DBBD3BF4D2}" type="datetimeFigureOut">
-              <a:rPr lang="zh-CN" altLang="en-US" smtClean="0"/>
+            <a:pPr marL="0" marR="0" lvl="0" indent="0" algn="l" defTabSz="914400" rtl="0" eaLnBrk="1" fontAlgn="base" latinLnBrk="0" hangingPunct="1">
+              <a:lnSpc>
+                <a:spcPct val="100000"/>
+              </a:lnSpc>
+              <a:spcBef>
+                <a:spcPct val="0"/>
+              </a:spcBef>
+              <a:spcAft>
+                <a:spcPct val="0"/>
+              </a:spcAft>
+              <a:buClrTx/>
+              <a:buSzTx/>
+              <a:buFontTx/>
+              <a:buNone/>
+              <a:defRPr/>
+            </a:pPr>
+            <a:endParaRPr kumimoji="0" lang="en-US" altLang="zh-CN" sz="1400" b="0" i="0" u="none" strike="noStrike" kern="1200" cap="none" spc="0" normalizeH="0" baseline="0" noProof="0" smtClean="0">
+              <a:ln>
+                <a:noFill/>
+              </a:ln>
+              <a:solidFill>
+                <a:schemeClr val="tx1"/>
+              </a:solidFill>
+              <a:effectLst/>
+              <a:uLnTx/>
+              <a:uFillTx/>
+              <a:latin typeface="Arial" panose="02080604020202020204" charset="0"/>
+              <a:ea typeface="SimSun" charset="-122"/>
+              <a:cs typeface="+mn-cs"/>
+            </a:endParaRPr>
+          </a:p>
+        </p:txBody>
+      </p:sp>
+      <p:sp>
+        <p:nvSpPr>
+          <p:cNvPr id="5" name="Footer Placeholder 4"/>
+          <p:cNvSpPr>
+            <a:spLocks noGrp="1"/>
+          </p:cNvSpPr>
+          <p:nvPr>
+            <p:ph type="ftr" sz="quarter" idx="11"/>
+          </p:nvPr>
+        </p:nvSpPr>
+        <p:spPr/>
+        <p:txBody>
+          <a:bodyPr/>
+          <a:lstStyle/>
+          <a:p>
+            <a:pPr marL="0" marR="0" lvl="0" indent="0" algn="ctr" defTabSz="914400" rtl="0" eaLnBrk="1" fontAlgn="base" latinLnBrk="0" hangingPunct="1">
+              <a:lnSpc>
+                <a:spcPct val="100000"/>
+              </a:lnSpc>
+              <a:spcBef>
+                <a:spcPct val="0"/>
+              </a:spcBef>
+              <a:spcAft>
+                <a:spcPct val="0"/>
+              </a:spcAft>
+              <a:buClrTx/>
+              <a:buSzTx/>
+              <a:buFontTx/>
+              <a:buNone/>
+              <a:defRPr/>
+            </a:pPr>
+            <a:endParaRPr kumimoji="0" lang="en-US" altLang="zh-CN" sz="1400" b="0" i="0" u="none" strike="noStrike" kern="1200" cap="none" spc="0" normalizeH="0" baseline="0" noProof="0" smtClean="0">
+              <a:ln>
+                <a:noFill/>
+              </a:ln>
+              <a:solidFill>
+                <a:schemeClr val="tx1"/>
+              </a:solidFill>
+              <a:effectLst/>
+              <a:uLnTx/>
+              <a:uFillTx/>
+              <a:latin typeface="Arial" panose="02080604020202020204" charset="0"/>
+              <a:ea typeface="SimSun" charset="-122"/>
+              <a:cs typeface="+mn-cs"/>
+            </a:endParaRPr>
+          </a:p>
+        </p:txBody>
+      </p:sp>
+      <p:sp>
+        <p:nvSpPr>
+          <p:cNvPr id="6" name="Slide Number Placeholder 5"/>
+          <p:cNvSpPr>
+            <a:spLocks noGrp="1"/>
+          </p:cNvSpPr>
+          <p:nvPr>
+            <p:ph type="sldNum" sz="quarter" idx="12"/>
+          </p:nvPr>
+        </p:nvSpPr>
+        <p:spPr/>
+        <p:txBody>
+          <a:bodyPr/>
+          <a:lstStyle/>
+          <a:p>
+            <a:pPr marL="0" marR="0" lvl="0" indent="0" algn="r" defTabSz="914400" rtl="0" eaLnBrk="1" fontAlgn="base" latinLnBrk="0" hangingPunct="1">
+              <a:lnSpc>
+                <a:spcPct val="100000"/>
+              </a:lnSpc>
+              <a:spcBef>
+                <a:spcPct val="0"/>
+              </a:spcBef>
+              <a:spcAft>
+                <a:spcPct val="0"/>
+              </a:spcAft>
+              <a:buClrTx/>
+              <a:buSzTx/>
+              <a:buFontTx/>
+              <a:buNone/>
+              <a:defRPr/>
+            </a:pPr>
+            <a:fld id="{897D7747-D9D0-4222-AE01-C647B9939E3B}" type="slidenum">
+              <a:rPr kumimoji="0" lang="en-US" altLang="zh-CN" sz="1400" b="0" i="0" u="none" strike="noStrike" kern="1200" cap="none" spc="0" normalizeH="0" baseline="0" noProof="0" smtClean="0">
+                <a:ln>
+                  <a:noFill/>
+                </a:ln>
+                <a:solidFill>
+                  <a:schemeClr val="tx1"/>
+                </a:solidFill>
+                <a:effectLst/>
+                <a:uLnTx/>
+                <a:uFillTx/>
+                <a:latin typeface="Arial" panose="02080604020202020204" charset="0"/>
+                <a:ea typeface="SimSun" charset="-122"/>
+                <a:cs typeface="+mn-cs"/>
+              </a:rPr>
             </a:fld>
-            <a:endParaRPr lang="zh-CN" altLang="en-US"/>
-          </a:p>
-        </p:txBody>
-      </p:sp>
-      <p:sp>
-        <p:nvSpPr>
-          <p:cNvPr id="4" name="页脚占位符 3"/>
-          <p:cNvSpPr>
-            <a:spLocks noGrp="1"/>
-          </p:cNvSpPr>
-          <p:nvPr>
-            <p:ph type="ftr" sz="quarter" idx="11"/>
-          </p:nvPr>
-        </p:nvSpPr>
-        <p:spPr/>
-        <p:txBody>
-          <a:bodyPr/>
-          <a:lstStyle/>
-          <a:p>
-            <a:endParaRPr lang="zh-CN" altLang="en-US"/>
-          </a:p>
-        </p:txBody>
-      </p:sp>
-      <p:sp>
-        <p:nvSpPr>
-          <p:cNvPr id="5" name="灯片编号占位符 4"/>
-          <p:cNvSpPr>
-            <a:spLocks noGrp="1"/>
-          </p:cNvSpPr>
-          <p:nvPr>
-            <p:ph type="sldNum" sz="quarter" idx="12"/>
-          </p:nvPr>
-        </p:nvSpPr>
-        <p:spPr/>
-        <p:txBody>
-          <a:bodyPr/>
-          <a:lstStyle/>
-          <a:p>
-            <a:fld id="{7D9BB5D0-35E4-459D-AEF3-FE4D7C45CC19}" type="slidenum">
-              <a:rPr lang="zh-CN" altLang="en-US" smtClean="0"/>
-            </a:fld>
-            <a:endParaRPr lang="zh-CN" altLang="en-US"/>
+            <a:endParaRPr kumimoji="0" lang="en-US" altLang="zh-CN" sz="1400" b="0" i="0" u="none" strike="noStrike" kern="1200" cap="none" spc="0" normalizeH="0" baseline="0" noProof="0" smtClean="0">
+              <a:ln>
+                <a:noFill/>
+              </a:ln>
+              <a:solidFill>
+                <a:schemeClr val="tx1"/>
+              </a:solidFill>
+              <a:effectLst/>
+              <a:uLnTx/>
+              <a:uFillTx/>
+              <a:latin typeface="Arial" panose="02080604020202020204" charset="0"/>
+              <a:ea typeface="SimSun" charset="-122"/>
+              <a:cs typeface="+mn-cs"/>
+            </a:endParaRPr>
           </a:p>
         </p:txBody>
       </p:sp>
@@ -1062,12 +1112,13 @@
   <p:clrMapOvr>
     <a:masterClrMapping/>
   </p:clrMapOvr>
+  <p:hf sldNum="0" hdr="0" ftr="0" dt="0"/>
 </p:sldLayout>
 </file>
 
-<file path=ppt/slideLayouts/slideLayout2.xml><?xml version="1.0" encoding="utf-8"?>
-<p:sldLayout xmlns:a="http://schemas.openxmlformats.org/drawingml/2006/main" xmlns:r="http://schemas.openxmlformats.org/officeDocument/2006/relationships" xmlns:p="http://schemas.openxmlformats.org/presentationml/2006/main" type="obj" preserve="1">
-  <p:cSld name="标题和内容">
+<file path=ppt/slideLayouts/slideLayout11.xml><?xml version="1.0" encoding="utf-8"?>
+<p:sldLayout xmlns:a="http://schemas.openxmlformats.org/drawingml/2006/main" xmlns:r="http://schemas.openxmlformats.org/officeDocument/2006/relationships" xmlns:p="http://schemas.openxmlformats.org/presentationml/2006/main" type="vertTitleAndTx" preserve="1">
+  <p:cSld name="Vertical Title and Text">
     <p:spTree>
       <p:nvGrpSpPr>
         <p:cNvPr id="1" name=""/>
@@ -1084,86 +1135,96 @@
       </p:grpSpPr>
       <p:sp>
         <p:nvSpPr>
-          <p:cNvPr id="2" name="标题 1"/>
-          <p:cNvSpPr>
-            <a:spLocks noGrp="1"/>
-          </p:cNvSpPr>
-          <p:nvPr>
-            <p:ph type="title" hasCustomPrompt="1"/>
-          </p:nvPr>
-        </p:nvSpPr>
-        <p:spPr/>
-        <p:txBody>
-          <a:bodyPr/>
+          <p:cNvPr id="2" name="Vertical Title 1"/>
+          <p:cNvSpPr>
+            <a:spLocks noGrp="1"/>
+          </p:cNvSpPr>
+          <p:nvPr>
+            <p:ph type="title" orient="vert"/>
+          </p:nvPr>
+        </p:nvSpPr>
+        <p:spPr>
+          <a:xfrm>
+            <a:off x="8724900" y="365125"/>
+            <a:ext cx="2628900" cy="5811838"/>
+          </a:xfrm>
+        </p:spPr>
+        <p:txBody>
+          <a:bodyPr vert="eaVert"/>
           <a:lstStyle/>
           <a:p>
             <a:r>
-              <a:rPr lang="zh-CN" altLang="en-US" smtClean="0"/>
-              <a:t>单击此处编辑母版标题样式</a:t>
-            </a:r>
-            <a:endParaRPr lang="zh-CN" altLang="en-US"/>
-          </a:p>
-        </p:txBody>
-      </p:sp>
-      <p:sp>
-        <p:nvSpPr>
-          <p:cNvPr id="3" name="内容占位符 2"/>
-          <p:cNvSpPr>
-            <a:spLocks noGrp="1"/>
-          </p:cNvSpPr>
-          <p:nvPr>
-            <p:ph idx="1" hasCustomPrompt="1"/>
-          </p:nvPr>
-        </p:nvSpPr>
-        <p:spPr/>
-        <p:txBody>
-          <a:bodyPr/>
+              <a:rPr lang="en-US" smtClean="0"/>
+              <a:t>Click to edit Master title style</a:t>
+            </a:r>
+            <a:endParaRPr lang="en-US"/>
+          </a:p>
+        </p:txBody>
+      </p:sp>
+      <p:sp>
+        <p:nvSpPr>
+          <p:cNvPr id="3" name="Vertical Text Placeholder 2"/>
+          <p:cNvSpPr>
+            <a:spLocks noGrp="1"/>
+          </p:cNvSpPr>
+          <p:nvPr>
+            <p:ph type="body" orient="vert" idx="1"/>
+          </p:nvPr>
+        </p:nvSpPr>
+        <p:spPr>
+          <a:xfrm>
+            <a:off x="838200" y="365125"/>
+            <a:ext cx="7734300" cy="5811838"/>
+          </a:xfrm>
+        </p:spPr>
+        <p:txBody>
+          <a:bodyPr vert="eaVert"/>
           <a:lstStyle/>
           <a:p>
             <a:pPr lvl="0"/>
             <a:r>
-              <a:rPr lang="zh-CN" altLang="en-US" smtClean="0"/>
-              <a:t>单击此处编辑母版文本样式</a:t>
-            </a:r>
-            <a:endParaRPr lang="zh-CN" altLang="en-US" smtClean="0"/>
+              <a:rPr lang="en-US" smtClean="0"/>
+              <a:t>Click to edit Master text styles</a:t>
+            </a:r>
+            <a:endParaRPr lang="en-US" smtClean="0"/>
           </a:p>
           <a:p>
             <a:pPr lvl="1"/>
             <a:r>
-              <a:rPr lang="zh-CN" altLang="en-US" smtClean="0"/>
-              <a:t>第二级</a:t>
-            </a:r>
-            <a:endParaRPr lang="zh-CN" altLang="en-US" smtClean="0"/>
+              <a:rPr lang="en-US" smtClean="0"/>
+              <a:t>Second level</a:t>
+            </a:r>
+            <a:endParaRPr lang="en-US" smtClean="0"/>
           </a:p>
           <a:p>
             <a:pPr lvl="2"/>
             <a:r>
-              <a:rPr lang="zh-CN" altLang="en-US" smtClean="0"/>
-              <a:t>第三级</a:t>
-            </a:r>
-            <a:endParaRPr lang="zh-CN" altLang="en-US" smtClean="0"/>
+              <a:rPr lang="en-US" smtClean="0"/>
+              <a:t>Third level</a:t>
+            </a:r>
+            <a:endParaRPr lang="en-US" smtClean="0"/>
           </a:p>
           <a:p>
             <a:pPr lvl="3"/>
             <a:r>
-              <a:rPr lang="zh-CN" altLang="en-US" smtClean="0"/>
-              <a:t>第四级</a:t>
-            </a:r>
-            <a:endParaRPr lang="zh-CN" altLang="en-US" smtClean="0"/>
+              <a:rPr lang="en-US" smtClean="0"/>
+              <a:t>Fourth level</a:t>
+            </a:r>
+            <a:endParaRPr lang="en-US" smtClean="0"/>
           </a:p>
           <a:p>
             <a:pPr lvl="4"/>
             <a:r>
-              <a:rPr lang="zh-CN" altLang="en-US" smtClean="0"/>
-              <a:t>第五级</a:t>
-            </a:r>
-            <a:endParaRPr lang="zh-CN" altLang="en-US"/>
-          </a:p>
-        </p:txBody>
-      </p:sp>
-      <p:sp>
-        <p:nvSpPr>
-          <p:cNvPr id="4" name="日期占位符 3"/>
+              <a:rPr lang="en-US" smtClean="0"/>
+              <a:t>Fifth level</a:t>
+            </a:r>
+            <a:endParaRPr lang="en-US"/>
+          </a:p>
+        </p:txBody>
+      </p:sp>
+      <p:sp>
+        <p:nvSpPr>
+          <p:cNvPr id="4" name="Date Placeholder 3"/>
           <p:cNvSpPr>
             <a:spLocks noGrp="1"/>
           </p:cNvSpPr>
@@ -1185,7 +1246,7 @@
       </p:sp>
       <p:sp>
         <p:nvSpPr>
-          <p:cNvPr id="5" name="页脚占位符 4"/>
+          <p:cNvPr id="5" name="Footer Placeholder 4"/>
           <p:cNvSpPr>
             <a:spLocks noGrp="1"/>
           </p:cNvSpPr>
@@ -1204,7 +1265,7 @@
       </p:sp>
       <p:sp>
         <p:nvSpPr>
-          <p:cNvPr id="6" name="灯片编号占位符 5"/>
+          <p:cNvPr id="6" name="Slide Number Placeholder 5"/>
           <p:cNvSpPr>
             <a:spLocks noGrp="1"/>
           </p:cNvSpPr>
@@ -1229,12 +1290,13 @@
   <p:clrMapOvr>
     <a:masterClrMapping/>
   </p:clrMapOvr>
+  <p:hf sldNum="0" hdr="0" ftr="0" dt="0"/>
 </p:sldLayout>
 </file>
 
-<file path=ppt/slideLayouts/slideLayout3.xml><?xml version="1.0" encoding="utf-8"?>
-<p:sldLayout xmlns:a="http://schemas.openxmlformats.org/drawingml/2006/main" xmlns:r="http://schemas.openxmlformats.org/officeDocument/2006/relationships" xmlns:p="http://schemas.openxmlformats.org/presentationml/2006/main" type="secHead" preserve="1">
-  <p:cSld name="节标题">
+<file path=ppt/slideLayouts/slideLayout2.xml><?xml version="1.0" encoding="utf-8"?>
+<p:sldLayout xmlns:a="http://schemas.openxmlformats.org/drawingml/2006/main" xmlns:r="http://schemas.openxmlformats.org/officeDocument/2006/relationships" xmlns:p="http://schemas.openxmlformats.org/presentationml/2006/main" type="obj" preserve="1">
+  <p:cSld name="Title and Content">
     <p:spTree>
       <p:nvGrpSpPr>
         <p:cNvPr id="1" name=""/>
@@ -1251,159 +1313,86 @@
       </p:grpSpPr>
       <p:sp>
         <p:nvSpPr>
-          <p:cNvPr id="2" name="标题 1"/>
-          <p:cNvSpPr>
-            <a:spLocks noGrp="1"/>
-          </p:cNvSpPr>
-          <p:nvPr>
-            <p:ph type="title" hasCustomPrompt="1"/>
-          </p:nvPr>
-        </p:nvSpPr>
-        <p:spPr>
-          <a:xfrm>
-            <a:off x="831850" y="1709738"/>
-            <a:ext cx="10515600" cy="2852737"/>
-          </a:xfrm>
-        </p:spPr>
-        <p:txBody>
-          <a:bodyPr anchor="b"/>
-          <a:lstStyle>
-            <a:lvl1pPr>
-              <a:defRPr sz="6000"/>
-            </a:lvl1pPr>
-          </a:lstStyle>
-          <a:p>
-            <a:r>
-              <a:rPr lang="zh-CN" altLang="en-US" smtClean="0"/>
-              <a:t>单击此处编辑母版标题样式</a:t>
-            </a:r>
-            <a:endParaRPr lang="zh-CN" altLang="en-US"/>
-          </a:p>
-        </p:txBody>
-      </p:sp>
-      <p:sp>
-        <p:nvSpPr>
-          <p:cNvPr id="3" name="文本占位符 2"/>
-          <p:cNvSpPr>
-            <a:spLocks noGrp="1"/>
-          </p:cNvSpPr>
-          <p:nvPr>
-            <p:ph type="body" idx="1" hasCustomPrompt="1"/>
-          </p:nvPr>
-        </p:nvSpPr>
-        <p:spPr>
-          <a:xfrm>
-            <a:off x="831850" y="4589463"/>
-            <a:ext cx="10515600" cy="1500187"/>
-          </a:xfrm>
-        </p:spPr>
-        <p:txBody>
-          <a:bodyPr/>
-          <a:lstStyle>
-            <a:lvl1pPr marL="0" indent="0">
-              <a:buNone/>
-              <a:defRPr sz="2400">
-                <a:solidFill>
-                  <a:schemeClr val="tx1">
-                    <a:tint val="75000"/>
-                  </a:schemeClr>
-                </a:solidFill>
-              </a:defRPr>
-            </a:lvl1pPr>
-            <a:lvl2pPr marL="457200" indent="0">
-              <a:buNone/>
-              <a:defRPr sz="2000">
-                <a:solidFill>
-                  <a:schemeClr val="tx1">
-                    <a:tint val="75000"/>
-                  </a:schemeClr>
-                </a:solidFill>
-              </a:defRPr>
-            </a:lvl2pPr>
-            <a:lvl3pPr marL="914400" indent="0">
-              <a:buNone/>
-              <a:defRPr sz="1800">
-                <a:solidFill>
-                  <a:schemeClr val="tx1">
-                    <a:tint val="75000"/>
-                  </a:schemeClr>
-                </a:solidFill>
-              </a:defRPr>
-            </a:lvl3pPr>
-            <a:lvl4pPr marL="1371600" indent="0">
-              <a:buNone/>
-              <a:defRPr sz="1600">
-                <a:solidFill>
-                  <a:schemeClr val="tx1">
-                    <a:tint val="75000"/>
-                  </a:schemeClr>
-                </a:solidFill>
-              </a:defRPr>
-            </a:lvl4pPr>
-            <a:lvl5pPr marL="1828800" indent="0">
-              <a:buNone/>
-              <a:defRPr sz="1600">
-                <a:solidFill>
-                  <a:schemeClr val="tx1">
-                    <a:tint val="75000"/>
-                  </a:schemeClr>
-                </a:solidFill>
-              </a:defRPr>
-            </a:lvl5pPr>
-            <a:lvl6pPr marL="2286000" indent="0">
-              <a:buNone/>
-              <a:defRPr sz="1600">
-                <a:solidFill>
-                  <a:schemeClr val="tx1">
-                    <a:tint val="75000"/>
-                  </a:schemeClr>
-                </a:solidFill>
-              </a:defRPr>
-            </a:lvl6pPr>
-            <a:lvl7pPr marL="2743200" indent="0">
-              <a:buNone/>
-              <a:defRPr sz="1600">
-                <a:solidFill>
-                  <a:schemeClr val="tx1">
-                    <a:tint val="75000"/>
-                  </a:schemeClr>
-                </a:solidFill>
-              </a:defRPr>
-            </a:lvl7pPr>
-            <a:lvl8pPr marL="3200400" indent="0">
-              <a:buNone/>
-              <a:defRPr sz="1600">
-                <a:solidFill>
-                  <a:schemeClr val="tx1">
-                    <a:tint val="75000"/>
-                  </a:schemeClr>
-                </a:solidFill>
-              </a:defRPr>
-            </a:lvl8pPr>
-            <a:lvl9pPr marL="3657600" indent="0">
-              <a:buNone/>
-              <a:defRPr sz="1600">
-                <a:solidFill>
-                  <a:schemeClr val="tx1">
-                    <a:tint val="75000"/>
-                  </a:schemeClr>
-                </a:solidFill>
-              </a:defRPr>
-            </a:lvl9pPr>
-          </a:lstStyle>
+          <p:cNvPr id="2" name="Title 1"/>
+          <p:cNvSpPr>
+            <a:spLocks noGrp="1"/>
+          </p:cNvSpPr>
+          <p:nvPr>
+            <p:ph type="title"/>
+          </p:nvPr>
+        </p:nvSpPr>
+        <p:spPr/>
+        <p:txBody>
+          <a:bodyPr/>
+          <a:lstStyle/>
+          <a:p>
+            <a:r>
+              <a:rPr lang="en-US" smtClean="0"/>
+              <a:t>Click to edit Master title style</a:t>
+            </a:r>
+            <a:endParaRPr lang="en-US"/>
+          </a:p>
+        </p:txBody>
+      </p:sp>
+      <p:sp>
+        <p:nvSpPr>
+          <p:cNvPr id="3" name="Content Placeholder 2"/>
+          <p:cNvSpPr>
+            <a:spLocks noGrp="1"/>
+          </p:cNvSpPr>
+          <p:nvPr>
+            <p:ph idx="1"/>
+          </p:nvPr>
+        </p:nvSpPr>
+        <p:spPr/>
+        <p:txBody>
+          <a:bodyPr/>
+          <a:lstStyle/>
           <a:p>
             <a:pPr lvl="0"/>
             <a:r>
-              <a:rPr lang="zh-CN" altLang="en-US" smtClean="0"/>
-              <a:t>单击此处编辑母版文本样式</a:t>
-            </a:r>
-            <a:endParaRPr lang="zh-CN" altLang="en-US" smtClean="0"/>
-          </a:p>
-        </p:txBody>
-      </p:sp>
-      <p:sp>
-        <p:nvSpPr>
-          <p:cNvPr id="4" name="日期占位符 3"/>
+              <a:rPr lang="en-US" smtClean="0"/>
+              <a:t>Click to edit Master text styles</a:t>
+            </a:r>
+            <a:endParaRPr lang="en-US" smtClean="0"/>
+          </a:p>
+          <a:p>
+            <a:pPr lvl="1"/>
+            <a:r>
+              <a:rPr lang="en-US" smtClean="0"/>
+              <a:t>Second level</a:t>
+            </a:r>
+            <a:endParaRPr lang="en-US" smtClean="0"/>
+          </a:p>
+          <a:p>
+            <a:pPr lvl="2"/>
+            <a:r>
+              <a:rPr lang="en-US" smtClean="0"/>
+              <a:t>Third level</a:t>
+            </a:r>
+            <a:endParaRPr lang="en-US" smtClean="0"/>
+          </a:p>
+          <a:p>
+            <a:pPr lvl="3"/>
+            <a:r>
+              <a:rPr lang="en-US" smtClean="0"/>
+              <a:t>Fourth level</a:t>
+            </a:r>
+            <a:endParaRPr lang="en-US" smtClean="0"/>
+          </a:p>
+          <a:p>
+            <a:pPr lvl="4"/>
+            <a:r>
+              <a:rPr lang="en-US" smtClean="0"/>
+              <a:t>Fifth level</a:t>
+            </a:r>
+            <a:endParaRPr lang="en-US"/>
+          </a:p>
+        </p:txBody>
+      </p:sp>
+      <p:sp>
+        <p:nvSpPr>
+          <p:cNvPr id="4" name="Date Placeholder 3"/>
           <p:cNvSpPr>
             <a:spLocks noGrp="1"/>
           </p:cNvSpPr>
@@ -1425,7 +1414,7 @@
       </p:sp>
       <p:sp>
         <p:nvSpPr>
-          <p:cNvPr id="5" name="页脚占位符 4"/>
+          <p:cNvPr id="5" name="Footer Placeholder 4"/>
           <p:cNvSpPr>
             <a:spLocks noGrp="1"/>
           </p:cNvSpPr>
@@ -1444,7 +1433,7 @@
       </p:sp>
       <p:sp>
         <p:nvSpPr>
-          <p:cNvPr id="6" name="灯片编号占位符 5"/>
+          <p:cNvPr id="6" name="Slide Number Placeholder 5"/>
           <p:cNvSpPr>
             <a:spLocks noGrp="1"/>
           </p:cNvSpPr>
@@ -1469,12 +1458,13 @@
   <p:clrMapOvr>
     <a:masterClrMapping/>
   </p:clrMapOvr>
+  <p:hf sldNum="0" hdr="0" ftr="0" dt="0"/>
 </p:sldLayout>
 </file>
 
-<file path=ppt/slideLayouts/slideLayout4.xml><?xml version="1.0" encoding="utf-8"?>
-<p:sldLayout xmlns:a="http://schemas.openxmlformats.org/drawingml/2006/main" xmlns:r="http://schemas.openxmlformats.org/officeDocument/2006/relationships" xmlns:p="http://schemas.openxmlformats.org/presentationml/2006/main" type="twoObj" preserve="1">
-  <p:cSld name="两栏内容">
+<file path=ppt/slideLayouts/slideLayout3.xml><?xml version="1.0" encoding="utf-8"?>
+<p:sldLayout xmlns:a="http://schemas.openxmlformats.org/drawingml/2006/main" xmlns:r="http://schemas.openxmlformats.org/officeDocument/2006/relationships" xmlns:p="http://schemas.openxmlformats.org/presentationml/2006/main" type="secHead" preserve="1">
+  <p:cSld name="Section Header">
     <p:spTree>
       <p:nvGrpSpPr>
         <p:cNvPr id="1" name=""/>
@@ -1491,152 +1481,158 @@
       </p:grpSpPr>
       <p:sp>
         <p:nvSpPr>
-          <p:cNvPr id="2" name="标题 1"/>
-          <p:cNvSpPr>
-            <a:spLocks noGrp="1"/>
-          </p:cNvSpPr>
-          <p:nvPr>
-            <p:ph type="title" hasCustomPrompt="1"/>
-          </p:nvPr>
-        </p:nvSpPr>
-        <p:spPr/>
-        <p:txBody>
-          <a:bodyPr/>
-          <a:lstStyle/>
-          <a:p>
-            <a:r>
-              <a:rPr lang="zh-CN" altLang="en-US" smtClean="0"/>
-              <a:t>单击此处编辑母版标题样式</a:t>
-            </a:r>
-            <a:endParaRPr lang="zh-CN" altLang="en-US"/>
-          </a:p>
-        </p:txBody>
-      </p:sp>
-      <p:sp>
-        <p:nvSpPr>
-          <p:cNvPr id="3" name="内容占位符 2"/>
-          <p:cNvSpPr>
-            <a:spLocks noGrp="1"/>
-          </p:cNvSpPr>
-          <p:nvPr>
-            <p:ph sz="half" idx="1" hasCustomPrompt="1"/>
+          <p:cNvPr id="2" name="Title 1"/>
+          <p:cNvSpPr>
+            <a:spLocks noGrp="1"/>
+          </p:cNvSpPr>
+          <p:nvPr>
+            <p:ph type="title"/>
           </p:nvPr>
         </p:nvSpPr>
         <p:spPr>
           <a:xfrm>
-            <a:off x="838200" y="1825625"/>
-            <a:ext cx="5181600" cy="4351338"/>
+            <a:off x="831850" y="1709738"/>
+            <a:ext cx="10515600" cy="2852737"/>
           </a:xfrm>
         </p:spPr>
         <p:txBody>
-          <a:bodyPr/>
-          <a:lstStyle/>
-          <a:p>
-            <a:pPr lvl="0"/>
-            <a:r>
-              <a:rPr lang="zh-CN" altLang="en-US" smtClean="0"/>
-              <a:t>单击此处编辑母版文本样式</a:t>
-            </a:r>
-            <a:endParaRPr lang="zh-CN" altLang="en-US" smtClean="0"/>
-          </a:p>
-          <a:p>
-            <a:pPr lvl="1"/>
-            <a:r>
-              <a:rPr lang="zh-CN" altLang="en-US" smtClean="0"/>
-              <a:t>第二级</a:t>
-            </a:r>
-            <a:endParaRPr lang="zh-CN" altLang="en-US" smtClean="0"/>
-          </a:p>
-          <a:p>
-            <a:pPr lvl="2"/>
-            <a:r>
-              <a:rPr lang="zh-CN" altLang="en-US" smtClean="0"/>
-              <a:t>第三级</a:t>
-            </a:r>
-            <a:endParaRPr lang="zh-CN" altLang="en-US" smtClean="0"/>
-          </a:p>
-          <a:p>
-            <a:pPr lvl="3"/>
-            <a:r>
-              <a:rPr lang="zh-CN" altLang="en-US" smtClean="0"/>
-              <a:t>第四级</a:t>
-            </a:r>
-            <a:endParaRPr lang="zh-CN" altLang="en-US" smtClean="0"/>
-          </a:p>
-          <a:p>
-            <a:pPr lvl="4"/>
-            <a:r>
-              <a:rPr lang="zh-CN" altLang="en-US" smtClean="0"/>
-              <a:t>第五级</a:t>
-            </a:r>
-            <a:endParaRPr lang="zh-CN" altLang="en-US"/>
-          </a:p>
-        </p:txBody>
-      </p:sp>
-      <p:sp>
-        <p:nvSpPr>
-          <p:cNvPr id="4" name="内容占位符 3"/>
-          <p:cNvSpPr>
-            <a:spLocks noGrp="1"/>
-          </p:cNvSpPr>
-          <p:nvPr>
-            <p:ph sz="half" idx="2" hasCustomPrompt="1"/>
+          <a:bodyPr anchor="b"/>
+          <a:lstStyle>
+            <a:lvl1pPr>
+              <a:defRPr sz="6000"/>
+            </a:lvl1pPr>
+          </a:lstStyle>
+          <a:p>
+            <a:r>
+              <a:rPr lang="en-US" smtClean="0"/>
+              <a:t>Click to edit Master title style</a:t>
+            </a:r>
+            <a:endParaRPr lang="en-US"/>
+          </a:p>
+        </p:txBody>
+      </p:sp>
+      <p:sp>
+        <p:nvSpPr>
+          <p:cNvPr id="3" name="Text Placeholder 2"/>
+          <p:cNvSpPr>
+            <a:spLocks noGrp="1"/>
+          </p:cNvSpPr>
+          <p:nvPr>
+            <p:ph type="body" idx="1"/>
           </p:nvPr>
         </p:nvSpPr>
         <p:spPr>
           <a:xfrm>
-            <a:off x="6172200" y="1825625"/>
-            <a:ext cx="5181600" cy="4351338"/>
+            <a:off x="831850" y="4589463"/>
+            <a:ext cx="10515600" cy="1500187"/>
           </a:xfrm>
         </p:spPr>
         <p:txBody>
           <a:bodyPr/>
-          <a:lstStyle/>
+          <a:lstStyle>
+            <a:lvl1pPr marL="0" indent="0">
+              <a:buNone/>
+              <a:defRPr sz="2400">
+                <a:solidFill>
+                  <a:schemeClr val="tx1">
+                    <a:tint val="75000"/>
+                  </a:schemeClr>
+                </a:solidFill>
+              </a:defRPr>
+            </a:lvl1pPr>
+            <a:lvl2pPr marL="457200" indent="0">
+              <a:buNone/>
+              <a:defRPr sz="2000">
+                <a:solidFill>
+                  <a:schemeClr val="tx1">
+                    <a:tint val="75000"/>
+                  </a:schemeClr>
+                </a:solidFill>
+              </a:defRPr>
+            </a:lvl2pPr>
+            <a:lvl3pPr marL="914400" indent="0">
+              <a:buNone/>
+              <a:defRPr sz="1800">
+                <a:solidFill>
+                  <a:schemeClr val="tx1">
+                    <a:tint val="75000"/>
+                  </a:schemeClr>
+                </a:solidFill>
+              </a:defRPr>
+            </a:lvl3pPr>
+            <a:lvl4pPr marL="1371600" indent="0">
+              <a:buNone/>
+              <a:defRPr sz="1600">
+                <a:solidFill>
+                  <a:schemeClr val="tx1">
+                    <a:tint val="75000"/>
+                  </a:schemeClr>
+                </a:solidFill>
+              </a:defRPr>
+            </a:lvl4pPr>
+            <a:lvl5pPr marL="1828800" indent="0">
+              <a:buNone/>
+              <a:defRPr sz="1600">
+                <a:solidFill>
+                  <a:schemeClr val="tx1">
+                    <a:tint val="75000"/>
+                  </a:schemeClr>
+                </a:solidFill>
+              </a:defRPr>
+            </a:lvl5pPr>
+            <a:lvl6pPr marL="2286000" indent="0">
+              <a:buNone/>
+              <a:defRPr sz="1600">
+                <a:solidFill>
+                  <a:schemeClr val="tx1">
+                    <a:tint val="75000"/>
+                  </a:schemeClr>
+                </a:solidFill>
+              </a:defRPr>
+            </a:lvl6pPr>
+            <a:lvl7pPr marL="2743200" indent="0">
+              <a:buNone/>
+              <a:defRPr sz="1600">
+                <a:solidFill>
+                  <a:schemeClr val="tx1">
+                    <a:tint val="75000"/>
+                  </a:schemeClr>
+                </a:solidFill>
+              </a:defRPr>
+            </a:lvl7pPr>
+            <a:lvl8pPr marL="3200400" indent="0">
+              <a:buNone/>
+              <a:defRPr sz="1600">
+                <a:solidFill>
+                  <a:schemeClr val="tx1">
+                    <a:tint val="75000"/>
+                  </a:schemeClr>
+                </a:solidFill>
+              </a:defRPr>
+            </a:lvl8pPr>
+            <a:lvl9pPr marL="3657600" indent="0">
+              <a:buNone/>
+              <a:defRPr sz="1600">
+                <a:solidFill>
+                  <a:schemeClr val="tx1">
+                    <a:tint val="75000"/>
+                  </a:schemeClr>
+                </a:solidFill>
+              </a:defRPr>
+            </a:lvl9pPr>
+          </a:lstStyle>
           <a:p>
             <a:pPr lvl="0"/>
             <a:r>
-              <a:rPr lang="zh-CN" altLang="en-US" smtClean="0"/>
-              <a:t>单击此处编辑母版文本样式</a:t>
-            </a:r>
-            <a:endParaRPr lang="zh-CN" altLang="en-US" smtClean="0"/>
-          </a:p>
-          <a:p>
-            <a:pPr lvl="1"/>
-            <a:r>
-              <a:rPr lang="zh-CN" altLang="en-US" smtClean="0"/>
-              <a:t>第二级</a:t>
-            </a:r>
-            <a:endParaRPr lang="zh-CN" altLang="en-US" smtClean="0"/>
-          </a:p>
-          <a:p>
-            <a:pPr lvl="2"/>
-            <a:r>
-              <a:rPr lang="zh-CN" altLang="en-US" smtClean="0"/>
-              <a:t>第三级</a:t>
-            </a:r>
-            <a:endParaRPr lang="zh-CN" altLang="en-US" smtClean="0"/>
-          </a:p>
-          <a:p>
-            <a:pPr lvl="3"/>
-            <a:r>
-              <a:rPr lang="zh-CN" altLang="en-US" smtClean="0"/>
-              <a:t>第四级</a:t>
-            </a:r>
-            <a:endParaRPr lang="zh-CN" altLang="en-US" smtClean="0"/>
-          </a:p>
-          <a:p>
-            <a:pPr lvl="4"/>
-            <a:r>
-              <a:rPr lang="zh-CN" altLang="en-US" smtClean="0"/>
-              <a:t>第五级</a:t>
-            </a:r>
-            <a:endParaRPr lang="zh-CN" altLang="en-US"/>
-          </a:p>
-        </p:txBody>
-      </p:sp>
-      <p:sp>
-        <p:nvSpPr>
-          <p:cNvPr id="5" name="日期占位符 4"/>
+              <a:rPr lang="en-US" smtClean="0"/>
+              <a:t>Click to edit Master text styles</a:t>
+            </a:r>
+          </a:p>
+        </p:txBody>
+      </p:sp>
+      <p:sp>
+        <p:nvSpPr>
+          <p:cNvPr id="4" name="Date Placeholder 3"/>
           <p:cNvSpPr>
             <a:spLocks noGrp="1"/>
           </p:cNvSpPr>
@@ -1658,7 +1654,7 @@
       </p:sp>
       <p:sp>
         <p:nvSpPr>
-          <p:cNvPr id="6" name="页脚占位符 5"/>
+          <p:cNvPr id="5" name="Footer Placeholder 4"/>
           <p:cNvSpPr>
             <a:spLocks noGrp="1"/>
           </p:cNvSpPr>
@@ -1677,7 +1673,7 @@
       </p:sp>
       <p:sp>
         <p:nvSpPr>
-          <p:cNvPr id="7" name="灯片编号占位符 6"/>
+          <p:cNvPr id="6" name="Slide Number Placeholder 5"/>
           <p:cNvSpPr>
             <a:spLocks noGrp="1"/>
           </p:cNvSpPr>
@@ -1702,12 +1698,13 @@
   <p:clrMapOvr>
     <a:masterClrMapping/>
   </p:clrMapOvr>
+  <p:hf sldNum="0" hdr="0" ftr="0" dt="0"/>
 </p:sldLayout>
 </file>
 
-<file path=ppt/slideLayouts/slideLayout5.xml><?xml version="1.0" encoding="utf-8"?>
-<p:sldLayout xmlns:a="http://schemas.openxmlformats.org/drawingml/2006/main" xmlns:r="http://schemas.openxmlformats.org/officeDocument/2006/relationships" xmlns:p="http://schemas.openxmlformats.org/presentationml/2006/main" type="twoTxTwoObj" preserve="1">
-  <p:cSld name="比较">
+<file path=ppt/slideLayouts/slideLayout4.xml><?xml version="1.0" encoding="utf-8"?>
+<p:sldLayout xmlns:a="http://schemas.openxmlformats.org/drawingml/2006/main" xmlns:r="http://schemas.openxmlformats.org/officeDocument/2006/relationships" xmlns:p="http://schemas.openxmlformats.org/presentationml/2006/main" type="twoObj" preserve="1">
+  <p:cSld name="Two Content">
     <p:spTree>
       <p:nvGrpSpPr>
         <p:cNvPr id="1" name=""/>
@@ -1724,289 +1721,152 @@
       </p:grpSpPr>
       <p:sp>
         <p:nvSpPr>
-          <p:cNvPr id="2" name="标题 1"/>
-          <p:cNvSpPr>
-            <a:spLocks noGrp="1"/>
-          </p:cNvSpPr>
-          <p:nvPr>
-            <p:ph type="title" hasCustomPrompt="1"/>
+          <p:cNvPr id="2" name="Title 1"/>
+          <p:cNvSpPr>
+            <a:spLocks noGrp="1"/>
+          </p:cNvSpPr>
+          <p:nvPr>
+            <p:ph type="title"/>
+          </p:nvPr>
+        </p:nvSpPr>
+        <p:spPr/>
+        <p:txBody>
+          <a:bodyPr/>
+          <a:lstStyle/>
+          <a:p>
+            <a:r>
+              <a:rPr lang="en-US" smtClean="0"/>
+              <a:t>Click to edit Master title style</a:t>
+            </a:r>
+            <a:endParaRPr lang="en-US"/>
+          </a:p>
+        </p:txBody>
+      </p:sp>
+      <p:sp>
+        <p:nvSpPr>
+          <p:cNvPr id="3" name="Content Placeholder 2"/>
+          <p:cNvSpPr>
+            <a:spLocks noGrp="1"/>
+          </p:cNvSpPr>
+          <p:nvPr>
+            <p:ph sz="half" idx="1"/>
           </p:nvPr>
         </p:nvSpPr>
         <p:spPr>
           <a:xfrm>
-            <a:off x="839788" y="365125"/>
-            <a:ext cx="10515600" cy="1325563"/>
+            <a:off x="838200" y="1825625"/>
+            <a:ext cx="5181600" cy="4351338"/>
           </a:xfrm>
         </p:spPr>
         <p:txBody>
           <a:bodyPr/>
           <a:lstStyle/>
           <a:p>
-            <a:r>
-              <a:rPr lang="zh-CN" altLang="en-US" smtClean="0"/>
-              <a:t>单击此处编辑母版标题样式</a:t>
-            </a:r>
-            <a:endParaRPr lang="zh-CN" altLang="en-US"/>
-          </a:p>
-        </p:txBody>
-      </p:sp>
-      <p:sp>
-        <p:nvSpPr>
-          <p:cNvPr id="3" name="文本占位符 2"/>
-          <p:cNvSpPr>
-            <a:spLocks noGrp="1"/>
-          </p:cNvSpPr>
-          <p:nvPr>
-            <p:ph type="body" idx="1" hasCustomPrompt="1"/>
+            <a:pPr lvl="0"/>
+            <a:r>
+              <a:rPr lang="en-US" smtClean="0"/>
+              <a:t>Click to edit Master text styles</a:t>
+            </a:r>
+            <a:endParaRPr lang="en-US" smtClean="0"/>
+          </a:p>
+          <a:p>
+            <a:pPr lvl="1"/>
+            <a:r>
+              <a:rPr lang="en-US" smtClean="0"/>
+              <a:t>Second level</a:t>
+            </a:r>
+            <a:endParaRPr lang="en-US" smtClean="0"/>
+          </a:p>
+          <a:p>
+            <a:pPr lvl="2"/>
+            <a:r>
+              <a:rPr lang="en-US" smtClean="0"/>
+              <a:t>Third level</a:t>
+            </a:r>
+            <a:endParaRPr lang="en-US" smtClean="0"/>
+          </a:p>
+          <a:p>
+            <a:pPr lvl="3"/>
+            <a:r>
+              <a:rPr lang="en-US" smtClean="0"/>
+              <a:t>Fourth level</a:t>
+            </a:r>
+            <a:endParaRPr lang="en-US" smtClean="0"/>
+          </a:p>
+          <a:p>
+            <a:pPr lvl="4"/>
+            <a:r>
+              <a:rPr lang="en-US" smtClean="0"/>
+              <a:t>Fifth level</a:t>
+            </a:r>
+            <a:endParaRPr lang="en-US"/>
+          </a:p>
+        </p:txBody>
+      </p:sp>
+      <p:sp>
+        <p:nvSpPr>
+          <p:cNvPr id="4" name="Content Placeholder 3"/>
+          <p:cNvSpPr>
+            <a:spLocks noGrp="1"/>
+          </p:cNvSpPr>
+          <p:nvPr>
+            <p:ph sz="half" idx="2"/>
           </p:nvPr>
         </p:nvSpPr>
         <p:spPr>
           <a:xfrm>
-            <a:off x="1186774" y="1778438"/>
-            <a:ext cx="4873574" cy="823912"/>
+            <a:off x="6172200" y="1825625"/>
+            <a:ext cx="5181600" cy="4351338"/>
           </a:xfrm>
         </p:spPr>
         <p:txBody>
-          <a:bodyPr anchor="ctr" anchorCtr="0"/>
-          <a:lstStyle>
-            <a:lvl1pPr marL="0" indent="0">
-              <a:buNone/>
-              <a:defRPr sz="2800"/>
-            </a:lvl1pPr>
-            <a:lvl2pPr marL="457200" indent="0">
-              <a:buNone/>
-              <a:defRPr sz="2400"/>
-            </a:lvl2pPr>
-            <a:lvl3pPr marL="914400" indent="0">
-              <a:buNone/>
-              <a:defRPr sz="2000"/>
-            </a:lvl3pPr>
-            <a:lvl4pPr marL="1371600" indent="0">
-              <a:buNone/>
-              <a:defRPr sz="1800"/>
-            </a:lvl4pPr>
-            <a:lvl5pPr marL="1828800" indent="0">
-              <a:buNone/>
-              <a:defRPr sz="1800"/>
-            </a:lvl5pPr>
-            <a:lvl6pPr marL="2286000" indent="0">
-              <a:buNone/>
-              <a:defRPr sz="1800"/>
-            </a:lvl6pPr>
-            <a:lvl7pPr marL="2743200" indent="0">
-              <a:buNone/>
-              <a:defRPr sz="1800"/>
-            </a:lvl7pPr>
-            <a:lvl8pPr marL="3200400" indent="0">
-              <a:buNone/>
-              <a:defRPr sz="1800"/>
-            </a:lvl8pPr>
-            <a:lvl9pPr marL="3657600" indent="0">
-              <a:buNone/>
-              <a:defRPr sz="1800"/>
-            </a:lvl9pPr>
-          </a:lstStyle>
+          <a:bodyPr/>
+          <a:lstStyle/>
           <a:p>
             <a:pPr lvl="0"/>
             <a:r>
-              <a:rPr lang="zh-CN" altLang="en-US" smtClean="0"/>
-              <a:t>单击此处编辑母版文本样式</a:t>
-            </a:r>
-            <a:endParaRPr lang="zh-CN" altLang="en-US" smtClean="0"/>
-          </a:p>
-        </p:txBody>
-      </p:sp>
-      <p:sp>
-        <p:nvSpPr>
-          <p:cNvPr id="4" name="内容占位符 3"/>
-          <p:cNvSpPr>
-            <a:spLocks noGrp="1"/>
-          </p:cNvSpPr>
-          <p:nvPr>
-            <p:ph sz="half" idx="2" hasCustomPrompt="1"/>
-          </p:nvPr>
-        </p:nvSpPr>
-        <p:spPr>
-          <a:xfrm>
-            <a:off x="1186774" y="2665379"/>
-            <a:ext cx="4873574" cy="3524284"/>
-          </a:xfrm>
-        </p:spPr>
-        <p:txBody>
-          <a:bodyPr/>
-          <a:lstStyle/>
-          <a:p>
-            <a:pPr lvl="0"/>
-            <a:r>
-              <a:rPr lang="zh-CN" altLang="en-US" smtClean="0"/>
-              <a:t>单击此处编辑母版文本样式</a:t>
-            </a:r>
-            <a:endParaRPr lang="zh-CN" altLang="en-US" smtClean="0"/>
+              <a:rPr lang="en-US" smtClean="0"/>
+              <a:t>Click to edit Master text styles</a:t>
+            </a:r>
+            <a:endParaRPr lang="en-US" smtClean="0"/>
           </a:p>
           <a:p>
             <a:pPr lvl="1"/>
             <a:r>
-              <a:rPr lang="zh-CN" altLang="en-US" smtClean="0"/>
-              <a:t>第二级</a:t>
-            </a:r>
-            <a:endParaRPr lang="zh-CN" altLang="en-US" smtClean="0"/>
+              <a:rPr lang="en-US" smtClean="0"/>
+              <a:t>Second level</a:t>
+            </a:r>
+            <a:endParaRPr lang="en-US" smtClean="0"/>
           </a:p>
           <a:p>
             <a:pPr lvl="2"/>
             <a:r>
-              <a:rPr lang="zh-CN" altLang="en-US" smtClean="0"/>
-              <a:t>第三级</a:t>
-            </a:r>
-            <a:endParaRPr lang="zh-CN" altLang="en-US" smtClean="0"/>
+              <a:rPr lang="en-US" smtClean="0"/>
+              <a:t>Third level</a:t>
+            </a:r>
+            <a:endParaRPr lang="en-US" smtClean="0"/>
           </a:p>
           <a:p>
             <a:pPr lvl="3"/>
             <a:r>
-              <a:rPr lang="zh-CN" altLang="en-US" smtClean="0"/>
-              <a:t>第四级</a:t>
-            </a:r>
-            <a:endParaRPr lang="zh-CN" altLang="en-US" smtClean="0"/>
+              <a:rPr lang="en-US" smtClean="0"/>
+              <a:t>Fourth level</a:t>
+            </a:r>
+            <a:endParaRPr lang="en-US" smtClean="0"/>
           </a:p>
           <a:p>
             <a:pPr lvl="4"/>
             <a:r>
-              <a:rPr lang="zh-CN" altLang="en-US" smtClean="0"/>
-              <a:t>第五级</a:t>
-            </a:r>
-            <a:endParaRPr lang="zh-CN" altLang="en-US"/>
-          </a:p>
-        </p:txBody>
-      </p:sp>
-      <p:sp>
-        <p:nvSpPr>
-          <p:cNvPr id="5" name="文本占位符 4"/>
-          <p:cNvSpPr>
-            <a:spLocks noGrp="1"/>
-          </p:cNvSpPr>
-          <p:nvPr>
-            <p:ph type="body" sz="quarter" idx="3" hasCustomPrompt="1"/>
-          </p:nvPr>
-        </p:nvSpPr>
-        <p:spPr>
-          <a:xfrm>
-            <a:off x="6256938" y="1778438"/>
-            <a:ext cx="4897576" cy="823912"/>
-          </a:xfrm>
-        </p:spPr>
-        <p:txBody>
-          <a:bodyPr anchor="ctr" anchorCtr="0"/>
-          <a:lstStyle>
-            <a:lvl1pPr marL="0" indent="0">
-              <a:buNone/>
-              <a:defRPr sz="2800"/>
-            </a:lvl1pPr>
-            <a:lvl2pPr marL="457200" indent="0">
-              <a:buNone/>
-              <a:defRPr sz="2400"/>
-            </a:lvl2pPr>
-            <a:lvl3pPr marL="914400" indent="0">
-              <a:buNone/>
-              <a:defRPr sz="2000"/>
-            </a:lvl3pPr>
-            <a:lvl4pPr marL="1371600" indent="0">
-              <a:buNone/>
-              <a:defRPr sz="1800"/>
-            </a:lvl4pPr>
-            <a:lvl5pPr marL="1828800" indent="0">
-              <a:buNone/>
-              <a:defRPr sz="1800"/>
-            </a:lvl5pPr>
-            <a:lvl6pPr marL="2286000" indent="0">
-              <a:buNone/>
-              <a:defRPr sz="1800"/>
-            </a:lvl6pPr>
-            <a:lvl7pPr marL="2743200" indent="0">
-              <a:buNone/>
-              <a:defRPr sz="1800"/>
-            </a:lvl7pPr>
-            <a:lvl8pPr marL="3200400" indent="0">
-              <a:buNone/>
-              <a:defRPr sz="1800"/>
-            </a:lvl8pPr>
-            <a:lvl9pPr marL="3657600" indent="0">
-              <a:buNone/>
-              <a:defRPr sz="1800"/>
-            </a:lvl9pPr>
-          </a:lstStyle>
-          <a:p>
-            <a:pPr lvl="0"/>
-            <a:r>
-              <a:rPr lang="zh-CN" altLang="en-US" smtClean="0"/>
-              <a:t>单击此处编辑母版文本样式</a:t>
-            </a:r>
-            <a:endParaRPr lang="zh-CN" altLang="en-US" smtClean="0"/>
-          </a:p>
-        </p:txBody>
-      </p:sp>
-      <p:sp>
-        <p:nvSpPr>
-          <p:cNvPr id="6" name="内容占位符 5"/>
-          <p:cNvSpPr>
-            <a:spLocks noGrp="1"/>
-          </p:cNvSpPr>
-          <p:nvPr>
-            <p:ph sz="quarter" idx="4" hasCustomPrompt="1"/>
-          </p:nvPr>
-        </p:nvSpPr>
-        <p:spPr>
-          <a:xfrm>
-            <a:off x="6256938" y="2665379"/>
-            <a:ext cx="4897576" cy="3524284"/>
-          </a:xfrm>
-        </p:spPr>
-        <p:txBody>
-          <a:bodyPr/>
-          <a:lstStyle/>
-          <a:p>
-            <a:pPr lvl="0"/>
-            <a:r>
-              <a:rPr lang="zh-CN" altLang="en-US" smtClean="0"/>
-              <a:t>单击此处编辑母版文本样式</a:t>
-            </a:r>
-            <a:endParaRPr lang="zh-CN" altLang="en-US" smtClean="0"/>
-          </a:p>
-          <a:p>
-            <a:pPr lvl="1"/>
-            <a:r>
-              <a:rPr lang="zh-CN" altLang="en-US" smtClean="0"/>
-              <a:t>第二级</a:t>
-            </a:r>
-            <a:endParaRPr lang="zh-CN" altLang="en-US" smtClean="0"/>
-          </a:p>
-          <a:p>
-            <a:pPr lvl="2"/>
-            <a:r>
-              <a:rPr lang="zh-CN" altLang="en-US" smtClean="0"/>
-              <a:t>第三级</a:t>
-            </a:r>
-            <a:endParaRPr lang="zh-CN" altLang="en-US" smtClean="0"/>
-          </a:p>
-          <a:p>
-            <a:pPr lvl="3"/>
-            <a:r>
-              <a:rPr lang="zh-CN" altLang="en-US" smtClean="0"/>
-              <a:t>第四级</a:t>
-            </a:r>
-            <a:endParaRPr lang="zh-CN" altLang="en-US" smtClean="0"/>
-          </a:p>
-          <a:p>
-            <a:pPr lvl="4"/>
-            <a:r>
-              <a:rPr lang="zh-CN" altLang="en-US" smtClean="0"/>
-              <a:t>第五级</a:t>
-            </a:r>
-            <a:endParaRPr lang="zh-CN" altLang="en-US"/>
-          </a:p>
-        </p:txBody>
-      </p:sp>
-      <p:sp>
-        <p:nvSpPr>
-          <p:cNvPr id="7" name="日期占位符 6"/>
+              <a:rPr lang="en-US" smtClean="0"/>
+              <a:t>Fifth level</a:t>
+            </a:r>
+            <a:endParaRPr lang="en-US"/>
+          </a:p>
+        </p:txBody>
+      </p:sp>
+      <p:sp>
+        <p:nvSpPr>
+          <p:cNvPr id="5" name="Date Placeholder 4"/>
           <p:cNvSpPr>
             <a:spLocks noGrp="1"/>
           </p:cNvSpPr>
@@ -2028,7 +1888,7 @@
       </p:sp>
       <p:sp>
         <p:nvSpPr>
-          <p:cNvPr id="8" name="页脚占位符 7"/>
+          <p:cNvPr id="6" name="Footer Placeholder 5"/>
           <p:cNvSpPr>
             <a:spLocks noGrp="1"/>
           </p:cNvSpPr>
@@ -2047,7 +1907,7 @@
       </p:sp>
       <p:sp>
         <p:nvSpPr>
-          <p:cNvPr id="9" name="灯片编号占位符 8"/>
+          <p:cNvPr id="7" name="Slide Number Placeholder 6"/>
           <p:cNvSpPr>
             <a:spLocks noGrp="1"/>
           </p:cNvSpPr>
@@ -2072,12 +1932,13 @@
   <p:clrMapOvr>
     <a:masterClrMapping/>
   </p:clrMapOvr>
+  <p:hf sldNum="0" hdr="0" ftr="0" dt="0"/>
 </p:sldLayout>
 </file>
 
-<file path=ppt/slideLayouts/slideLayout6.xml><?xml version="1.0" encoding="utf-8"?>
-<p:sldLayout xmlns:a="http://schemas.openxmlformats.org/drawingml/2006/main" xmlns:r="http://schemas.openxmlformats.org/officeDocument/2006/relationships" xmlns:p="http://schemas.openxmlformats.org/presentationml/2006/main" type="titleOnly" preserve="1">
-  <p:cSld name="仅标题">
+<file path=ppt/slideLayouts/slideLayout5.xml><?xml version="1.0" encoding="utf-8"?>
+<p:sldLayout xmlns:a="http://schemas.openxmlformats.org/drawingml/2006/main" xmlns:r="http://schemas.openxmlformats.org/officeDocument/2006/relationships" xmlns:p="http://schemas.openxmlformats.org/presentationml/2006/main" type="twoTxTwoObj" preserve="1">
+  <p:cSld name="Comparison">
     <p:spTree>
       <p:nvGrpSpPr>
         <p:cNvPr id="1" name=""/>
@@ -2094,30 +1955,287 @@
       </p:grpSpPr>
       <p:sp>
         <p:nvSpPr>
-          <p:cNvPr id="2" name="标题 1"/>
-          <p:cNvSpPr>
-            <a:spLocks noGrp="1"/>
-          </p:cNvSpPr>
-          <p:nvPr>
-            <p:ph type="title" hasCustomPrompt="1"/>
-          </p:nvPr>
-        </p:nvSpPr>
-        <p:spPr/>
+          <p:cNvPr id="2" name="Title 1"/>
+          <p:cNvSpPr>
+            <a:spLocks noGrp="1"/>
+          </p:cNvSpPr>
+          <p:nvPr>
+            <p:ph type="title"/>
+          </p:nvPr>
+        </p:nvSpPr>
+        <p:spPr>
+          <a:xfrm>
+            <a:off x="839788" y="365125"/>
+            <a:ext cx="10515600" cy="1325563"/>
+          </a:xfrm>
+        </p:spPr>
         <p:txBody>
           <a:bodyPr/>
           <a:lstStyle/>
           <a:p>
             <a:r>
-              <a:rPr lang="zh-CN" altLang="en-US" smtClean="0"/>
-              <a:t>单击此处编辑母版标题样式</a:t>
-            </a:r>
-            <a:endParaRPr lang="zh-CN" altLang="en-US"/>
-          </a:p>
-        </p:txBody>
-      </p:sp>
-      <p:sp>
-        <p:nvSpPr>
-          <p:cNvPr id="3" name="日期占位符 2"/>
+              <a:rPr lang="en-US" smtClean="0"/>
+              <a:t>Click to edit Master title style</a:t>
+            </a:r>
+            <a:endParaRPr lang="en-US"/>
+          </a:p>
+        </p:txBody>
+      </p:sp>
+      <p:sp>
+        <p:nvSpPr>
+          <p:cNvPr id="3" name="Text Placeholder 2"/>
+          <p:cNvSpPr>
+            <a:spLocks noGrp="1"/>
+          </p:cNvSpPr>
+          <p:nvPr>
+            <p:ph type="body" idx="1"/>
+          </p:nvPr>
+        </p:nvSpPr>
+        <p:spPr>
+          <a:xfrm>
+            <a:off x="839788" y="1681163"/>
+            <a:ext cx="5157787" cy="823912"/>
+          </a:xfrm>
+        </p:spPr>
+        <p:txBody>
+          <a:bodyPr anchor="b"/>
+          <a:lstStyle>
+            <a:lvl1pPr marL="0" indent="0">
+              <a:buNone/>
+              <a:defRPr sz="2400" b="1"/>
+            </a:lvl1pPr>
+            <a:lvl2pPr marL="457200" indent="0">
+              <a:buNone/>
+              <a:defRPr sz="2000" b="1"/>
+            </a:lvl2pPr>
+            <a:lvl3pPr marL="914400" indent="0">
+              <a:buNone/>
+              <a:defRPr sz="1800" b="1"/>
+            </a:lvl3pPr>
+            <a:lvl4pPr marL="1371600" indent="0">
+              <a:buNone/>
+              <a:defRPr sz="1600" b="1"/>
+            </a:lvl4pPr>
+            <a:lvl5pPr marL="1828800" indent="0">
+              <a:buNone/>
+              <a:defRPr sz="1600" b="1"/>
+            </a:lvl5pPr>
+            <a:lvl6pPr marL="2286000" indent="0">
+              <a:buNone/>
+              <a:defRPr sz="1600" b="1"/>
+            </a:lvl6pPr>
+            <a:lvl7pPr marL="2743200" indent="0">
+              <a:buNone/>
+              <a:defRPr sz="1600" b="1"/>
+            </a:lvl7pPr>
+            <a:lvl8pPr marL="3200400" indent="0">
+              <a:buNone/>
+              <a:defRPr sz="1600" b="1"/>
+            </a:lvl8pPr>
+            <a:lvl9pPr marL="3657600" indent="0">
+              <a:buNone/>
+              <a:defRPr sz="1600" b="1"/>
+            </a:lvl9pPr>
+          </a:lstStyle>
+          <a:p>
+            <a:pPr lvl="0"/>
+            <a:r>
+              <a:rPr lang="en-US" smtClean="0"/>
+              <a:t>Click to edit Master text styles</a:t>
+            </a:r>
+          </a:p>
+        </p:txBody>
+      </p:sp>
+      <p:sp>
+        <p:nvSpPr>
+          <p:cNvPr id="4" name="Content Placeholder 3"/>
+          <p:cNvSpPr>
+            <a:spLocks noGrp="1"/>
+          </p:cNvSpPr>
+          <p:nvPr>
+            <p:ph sz="half" idx="2"/>
+          </p:nvPr>
+        </p:nvSpPr>
+        <p:spPr>
+          <a:xfrm>
+            <a:off x="839788" y="2505075"/>
+            <a:ext cx="5157787" cy="3684588"/>
+          </a:xfrm>
+        </p:spPr>
+        <p:txBody>
+          <a:bodyPr/>
+          <a:lstStyle/>
+          <a:p>
+            <a:pPr lvl="0"/>
+            <a:r>
+              <a:rPr lang="en-US" smtClean="0"/>
+              <a:t>Click to edit Master text styles</a:t>
+            </a:r>
+            <a:endParaRPr lang="en-US" smtClean="0"/>
+          </a:p>
+          <a:p>
+            <a:pPr lvl="1"/>
+            <a:r>
+              <a:rPr lang="en-US" smtClean="0"/>
+              <a:t>Second level</a:t>
+            </a:r>
+            <a:endParaRPr lang="en-US" smtClean="0"/>
+          </a:p>
+          <a:p>
+            <a:pPr lvl="2"/>
+            <a:r>
+              <a:rPr lang="en-US" smtClean="0"/>
+              <a:t>Third level</a:t>
+            </a:r>
+            <a:endParaRPr lang="en-US" smtClean="0"/>
+          </a:p>
+          <a:p>
+            <a:pPr lvl="3"/>
+            <a:r>
+              <a:rPr lang="en-US" smtClean="0"/>
+              <a:t>Fourth level</a:t>
+            </a:r>
+            <a:endParaRPr lang="en-US" smtClean="0"/>
+          </a:p>
+          <a:p>
+            <a:pPr lvl="4"/>
+            <a:r>
+              <a:rPr lang="en-US" smtClean="0"/>
+              <a:t>Fifth level</a:t>
+            </a:r>
+            <a:endParaRPr lang="en-US"/>
+          </a:p>
+        </p:txBody>
+      </p:sp>
+      <p:sp>
+        <p:nvSpPr>
+          <p:cNvPr id="5" name="Text Placeholder 4"/>
+          <p:cNvSpPr>
+            <a:spLocks noGrp="1"/>
+          </p:cNvSpPr>
+          <p:nvPr>
+            <p:ph type="body" sz="quarter" idx="3"/>
+          </p:nvPr>
+        </p:nvSpPr>
+        <p:spPr>
+          <a:xfrm>
+            <a:off x="6172200" y="1681163"/>
+            <a:ext cx="5183188" cy="823912"/>
+          </a:xfrm>
+        </p:spPr>
+        <p:txBody>
+          <a:bodyPr anchor="b"/>
+          <a:lstStyle>
+            <a:lvl1pPr marL="0" indent="0">
+              <a:buNone/>
+              <a:defRPr sz="2400" b="1"/>
+            </a:lvl1pPr>
+            <a:lvl2pPr marL="457200" indent="0">
+              <a:buNone/>
+              <a:defRPr sz="2000" b="1"/>
+            </a:lvl2pPr>
+            <a:lvl3pPr marL="914400" indent="0">
+              <a:buNone/>
+              <a:defRPr sz="1800" b="1"/>
+            </a:lvl3pPr>
+            <a:lvl4pPr marL="1371600" indent="0">
+              <a:buNone/>
+              <a:defRPr sz="1600" b="1"/>
+            </a:lvl4pPr>
+            <a:lvl5pPr marL="1828800" indent="0">
+              <a:buNone/>
+              <a:defRPr sz="1600" b="1"/>
+            </a:lvl5pPr>
+            <a:lvl6pPr marL="2286000" indent="0">
+              <a:buNone/>
+              <a:defRPr sz="1600" b="1"/>
+            </a:lvl6pPr>
+            <a:lvl7pPr marL="2743200" indent="0">
+              <a:buNone/>
+              <a:defRPr sz="1600" b="1"/>
+            </a:lvl7pPr>
+            <a:lvl8pPr marL="3200400" indent="0">
+              <a:buNone/>
+              <a:defRPr sz="1600" b="1"/>
+            </a:lvl8pPr>
+            <a:lvl9pPr marL="3657600" indent="0">
+              <a:buNone/>
+              <a:defRPr sz="1600" b="1"/>
+            </a:lvl9pPr>
+          </a:lstStyle>
+          <a:p>
+            <a:pPr lvl="0"/>
+            <a:r>
+              <a:rPr lang="en-US" smtClean="0"/>
+              <a:t>Click to edit Master text styles</a:t>
+            </a:r>
+          </a:p>
+        </p:txBody>
+      </p:sp>
+      <p:sp>
+        <p:nvSpPr>
+          <p:cNvPr id="6" name="Content Placeholder 5"/>
+          <p:cNvSpPr>
+            <a:spLocks noGrp="1"/>
+          </p:cNvSpPr>
+          <p:nvPr>
+            <p:ph sz="quarter" idx="4"/>
+          </p:nvPr>
+        </p:nvSpPr>
+        <p:spPr>
+          <a:xfrm>
+            <a:off x="6172200" y="2505075"/>
+            <a:ext cx="5183188" cy="3684588"/>
+          </a:xfrm>
+        </p:spPr>
+        <p:txBody>
+          <a:bodyPr/>
+          <a:lstStyle/>
+          <a:p>
+            <a:pPr lvl="0"/>
+            <a:r>
+              <a:rPr lang="en-US" smtClean="0"/>
+              <a:t>Click to edit Master text styles</a:t>
+            </a:r>
+            <a:endParaRPr lang="en-US" smtClean="0"/>
+          </a:p>
+          <a:p>
+            <a:pPr lvl="1"/>
+            <a:r>
+              <a:rPr lang="en-US" smtClean="0"/>
+              <a:t>Second level</a:t>
+            </a:r>
+            <a:endParaRPr lang="en-US" smtClean="0"/>
+          </a:p>
+          <a:p>
+            <a:pPr lvl="2"/>
+            <a:r>
+              <a:rPr lang="en-US" smtClean="0"/>
+              <a:t>Third level</a:t>
+            </a:r>
+            <a:endParaRPr lang="en-US" smtClean="0"/>
+          </a:p>
+          <a:p>
+            <a:pPr lvl="3"/>
+            <a:r>
+              <a:rPr lang="en-US" smtClean="0"/>
+              <a:t>Fourth level</a:t>
+            </a:r>
+            <a:endParaRPr lang="en-US" smtClean="0"/>
+          </a:p>
+          <a:p>
+            <a:pPr lvl="4"/>
+            <a:r>
+              <a:rPr lang="en-US" smtClean="0"/>
+              <a:t>Fifth level</a:t>
+            </a:r>
+            <a:endParaRPr lang="en-US"/>
+          </a:p>
+        </p:txBody>
+      </p:sp>
+      <p:sp>
+        <p:nvSpPr>
+          <p:cNvPr id="7" name="Date Placeholder 6"/>
           <p:cNvSpPr>
             <a:spLocks noGrp="1"/>
           </p:cNvSpPr>
@@ -2139,7 +2257,7 @@
       </p:sp>
       <p:sp>
         <p:nvSpPr>
-          <p:cNvPr id="4" name="页脚占位符 3"/>
+          <p:cNvPr id="8" name="Footer Placeholder 7"/>
           <p:cNvSpPr>
             <a:spLocks noGrp="1"/>
           </p:cNvSpPr>
@@ -2158,7 +2276,7 @@
       </p:sp>
       <p:sp>
         <p:nvSpPr>
-          <p:cNvPr id="5" name="灯片编号占位符 4"/>
+          <p:cNvPr id="9" name="Slide Number Placeholder 8"/>
           <p:cNvSpPr>
             <a:spLocks noGrp="1"/>
           </p:cNvSpPr>
@@ -2183,12 +2301,13 @@
   <p:clrMapOvr>
     <a:masterClrMapping/>
   </p:clrMapOvr>
+  <p:hf sldNum="0" hdr="0" ftr="0" dt="0"/>
 </p:sldLayout>
 </file>
 
-<file path=ppt/slideLayouts/slideLayout7.xml><?xml version="1.0" encoding="utf-8"?>
-<p:sldLayout xmlns:a="http://schemas.openxmlformats.org/drawingml/2006/main" xmlns:r="http://schemas.openxmlformats.org/officeDocument/2006/relationships" xmlns:p="http://schemas.openxmlformats.org/presentationml/2006/main" type="blank" preserve="1">
-  <p:cSld name="空白">
+<file path=ppt/slideLayouts/slideLayout6.xml><?xml version="1.0" encoding="utf-8"?>
+<p:sldLayout xmlns:a="http://schemas.openxmlformats.org/drawingml/2006/main" xmlns:r="http://schemas.openxmlformats.org/officeDocument/2006/relationships" xmlns:p="http://schemas.openxmlformats.org/presentationml/2006/main" type="titleOnly" preserve="1">
+  <p:cSld name="Title Only">
     <p:spTree>
       <p:nvGrpSpPr>
         <p:cNvPr id="1" name=""/>
@@ -2205,7 +2324,30 @@
       </p:grpSpPr>
       <p:sp>
         <p:nvSpPr>
-          <p:cNvPr id="2" name="日期占位符 1"/>
+          <p:cNvPr id="2" name="Title 1"/>
+          <p:cNvSpPr>
+            <a:spLocks noGrp="1"/>
+          </p:cNvSpPr>
+          <p:nvPr>
+            <p:ph type="title"/>
+          </p:nvPr>
+        </p:nvSpPr>
+        <p:spPr/>
+        <p:txBody>
+          <a:bodyPr/>
+          <a:lstStyle/>
+          <a:p>
+            <a:r>
+              <a:rPr lang="en-US" smtClean="0"/>
+              <a:t>Click to edit Master title style</a:t>
+            </a:r>
+            <a:endParaRPr lang="en-US"/>
+          </a:p>
+        </p:txBody>
+      </p:sp>
+      <p:sp>
+        <p:nvSpPr>
+          <p:cNvPr id="3" name="Date Placeholder 2"/>
           <p:cNvSpPr>
             <a:spLocks noGrp="1"/>
           </p:cNvSpPr>
@@ -2227,7 +2369,7 @@
       </p:sp>
       <p:sp>
         <p:nvSpPr>
-          <p:cNvPr id="3" name="页脚占位符 2"/>
+          <p:cNvPr id="4" name="Footer Placeholder 3"/>
           <p:cNvSpPr>
             <a:spLocks noGrp="1"/>
           </p:cNvSpPr>
@@ -2246,7 +2388,7 @@
       </p:sp>
       <p:sp>
         <p:nvSpPr>
-          <p:cNvPr id="4" name="灯片编号占位符 3"/>
+          <p:cNvPr id="5" name="Slide Number Placeholder 4"/>
           <p:cNvSpPr>
             <a:spLocks noGrp="1"/>
           </p:cNvSpPr>
@@ -2271,12 +2413,13 @@
   <p:clrMapOvr>
     <a:masterClrMapping/>
   </p:clrMapOvr>
+  <p:hf sldNum="0" hdr="0" ftr="0" dt="0"/>
 </p:sldLayout>
 </file>
 
-<file path=ppt/slideLayouts/slideLayout8.xml><?xml version="1.0" encoding="utf-8"?>
-<p:sldLayout xmlns:a="http://schemas.openxmlformats.org/drawingml/2006/main" xmlns:r="http://schemas.openxmlformats.org/officeDocument/2006/relationships" xmlns:p="http://schemas.openxmlformats.org/presentationml/2006/main" type="picTx" preserve="1">
-  <p:cSld name="图片与标题">
+<file path=ppt/slideLayouts/slideLayout7.xml><?xml version="1.0" encoding="utf-8"?>
+<p:sldLayout xmlns:a="http://schemas.openxmlformats.org/drawingml/2006/main" xmlns:r="http://schemas.openxmlformats.org/officeDocument/2006/relationships" xmlns:p="http://schemas.openxmlformats.org/presentationml/2006/main" type="blank" preserve="1">
+  <p:cSld name="Blank">
     <p:spTree>
       <p:nvGrpSpPr>
         <p:cNvPr id="1" name=""/>
@@ -2293,166 +2436,7 @@
       </p:grpSpPr>
       <p:sp>
         <p:nvSpPr>
-          <p:cNvPr id="2" name="标题 1"/>
-          <p:cNvSpPr>
-            <a:spLocks noGrp="1"/>
-          </p:cNvSpPr>
-          <p:nvPr>
-            <p:ph type="title" hasCustomPrompt="1"/>
-          </p:nvPr>
-        </p:nvSpPr>
-        <p:spPr>
-          <a:xfrm>
-            <a:off x="839788" y="457200"/>
-            <a:ext cx="4165349" cy="1600200"/>
-          </a:xfrm>
-        </p:spPr>
-        <p:txBody>
-          <a:bodyPr anchor="b"/>
-          <a:lstStyle>
-            <a:lvl1pPr>
-              <a:defRPr sz="3200"/>
-            </a:lvl1pPr>
-          </a:lstStyle>
-          <a:p>
-            <a:r>
-              <a:rPr lang="zh-CN" altLang="en-US" smtClean="0"/>
-              <a:t>单击此处编辑母版标题样式</a:t>
-            </a:r>
-            <a:endParaRPr lang="zh-CN" altLang="en-US"/>
-          </a:p>
-        </p:txBody>
-      </p:sp>
-      <p:sp>
-        <p:nvSpPr>
-          <p:cNvPr id="3" name="图片占位符 2"/>
-          <p:cNvSpPr>
-            <a:spLocks noGrp="1"/>
-          </p:cNvSpPr>
-          <p:nvPr>
-            <p:ph type="pic" idx="1"/>
-          </p:nvPr>
-        </p:nvSpPr>
-        <p:spPr>
-          <a:xfrm>
-            <a:off x="5183188" y="457201"/>
-            <a:ext cx="6172200" cy="5403850"/>
-          </a:xfrm>
-        </p:spPr>
-        <p:txBody>
-          <a:bodyPr/>
-          <a:lstStyle>
-            <a:lvl1pPr marL="0" indent="0">
-              <a:buNone/>
-              <a:defRPr sz="3200"/>
-            </a:lvl1pPr>
-            <a:lvl2pPr marL="457200" indent="0">
-              <a:buNone/>
-              <a:defRPr sz="2800"/>
-            </a:lvl2pPr>
-            <a:lvl3pPr marL="914400" indent="0">
-              <a:buNone/>
-              <a:defRPr sz="2400"/>
-            </a:lvl3pPr>
-            <a:lvl4pPr marL="1371600" indent="0">
-              <a:buNone/>
-              <a:defRPr sz="2000"/>
-            </a:lvl4pPr>
-            <a:lvl5pPr marL="1828800" indent="0">
-              <a:buNone/>
-              <a:defRPr sz="2000"/>
-            </a:lvl5pPr>
-            <a:lvl6pPr marL="2286000" indent="0">
-              <a:buNone/>
-              <a:defRPr sz="2000"/>
-            </a:lvl6pPr>
-            <a:lvl7pPr marL="2743200" indent="0">
-              <a:buNone/>
-              <a:defRPr sz="2000"/>
-            </a:lvl7pPr>
-            <a:lvl8pPr marL="3200400" indent="0">
-              <a:buNone/>
-              <a:defRPr sz="2000"/>
-            </a:lvl8pPr>
-            <a:lvl9pPr marL="3657600" indent="0">
-              <a:buNone/>
-              <a:defRPr sz="2000"/>
-            </a:lvl9pPr>
-          </a:lstStyle>
-          <a:p>
-            <a:endParaRPr lang="zh-CN" altLang="en-US"/>
-          </a:p>
-        </p:txBody>
-      </p:sp>
-      <p:sp>
-        <p:nvSpPr>
-          <p:cNvPr id="4" name="文本占位符 3"/>
-          <p:cNvSpPr>
-            <a:spLocks noGrp="1"/>
-          </p:cNvSpPr>
-          <p:nvPr>
-            <p:ph type="body" sz="half" idx="2" hasCustomPrompt="1"/>
-          </p:nvPr>
-        </p:nvSpPr>
-        <p:spPr>
-          <a:xfrm>
-            <a:off x="839788" y="2057400"/>
-            <a:ext cx="4165349" cy="3811588"/>
-          </a:xfrm>
-        </p:spPr>
-        <p:txBody>
-          <a:bodyPr/>
-          <a:lstStyle>
-            <a:lvl1pPr marL="0" indent="0">
-              <a:buNone/>
-              <a:defRPr sz="2000"/>
-            </a:lvl1pPr>
-            <a:lvl2pPr marL="457200" indent="0">
-              <a:buNone/>
-              <a:defRPr sz="1800"/>
-            </a:lvl2pPr>
-            <a:lvl3pPr marL="914400" indent="0">
-              <a:buNone/>
-              <a:defRPr sz="1600"/>
-            </a:lvl3pPr>
-            <a:lvl4pPr marL="1371600" indent="0">
-              <a:buNone/>
-              <a:defRPr sz="1400"/>
-            </a:lvl4pPr>
-            <a:lvl5pPr marL="1828800" indent="0">
-              <a:buNone/>
-              <a:defRPr sz="1400"/>
-            </a:lvl5pPr>
-            <a:lvl6pPr marL="2286000" indent="0">
-              <a:buNone/>
-              <a:defRPr sz="1400"/>
-            </a:lvl6pPr>
-            <a:lvl7pPr marL="2743200" indent="0">
-              <a:buNone/>
-              <a:defRPr sz="1400"/>
-            </a:lvl7pPr>
-            <a:lvl8pPr marL="3200400" indent="0">
-              <a:buNone/>
-              <a:defRPr sz="1400"/>
-            </a:lvl8pPr>
-            <a:lvl9pPr marL="3657600" indent="0">
-              <a:buNone/>
-              <a:defRPr sz="1400"/>
-            </a:lvl9pPr>
-          </a:lstStyle>
-          <a:p>
-            <a:pPr lvl="0"/>
-            <a:r>
-              <a:rPr lang="zh-CN" altLang="en-US" smtClean="0"/>
-              <a:t>单击此处编辑母版文本样式</a:t>
-            </a:r>
-            <a:endParaRPr lang="zh-CN" altLang="en-US" smtClean="0"/>
-          </a:p>
-        </p:txBody>
-      </p:sp>
-      <p:sp>
-        <p:nvSpPr>
-          <p:cNvPr id="5" name="日期占位符 4"/>
+          <p:cNvPr id="2" name="Date Placeholder 1"/>
           <p:cNvSpPr>
             <a:spLocks noGrp="1"/>
           </p:cNvSpPr>
@@ -2474,7 +2458,7 @@
       </p:sp>
       <p:sp>
         <p:nvSpPr>
-          <p:cNvPr id="6" name="页脚占位符 5"/>
+          <p:cNvPr id="3" name="Footer Placeholder 2"/>
           <p:cNvSpPr>
             <a:spLocks noGrp="1"/>
           </p:cNvSpPr>
@@ -2493,7 +2477,7 @@
       </p:sp>
       <p:sp>
         <p:nvSpPr>
-          <p:cNvPr id="7" name="灯片编号占位符 6"/>
+          <p:cNvPr id="4" name="Slide Number Placeholder 3"/>
           <p:cNvSpPr>
             <a:spLocks noGrp="1"/>
           </p:cNvSpPr>
@@ -2518,12 +2502,13 @@
   <p:clrMapOvr>
     <a:masterClrMapping/>
   </p:clrMapOvr>
+  <p:hf sldNum="0" hdr="0" ftr="0" dt="0"/>
 </p:sldLayout>
 </file>
 
-<file path=ppt/slideLayouts/slideLayout9.xml><?xml version="1.0" encoding="utf-8"?>
-<p:sldLayout xmlns:a="http://schemas.openxmlformats.org/drawingml/2006/main" xmlns:r="http://schemas.openxmlformats.org/officeDocument/2006/relationships" xmlns:p="http://schemas.openxmlformats.org/presentationml/2006/main" type="vertTitleAndTx" preserve="1">
-  <p:cSld name="竖版">
+<file path=ppt/slideLayouts/slideLayout8.xml><?xml version="1.0" encoding="utf-8"?>
+<p:sldLayout xmlns:a="http://schemas.openxmlformats.org/drawingml/2006/main" xmlns:r="http://schemas.openxmlformats.org/officeDocument/2006/relationships" xmlns:p="http://schemas.openxmlformats.org/presentationml/2006/main" type="objTx" preserve="1">
+  <p:cSld name="Content with Caption">
     <p:spTree>
       <p:nvGrpSpPr>
         <p:cNvPr id="1" name=""/>
@@ -2540,101 +2525,246 @@
       </p:grpSpPr>
       <p:sp>
         <p:nvSpPr>
-          <p:cNvPr id="2" name="竖排标题 1"/>
-          <p:cNvSpPr>
-            <a:spLocks noGrp="1"/>
-          </p:cNvSpPr>
-          <p:nvPr>
-            <p:ph type="title" orient="vert" hasCustomPrompt="1"/>
+          <p:cNvPr id="2" name="Title 1"/>
+          <p:cNvSpPr>
+            <a:spLocks noGrp="1"/>
+          </p:cNvSpPr>
+          <p:nvPr>
+            <p:ph type="title"/>
           </p:nvPr>
         </p:nvSpPr>
         <p:spPr>
           <a:xfrm>
-            <a:off x="8724900" y="365125"/>
-            <a:ext cx="2628900" cy="5811838"/>
+            <a:off x="839788" y="457200"/>
+            <a:ext cx="3932237" cy="1600200"/>
           </a:xfrm>
         </p:spPr>
         <p:txBody>
-          <a:bodyPr vert="eaVert"/>
-          <a:lstStyle/>
-          <a:p>
-            <a:r>
-              <a:rPr lang="zh-CN" altLang="en-US" smtClean="0"/>
-              <a:t>单击此处编辑母版标题样式</a:t>
-            </a:r>
-            <a:endParaRPr lang="zh-CN" altLang="en-US"/>
-          </a:p>
-        </p:txBody>
-      </p:sp>
-      <p:sp>
-        <p:nvSpPr>
-          <p:cNvPr id="3" name="竖排文字占位符 2"/>
-          <p:cNvSpPr>
-            <a:spLocks noGrp="1"/>
-          </p:cNvSpPr>
-          <p:nvPr>
-            <p:ph type="body" orient="vert" idx="1" hasCustomPrompt="1"/>
+          <a:bodyPr anchor="b"/>
+          <a:lstStyle>
+            <a:lvl1pPr>
+              <a:defRPr sz="3200"/>
+            </a:lvl1pPr>
+          </a:lstStyle>
+          <a:p>
+            <a:r>
+              <a:rPr lang="en-US" smtClean="0"/>
+              <a:t>Click to edit Master title style</a:t>
+            </a:r>
+            <a:endParaRPr lang="en-US"/>
+          </a:p>
+        </p:txBody>
+      </p:sp>
+      <p:sp>
+        <p:nvSpPr>
+          <p:cNvPr id="3" name="Content Placeholder 2"/>
+          <p:cNvSpPr>
+            <a:spLocks noGrp="1"/>
+          </p:cNvSpPr>
+          <p:nvPr>
+            <p:ph idx="1"/>
           </p:nvPr>
         </p:nvSpPr>
         <p:spPr>
           <a:xfrm>
-            <a:off x="838200" y="365125"/>
-            <a:ext cx="7734300" cy="5811838"/>
+            <a:off x="5183188" y="987425"/>
+            <a:ext cx="6172200" cy="4873625"/>
           </a:xfrm>
         </p:spPr>
         <p:txBody>
-          <a:bodyPr vert="eaVert"/>
+          <a:bodyPr/>
+          <a:lstStyle>
+            <a:lvl1pPr>
+              <a:defRPr sz="3200"/>
+            </a:lvl1pPr>
+            <a:lvl2pPr>
+              <a:defRPr sz="2800"/>
+            </a:lvl2pPr>
+            <a:lvl3pPr>
+              <a:defRPr sz="2400"/>
+            </a:lvl3pPr>
+            <a:lvl4pPr>
+              <a:defRPr sz="2000"/>
+            </a:lvl4pPr>
+            <a:lvl5pPr>
+              <a:defRPr sz="2000"/>
+            </a:lvl5pPr>
+            <a:lvl6pPr>
+              <a:defRPr sz="2000"/>
+            </a:lvl6pPr>
+            <a:lvl7pPr>
+              <a:defRPr sz="2000"/>
+            </a:lvl7pPr>
+            <a:lvl8pPr>
+              <a:defRPr sz="2000"/>
+            </a:lvl8pPr>
+            <a:lvl9pPr>
+              <a:defRPr sz="2000"/>
+            </a:lvl9pPr>
+          </a:lstStyle>
+          <a:p>
+            <a:pPr lvl="0"/>
+            <a:r>
+              <a:rPr lang="en-US" smtClean="0"/>
+              <a:t>Click to edit Master text styles</a:t>
+            </a:r>
+            <a:endParaRPr lang="en-US" smtClean="0"/>
+          </a:p>
+          <a:p>
+            <a:pPr lvl="1"/>
+            <a:r>
+              <a:rPr lang="en-US" smtClean="0"/>
+              <a:t>Second level</a:t>
+            </a:r>
+            <a:endParaRPr lang="en-US" smtClean="0"/>
+          </a:p>
+          <a:p>
+            <a:pPr lvl="2"/>
+            <a:r>
+              <a:rPr lang="en-US" smtClean="0"/>
+              <a:t>Third level</a:t>
+            </a:r>
+            <a:endParaRPr lang="en-US" smtClean="0"/>
+          </a:p>
+          <a:p>
+            <a:pPr lvl="3"/>
+            <a:r>
+              <a:rPr lang="en-US" smtClean="0"/>
+              <a:t>Fourth level</a:t>
+            </a:r>
+            <a:endParaRPr lang="en-US" smtClean="0"/>
+          </a:p>
+          <a:p>
+            <a:pPr lvl="4"/>
+            <a:r>
+              <a:rPr lang="en-US" smtClean="0"/>
+              <a:t>Fifth level</a:t>
+            </a:r>
+            <a:endParaRPr lang="en-US"/>
+          </a:p>
+        </p:txBody>
+      </p:sp>
+      <p:sp>
+        <p:nvSpPr>
+          <p:cNvPr id="4" name="Text Placeholder 3"/>
+          <p:cNvSpPr>
+            <a:spLocks noGrp="1"/>
+          </p:cNvSpPr>
+          <p:nvPr>
+            <p:ph type="body" sz="half" idx="2"/>
+          </p:nvPr>
+        </p:nvSpPr>
+        <p:spPr>
+          <a:xfrm>
+            <a:off x="839788" y="2057400"/>
+            <a:ext cx="3932237" cy="3811588"/>
+          </a:xfrm>
+        </p:spPr>
+        <p:txBody>
+          <a:bodyPr/>
+          <a:lstStyle>
+            <a:lvl1pPr marL="0" indent="0">
+              <a:buNone/>
+              <a:defRPr sz="1600"/>
+            </a:lvl1pPr>
+            <a:lvl2pPr marL="457200" indent="0">
+              <a:buNone/>
+              <a:defRPr sz="1400"/>
+            </a:lvl2pPr>
+            <a:lvl3pPr marL="914400" indent="0">
+              <a:buNone/>
+              <a:defRPr sz="1200"/>
+            </a:lvl3pPr>
+            <a:lvl4pPr marL="1371600" indent="0">
+              <a:buNone/>
+              <a:defRPr sz="1000"/>
+            </a:lvl4pPr>
+            <a:lvl5pPr marL="1828800" indent="0">
+              <a:buNone/>
+              <a:defRPr sz="1000"/>
+            </a:lvl5pPr>
+            <a:lvl6pPr marL="2286000" indent="0">
+              <a:buNone/>
+              <a:defRPr sz="1000"/>
+            </a:lvl6pPr>
+            <a:lvl7pPr marL="2743200" indent="0">
+              <a:buNone/>
+              <a:defRPr sz="1000"/>
+            </a:lvl7pPr>
+            <a:lvl8pPr marL="3200400" indent="0">
+              <a:buNone/>
+              <a:defRPr sz="1000"/>
+            </a:lvl8pPr>
+            <a:lvl9pPr marL="3657600" indent="0">
+              <a:buNone/>
+              <a:defRPr sz="1000"/>
+            </a:lvl9pPr>
+          </a:lstStyle>
+          <a:p>
+            <a:pPr lvl="0"/>
+            <a:r>
+              <a:rPr lang="en-US" smtClean="0"/>
+              <a:t>Click to edit Master text styles</a:t>
+            </a:r>
+          </a:p>
+        </p:txBody>
+      </p:sp>
+      <p:sp>
+        <p:nvSpPr>
+          <p:cNvPr id="5" name="Date Placeholder 4"/>
+          <p:cNvSpPr>
+            <a:spLocks noGrp="1"/>
+          </p:cNvSpPr>
+          <p:nvPr>
+            <p:ph type="dt" sz="half" idx="10"/>
+          </p:nvPr>
+        </p:nvSpPr>
+        <p:spPr/>
+        <p:txBody>
+          <a:bodyPr/>
           <a:lstStyle/>
           <a:p>
-            <a:pPr lvl="0"/>
-            <a:r>
-              <a:rPr lang="zh-CN" altLang="en-US" smtClean="0"/>
-              <a:t>单击此处编辑母版文本样式</a:t>
-            </a:r>
-            <a:endParaRPr lang="zh-CN" altLang="en-US" smtClean="0"/>
-          </a:p>
-          <a:p>
-            <a:pPr lvl="1"/>
-            <a:r>
-              <a:rPr lang="zh-CN" altLang="en-US" smtClean="0"/>
-              <a:t>第二级</a:t>
-            </a:r>
-            <a:endParaRPr lang="zh-CN" altLang="en-US" smtClean="0"/>
-          </a:p>
-          <a:p>
-            <a:pPr lvl="2"/>
-            <a:r>
-              <a:rPr lang="zh-CN" altLang="en-US" smtClean="0"/>
-              <a:t>第三级</a:t>
-            </a:r>
-            <a:endParaRPr lang="zh-CN" altLang="en-US" smtClean="0"/>
-          </a:p>
-          <a:p>
-            <a:pPr lvl="3"/>
-            <a:r>
-              <a:rPr lang="zh-CN" altLang="en-US" smtClean="0"/>
-              <a:t>第四级</a:t>
-            </a:r>
-            <a:endParaRPr lang="zh-CN" altLang="en-US" smtClean="0"/>
-          </a:p>
-          <a:p>
-            <a:pPr lvl="4"/>
-            <a:r>
-              <a:rPr lang="zh-CN" altLang="en-US" smtClean="0"/>
-              <a:t>第五级</a:t>
-            </a:r>
-            <a:endParaRPr lang="zh-CN" altLang="en-US"/>
-          </a:p>
-        </p:txBody>
-      </p:sp>
-      <p:sp>
-        <p:nvSpPr>
-          <p:cNvPr id="4" name="日期占位符 3"/>
-          <p:cNvSpPr>
-            <a:spLocks noGrp="1"/>
-          </p:cNvSpPr>
-          <p:nvPr>
-            <p:ph type="dt" sz="half" idx="10"/>
+            <a:pPr marL="0" marR="0" lvl="0" indent="0" algn="l" defTabSz="914400" rtl="0" eaLnBrk="1" fontAlgn="base" latinLnBrk="0" hangingPunct="1">
+              <a:lnSpc>
+                <a:spcPct val="100000"/>
+              </a:lnSpc>
+              <a:spcBef>
+                <a:spcPct val="0"/>
+              </a:spcBef>
+              <a:spcAft>
+                <a:spcPct val="0"/>
+              </a:spcAft>
+              <a:buClrTx/>
+              <a:buSzTx/>
+              <a:buFontTx/>
+              <a:buNone/>
+              <a:defRPr/>
+            </a:pPr>
+            <a:endParaRPr kumimoji="0" lang="en-US" altLang="zh-CN" sz="1400" b="0" i="0" u="none" strike="noStrike" kern="1200" cap="none" spc="0" normalizeH="0" baseline="0" noProof="0" smtClean="0">
+              <a:ln>
+                <a:noFill/>
+              </a:ln>
+              <a:solidFill>
+                <a:schemeClr val="tx1"/>
+              </a:solidFill>
+              <a:effectLst/>
+              <a:uLnTx/>
+              <a:uFillTx/>
+              <a:latin typeface="Arial" panose="02080604020202020204" charset="0"/>
+              <a:ea typeface="SimSun" charset="-122"/>
+              <a:cs typeface="+mn-cs"/>
+            </a:endParaRPr>
+          </a:p>
+        </p:txBody>
+      </p:sp>
+      <p:sp>
+        <p:nvSpPr>
+          <p:cNvPr id="6" name="Footer Placeholder 5"/>
+          <p:cNvSpPr>
+            <a:spLocks noGrp="1"/>
+          </p:cNvSpPr>
+          <p:nvPr>
+            <p:ph type="ftr" sz="quarter" idx="11"/>
           </p:nvPr>
         </p:nvSpPr>
         <p:spPr/>
@@ -2642,51 +2772,100 @@
           <a:bodyPr/>
           <a:lstStyle/>
           <a:p>
-            <a:fld id="{82F288E0-7875-42C4-84C8-98DBBD3BF4D2}" type="datetimeFigureOut">
-              <a:rPr lang="zh-CN" altLang="en-US" smtClean="0"/>
+            <a:pPr marL="0" marR="0" lvl="0" indent="0" algn="ctr" defTabSz="914400" rtl="0" eaLnBrk="1" fontAlgn="base" latinLnBrk="0" hangingPunct="1">
+              <a:lnSpc>
+                <a:spcPct val="100000"/>
+              </a:lnSpc>
+              <a:spcBef>
+                <a:spcPct val="0"/>
+              </a:spcBef>
+              <a:spcAft>
+                <a:spcPct val="0"/>
+              </a:spcAft>
+              <a:buClrTx/>
+              <a:buSzTx/>
+              <a:buFontTx/>
+              <a:buNone/>
+              <a:defRPr/>
+            </a:pPr>
+            <a:endParaRPr kumimoji="0" lang="en-US" altLang="zh-CN" sz="1400" b="0" i="0" u="none" strike="noStrike" kern="1200" cap="none" spc="0" normalizeH="0" baseline="0" noProof="0" smtClean="0">
+              <a:ln>
+                <a:noFill/>
+              </a:ln>
+              <a:solidFill>
+                <a:schemeClr val="tx1"/>
+              </a:solidFill>
+              <a:effectLst/>
+              <a:uLnTx/>
+              <a:uFillTx/>
+              <a:latin typeface="Arial" panose="02080604020202020204" charset="0"/>
+              <a:ea typeface="SimSun" charset="-122"/>
+              <a:cs typeface="+mn-cs"/>
+            </a:endParaRPr>
+          </a:p>
+        </p:txBody>
+      </p:sp>
+      <p:sp>
+        <p:nvSpPr>
+          <p:cNvPr id="7" name="Slide Number Placeholder 6"/>
+          <p:cNvSpPr>
+            <a:spLocks noGrp="1"/>
+          </p:cNvSpPr>
+          <p:nvPr>
+            <p:ph type="sldNum" sz="quarter" idx="12"/>
+          </p:nvPr>
+        </p:nvSpPr>
+        <p:spPr/>
+        <p:txBody>
+          <a:bodyPr/>
+          <a:lstStyle/>
+          <a:p>
+            <a:pPr marL="0" marR="0" lvl="0" indent="0" algn="r" defTabSz="914400" rtl="0" eaLnBrk="1" fontAlgn="base" latinLnBrk="0" hangingPunct="1">
+              <a:lnSpc>
+                <a:spcPct val="100000"/>
+              </a:lnSpc>
+              <a:spcBef>
+                <a:spcPct val="0"/>
+              </a:spcBef>
+              <a:spcAft>
+                <a:spcPct val="0"/>
+              </a:spcAft>
+              <a:buClrTx/>
+              <a:buSzTx/>
+              <a:buFontTx/>
+              <a:buNone/>
+              <a:defRPr/>
+            </a:pPr>
+            <a:fld id="{897D7747-D9D0-4222-AE01-C647B9939E3B}" type="slidenum">
+              <a:rPr kumimoji="0" lang="en-US" altLang="zh-CN" sz="1400" b="0" i="0" u="none" strike="noStrike" kern="1200" cap="none" spc="0" normalizeH="0" baseline="0" noProof="0" smtClean="0">
+                <a:ln>
+                  <a:noFill/>
+                </a:ln>
+                <a:solidFill>
+                  <a:schemeClr val="tx1"/>
+                </a:solidFill>
+                <a:effectLst/>
+                <a:uLnTx/>
+                <a:uFillTx/>
+                <a:latin typeface="Arial" panose="02080604020202020204" charset="0"/>
+                <a:ea typeface="SimSun" charset="-122"/>
+                <a:cs typeface="+mn-cs"/>
+              </a:rPr>
             </a:fld>
-            <a:endParaRPr lang="zh-CN" altLang="en-US"/>
-          </a:p>
-        </p:txBody>
-      </p:sp>
-      <p:sp>
-        <p:nvSpPr>
-          <p:cNvPr id="5" name="页脚占位符 4"/>
-          <p:cNvSpPr>
-            <a:spLocks noGrp="1"/>
-          </p:cNvSpPr>
-          <p:nvPr>
-            <p:ph type="ftr" sz="quarter" idx="11"/>
-          </p:nvPr>
-        </p:nvSpPr>
-        <p:spPr/>
-        <p:txBody>
-          <a:bodyPr/>
-          <a:lstStyle/>
-          <a:p>
-            <a:endParaRPr lang="zh-CN" altLang="en-US"/>
-          </a:p>
-        </p:txBody>
-      </p:sp>
-      <p:sp>
-        <p:nvSpPr>
-          <p:cNvPr id="6" name="灯片编号占位符 5"/>
-          <p:cNvSpPr>
-            <a:spLocks noGrp="1"/>
-          </p:cNvSpPr>
-          <p:nvPr>
-            <p:ph type="sldNum" sz="quarter" idx="12"/>
-          </p:nvPr>
-        </p:nvSpPr>
-        <p:spPr/>
-        <p:txBody>
-          <a:bodyPr/>
-          <a:lstStyle/>
-          <a:p>
-            <a:fld id="{7D9BB5D0-35E4-459D-AEF3-FE4D7C45CC19}" type="slidenum">
-              <a:rPr lang="zh-CN" altLang="en-US" smtClean="0"/>
-            </a:fld>
-            <a:endParaRPr lang="zh-CN" altLang="en-US"/>
+            <a:endParaRPr kumimoji="0" lang="en-US" altLang="zh-CN" sz="1400" b="0" i="0" u="none" strike="noStrike" kern="1200" cap="none" spc="0" normalizeH="0" baseline="0" noProof="0" smtClean="0">
+              <a:ln>
+                <a:noFill/>
+              </a:ln>
+              <a:solidFill>
+                <a:schemeClr val="tx1"/>
+              </a:solidFill>
+              <a:effectLst/>
+              <a:uLnTx/>
+              <a:uFillTx/>
+              <a:latin typeface="Arial" panose="02080604020202020204" charset="0"/>
+              <a:ea typeface="SimSun" charset="-122"/>
+              <a:cs typeface="+mn-cs"/>
+            </a:endParaRPr>
           </a:p>
         </p:txBody>
       </p:sp>
@@ -2695,6 +2874,261 @@
   <p:clrMapOvr>
     <a:masterClrMapping/>
   </p:clrMapOvr>
+  <p:hf sldNum="0" hdr="0" ftr="0" dt="0"/>
+</p:sldLayout>
+</file>
+
+<file path=ppt/slideLayouts/slideLayout9.xml><?xml version="1.0" encoding="utf-8"?>
+<p:sldLayout xmlns:a="http://schemas.openxmlformats.org/drawingml/2006/main" xmlns:r="http://schemas.openxmlformats.org/officeDocument/2006/relationships" xmlns:p="http://schemas.openxmlformats.org/presentationml/2006/main" type="picTx" preserve="1">
+  <p:cSld name="Picture with Caption">
+    <p:spTree>
+      <p:nvGrpSpPr>
+        <p:cNvPr id="1" name=""/>
+        <p:cNvGrpSpPr/>
+        <p:nvPr/>
+      </p:nvGrpSpPr>
+      <p:grpSpPr>
+        <a:xfrm>
+          <a:off x="0" y="0"/>
+          <a:ext cx="0" cy="0"/>
+          <a:chOff x="0" y="0"/>
+          <a:chExt cx="0" cy="0"/>
+        </a:xfrm>
+      </p:grpSpPr>
+      <p:sp>
+        <p:nvSpPr>
+          <p:cNvPr id="2" name="Title 1"/>
+          <p:cNvSpPr>
+            <a:spLocks noGrp="1"/>
+          </p:cNvSpPr>
+          <p:nvPr>
+            <p:ph type="title"/>
+          </p:nvPr>
+        </p:nvSpPr>
+        <p:spPr>
+          <a:xfrm>
+            <a:off x="839788" y="457200"/>
+            <a:ext cx="3932237" cy="1600200"/>
+          </a:xfrm>
+        </p:spPr>
+        <p:txBody>
+          <a:bodyPr anchor="b"/>
+          <a:lstStyle>
+            <a:lvl1pPr>
+              <a:defRPr sz="3200"/>
+            </a:lvl1pPr>
+          </a:lstStyle>
+          <a:p>
+            <a:r>
+              <a:rPr lang="en-US" smtClean="0"/>
+              <a:t>Click to edit Master title style</a:t>
+            </a:r>
+            <a:endParaRPr lang="en-US"/>
+          </a:p>
+        </p:txBody>
+      </p:sp>
+      <p:sp>
+        <p:nvSpPr>
+          <p:cNvPr id="3" name="Picture Placeholder 2"/>
+          <p:cNvSpPr>
+            <a:spLocks noGrp="1"/>
+          </p:cNvSpPr>
+          <p:nvPr>
+            <p:ph type="pic" idx="1"/>
+          </p:nvPr>
+        </p:nvSpPr>
+        <p:spPr>
+          <a:xfrm>
+            <a:off x="5183188" y="987425"/>
+            <a:ext cx="6172200" cy="4873625"/>
+          </a:xfrm>
+        </p:spPr>
+        <p:txBody>
+          <a:bodyPr/>
+          <a:lstStyle>
+            <a:lvl1pPr marL="0" indent="0">
+              <a:buNone/>
+              <a:defRPr sz="3200"/>
+            </a:lvl1pPr>
+            <a:lvl2pPr marL="457200" indent="0">
+              <a:buNone/>
+              <a:defRPr sz="2800"/>
+            </a:lvl2pPr>
+            <a:lvl3pPr marL="914400" indent="0">
+              <a:buNone/>
+              <a:defRPr sz="2400"/>
+            </a:lvl3pPr>
+            <a:lvl4pPr marL="1371600" indent="0">
+              <a:buNone/>
+              <a:defRPr sz="2000"/>
+            </a:lvl4pPr>
+            <a:lvl5pPr marL="1828800" indent="0">
+              <a:buNone/>
+              <a:defRPr sz="2000"/>
+            </a:lvl5pPr>
+            <a:lvl6pPr marL="2286000" indent="0">
+              <a:buNone/>
+              <a:defRPr sz="2000"/>
+            </a:lvl6pPr>
+            <a:lvl7pPr marL="2743200" indent="0">
+              <a:buNone/>
+              <a:defRPr sz="2000"/>
+            </a:lvl7pPr>
+            <a:lvl8pPr marL="3200400" indent="0">
+              <a:buNone/>
+              <a:defRPr sz="2000"/>
+            </a:lvl8pPr>
+            <a:lvl9pPr marL="3657600" indent="0">
+              <a:buNone/>
+              <a:defRPr sz="2000"/>
+            </a:lvl9pPr>
+          </a:lstStyle>
+          <a:p>
+            <a:endParaRPr lang="en-US"/>
+          </a:p>
+        </p:txBody>
+      </p:sp>
+      <p:sp>
+        <p:nvSpPr>
+          <p:cNvPr id="4" name="Text Placeholder 3"/>
+          <p:cNvSpPr>
+            <a:spLocks noGrp="1"/>
+          </p:cNvSpPr>
+          <p:nvPr>
+            <p:ph type="body" sz="half" idx="2"/>
+          </p:nvPr>
+        </p:nvSpPr>
+        <p:spPr>
+          <a:xfrm>
+            <a:off x="839788" y="2057400"/>
+            <a:ext cx="3932237" cy="3811588"/>
+          </a:xfrm>
+        </p:spPr>
+        <p:txBody>
+          <a:bodyPr/>
+          <a:lstStyle>
+            <a:lvl1pPr marL="0" indent="0">
+              <a:buNone/>
+              <a:defRPr sz="1600"/>
+            </a:lvl1pPr>
+            <a:lvl2pPr marL="457200" indent="0">
+              <a:buNone/>
+              <a:defRPr sz="1400"/>
+            </a:lvl2pPr>
+            <a:lvl3pPr marL="914400" indent="0">
+              <a:buNone/>
+              <a:defRPr sz="1200"/>
+            </a:lvl3pPr>
+            <a:lvl4pPr marL="1371600" indent="0">
+              <a:buNone/>
+              <a:defRPr sz="1000"/>
+            </a:lvl4pPr>
+            <a:lvl5pPr marL="1828800" indent="0">
+              <a:buNone/>
+              <a:defRPr sz="1000"/>
+            </a:lvl5pPr>
+            <a:lvl6pPr marL="2286000" indent="0">
+              <a:buNone/>
+              <a:defRPr sz="1000"/>
+            </a:lvl6pPr>
+            <a:lvl7pPr marL="2743200" indent="0">
+              <a:buNone/>
+              <a:defRPr sz="1000"/>
+            </a:lvl7pPr>
+            <a:lvl8pPr marL="3200400" indent="0">
+              <a:buNone/>
+              <a:defRPr sz="1000"/>
+            </a:lvl8pPr>
+            <a:lvl9pPr marL="3657600" indent="0">
+              <a:buNone/>
+              <a:defRPr sz="1000"/>
+            </a:lvl9pPr>
+          </a:lstStyle>
+          <a:p>
+            <a:pPr lvl="0"/>
+            <a:r>
+              <a:rPr lang="en-US" smtClean="0"/>
+              <a:t>Click to edit Master text styles</a:t>
+            </a:r>
+          </a:p>
+        </p:txBody>
+      </p:sp>
+      <p:sp>
+        <p:nvSpPr>
+          <p:cNvPr id="5" name="Date Placeholder 4"/>
+          <p:cNvSpPr>
+            <a:spLocks noGrp="1"/>
+          </p:cNvSpPr>
+          <p:nvPr>
+            <p:ph type="dt" sz="half" idx="10"/>
+          </p:nvPr>
+        </p:nvSpPr>
+        <p:spPr/>
+        <p:txBody>
+          <a:bodyPr/>
+          <a:lstStyle/>
+          <a:p>
+            <a:fld id="{82F288E0-7875-42C4-84C8-98DBBD3BF4D2}" type="datetimeFigureOut">
+              <a:rPr lang="zh-CN" altLang="en-US" smtClean="0"/>
+            </a:fld>
+            <a:endParaRPr lang="zh-CN" altLang="en-US"/>
+          </a:p>
+        </p:txBody>
+      </p:sp>
+      <p:sp>
+        <p:nvSpPr>
+          <p:cNvPr id="6" name="Footer Placeholder 5"/>
+          <p:cNvSpPr>
+            <a:spLocks noGrp="1"/>
+          </p:cNvSpPr>
+          <p:nvPr>
+            <p:ph type="ftr" sz="quarter" idx="11"/>
+          </p:nvPr>
+        </p:nvSpPr>
+        <p:spPr/>
+        <p:txBody>
+          <a:bodyPr/>
+          <a:lstStyle/>
+          <a:p>
+            <a:endParaRPr lang="zh-CN" altLang="en-US"/>
+          </a:p>
+        </p:txBody>
+      </p:sp>
+      <p:sp>
+        <p:nvSpPr>
+          <p:cNvPr id="7" name="Slide Number Placeholder 6"/>
+          <p:cNvSpPr>
+            <a:spLocks noGrp="1"/>
+          </p:cNvSpPr>
+          <p:nvPr>
+            <p:ph type="sldNum" sz="quarter" idx="12"/>
+          </p:nvPr>
+        </p:nvSpPr>
+        <p:spPr/>
+        <p:txBody>
+          <a:bodyPr/>
+          <a:lstStyle/>
+          <a:p>
+            <a:fld id="{7D9BB5D0-35E4-459D-AEF3-FE4D7C45CC19}" type="slidenum">
+              <a:rPr lang="zh-CN" altLang="en-US" smtClean="0"/>
+            </a:fld>
+            <a:endParaRPr lang="zh-CN" altLang="en-US"/>
+          </a:p>
+        </p:txBody>
+      </p:sp>
+    </p:spTree>
+  </p:cSld>
+  <p:clrMapOvr>
+    <a:masterClrMapping/>
+  </p:clrMapOvr>
+  <p:timing>
+    <p:tnLst>
+      <p:par>
+        <p:cTn id="1" dur="indefinite" restart="never" nodeType="tmRoot"/>
+      </p:par>
+    </p:tnLst>
+  </p:timing>
+  <p:hf sldNum="0" hdr="0" ftr="0" dt="0"/>
 </p:sldLayout>
 </file>
 
@@ -2722,7 +3156,7 @@
       </p:grpSpPr>
       <p:sp>
         <p:nvSpPr>
-          <p:cNvPr id="2" name="标题占位符 1"/>
+          <p:cNvPr id="2" name="Title Placeholder 1"/>
           <p:cNvSpPr>
             <a:spLocks noGrp="1"/>
           </p:cNvSpPr>
@@ -2746,16 +3180,16 @@
           <a:lstStyle/>
           <a:p>
             <a:r>
-              <a:rPr lang="zh-CN" altLang="en-US" smtClean="0"/>
-              <a:t>单击此处编辑母版标题样式</a:t>
-            </a:r>
-            <a:endParaRPr lang="zh-CN" altLang="en-US"/>
-          </a:p>
-        </p:txBody>
-      </p:sp>
-      <p:sp>
-        <p:nvSpPr>
-          <p:cNvPr id="3" name="文本占位符 2"/>
+              <a:rPr lang="en-US" smtClean="0"/>
+              <a:t>Click to edit Master title style</a:t>
+            </a:r>
+            <a:endParaRPr lang="en-US"/>
+          </a:p>
+        </p:txBody>
+      </p:sp>
+      <p:sp>
+        <p:nvSpPr>
+          <p:cNvPr id="3" name="Text Placeholder 2"/>
           <p:cNvSpPr>
             <a:spLocks noGrp="1"/>
           </p:cNvSpPr>
@@ -2780,48 +3214,48 @@
           <a:p>
             <a:pPr lvl="0"/>
             <a:r>
-              <a:rPr lang="zh-CN" altLang="en-US" smtClean="0"/>
-              <a:t>单击此处编辑母版文本样式</a:t>
-            </a:r>
-            <a:endParaRPr lang="zh-CN" altLang="en-US" smtClean="0"/>
+              <a:rPr lang="en-US" smtClean="0"/>
+              <a:t>Click to edit Master text styles</a:t>
+            </a:r>
+            <a:endParaRPr lang="en-US" smtClean="0"/>
           </a:p>
           <a:p>
             <a:pPr lvl="1"/>
             <a:r>
-              <a:rPr lang="zh-CN" altLang="en-US" smtClean="0"/>
-              <a:t>第二级</a:t>
-            </a:r>
-            <a:endParaRPr lang="zh-CN" altLang="en-US" smtClean="0"/>
+              <a:rPr lang="en-US" smtClean="0"/>
+              <a:t>Second level</a:t>
+            </a:r>
+            <a:endParaRPr lang="en-US" smtClean="0"/>
           </a:p>
           <a:p>
             <a:pPr lvl="2"/>
             <a:r>
-              <a:rPr lang="zh-CN" altLang="en-US" smtClean="0"/>
-              <a:t>第三级</a:t>
-            </a:r>
-            <a:endParaRPr lang="zh-CN" altLang="en-US" smtClean="0"/>
+              <a:rPr lang="en-US" smtClean="0"/>
+              <a:t>Third level</a:t>
+            </a:r>
+            <a:endParaRPr lang="en-US" smtClean="0"/>
           </a:p>
           <a:p>
             <a:pPr lvl="3"/>
             <a:r>
-              <a:rPr lang="zh-CN" altLang="en-US" smtClean="0"/>
-              <a:t>第四级</a:t>
-            </a:r>
-            <a:endParaRPr lang="zh-CN" altLang="en-US" smtClean="0"/>
+              <a:rPr lang="en-US" smtClean="0"/>
+              <a:t>Fourth level</a:t>
+            </a:r>
+            <a:endParaRPr lang="en-US" smtClean="0"/>
           </a:p>
           <a:p>
             <a:pPr lvl="4"/>
             <a:r>
-              <a:rPr lang="zh-CN" altLang="en-US" smtClean="0"/>
-              <a:t>第五级</a:t>
-            </a:r>
-            <a:endParaRPr lang="zh-CN" altLang="en-US"/>
-          </a:p>
-        </p:txBody>
-      </p:sp>
-      <p:sp>
-        <p:nvSpPr>
-          <p:cNvPr id="4" name="日期占位符 3"/>
+              <a:rPr lang="en-US" smtClean="0"/>
+              <a:t>Fifth level</a:t>
+            </a:r>
+            <a:endParaRPr lang="en-US"/>
+          </a:p>
+        </p:txBody>
+      </p:sp>
+      <p:sp>
+        <p:nvSpPr>
+          <p:cNvPr id="4" name="Date Placeholder 3"/>
           <p:cNvSpPr>
             <a:spLocks noGrp="1"/>
           </p:cNvSpPr>
@@ -2861,7 +3295,7 @@
       </p:sp>
       <p:sp>
         <p:nvSpPr>
-          <p:cNvPr id="5" name="页脚占位符 4"/>
+          <p:cNvPr id="5" name="Footer Placeholder 4"/>
           <p:cNvSpPr>
             <a:spLocks noGrp="1"/>
           </p:cNvSpPr>
@@ -2898,7 +3332,7 @@
       </p:sp>
       <p:sp>
         <p:nvSpPr>
-          <p:cNvPr id="6" name="灯片编号占位符 5"/>
+          <p:cNvPr id="6" name="Slide Number Placeholder 5"/>
           <p:cNvSpPr>
             <a:spLocks noGrp="1"/>
           </p:cNvSpPr>
@@ -2950,7 +3384,9 @@
     <p:sldLayoutId id="2147483656" r:id="rId8"/>
     <p:sldLayoutId id="2147483657" r:id="rId9"/>
     <p:sldLayoutId id="2147483658" r:id="rId10"/>
+    <p:sldLayoutId id="2147483659" r:id="rId11"/>
   </p:sldLayoutIdLst>
+  <p:hf sldNum="0" hdr="0" ftr="0" dt="0"/>
   <p:txStyles>
     <p:titleStyle>
       <a:lvl1pPr algn="l" defTabSz="914400" rtl="0" eaLnBrk="1" latinLnBrk="0" hangingPunct="1">
@@ -3137,7 +3573,7 @@
     </p:bodyStyle>
     <p:otherStyle>
       <a:defPPr>
-        <a:defRPr lang="zh-CN"/>
+        <a:defRPr lang="en-US"/>
       </a:defPPr>
       <a:lvl1pPr marL="0" algn="l" defTabSz="914400" rtl="0" eaLnBrk="1" latinLnBrk="0" hangingPunct="1">
         <a:defRPr sz="1800" kern="1200">
@@ -3246,7 +3682,7 @@
       <p:grpSpPr/>
       <p:sp>
         <p:nvSpPr>
-          <p:cNvPr id="2" name="标题 1"/>
+          <p:cNvPr id="4" name="Title 3"/>
           <p:cNvSpPr>
             <a:spLocks noGrp="1"/>
           </p:cNvSpPr>
@@ -3258,13 +3694,13 @@
         <p:txBody>
           <a:bodyPr/>
           <a:p>
-            <a:endParaRPr lang="zh-CN" altLang="en-US"/>
-          </a:p>
-        </p:txBody>
-      </p:sp>
-      <p:sp>
-        <p:nvSpPr>
-          <p:cNvPr id="3" name="副标题 2"/>
+            <a:endParaRPr lang="en-US"/>
+          </a:p>
+        </p:txBody>
+      </p:sp>
+      <p:sp>
+        <p:nvSpPr>
+          <p:cNvPr id="5" name="Subtitle 4"/>
           <p:cNvSpPr>
             <a:spLocks noGrp="1"/>
           </p:cNvSpPr>
@@ -3276,7 +3712,7 @@
         <p:txBody>
           <a:bodyPr/>
           <a:p>
-            <a:endParaRPr lang="zh-CN" altLang="en-US"/>
+            <a:endParaRPr lang="en-US"/>
           </a:p>
         </p:txBody>
       </p:sp>
@@ -3289,106 +3725,6 @@
 </file>
 
 <file path=ppt/slides/slide10.xml><?xml version="1.0" encoding="utf-8"?>
-<p:sld xmlns:a="http://schemas.openxmlformats.org/drawingml/2006/main" xmlns:r="http://schemas.openxmlformats.org/officeDocument/2006/relationships" xmlns:p="http://schemas.openxmlformats.org/presentationml/2006/main">
-  <p:cSld>
-    <p:spTree>
-      <p:nvGrpSpPr>
-        <p:cNvPr id="1" name=""/>
-        <p:cNvGrpSpPr/>
-        <p:nvPr/>
-      </p:nvGrpSpPr>
-      <p:grpSpPr/>
-      <p:sp>
-        <p:nvSpPr>
-          <p:cNvPr id="2" name="标题 1"/>
-          <p:cNvSpPr>
-            <a:spLocks noGrp="1"/>
-          </p:cNvSpPr>
-          <p:nvPr>
-            <p:ph type="title"/>
-          </p:nvPr>
-        </p:nvSpPr>
-        <p:spPr/>
-        <p:txBody>
-          <a:bodyPr/>
-          <a:p>
-            <a:r>
-              <a:rPr lang="zh-CN" altLang="en-US">
-                <a:sym typeface="+mn-ea"/>
-              </a:rPr>
-              <a:t>一条网络请求之路</a:t>
-            </a:r>
-            <a:endParaRPr lang="zh-CN" altLang="en-US"/>
-          </a:p>
-        </p:txBody>
-      </p:sp>
-      <p:sp>
-        <p:nvSpPr>
-          <p:cNvPr id="3" name="内容占位符 2"/>
-          <p:cNvSpPr>
-            <a:spLocks noGrp="1"/>
-          </p:cNvSpPr>
-          <p:nvPr>
-            <p:ph idx="1"/>
-          </p:nvPr>
-        </p:nvSpPr>
-        <p:spPr/>
-        <p:txBody>
-          <a:bodyPr/>
-          <a:p>
-            <a:r>
-              <a:rPr lang="en-US" altLang="zh-CN"/>
-              <a:t>5.</a:t>
-            </a:r>
-            <a:r>
-              <a:rPr lang="zh-CN" altLang="en-US"/>
-              <a:t>在</a:t>
-            </a:r>
-            <a:r>
-              <a:rPr lang="en-US" altLang="zh-CN"/>
-              <a:t>EgmService</a:t>
-            </a:r>
-            <a:r>
-              <a:rPr lang="zh-CN" altLang="en-US"/>
-              <a:t>定义同意的事务调用入口</a:t>
-            </a:r>
-            <a:endParaRPr lang="zh-CN" altLang="en-US"/>
-          </a:p>
-        </p:txBody>
-      </p:sp>
-      <p:pic>
-        <p:nvPicPr>
-          <p:cNvPr id="4" name="图片 3" descr="old_step6"/>
-          <p:cNvPicPr>
-            <a:picLocks noChangeAspect="1"/>
-          </p:cNvPicPr>
-          <p:nvPr/>
-        </p:nvPicPr>
-        <p:blipFill>
-          <a:blip r:embed="rId1"/>
-          <a:stretch>
-            <a:fillRect/>
-          </a:stretch>
-        </p:blipFill>
-        <p:spPr>
-          <a:xfrm>
-            <a:off x="1163955" y="3529965"/>
-            <a:ext cx="10038080" cy="2647315"/>
-          </a:xfrm>
-          <a:prstGeom prst="rect">
-            <a:avLst/>
-          </a:prstGeom>
-        </p:spPr>
-      </p:pic>
-    </p:spTree>
-  </p:cSld>
-  <p:clrMapOvr>
-    <a:masterClrMapping/>
-  </p:clrMapOvr>
-</p:sld>
-</file>
-
-<file path=ppt/slides/slide11.xml><?xml version="1.0" encoding="utf-8"?>
 <p:sld xmlns:a="http://schemas.openxmlformats.org/drawingml/2006/main" xmlns:r="http://schemas.openxmlformats.org/officeDocument/2006/relationships" xmlns:p="http://schemas.openxmlformats.org/presentationml/2006/main">
   <p:cSld>
     <p:spTree>
@@ -3488,7 +3824,7 @@
 </p:sld>
 </file>
 
-<file path=ppt/slides/slide12.xml><?xml version="1.0" encoding="utf-8"?>
+<file path=ppt/slides/slide11.xml><?xml version="1.0" encoding="utf-8"?>
 <p:sld xmlns:a="http://schemas.openxmlformats.org/drawingml/2006/main" xmlns:r="http://schemas.openxmlformats.org/officeDocument/2006/relationships" xmlns:p="http://schemas.openxmlformats.org/presentationml/2006/main">
   <p:cSld>
     <p:spTree>
@@ -3579,7 +3915,7 @@
 </p:sld>
 </file>
 
-<file path=ppt/slides/slide13.xml><?xml version="1.0" encoding="utf-8"?>
+<file path=ppt/slides/slide12.xml><?xml version="1.0" encoding="utf-8"?>
 <p:sld xmlns:a="http://schemas.openxmlformats.org/drawingml/2006/main" xmlns:r="http://schemas.openxmlformats.org/officeDocument/2006/relationships" xmlns:p="http://schemas.openxmlformats.org/presentationml/2006/main">
   <p:cSld>
     <p:spTree>
@@ -3667,6 +4003,110 @@
 </p:sld>
 </file>
 
+<file path=ppt/slides/slide13.xml><?xml version="1.0" encoding="utf-8"?>
+<p:sld xmlns:a="http://schemas.openxmlformats.org/drawingml/2006/main" xmlns:r="http://schemas.openxmlformats.org/officeDocument/2006/relationships" xmlns:p="http://schemas.openxmlformats.org/presentationml/2006/main">
+  <p:cSld>
+    <p:spTree>
+      <p:nvGrpSpPr>
+        <p:cNvPr id="1" name=""/>
+        <p:cNvGrpSpPr/>
+        <p:nvPr/>
+      </p:nvGrpSpPr>
+      <p:grpSpPr/>
+      <p:sp>
+        <p:nvSpPr>
+          <p:cNvPr id="2" name="标题 1"/>
+          <p:cNvSpPr>
+            <a:spLocks noGrp="1"/>
+          </p:cNvSpPr>
+          <p:nvPr>
+            <p:ph type="title"/>
+          </p:nvPr>
+        </p:nvSpPr>
+        <p:spPr/>
+        <p:txBody>
+          <a:bodyPr/>
+          <a:p>
+            <a:r>
+              <a:rPr lang="x-none" altLang="zh-CN"/>
+              <a:t>WHY</a:t>
+            </a:r>
+            <a:endParaRPr lang="x-none" altLang="zh-CN"/>
+          </a:p>
+        </p:txBody>
+      </p:sp>
+      <p:sp>
+        <p:nvSpPr>
+          <p:cNvPr id="3" name="内容占位符 2"/>
+          <p:cNvSpPr>
+            <a:spLocks noGrp="1"/>
+          </p:cNvSpPr>
+          <p:nvPr>
+            <p:ph idx="1"/>
+          </p:nvPr>
+        </p:nvSpPr>
+        <p:spPr/>
+        <p:txBody>
+          <a:bodyPr/>
+          <a:p>
+            <a:pPr marL="0" indent="0">
+              <a:buNone/>
+            </a:pPr>
+            <a:endParaRPr lang="x-none" altLang="zh-CN"/>
+          </a:p>
+          <a:p>
+            <a:r>
+              <a:rPr lang="zh-CN" altLang="en-US"/>
+              <a:t>1. 一个普通的网络请求</a:t>
+            </a:r>
+            <a:r>
+              <a:rPr lang="x-none" altLang="zh-CN"/>
+              <a:t>需要改动6个文件</a:t>
+            </a:r>
+            <a:endParaRPr lang="x-none" altLang="zh-CN"/>
+          </a:p>
+          <a:p>
+            <a:r>
+              <a:rPr lang="zh-CN" altLang="en-US"/>
+              <a:t>2. 很难根据网络请求追踪到网络返回，反之亦然</a:t>
+            </a:r>
+            <a:endParaRPr lang="zh-CN" altLang="en-US"/>
+          </a:p>
+          <a:p>
+            <a:r>
+              <a:rPr lang="zh-CN" altLang="en-US"/>
+              <a:t>3. 回调对象不能及时被回收，占用内存</a:t>
+            </a:r>
+            <a:endParaRPr lang="x-none" altLang="zh-CN"/>
+          </a:p>
+          <a:p>
+            <a:r>
+              <a:rPr lang="x-none" altLang="zh-CN"/>
+              <a:t>4.多次重复的请求很难进行区分</a:t>
+            </a:r>
+            <a:endParaRPr lang="x-none" altLang="zh-CN"/>
+          </a:p>
+          <a:p>
+            <a:r>
+              <a:rPr lang="x-none" altLang="zh-CN"/>
+              <a:t>5</a:t>
+            </a:r>
+            <a:r>
+              <a:rPr lang="zh-CN" altLang="en-US"/>
+              <a:t>. 对多次相同网路请求处理繁琐</a:t>
+            </a:r>
+            <a:endParaRPr lang="zh-CN" altLang="en-US"/>
+          </a:p>
+        </p:txBody>
+      </p:sp>
+    </p:spTree>
+  </p:cSld>
+  <p:clrMapOvr>
+    <a:masterClrMapping/>
+  </p:clrMapOvr>
+</p:sld>
+</file>
+
 <file path=ppt/slides/slide14.xml><?xml version="1.0" encoding="utf-8"?>
 <p:sld xmlns:a="http://schemas.openxmlformats.org/drawingml/2006/main" xmlns:r="http://schemas.openxmlformats.org/officeDocument/2006/relationships" xmlns:p="http://schemas.openxmlformats.org/presentationml/2006/main">
   <p:cSld>
@@ -3693,7 +4133,7 @@
           <a:p>
             <a:r>
               <a:rPr lang="zh-CN" altLang="en-US"/>
-              <a:t>结论</a:t>
+              <a:t>WHAT WE WANT</a:t>
             </a:r>
             <a:endParaRPr lang="zh-CN" altLang="en-US"/>
           </a:p>
@@ -3715,43 +4155,28 @@
           <a:p>
             <a:r>
               <a:rPr lang="zh-CN" altLang="en-US"/>
-              <a:t>1. 一个普通的网络请求</a:t>
-            </a:r>
-            <a:r>
-              <a:rPr lang="x-none" altLang="zh-CN"/>
-              <a:t>需要改动6个文件</a:t>
-            </a:r>
-            <a:endParaRPr lang="x-none" altLang="zh-CN"/>
+              <a:t>1. 接口简单，使用方便</a:t>
+            </a:r>
+            <a:endParaRPr lang="zh-CN" altLang="en-US"/>
           </a:p>
           <a:p>
             <a:r>
               <a:rPr lang="zh-CN" altLang="en-US"/>
-              <a:t>2. 很难根据网络请求追踪到网络返回，反之亦然</a:t>
+              <a:t>2. 易于扩展和替换</a:t>
             </a:r>
             <a:endParaRPr lang="zh-CN" altLang="en-US"/>
           </a:p>
           <a:p>
             <a:r>
               <a:rPr lang="zh-CN" altLang="en-US"/>
-              <a:t>3. 回调对象不能及时被回收，占用内存</a:t>
+              <a:t>3. 方便监控</a:t>
             </a:r>
             <a:endParaRPr lang="zh-CN" altLang="en-US"/>
           </a:p>
           <a:p>
             <a:r>
-              <a:rPr lang="x-none" altLang="zh-CN"/>
-              <a:t>4.多次重复的请求很难进行区分</a:t>
-            </a:r>
-            <a:endParaRPr lang="x-none" altLang="zh-CN"/>
-          </a:p>
-          <a:p>
-            <a:r>
-              <a:rPr lang="x-none" altLang="zh-CN"/>
-              <a:t>5</a:t>
-            </a:r>
-            <a:r>
               <a:rPr lang="zh-CN" altLang="en-US"/>
-              <a:t>. 对多次相同网路请求处理繁琐</a:t>
+              <a:t>4. 高性能</a:t>
             </a:r>
             <a:endParaRPr lang="zh-CN" altLang="en-US"/>
           </a:p>
@@ -3787,89 +4212,6 @@
         </p:nvSpPr>
         <p:spPr/>
         <p:txBody>
-          <a:bodyPr/>
-          <a:p>
-            <a:r>
-              <a:rPr lang="zh-CN" altLang="en-US"/>
-              <a:t>WHAT WE WANT</a:t>
-            </a:r>
-            <a:endParaRPr lang="zh-CN" altLang="en-US"/>
-          </a:p>
-        </p:txBody>
-      </p:sp>
-      <p:sp>
-        <p:nvSpPr>
-          <p:cNvPr id="3" name="内容占位符 2"/>
-          <p:cNvSpPr>
-            <a:spLocks noGrp="1"/>
-          </p:cNvSpPr>
-          <p:nvPr>
-            <p:ph idx="1"/>
-          </p:nvPr>
-        </p:nvSpPr>
-        <p:spPr/>
-        <p:txBody>
-          <a:bodyPr/>
-          <a:p>
-            <a:r>
-              <a:rPr lang="zh-CN" altLang="en-US"/>
-              <a:t>1. 接口简单，使用方便</a:t>
-            </a:r>
-            <a:endParaRPr lang="zh-CN" altLang="en-US"/>
-          </a:p>
-          <a:p>
-            <a:r>
-              <a:rPr lang="zh-CN" altLang="en-US"/>
-              <a:t>2. 易于扩展和替换</a:t>
-            </a:r>
-            <a:endParaRPr lang="zh-CN" altLang="en-US"/>
-          </a:p>
-          <a:p>
-            <a:r>
-              <a:rPr lang="zh-CN" altLang="en-US"/>
-              <a:t>3. 方便监控</a:t>
-            </a:r>
-            <a:endParaRPr lang="zh-CN" altLang="en-US"/>
-          </a:p>
-          <a:p>
-            <a:r>
-              <a:rPr lang="zh-CN" altLang="en-US"/>
-              <a:t>4. 高性能</a:t>
-            </a:r>
-            <a:endParaRPr lang="zh-CN" altLang="en-US"/>
-          </a:p>
-        </p:txBody>
-      </p:sp>
-    </p:spTree>
-  </p:cSld>
-  <p:clrMapOvr>
-    <a:masterClrMapping/>
-  </p:clrMapOvr>
-</p:sld>
-</file>
-
-<file path=ppt/slides/slide16.xml><?xml version="1.0" encoding="utf-8"?>
-<p:sld xmlns:a="http://schemas.openxmlformats.org/drawingml/2006/main" xmlns:r="http://schemas.openxmlformats.org/officeDocument/2006/relationships" xmlns:p="http://schemas.openxmlformats.org/presentationml/2006/main">
-  <p:cSld>
-    <p:spTree>
-      <p:nvGrpSpPr>
-        <p:cNvPr id="1" name=""/>
-        <p:cNvGrpSpPr/>
-        <p:nvPr/>
-      </p:nvGrpSpPr>
-      <p:grpSpPr/>
-      <p:sp>
-        <p:nvSpPr>
-          <p:cNvPr id="2" name="标题 1"/>
-          <p:cNvSpPr>
-            <a:spLocks noGrp="1"/>
-          </p:cNvSpPr>
-          <p:nvPr>
-            <p:ph type="title"/>
-          </p:nvPr>
-        </p:nvSpPr>
-        <p:spPr/>
-        <p:txBody>
           <a:bodyPr>
             <a:normAutofit/>
           </a:bodyPr>
@@ -3881,6 +4223,24 @@
               <a:t>HOW TO MAKE IT</a:t>
             </a:r>
             <a:endParaRPr lang="zh-CN" altLang="en-US"/>
+          </a:p>
+        </p:txBody>
+      </p:sp>
+      <p:sp>
+        <p:nvSpPr>
+          <p:cNvPr id="3" name="Content Placeholder 2"/>
+          <p:cNvSpPr>
+            <a:spLocks noGrp="1"/>
+          </p:cNvSpPr>
+          <p:nvPr>
+            <p:ph idx="1"/>
+          </p:nvPr>
+        </p:nvSpPr>
+        <p:spPr/>
+        <p:txBody>
+          <a:bodyPr/>
+          <a:p>
+            <a:endParaRPr lang="en-US"/>
           </a:p>
         </p:txBody>
       </p:sp>
@@ -4090,7 +4450,7 @@
 </p:sld>
 </file>
 
-<file path=ppt/slides/slide17.xml><?xml version="1.0" encoding="utf-8"?>
+<file path=ppt/slides/slide16.xml><?xml version="1.0" encoding="utf-8"?>
 <p:sld xmlns:a="http://schemas.openxmlformats.org/drawingml/2006/main" xmlns:r="http://schemas.openxmlformats.org/officeDocument/2006/relationships" xmlns:p="http://schemas.openxmlformats.org/presentationml/2006/main">
   <p:cSld>
     <p:spTree>
@@ -4102,7 +4462,7 @@
       <p:grpSpPr/>
       <p:sp>
         <p:nvSpPr>
-          <p:cNvPr id="2" name="Title 1"/>
+          <p:cNvPr id="5" name="Title 4"/>
           <p:cNvSpPr>
             <a:spLocks noGrp="1"/>
           </p:cNvSpPr>
@@ -4120,7 +4480,7 @@
       </p:sp>
       <p:sp>
         <p:nvSpPr>
-          <p:cNvPr id="3" name="Content Placeholder 2"/>
+          <p:cNvPr id="7" name="Content Placeholder 6"/>
           <p:cNvSpPr>
             <a:spLocks noGrp="1"/>
           </p:cNvSpPr>
@@ -4192,7 +4552,7 @@
 </p:sld>
 </file>
 
-<file path=ppt/slides/slide18.xml><?xml version="1.0" encoding="utf-8"?>
+<file path=ppt/slides/slide17.xml><?xml version="1.0" encoding="utf-8"?>
 <p:sld xmlns:a="http://schemas.openxmlformats.org/drawingml/2006/main" xmlns:r="http://schemas.openxmlformats.org/officeDocument/2006/relationships" xmlns:p="http://schemas.openxmlformats.org/presentationml/2006/main">
   <p:cSld>
     <p:spTree>
@@ -4204,7 +4564,7 @@
       <p:grpSpPr/>
       <p:sp>
         <p:nvSpPr>
-          <p:cNvPr id="2" name="标题 1"/>
+          <p:cNvPr id="3" name="Title 2"/>
           <p:cNvSpPr>
             <a:spLocks noGrp="1"/>
           </p:cNvSpPr>
@@ -4216,7 +4576,7 @@
         <p:txBody>
           <a:bodyPr/>
           <a:p>
-            <a:endParaRPr lang="zh-CN" altLang="en-US"/>
+            <a:endParaRPr lang="en-US"/>
           </a:p>
         </p:txBody>
       </p:sp>
@@ -4257,7 +4617,7 @@
 </p:sld>
 </file>
 
-<file path=ppt/slides/slide19.xml><?xml version="1.0" encoding="utf-8"?>
+<file path=ppt/slides/slide18.xml><?xml version="1.0" encoding="utf-8"?>
 <p:sld xmlns:a="http://schemas.openxmlformats.org/drawingml/2006/main" xmlns:r="http://schemas.openxmlformats.org/officeDocument/2006/relationships" xmlns:p="http://schemas.openxmlformats.org/presentationml/2006/main">
   <p:cSld>
     <p:spTree>
@@ -4269,7 +4629,7 @@
       <p:grpSpPr/>
       <p:sp>
         <p:nvSpPr>
-          <p:cNvPr id="2" name="标题 1"/>
+          <p:cNvPr id="3" name="Title 2"/>
           <p:cNvSpPr>
             <a:spLocks noGrp="1"/>
           </p:cNvSpPr>
@@ -4281,7 +4641,7 @@
         <p:txBody>
           <a:bodyPr/>
           <a:p>
-            <a:endParaRPr lang="zh-CN" altLang="en-US"/>
+            <a:endParaRPr lang="en-US"/>
           </a:p>
         </p:txBody>
       </p:sp>
@@ -4322,7 +4682,7 @@
 </p:sld>
 </file>
 
-<file path=ppt/slides/slide2.xml><?xml version="1.0" encoding="utf-8"?>
+<file path=ppt/slides/slide19.xml><?xml version="1.0" encoding="utf-8"?>
 <p:sld xmlns:a="http://schemas.openxmlformats.org/drawingml/2006/main" xmlns:r="http://schemas.openxmlformats.org/officeDocument/2006/relationships" xmlns:p="http://schemas.openxmlformats.org/presentationml/2006/main">
   <p:cSld>
     <p:spTree>
@@ -4334,7 +4694,7 @@
       <p:grpSpPr/>
       <p:sp>
         <p:nvSpPr>
-          <p:cNvPr id="2" name="标题 1"/>
+          <p:cNvPr id="3" name="Title 2"/>
           <p:cNvSpPr>
             <a:spLocks noGrp="1"/>
           </p:cNvSpPr>
@@ -4346,86 +4706,7 @@
         <p:txBody>
           <a:bodyPr/>
           <a:p>
-            <a:endParaRPr lang="zh-CN" altLang="en-US"/>
-          </a:p>
-        </p:txBody>
-      </p:sp>
-      <p:sp>
-        <p:nvSpPr>
-          <p:cNvPr id="3" name="内容占位符 2"/>
-          <p:cNvSpPr>
-            <a:spLocks noGrp="1"/>
-          </p:cNvSpPr>
-          <p:nvPr>
-            <p:ph idx="1"/>
-          </p:nvPr>
-        </p:nvSpPr>
-        <p:spPr/>
-        <p:txBody>
-          <a:bodyPr/>
-          <a:p>
-            <a:r>
-              <a:rPr lang="x-none" altLang="zh-CN"/>
-              <a:t>Why we want to make a change</a:t>
-            </a:r>
-            <a:endParaRPr lang="x-none" altLang="zh-CN"/>
-          </a:p>
-          <a:p>
-            <a:r>
-              <a:rPr lang="x-none" altLang="zh-CN"/>
-              <a:t>What we want</a:t>
-            </a:r>
-            <a:endParaRPr lang="x-none" altLang="zh-CN"/>
-          </a:p>
-          <a:p>
-            <a:r>
-              <a:rPr lang="x-none" altLang="zh-CN"/>
-              <a:t>How to make it</a:t>
-            </a:r>
-            <a:endParaRPr lang="x-none" altLang="zh-CN"/>
-          </a:p>
-          <a:p>
-            <a:r>
-              <a:rPr lang="x-none" altLang="zh-CN"/>
-              <a:t>more</a:t>
-            </a:r>
-            <a:endParaRPr lang="x-none" altLang="zh-CN"/>
-          </a:p>
-        </p:txBody>
-      </p:sp>
-    </p:spTree>
-  </p:cSld>
-  <p:clrMapOvr>
-    <a:masterClrMapping/>
-  </p:clrMapOvr>
-</p:sld>
-</file>
-
-<file path=ppt/slides/slide20.xml><?xml version="1.0" encoding="utf-8"?>
-<p:sld xmlns:a="http://schemas.openxmlformats.org/drawingml/2006/main" xmlns:r="http://schemas.openxmlformats.org/officeDocument/2006/relationships" xmlns:p="http://schemas.openxmlformats.org/presentationml/2006/main">
-  <p:cSld>
-    <p:spTree>
-      <p:nvGrpSpPr>
-        <p:cNvPr id="1" name=""/>
-        <p:cNvGrpSpPr/>
-        <p:nvPr/>
-      </p:nvGrpSpPr>
-      <p:grpSpPr/>
-      <p:sp>
-        <p:nvSpPr>
-          <p:cNvPr id="2" name="标题 1"/>
-          <p:cNvSpPr>
-            <a:spLocks noGrp="1"/>
-          </p:cNvSpPr>
-          <p:nvPr>
-            <p:ph type="title"/>
-          </p:nvPr>
-        </p:nvSpPr>
-        <p:spPr/>
-        <p:txBody>
-          <a:bodyPr/>
-          <a:p>
-            <a:endParaRPr lang="zh-CN" altLang="en-US"/>
+            <a:endParaRPr lang="en-US"/>
           </a:p>
         </p:txBody>
       </p:sp>
@@ -4466,6 +4747,220 @@
 </p:sld>
 </file>
 
+<file path=ppt/slides/slide2.xml><?xml version="1.0" encoding="utf-8"?>
+<p:sld xmlns:a="http://schemas.openxmlformats.org/drawingml/2006/main" xmlns:r="http://schemas.openxmlformats.org/officeDocument/2006/relationships" xmlns:p="http://schemas.openxmlformats.org/presentationml/2006/main">
+  <p:cSld>
+    <p:spTree>
+      <p:nvGrpSpPr>
+        <p:cNvPr id="1" name=""/>
+        <p:cNvGrpSpPr/>
+        <p:nvPr/>
+      </p:nvGrpSpPr>
+      <p:grpSpPr/>
+      <p:sp>
+        <p:nvSpPr>
+          <p:cNvPr id="2" name="标题 1"/>
+          <p:cNvSpPr>
+            <a:spLocks noGrp="1"/>
+          </p:cNvSpPr>
+          <p:nvPr>
+            <p:ph type="title"/>
+          </p:nvPr>
+        </p:nvSpPr>
+        <p:spPr/>
+        <p:txBody>
+          <a:bodyPr/>
+          <a:p>
+            <a:r>
+              <a:rPr lang="x-none" altLang="zh-CN"/>
+              <a:t>outline</a:t>
+            </a:r>
+            <a:endParaRPr lang="x-none" altLang="zh-CN"/>
+          </a:p>
+        </p:txBody>
+      </p:sp>
+      <p:sp>
+        <p:nvSpPr>
+          <p:cNvPr id="3" name="内容占位符 2"/>
+          <p:cNvSpPr>
+            <a:spLocks noGrp="1"/>
+          </p:cNvSpPr>
+          <p:nvPr>
+            <p:ph idx="1"/>
+          </p:nvPr>
+        </p:nvSpPr>
+        <p:spPr/>
+        <p:txBody>
+          <a:bodyPr/>
+          <a:p>
+            <a:r>
+              <a:rPr lang="x-none" altLang="zh-CN"/>
+              <a:t>Why we want to make a change</a:t>
+            </a:r>
+            <a:endParaRPr lang="x-none" altLang="zh-CN"/>
+          </a:p>
+          <a:p>
+            <a:r>
+              <a:rPr lang="x-none" altLang="zh-CN"/>
+              <a:t>What we want</a:t>
+            </a:r>
+            <a:endParaRPr lang="x-none" altLang="zh-CN"/>
+          </a:p>
+          <a:p>
+            <a:r>
+              <a:rPr lang="x-none" altLang="zh-CN"/>
+              <a:t>How to make it</a:t>
+            </a:r>
+            <a:endParaRPr lang="x-none" altLang="zh-CN"/>
+          </a:p>
+          <a:p>
+            <a:pPr lvl="0"/>
+            <a:r>
+              <a:rPr lang="x-none" altLang="zh-CN"/>
+              <a:t>more</a:t>
+            </a:r>
+            <a:endParaRPr lang="x-none" altLang="zh-CN"/>
+          </a:p>
+        </p:txBody>
+      </p:sp>
+    </p:spTree>
+  </p:cSld>
+  <p:clrMapOvr>
+    <a:masterClrMapping/>
+  </p:clrMapOvr>
+</p:sld>
+</file>
+
+<file path=ppt/slides/slide20.xml><?xml version="1.0" encoding="utf-8"?>
+<p:sld xmlns:a="http://schemas.openxmlformats.org/drawingml/2006/main" xmlns:r="http://schemas.openxmlformats.org/officeDocument/2006/relationships" xmlns:p="http://schemas.openxmlformats.org/presentationml/2006/main">
+  <p:cSld>
+    <p:spTree>
+      <p:nvGrpSpPr>
+        <p:cNvPr id="1" name=""/>
+        <p:cNvGrpSpPr/>
+        <p:nvPr/>
+      </p:nvGrpSpPr>
+      <p:grpSpPr/>
+      <p:sp>
+        <p:nvSpPr>
+          <p:cNvPr id="2" name="Title 1"/>
+          <p:cNvSpPr>
+            <a:spLocks noGrp="1"/>
+          </p:cNvSpPr>
+          <p:nvPr>
+            <p:ph type="title"/>
+          </p:nvPr>
+        </p:nvSpPr>
+        <p:spPr/>
+        <p:txBody>
+          <a:bodyPr/>
+          <a:p>
+            <a:r>
+              <a:rPr lang="x-none" altLang="en-US"/>
+              <a:t>WHY OKHTTP</a:t>
+            </a:r>
+            <a:endParaRPr lang="x-none" altLang="en-US"/>
+          </a:p>
+        </p:txBody>
+      </p:sp>
+      <p:sp>
+        <p:nvSpPr>
+          <p:cNvPr id="3" name="Content Placeholder 2"/>
+          <p:cNvSpPr>
+            <a:spLocks noGrp="1"/>
+          </p:cNvSpPr>
+          <p:nvPr>
+            <p:ph idx="1"/>
+          </p:nvPr>
+        </p:nvSpPr>
+        <p:spPr/>
+        <p:txBody>
+          <a:bodyPr>
+            <a:normAutofit lnSpcReduction="10000"/>
+          </a:bodyPr>
+          <a:p>
+            <a:pPr marL="0" indent="0">
+              <a:buNone/>
+            </a:pPr>
+            <a:r>
+              <a:rPr lang="en-US"/>
+              <a:t>OkHttp is an HTTP client that’s efficient by default:</a:t>
+            </a:r>
+            <a:endParaRPr lang="en-US"/>
+          </a:p>
+          <a:p>
+            <a:r>
+              <a:rPr lang="en-US" sz="2000"/>
+              <a:t>HTTP/2 support allows all requests to the same host to share a socket.</a:t>
+            </a:r>
+            <a:endParaRPr lang="en-US" sz="2000"/>
+          </a:p>
+          <a:p>
+            <a:r>
+              <a:rPr lang="en-US" sz="2000"/>
+              <a:t>Connection pooling reduces request latency (if HTTP/2 isn’t available).</a:t>
+            </a:r>
+            <a:endParaRPr lang="en-US" sz="2000"/>
+          </a:p>
+          <a:p>
+            <a:r>
+              <a:rPr lang="en-US" sz="2000"/>
+              <a:t>Transparent GZIP shrinks download sizes.</a:t>
+            </a:r>
+            <a:endParaRPr lang="en-US" sz="2000"/>
+          </a:p>
+          <a:p>
+            <a:r>
+              <a:rPr lang="en-US" sz="2000"/>
+              <a:t>Response caching avoids the network completely for repeat requests.</a:t>
+            </a:r>
+            <a:endParaRPr lang="en-US" sz="2000"/>
+          </a:p>
+          <a:p>
+            <a:r>
+              <a:rPr lang="en-US" sz="2000"/>
+              <a:t>supports both synchronous blocking calls and async calls with callbacks.</a:t>
+            </a:r>
+            <a:endParaRPr lang="en-US" sz="2000"/>
+          </a:p>
+          <a:p>
+            <a:r>
+              <a:rPr lang="en-US" sz="2000"/>
+              <a:t>support https</a:t>
+            </a:r>
+            <a:endParaRPr lang="en-US" sz="2000"/>
+          </a:p>
+          <a:p>
+            <a:r>
+              <a:rPr lang="en-US" sz="2000"/>
+              <a:t>over 13,000 stars on github</a:t>
+            </a:r>
+            <a:endParaRPr lang="en-US" sz="2000"/>
+          </a:p>
+          <a:p>
+            <a:r>
+              <a:rPr lang="en-US" sz="2000"/>
+              <a:t>continuous maintenance</a:t>
+            </a:r>
+            <a:endParaRPr lang="en-US" sz="2000"/>
+          </a:p>
+          <a:p>
+            <a:r>
+              <a:rPr lang="x-none" altLang="en-US" sz="2000"/>
+              <a:t>more...</a:t>
+            </a:r>
+            <a:endParaRPr lang="x-none" altLang="en-US" sz="2000"/>
+          </a:p>
+        </p:txBody>
+      </p:sp>
+    </p:spTree>
+  </p:cSld>
+  <p:clrMapOvr>
+    <a:masterClrMapping/>
+  </p:clrMapOvr>
+</p:sld>
+</file>
+
 <file path=ppt/slides/slide21.xml><?xml version="1.0" encoding="utf-8"?>
 <p:sld xmlns:a="http://schemas.openxmlformats.org/drawingml/2006/main" xmlns:r="http://schemas.openxmlformats.org/officeDocument/2006/relationships" xmlns:p="http://schemas.openxmlformats.org/presentationml/2006/main">
   <p:cSld>
@@ -4478,7 +4973,7 @@
       <p:grpSpPr/>
       <p:sp>
         <p:nvSpPr>
-          <p:cNvPr id="2" name="Title 1"/>
+          <p:cNvPr id="2" name="标题 1"/>
           <p:cNvSpPr>
             <a:spLocks noGrp="1"/>
           </p:cNvSpPr>
@@ -4491,16 +4986,18 @@
           <a:bodyPr/>
           <a:p>
             <a:r>
-              <a:rPr lang="x-none" altLang="en-US"/>
-              <a:t>WHY OKHTTP</a:t>
-            </a:r>
-            <a:endParaRPr lang="x-none" altLang="en-US"/>
-          </a:p>
-        </p:txBody>
-      </p:sp>
-      <p:sp>
-        <p:nvSpPr>
-          <p:cNvPr id="3" name="Content Placeholder 2"/>
+              <a:rPr lang="x-none" altLang="zh-CN">
+                <a:sym typeface="+mn-ea"/>
+              </a:rPr>
+              <a:t>okhttp实现原理</a:t>
+            </a:r>
+            <a:endParaRPr lang="zh-CN" altLang="en-US"/>
+          </a:p>
+        </p:txBody>
+      </p:sp>
+      <p:sp>
+        <p:nvSpPr>
+          <p:cNvPr id="3" name="内容占位符 2"/>
           <p:cNvSpPr>
             <a:spLocks noGrp="1"/>
           </p:cNvSpPr>
@@ -4518,73 +5015,90 @@
               <a:buNone/>
             </a:pPr>
             <a:r>
-              <a:rPr lang="en-US"/>
-              <a:t>OkHttp is an HTTP client that’s efficient by default:</a:t>
-            </a:r>
-            <a:endParaRPr lang="en-US"/>
-          </a:p>
-          <a:p>
-            <a:r>
-              <a:rPr lang="en-US" sz="2000"/>
-              <a:t>HTTP/2 support allows all requests to the same host to share a socket.</a:t>
-            </a:r>
-            <a:endParaRPr lang="en-US" sz="2000"/>
-          </a:p>
-          <a:p>
-            <a:r>
-              <a:rPr lang="en-US" sz="2000"/>
-              <a:t>Connection pooling reduces request latency (if HTTP/2 isn’t available).</a:t>
-            </a:r>
-            <a:endParaRPr lang="en-US" sz="2000"/>
-          </a:p>
-          <a:p>
-            <a:r>
-              <a:rPr lang="en-US" sz="2000"/>
-              <a:t>Transparent GZIP shrinks download sizes.</a:t>
-            </a:r>
-            <a:endParaRPr lang="en-US" sz="2000"/>
-          </a:p>
-          <a:p>
-            <a:r>
-              <a:rPr lang="en-US" sz="2000"/>
-              <a:t>Response caching avoids the network completely for repeat requests.</a:t>
-            </a:r>
-            <a:endParaRPr lang="en-US" sz="2000"/>
-          </a:p>
-          <a:p>
-            <a:r>
-              <a:rPr lang="en-US" sz="2000"/>
-              <a:t>supports both synchronous blocking calls and async calls with callbacks.</a:t>
-            </a:r>
-            <a:endParaRPr lang="en-US" sz="2000"/>
-          </a:p>
-          <a:p>
-            <a:r>
-              <a:rPr lang="en-US" sz="2000"/>
-              <a:t>support https</a:t>
-            </a:r>
-            <a:endParaRPr lang="en-US" sz="2000"/>
-          </a:p>
-          <a:p>
-            <a:r>
-              <a:rPr lang="en-US" sz="2000"/>
-              <a:t>over 13,000 stars on github</a:t>
-            </a:r>
-            <a:endParaRPr lang="en-US" sz="2000"/>
-          </a:p>
-          <a:p>
-            <a:r>
-              <a:rPr lang="en-US" sz="2000"/>
-              <a:t>continuous maintenance</a:t>
-            </a:r>
-            <a:endParaRPr lang="en-US" sz="2000"/>
-          </a:p>
-          <a:p>
-            <a:r>
-              <a:rPr lang="x-none" altLang="en-US" sz="2000"/>
-              <a:t>more...</a:t>
-            </a:r>
-            <a:endParaRPr lang="x-none" altLang="en-US" sz="2000"/>
+              <a:rPr lang="x-none" altLang="zh-CN"/>
+              <a:t>OkHttpClient</a:t>
+            </a:r>
+            <a:endParaRPr lang="x-none" altLang="zh-CN"/>
+          </a:p>
+          <a:p>
+            <a:pPr marL="0" indent="0">
+              <a:buNone/>
+            </a:pPr>
+            <a:r>
+              <a:rPr lang="x-none" altLang="zh-CN"/>
+              <a:t>	a.配置信息和资源管理</a:t>
+            </a:r>
+            <a:endParaRPr lang="x-none" altLang="zh-CN"/>
+          </a:p>
+          <a:p>
+            <a:pPr marL="0" indent="0">
+              <a:buNone/>
+            </a:pPr>
+            <a:r>
+              <a:rPr lang="x-none" altLang="zh-CN"/>
+              <a:t>		Dispatcher</a:t>
+            </a:r>
+            <a:endParaRPr lang="x-none" altLang="zh-CN"/>
+          </a:p>
+          <a:p>
+            <a:pPr marL="0" indent="0">
+              <a:buNone/>
+            </a:pPr>
+            <a:r>
+              <a:rPr lang="x-none" altLang="zh-CN"/>
+              <a:t>		dns</a:t>
+            </a:r>
+            <a:endParaRPr lang="x-none" altLang="zh-CN"/>
+          </a:p>
+          <a:p>
+            <a:pPr marL="0" indent="0">
+              <a:buNone/>
+            </a:pPr>
+            <a:r>
+              <a:rPr lang="x-none" altLang="zh-CN"/>
+              <a:t>		timeout</a:t>
+            </a:r>
+            <a:endParaRPr lang="x-none" altLang="zh-CN"/>
+          </a:p>
+          <a:p>
+            <a:pPr marL="0" indent="0">
+              <a:buNone/>
+            </a:pPr>
+            <a:r>
+              <a:rPr lang="x-none" altLang="zh-CN"/>
+              <a:t>		cookie</a:t>
+            </a:r>
+            <a:endParaRPr lang="x-none" altLang="zh-CN"/>
+          </a:p>
+          <a:p>
+            <a:pPr marL="0" indent="0">
+              <a:buNone/>
+            </a:pPr>
+            <a:r>
+              <a:rPr lang="x-none" altLang="zh-CN"/>
+              <a:t>		cache</a:t>
+            </a:r>
+            <a:endParaRPr lang="x-none" altLang="zh-CN"/>
+          </a:p>
+          <a:p>
+            <a:pPr marL="0" indent="0">
+              <a:buNone/>
+            </a:pPr>
+            <a:r>
+              <a:rPr lang="x-none" altLang="zh-CN"/>
+              <a:t>		more...</a:t>
+            </a:r>
+            <a:endParaRPr lang="x-none" altLang="zh-CN"/>
+          </a:p>
+          <a:p>
+            <a:pPr marL="0" indent="0">
+              <a:buNone/>
+            </a:pPr>
+            <a:r>
+              <a:rPr lang="x-none" altLang="zh-CN"/>
+              <a:t>	b.Call工厂</a:t>
+            </a:r>
+            <a:endParaRPr lang="x-none" altLang="zh-CN"/>
           </a:p>
         </p:txBody>
       </p:sp>
@@ -4621,12 +5135,10 @@
           <a:bodyPr/>
           <a:p>
             <a:r>
-              <a:rPr lang="x-none" altLang="zh-CN">
-                <a:sym typeface="+mn-ea"/>
-              </a:rPr>
+              <a:rPr lang="x-none" altLang="zh-CN"/>
               <a:t>okhttp实现原理</a:t>
             </a:r>
-            <a:endParaRPr lang="zh-CN" altLang="en-US"/>
+            <a:endParaRPr lang="x-none" altLang="zh-CN"/>
           </a:p>
         </p:txBody>
       </p:sp>
@@ -4642,119 +5154,16 @@
         </p:nvSpPr>
         <p:spPr/>
         <p:txBody>
-          <a:bodyPr>
-            <a:normAutofit lnSpcReduction="10000"/>
-          </a:bodyPr>
-          <a:p>
-            <a:pPr marL="0" indent="0">
-              <a:buNone/>
-            </a:pPr>
+          <a:bodyPr/>
+          <a:p>
             <a:r>
               <a:rPr lang="x-none" altLang="zh-CN"/>
-              <a:t>OkHttpClient</a:t>
+              <a:t>Call代表一条网络请求的全部过程</a:t>
             </a:r>
             <a:endParaRPr lang="x-none" altLang="zh-CN"/>
           </a:p>
-          <a:p>
-            <a:pPr marL="0" indent="0">
-              <a:buNone/>
-            </a:pPr>
-            <a:r>
-              <a:rPr lang="x-none" altLang="zh-CN"/>
-              <a:t>	a.配置信息和资源管理</a:t>
-            </a:r>
-            <a:endParaRPr lang="x-none" altLang="zh-CN"/>
-          </a:p>
-          <a:p>
-            <a:pPr marL="0" indent="0">
-              <a:buNone/>
-            </a:pPr>
-            <a:r>
-              <a:rPr lang="x-none" altLang="zh-CN"/>
-              <a:t>		Dispatcher</a:t>
-            </a:r>
-            <a:endParaRPr lang="x-none" altLang="zh-CN"/>
-          </a:p>
-          <a:p>
-            <a:pPr marL="0" indent="0">
-              <a:buNone/>
-            </a:pPr>
-            <a:r>
-              <a:rPr lang="x-none" altLang="zh-CN"/>
-              <a:t>		dns</a:t>
-            </a:r>
-            <a:endParaRPr lang="x-none" altLang="zh-CN"/>
-          </a:p>
-          <a:p>
-            <a:pPr marL="0" indent="0">
-              <a:buNone/>
-            </a:pPr>
-            <a:r>
-              <a:rPr lang="x-none" altLang="zh-CN"/>
-              <a:t>		timeout</a:t>
-            </a:r>
-            <a:endParaRPr lang="x-none" altLang="zh-CN"/>
-          </a:p>
-          <a:p>
-            <a:pPr marL="0" indent="0">
-              <a:buNone/>
-            </a:pPr>
-            <a:r>
-              <a:rPr lang="x-none" altLang="zh-CN"/>
-              <a:t>		cookie</a:t>
-            </a:r>
-            <a:endParaRPr lang="x-none" altLang="zh-CN"/>
-          </a:p>
-          <a:p>
-            <a:pPr marL="0" indent="0">
-              <a:buNone/>
-            </a:pPr>
-            <a:r>
-              <a:rPr lang="x-none" altLang="zh-CN"/>
-              <a:t>		cache</a:t>
-            </a:r>
-            <a:endParaRPr lang="x-none" altLang="zh-CN"/>
-          </a:p>
-          <a:p>
-            <a:pPr marL="0" indent="0">
-              <a:buNone/>
-            </a:pPr>
-            <a:r>
-              <a:rPr lang="x-none" altLang="zh-CN"/>
-              <a:t>		more...</a:t>
-            </a:r>
-            <a:endParaRPr lang="x-none" altLang="zh-CN"/>
-          </a:p>
-          <a:p>
-            <a:pPr marL="0" indent="0">
-              <a:buNone/>
-            </a:pPr>
-            <a:r>
-              <a:rPr lang="x-none" altLang="zh-CN"/>
-              <a:t>	b.Call工厂</a:t>
-            </a:r>
-            <a:endParaRPr lang="x-none" altLang="zh-CN"/>
-          </a:p>
-        </p:txBody>
-      </p:sp>
-    </p:spTree>
-  </p:cSld>
-  <p:clrMapOvr>
-    <a:masterClrMapping/>
-  </p:clrMapOvr>
-</p:sld>
-</file>
-
-<file path=ppt/slides/slide23.xml><?xml version="1.0" encoding="utf-8"?>
-<p:sld xmlns:a="http://schemas.openxmlformats.org/drawingml/2006/main" xmlns:r="http://schemas.openxmlformats.org/officeDocument/2006/relationships" xmlns:p="http://schemas.openxmlformats.org/presentationml/2006/main">
-  <p:cSld>
-    <p:spTree>
-      <p:nvGrpSpPr>
-        <p:cNvPr id="1" name=""/>
-        <p:cNvGrpSpPr/>
-        <p:nvPr/>
-      </p:nvGrpSpPr>
-      <p:grpSpPr/>
+        </p:txBody>
+      </p:sp>
       <p:sp>
         <p:nvSpPr>
           <p:cNvPr id="5" name="Down Arrow 4"/>
@@ -4835,50 +5244,6 @@
       </p:sp>
       <p:sp>
         <p:nvSpPr>
-          <p:cNvPr id="2" name="标题 1"/>
-          <p:cNvSpPr>
-            <a:spLocks noGrp="1"/>
-          </p:cNvSpPr>
-          <p:nvPr>
-            <p:ph type="title"/>
-          </p:nvPr>
-        </p:nvSpPr>
-        <p:spPr/>
-        <p:txBody>
-          <a:bodyPr/>
-          <a:p>
-            <a:r>
-              <a:rPr lang="x-none" altLang="zh-CN"/>
-              <a:t>okhttp实现原理</a:t>
-            </a:r>
-            <a:endParaRPr lang="x-none" altLang="zh-CN"/>
-          </a:p>
-        </p:txBody>
-      </p:sp>
-      <p:sp>
-        <p:nvSpPr>
-          <p:cNvPr id="3" name="内容占位符 2"/>
-          <p:cNvSpPr>
-            <a:spLocks noGrp="1"/>
-          </p:cNvSpPr>
-          <p:nvPr>
-            <p:ph idx="1"/>
-          </p:nvPr>
-        </p:nvSpPr>
-        <p:spPr/>
-        <p:txBody>
-          <a:bodyPr/>
-          <a:p>
-            <a:r>
-              <a:rPr lang="x-none" altLang="zh-CN"/>
-              <a:t>Call代表一条网络请求的全部过程</a:t>
-            </a:r>
-            <a:endParaRPr lang="x-none" altLang="zh-CN"/>
-          </a:p>
-        </p:txBody>
-      </p:sp>
-      <p:sp>
-        <p:nvSpPr>
           <p:cNvPr id="9" name="Rectangle 8"/>
           <p:cNvSpPr/>
           <p:nvPr/>
@@ -5215,7 +5580,7 @@
 </p:sld>
 </file>
 
-<file path=ppt/slides/slide24.xml><?xml version="1.0" encoding="utf-8"?>
+<file path=ppt/slides/slide23.xml><?xml version="1.0" encoding="utf-8"?>
 <p:sld xmlns:a="http://schemas.openxmlformats.org/drawingml/2006/main" xmlns:r="http://schemas.openxmlformats.org/officeDocument/2006/relationships" xmlns:p="http://schemas.openxmlformats.org/presentationml/2006/main">
   <p:cSld>
     <p:spTree>
@@ -5299,84 +5664,6 @@
 </file>
 
 <file path=ppt/slides/slide3.xml><?xml version="1.0" encoding="utf-8"?>
-<p:sld xmlns:a="http://schemas.openxmlformats.org/drawingml/2006/main" xmlns:r="http://schemas.openxmlformats.org/officeDocument/2006/relationships" xmlns:p="http://schemas.openxmlformats.org/presentationml/2006/main">
-  <p:cSld>
-    <p:spTree>
-      <p:nvGrpSpPr>
-        <p:cNvPr id="1" name=""/>
-        <p:cNvGrpSpPr/>
-        <p:nvPr/>
-      </p:nvGrpSpPr>
-      <p:grpSpPr/>
-      <p:sp>
-        <p:nvSpPr>
-          <p:cNvPr id="2" name="标题 1"/>
-          <p:cNvSpPr>
-            <a:spLocks noGrp="1"/>
-          </p:cNvSpPr>
-          <p:nvPr>
-            <p:ph type="title"/>
-          </p:nvPr>
-        </p:nvSpPr>
-        <p:spPr/>
-        <p:txBody>
-          <a:bodyPr/>
-          <a:p>
-            <a:r>
-              <a:rPr lang="x-none" altLang="zh-CN">
-                <a:sym typeface="+mn-ea"/>
-              </a:rPr>
-              <a:t>Why we want to make a change</a:t>
-            </a:r>
-            <a:endParaRPr lang="zh-CN" altLang="en-US"/>
-          </a:p>
-        </p:txBody>
-      </p:sp>
-      <p:sp>
-        <p:nvSpPr>
-          <p:cNvPr id="3" name="内容占位符 2"/>
-          <p:cNvSpPr>
-            <a:spLocks noGrp="1"/>
-          </p:cNvSpPr>
-          <p:nvPr>
-            <p:ph idx="1"/>
-          </p:nvPr>
-        </p:nvSpPr>
-        <p:spPr/>
-        <p:txBody>
-          <a:bodyPr/>
-          <a:p>
-            <a:r>
-              <a:rPr lang="zh-CN" altLang="en-US"/>
-              <a:t>1.	旧框架接口复杂，使用繁琐</a:t>
-            </a:r>
-            <a:endParaRPr lang="zh-CN" altLang="en-US"/>
-          </a:p>
-          <a:p>
-            <a:r>
-              <a:rPr lang="zh-CN" altLang="en-US"/>
-              <a:t>2.	效率低下</a:t>
-            </a:r>
-            <a:endParaRPr lang="zh-CN" altLang="en-US"/>
-          </a:p>
-          <a:p>
-            <a:r>
-              <a:rPr lang="zh-CN" altLang="en-US"/>
-              <a:t>3.	基于HttpClient实现</a:t>
-            </a:r>
-            <a:endParaRPr lang="zh-CN" altLang="en-US"/>
-          </a:p>
-        </p:txBody>
-      </p:sp>
-    </p:spTree>
-  </p:cSld>
-  <p:clrMapOvr>
-    <a:masterClrMapping/>
-  </p:clrMapOvr>
-</p:sld>
-</file>
-
-<file path=ppt/slides/slide4.xml><?xml version="1.0" encoding="utf-8"?>
 <p:sld xmlns:a="http://schemas.openxmlformats.org/drawingml/2006/main" xmlns:r="http://schemas.openxmlformats.org/officeDocument/2006/relationships" xmlns:p="http://schemas.openxmlformats.org/presentationml/2006/main">
   <p:cSld>
     <p:spTree>
@@ -5498,7 +5785,7 @@
 </p:sld>
 </file>
 
-<file path=ppt/slides/slide5.xml><?xml version="1.0" encoding="utf-8"?>
+<file path=ppt/slides/slide4.xml><?xml version="1.0" encoding="utf-8"?>
 <p:sld xmlns:a="http://schemas.openxmlformats.org/drawingml/2006/main" xmlns:r="http://schemas.openxmlformats.org/officeDocument/2006/relationships" xmlns:p="http://schemas.openxmlformats.org/presentationml/2006/main">
   <p:cSld>
     <p:spTree>
@@ -5602,7 +5889,7 @@
 </p:sld>
 </file>
 
-<file path=ppt/slides/slide6.xml><?xml version="1.0" encoding="utf-8"?>
+<file path=ppt/slides/slide5.xml><?xml version="1.0" encoding="utf-8"?>
 <p:sld xmlns:a="http://schemas.openxmlformats.org/drawingml/2006/main" xmlns:r="http://schemas.openxmlformats.org/officeDocument/2006/relationships" xmlns:p="http://schemas.openxmlformats.org/presentationml/2006/main">
   <p:cSld>
     <p:spTree>
@@ -5712,7 +5999,7 @@
 </p:sld>
 </file>
 
-<file path=ppt/slides/slide7.xml><?xml version="1.0" encoding="utf-8"?>
+<file path=ppt/slides/slide6.xml><?xml version="1.0" encoding="utf-8"?>
 <p:sld xmlns:a="http://schemas.openxmlformats.org/drawingml/2006/main" xmlns:r="http://schemas.openxmlformats.org/officeDocument/2006/relationships" xmlns:p="http://schemas.openxmlformats.org/presentationml/2006/main">
   <p:cSld>
     <p:spTree>
@@ -5748,11 +6035,13 @@
       </p:sp>
       <p:pic>
         <p:nvPicPr>
-          <p:cNvPr id="4" name="图片 3" descr="old_step5_1"/>
+          <p:cNvPr id="6" name="内容占位符 5" descr="old_step5_2"/>
           <p:cNvPicPr>
             <a:picLocks noChangeAspect="1"/>
           </p:cNvPicPr>
-          <p:nvPr/>
+          <p:nvPr>
+            <p:ph idx="1"/>
+          </p:nvPr>
         </p:nvPicPr>
         <p:blipFill>
           <a:blip r:embed="rId1"/>
@@ -5762,8 +6051,8 @@
         </p:blipFill>
         <p:spPr>
           <a:xfrm>
-            <a:off x="1066800" y="2748915"/>
-            <a:ext cx="10058400" cy="1625600"/>
+            <a:off x="838200" y="3011805"/>
+            <a:ext cx="10515600" cy="1978025"/>
           </a:xfrm>
           <a:prstGeom prst="rect">
             <a:avLst/>
@@ -5772,13 +6061,11 @@
       </p:pic>
       <p:pic>
         <p:nvPicPr>
-          <p:cNvPr id="6" name="内容占位符 5" descr="old_step5_2"/>
+          <p:cNvPr id="4" name="图片 3" descr="old_step5_1"/>
           <p:cNvPicPr>
             <a:picLocks noChangeAspect="1"/>
           </p:cNvPicPr>
-          <p:nvPr>
-            <p:ph idx="1"/>
-          </p:nvPr>
+          <p:nvPr/>
         </p:nvPicPr>
         <p:blipFill>
           <a:blip r:embed="rId2"/>
@@ -5788,8 +6075,8 @@
         </p:blipFill>
         <p:spPr>
           <a:xfrm>
-            <a:off x="1066800" y="4376420"/>
-            <a:ext cx="10072370" cy="1894840"/>
+            <a:off x="1066800" y="2748915"/>
+            <a:ext cx="10058400" cy="1625600"/>
           </a:xfrm>
           <a:prstGeom prst="rect">
             <a:avLst/>
@@ -6005,7 +6292,7 @@
 </p:sld>
 </file>
 
-<file path=ppt/slides/slide8.xml><?xml version="1.0" encoding="utf-8"?>
+<file path=ppt/slides/slide7.xml><?xml version="1.0" encoding="utf-8"?>
 <p:sld xmlns:a="http://schemas.openxmlformats.org/drawingml/2006/main" xmlns:r="http://schemas.openxmlformats.org/officeDocument/2006/relationships" xmlns:p="http://schemas.openxmlformats.org/presentationml/2006/main">
   <p:cSld>
     <p:spTree>
@@ -6105,7 +6392,7 @@
 </p:sld>
 </file>
 
-<file path=ppt/slides/slide9.xml><?xml version="1.0" encoding="utf-8"?>
+<file path=ppt/slides/slide8.xml><?xml version="1.0" encoding="utf-8"?>
 <p:sld xmlns:a="http://schemas.openxmlformats.org/drawingml/2006/main" xmlns:r="http://schemas.openxmlformats.org/officeDocument/2006/relationships" xmlns:p="http://schemas.openxmlformats.org/presentationml/2006/main">
   <p:cSld>
     <p:spTree>
@@ -6213,8 +6500,108 @@
 </p:sld>
 </file>
 
+<file path=ppt/slides/slide9.xml><?xml version="1.0" encoding="utf-8"?>
+<p:sld xmlns:a="http://schemas.openxmlformats.org/drawingml/2006/main" xmlns:r="http://schemas.openxmlformats.org/officeDocument/2006/relationships" xmlns:p="http://schemas.openxmlformats.org/presentationml/2006/main">
+  <p:cSld>
+    <p:spTree>
+      <p:nvGrpSpPr>
+        <p:cNvPr id="1" name=""/>
+        <p:cNvGrpSpPr/>
+        <p:nvPr/>
+      </p:nvGrpSpPr>
+      <p:grpSpPr/>
+      <p:sp>
+        <p:nvSpPr>
+          <p:cNvPr id="2" name="标题 1"/>
+          <p:cNvSpPr>
+            <a:spLocks noGrp="1"/>
+          </p:cNvSpPr>
+          <p:nvPr>
+            <p:ph type="title"/>
+          </p:nvPr>
+        </p:nvSpPr>
+        <p:spPr/>
+        <p:txBody>
+          <a:bodyPr/>
+          <a:p>
+            <a:r>
+              <a:rPr lang="zh-CN" altLang="en-US">
+                <a:sym typeface="+mn-ea"/>
+              </a:rPr>
+              <a:t>一条网络请求之路</a:t>
+            </a:r>
+            <a:endParaRPr lang="zh-CN" altLang="en-US"/>
+          </a:p>
+        </p:txBody>
+      </p:sp>
+      <p:sp>
+        <p:nvSpPr>
+          <p:cNvPr id="3" name="内容占位符 2"/>
+          <p:cNvSpPr>
+            <a:spLocks noGrp="1"/>
+          </p:cNvSpPr>
+          <p:nvPr>
+            <p:ph idx="1"/>
+          </p:nvPr>
+        </p:nvSpPr>
+        <p:spPr/>
+        <p:txBody>
+          <a:bodyPr/>
+          <a:p>
+            <a:r>
+              <a:rPr lang="en-US" altLang="zh-CN"/>
+              <a:t>5.</a:t>
+            </a:r>
+            <a:r>
+              <a:rPr lang="zh-CN" altLang="en-US"/>
+              <a:t>在</a:t>
+            </a:r>
+            <a:r>
+              <a:rPr lang="en-US" altLang="zh-CN"/>
+              <a:t>EgmService</a:t>
+            </a:r>
+            <a:r>
+              <a:rPr lang="zh-CN" altLang="en-US"/>
+              <a:t>定义同意的事务调用入口</a:t>
+            </a:r>
+            <a:endParaRPr lang="zh-CN" altLang="en-US"/>
+          </a:p>
+        </p:txBody>
+      </p:sp>
+      <p:pic>
+        <p:nvPicPr>
+          <p:cNvPr id="4" name="图片 3" descr="old_step6"/>
+          <p:cNvPicPr>
+            <a:picLocks noChangeAspect="1"/>
+          </p:cNvPicPr>
+          <p:nvPr/>
+        </p:nvPicPr>
+        <p:blipFill>
+          <a:blip r:embed="rId1"/>
+          <a:stretch>
+            <a:fillRect/>
+          </a:stretch>
+        </p:blipFill>
+        <p:spPr>
+          <a:xfrm>
+            <a:off x="1163955" y="3529965"/>
+            <a:ext cx="10038080" cy="2647315"/>
+          </a:xfrm>
+          <a:prstGeom prst="rect">
+            <a:avLst/>
+          </a:prstGeom>
+        </p:spPr>
+      </p:pic>
+    </p:spTree>
+  </p:cSld>
+  <p:clrMapOvr>
+    <a:masterClrMapping/>
+  </p:clrMapOvr>
+</p:sld>
+</file>
+
 <file path=ppt/theme/theme1.xml><?xml version="1.0" encoding="utf-8"?>
-<a:theme xmlns:a="http://schemas.openxmlformats.org/drawingml/2006/main" name="Office 主题">
+<a:theme xmlns:a="http://schemas.openxmlformats.org/drawingml/2006/main" name="1_Blank Design">
   <a:themeElements>
     <a:clrScheme name="Office">
       <a:dk1>
@@ -6464,33 +6851,7 @@
       </a:bgFillStyleLst>
     </a:fmtScheme>
   </a:themeElements>
-  <a:objectDefaults>
-    <a:spDef>
-      <a:spPr/>
-      <a:bodyPr rtlCol="0" anchor="ctr"/>
-      <a:lstStyle>
-        <a:defPPr algn="ctr">
-          <a:defRPr lang="en-US"/>
-        </a:defPPr>
-      </a:lstStyle>
-      <a:style>
-        <a:lnRef idx="2">
-          <a:schemeClr val="accent1">
-            <a:shade val="50000"/>
-          </a:schemeClr>
-        </a:lnRef>
-        <a:fillRef idx="1">
-          <a:schemeClr val="accent1"/>
-        </a:fillRef>
-        <a:effectRef idx="0">
-          <a:schemeClr val="accent1"/>
-        </a:effectRef>
-        <a:fontRef idx="minor">
-          <a:schemeClr val="lt1"/>
-        </a:fontRef>
-      </a:style>
-    </a:spDef>
-  </a:objectDefaults>
+  <a:objectDefaults/>
   <a:extraClrSchemeLst/>
   <a:extLst>
     <a:ext uri="{05A4C25C-085E-4340-85A3-A5531E510DB2}">

--- a/net_ppt.pptx
+++ b/net_ppt.pptx
@@ -136,6 +136,7 @@
       <p14:sectionLst xmlns:p14="http://schemas.microsoft.com/office/powerpoint/2010/main">
         <p14:section name="默认节" id="{9070c916-59b8-4b3f-b409-6900ea2fcec4}">
           <p14:sldIdLst>
+            <p14:sldId id="397"/>
             <p14:sldId id="396"/>
             <p14:sldId id="398"/>
             <p14:sldId id="399"/>
@@ -155,12 +156,11 @@
             <p14:sldId id="412"/>
             <p14:sldId id="426"/>
             <p14:sldId id="427"/>
+            <p14:sldId id="424"/>
             <p14:sldId id="425"/>
             <p14:sldId id="416"/>
             <p14:sldId id="421"/>
             <p14:sldId id="429"/>
-            <p14:sldId id="424"/>
-            <p14:sldId id="397"/>
           </p14:sldIdLst>
         </p14:section>
       </p14:sectionLst>
@@ -10975,7 +10975,7 @@
         </p:nvSpPr>
         <p:spPr bwMode="auto">
           <a:xfrm rot="5400000">
-            <a:off x="7193952" y="2945803"/>
+            <a:off x="6092227" y="2819438"/>
             <a:ext cx="1401370" cy="1203325"/>
           </a:xfrm>
           <a:custGeom>
@@ -11110,7 +11110,7 @@
         </p:nvSpPr>
         <p:spPr bwMode="auto">
           <a:xfrm>
-            <a:off x="6233858" y="4003529"/>
+            <a:off x="6179248" y="4157199"/>
             <a:ext cx="779462" cy="764414"/>
           </a:xfrm>
           <a:custGeom>
@@ -11245,8 +11245,8 @@
         </p:nvSpPr>
         <p:spPr>
           <a:xfrm>
-            <a:off x="1951717" y="2131582"/>
-            <a:ext cx="4744358" cy="1314887"/>
+            <a:off x="3783330" y="1411605"/>
+            <a:ext cx="4906645" cy="2710180"/>
           </a:xfrm>
           <a:prstGeom prst="rect">
             <a:avLst/>
@@ -11254,7 +11254,7 @@
         </p:spPr>
         <p:txBody>
           <a:bodyPr>
-            <a:normAutofit/>
+            <a:normAutofit lnSpcReduction="20000"/>
           </a:bodyPr>
           <a:lstStyle>
             <a:lvl1pPr marL="267970" indent="-267970" algn="just" defTabSz="685800" rtl="0" eaLnBrk="1" latinLnBrk="0" hangingPunct="1">
@@ -11444,27 +11444,100 @@
               <a:buNone/>
             </a:pPr>
             <a:r>
-              <a:rPr lang="zh-CN" altLang="en-US" sz="1800" dirty="0">
-                <a:latin typeface="+mn-lt"/>
-                <a:ea typeface="+mn-ea"/>
-              </a:rPr>
-              <a:t>一条</a:t>
-            </a:r>
-            <a:r>
-              <a:rPr lang="en-US" altLang="zh-CN" sz="1800" dirty="0">
+              <a:rPr lang="en-US" altLang="zh-CN" sz="2800" dirty="0">
                 <a:latin typeface="+mn-lt"/>
                 <a:ea typeface="+mn-ea"/>
               </a:rPr>
               <a:t>http</a:t>
             </a:r>
             <a:r>
-              <a:rPr lang="zh-CN" altLang="en-US" sz="1800" dirty="0">
+              <a:rPr lang="zh-CN" altLang="en-US" sz="2800" dirty="0">
                 <a:latin typeface="+mn-lt"/>
                 <a:ea typeface="+mn-ea"/>
               </a:rPr>
-              <a:t>请求和响应的结构</a:t>
+              <a:t>请求</a:t>
+            </a:r>
+            <a:endParaRPr lang="zh-CN" altLang="en-US" sz="2800" dirty="0">
+              <a:latin typeface="+mn-lt"/>
+              <a:ea typeface="+mn-ea"/>
+            </a:endParaRPr>
+          </a:p>
+          <a:p>
+            <a:pPr marL="0" indent="0" algn="l">
+              <a:buNone/>
+            </a:pPr>
+            <a:r>
+              <a:rPr lang="en-US" altLang="zh-CN" sz="1800" dirty="0">
+                <a:latin typeface="+mn-lt"/>
+                <a:ea typeface="+mn-ea"/>
+              </a:rPr>
+              <a:t>	url</a:t>
             </a:r>
             <a:endParaRPr lang="zh-CN" altLang="en-US" sz="1800" dirty="0">
+              <a:latin typeface="+mn-lt"/>
+              <a:ea typeface="+mn-ea"/>
+            </a:endParaRPr>
+          </a:p>
+          <a:p>
+            <a:pPr marL="0" indent="0" algn="l">
+              <a:buNone/>
+            </a:pPr>
+            <a:r>
+              <a:rPr lang="en-US" altLang="zh-CN" sz="1800" dirty="0">
+                <a:latin typeface="+mn-lt"/>
+                <a:ea typeface="+mn-ea"/>
+              </a:rPr>
+              <a:t>	method</a:t>
+            </a:r>
+            <a:endParaRPr lang="en-US" altLang="zh-CN" sz="1800" dirty="0">
+              <a:latin typeface="+mn-lt"/>
+              <a:ea typeface="+mn-ea"/>
+            </a:endParaRPr>
+          </a:p>
+          <a:p>
+            <a:pPr marL="0" indent="0" algn="l">
+              <a:buNone/>
+            </a:pPr>
+            <a:r>
+              <a:rPr lang="en-US" altLang="zh-CN" sz="1800" dirty="0">
+                <a:latin typeface="+mn-lt"/>
+                <a:ea typeface="+mn-ea"/>
+              </a:rPr>
+              <a:t>	headers</a:t>
+            </a:r>
+            <a:endParaRPr lang="en-US" altLang="zh-CN" sz="1800" dirty="0">
+              <a:latin typeface="+mn-lt"/>
+              <a:ea typeface="+mn-ea"/>
+            </a:endParaRPr>
+          </a:p>
+          <a:p>
+            <a:pPr marL="0" indent="0" algn="l">
+              <a:buNone/>
+            </a:pPr>
+            <a:r>
+              <a:rPr lang="en-US" altLang="zh-CN" sz="1800" dirty="0">
+                <a:latin typeface="+mn-lt"/>
+                <a:ea typeface="+mn-ea"/>
+              </a:rPr>
+              <a:t>	params</a:t>
+            </a:r>
+            <a:endParaRPr lang="en-US" altLang="zh-CN" sz="1800" dirty="0">
+              <a:latin typeface="+mn-lt"/>
+              <a:ea typeface="+mn-ea"/>
+            </a:endParaRPr>
+          </a:p>
+          <a:p>
+            <a:pPr marL="0" indent="0" algn="l">
+              <a:buNone/>
+            </a:pPr>
+            <a:r>
+              <a:rPr lang="en-US" altLang="zh-CN" sz="1800" dirty="0">
+                <a:latin typeface="+mn-lt"/>
+                <a:ea typeface="+mn-ea"/>
+              </a:rPr>
+              <a:t>	cookies</a:t>
+            </a:r>
+            <a:endParaRPr lang="en-US" altLang="zh-CN" sz="1800" dirty="0">
               <a:latin typeface="+mn-lt"/>
               <a:ea typeface="+mn-ea"/>
             </a:endParaRPr>
@@ -11492,8 +11565,8 @@
         </p:blipFill>
         <p:spPr bwMode="auto">
           <a:xfrm>
-            <a:off x="6233795" y="2288540"/>
-            <a:ext cx="5297805" cy="2115820"/>
+            <a:off x="956310" y="4248150"/>
+            <a:ext cx="5909945" cy="2360295"/>
           </a:xfrm>
           <a:prstGeom prst="rect">
             <a:avLst/>
@@ -11554,8 +11627,8 @@
         </p:blipFill>
         <p:spPr bwMode="auto">
           <a:xfrm>
-            <a:off x="1951990" y="4461510"/>
-            <a:ext cx="5296535" cy="2117090"/>
+            <a:off x="6303010" y="1728470"/>
+            <a:ext cx="5690870" cy="2275205"/>
           </a:xfrm>
           <a:prstGeom prst="rect">
             <a:avLst/>
@@ -11767,9 +11840,311 @@
           </a:p>
         </p:txBody>
       </p:sp>
+      <p:sp>
+        <p:nvSpPr>
+          <p:cNvPr id="2" name="文本占位符 2"/>
+          <p:cNvSpPr txBox="1"/>
+          <p:nvPr>
+            <p:custDataLst>
+              <p:tags r:id="rId9"/>
+            </p:custDataLst>
+          </p:nvPr>
+        </p:nvSpPr>
+        <p:spPr>
+          <a:xfrm>
+            <a:off x="7157085" y="4248150"/>
+            <a:ext cx="4906645" cy="2954655"/>
+          </a:xfrm>
+          <a:prstGeom prst="rect">
+            <a:avLst/>
+          </a:prstGeom>
+        </p:spPr>
+        <p:txBody>
+          <a:bodyPr>
+            <a:normAutofit/>
+          </a:bodyPr>
+          <a:lstStyle>
+            <a:lvl1pPr marL="267970" indent="-267970" algn="just" defTabSz="685800" rtl="0" eaLnBrk="1" latinLnBrk="0" hangingPunct="1">
+              <a:lnSpc>
+                <a:spcPct val="110000"/>
+              </a:lnSpc>
+              <a:spcBef>
+                <a:spcPts val="1350"/>
+              </a:spcBef>
+              <a:spcAft>
+                <a:spcPts val="0"/>
+              </a:spcAft>
+              <a:buClr>
+                <a:schemeClr val="accent1">
+                  <a:lumMod val="60000"/>
+                  <a:lumOff val="40000"/>
+                </a:schemeClr>
+              </a:buClr>
+              <a:buSzPct val="100000"/>
+              <a:buFont typeface="Webdings" panose="05030102010509060703" pitchFamily="18" charset="2"/>
+              <a:buChar char="×"/>
+              <a:defRPr sz="2000" kern="1200" baseline="0">
+                <a:solidFill>
+                  <a:schemeClr val="tx1"/>
+                </a:solidFill>
+                <a:latin typeface="Arial" panose="020B0604020202020204" pitchFamily="34" charset="0"/>
+                <a:ea typeface="+mj-ea"/>
+                <a:cs typeface="+mn-cs"/>
+              </a:defRPr>
+            </a:lvl1pPr>
+            <a:lvl2pPr marL="267970" indent="-267970" algn="just" defTabSz="685800" rtl="0" eaLnBrk="1" latinLnBrk="0" hangingPunct="1">
+              <a:lnSpc>
+                <a:spcPct val="130000"/>
+              </a:lnSpc>
+              <a:spcBef>
+                <a:spcPts val="0"/>
+              </a:spcBef>
+              <a:spcAft>
+                <a:spcPts val="450"/>
+              </a:spcAft>
+              <a:buClr>
+                <a:schemeClr val="accent2">
+                  <a:lumMod val="60000"/>
+                  <a:lumOff val="40000"/>
+                </a:schemeClr>
+              </a:buClr>
+              <a:buFont typeface="幼圆" panose="02010509060101010101" pitchFamily="49" charset="-122"/>
+              <a:buChar char=" "/>
+              <a:defRPr sz="1600" kern="1200" baseline="0">
+                <a:solidFill>
+                  <a:schemeClr val="tx1"/>
+                </a:solidFill>
+                <a:latin typeface="Arial" panose="020B0604020202020204" pitchFamily="34" charset="0"/>
+                <a:ea typeface="+mj-ea"/>
+                <a:cs typeface="+mn-cs"/>
+              </a:defRPr>
+            </a:lvl2pPr>
+            <a:lvl3pPr marL="857250" indent="-171450" algn="l" defTabSz="685800" rtl="0" eaLnBrk="1" latinLnBrk="0" hangingPunct="1">
+              <a:lnSpc>
+                <a:spcPct val="90000"/>
+              </a:lnSpc>
+              <a:spcBef>
+                <a:spcPts val="375"/>
+              </a:spcBef>
+              <a:buFont typeface="Arial" panose="020B0604020202020204" pitchFamily="34" charset="0"/>
+              <a:buChar char="•"/>
+              <a:defRPr sz="1500" kern="1200">
+                <a:solidFill>
+                  <a:schemeClr val="tx1"/>
+                </a:solidFill>
+                <a:latin typeface="+mn-lt"/>
+                <a:ea typeface="+mn-ea"/>
+                <a:cs typeface="+mn-cs"/>
+              </a:defRPr>
+            </a:lvl3pPr>
+            <a:lvl4pPr marL="1200150" indent="-171450" algn="l" defTabSz="685800" rtl="0" eaLnBrk="1" latinLnBrk="0" hangingPunct="1">
+              <a:lnSpc>
+                <a:spcPct val="90000"/>
+              </a:lnSpc>
+              <a:spcBef>
+                <a:spcPts val="375"/>
+              </a:spcBef>
+              <a:buFont typeface="Arial" panose="020B0604020202020204" pitchFamily="34" charset="0"/>
+              <a:buChar char="•"/>
+              <a:defRPr sz="1350" kern="1200">
+                <a:solidFill>
+                  <a:schemeClr val="tx1"/>
+                </a:solidFill>
+                <a:latin typeface="+mn-lt"/>
+                <a:ea typeface="+mn-ea"/>
+                <a:cs typeface="+mn-cs"/>
+              </a:defRPr>
+            </a:lvl4pPr>
+            <a:lvl5pPr marL="1543050" indent="-171450" algn="l" defTabSz="685800" rtl="0" eaLnBrk="1" latinLnBrk="0" hangingPunct="1">
+              <a:lnSpc>
+                <a:spcPct val="90000"/>
+              </a:lnSpc>
+              <a:spcBef>
+                <a:spcPts val="375"/>
+              </a:spcBef>
+              <a:buFont typeface="Arial" panose="020B0604020202020204" pitchFamily="34" charset="0"/>
+              <a:buChar char="•"/>
+              <a:defRPr sz="1350" kern="1200">
+                <a:solidFill>
+                  <a:schemeClr val="tx1"/>
+                </a:solidFill>
+                <a:latin typeface="+mn-lt"/>
+                <a:ea typeface="+mn-ea"/>
+                <a:cs typeface="+mn-cs"/>
+              </a:defRPr>
+            </a:lvl5pPr>
+            <a:lvl6pPr marL="1885950" indent="-171450" algn="l" defTabSz="685800" rtl="0" eaLnBrk="1" latinLnBrk="0" hangingPunct="1">
+              <a:lnSpc>
+                <a:spcPct val="90000"/>
+              </a:lnSpc>
+              <a:spcBef>
+                <a:spcPts val="375"/>
+              </a:spcBef>
+              <a:buFont typeface="Arial" panose="020B0604020202020204" pitchFamily="34" charset="0"/>
+              <a:buChar char="•"/>
+              <a:defRPr sz="1350" kern="1200">
+                <a:solidFill>
+                  <a:schemeClr val="tx1"/>
+                </a:solidFill>
+                <a:latin typeface="+mn-lt"/>
+                <a:ea typeface="+mn-ea"/>
+                <a:cs typeface="+mn-cs"/>
+              </a:defRPr>
+            </a:lvl6pPr>
+            <a:lvl7pPr marL="2228850" indent="-171450" algn="l" defTabSz="685800" rtl="0" eaLnBrk="1" latinLnBrk="0" hangingPunct="1">
+              <a:lnSpc>
+                <a:spcPct val="90000"/>
+              </a:lnSpc>
+              <a:spcBef>
+                <a:spcPts val="375"/>
+              </a:spcBef>
+              <a:buFont typeface="Arial" panose="020B0604020202020204" pitchFamily="34" charset="0"/>
+              <a:buChar char="•"/>
+              <a:defRPr sz="1350" kern="1200">
+                <a:solidFill>
+                  <a:schemeClr val="tx1"/>
+                </a:solidFill>
+                <a:latin typeface="+mn-lt"/>
+                <a:ea typeface="+mn-ea"/>
+                <a:cs typeface="+mn-cs"/>
+              </a:defRPr>
+            </a:lvl7pPr>
+            <a:lvl8pPr marL="2571750" indent="-171450" algn="l" defTabSz="685800" rtl="0" eaLnBrk="1" latinLnBrk="0" hangingPunct="1">
+              <a:lnSpc>
+                <a:spcPct val="90000"/>
+              </a:lnSpc>
+              <a:spcBef>
+                <a:spcPts val="375"/>
+              </a:spcBef>
+              <a:buFont typeface="Arial" panose="020B0604020202020204" pitchFamily="34" charset="0"/>
+              <a:buChar char="•"/>
+              <a:defRPr sz="1350" kern="1200">
+                <a:solidFill>
+                  <a:schemeClr val="tx1"/>
+                </a:solidFill>
+                <a:latin typeface="+mn-lt"/>
+                <a:ea typeface="+mn-ea"/>
+                <a:cs typeface="+mn-cs"/>
+              </a:defRPr>
+            </a:lvl8pPr>
+            <a:lvl9pPr marL="2914650" indent="-171450" algn="l" defTabSz="685800" rtl="0" eaLnBrk="1" latinLnBrk="0" hangingPunct="1">
+              <a:lnSpc>
+                <a:spcPct val="90000"/>
+              </a:lnSpc>
+              <a:spcBef>
+                <a:spcPts val="375"/>
+              </a:spcBef>
+              <a:buFont typeface="Arial" panose="020B0604020202020204" pitchFamily="34" charset="0"/>
+              <a:buChar char="•"/>
+              <a:defRPr sz="1350" kern="1200">
+                <a:solidFill>
+                  <a:schemeClr val="tx1"/>
+                </a:solidFill>
+                <a:latin typeface="+mn-lt"/>
+                <a:ea typeface="+mn-ea"/>
+                <a:cs typeface="+mn-cs"/>
+              </a:defRPr>
+            </a:lvl9pPr>
+          </a:lstStyle>
+          <a:p>
+            <a:pPr marL="0" indent="0" algn="l">
+              <a:buNone/>
+            </a:pPr>
+            <a:r>
+              <a:rPr lang="en-US" altLang="zh-CN" sz="2800" dirty="0">
+                <a:latin typeface="+mn-lt"/>
+                <a:ea typeface="+mn-ea"/>
+              </a:rPr>
+              <a:t>http</a:t>
+            </a:r>
+            <a:r>
+              <a:rPr lang="zh-CN" altLang="en-US" sz="2800" dirty="0">
+                <a:latin typeface="+mn-lt"/>
+                <a:ea typeface="+mn-ea"/>
+              </a:rPr>
+              <a:t>响应</a:t>
+            </a:r>
+            <a:endParaRPr lang="zh-CN" altLang="en-US" sz="2800" dirty="0">
+              <a:latin typeface="+mn-lt"/>
+              <a:ea typeface="+mn-ea"/>
+            </a:endParaRPr>
+          </a:p>
+          <a:p>
+            <a:pPr marL="0" indent="0" algn="l">
+              <a:buNone/>
+            </a:pPr>
+            <a:r>
+              <a:rPr lang="en-US" altLang="zh-CN" sz="1800" dirty="0">
+                <a:latin typeface="+mn-lt"/>
+                <a:ea typeface="+mn-ea"/>
+              </a:rPr>
+              <a:t>	</a:t>
+            </a:r>
+            <a:r>
+              <a:rPr lang="zh-CN" altLang="en-US" sz="1800" dirty="0">
+                <a:latin typeface="+mn-lt"/>
+                <a:ea typeface="+mn-ea"/>
+              </a:rPr>
+              <a:t>状态吗</a:t>
+            </a:r>
+            <a:endParaRPr lang="zh-CN" altLang="en-US" sz="1800" dirty="0">
+              <a:latin typeface="+mn-lt"/>
+              <a:ea typeface="+mn-ea"/>
+            </a:endParaRPr>
+          </a:p>
+          <a:p>
+            <a:pPr marL="0" indent="0" algn="l">
+              <a:buNone/>
+            </a:pPr>
+            <a:r>
+              <a:rPr lang="en-US" altLang="zh-CN" sz="1800" dirty="0">
+                <a:latin typeface="+mn-lt"/>
+                <a:ea typeface="+mn-ea"/>
+              </a:rPr>
+              <a:t>	headers</a:t>
+            </a:r>
+            <a:endParaRPr lang="en-US" altLang="zh-CN" sz="1800" dirty="0">
+              <a:latin typeface="+mn-lt"/>
+              <a:ea typeface="+mn-ea"/>
+            </a:endParaRPr>
+          </a:p>
+          <a:p>
+            <a:pPr marL="0" indent="0" algn="l">
+              <a:buNone/>
+            </a:pPr>
+            <a:r>
+              <a:rPr lang="en-US" altLang="zh-CN" sz="1800" dirty="0">
+                <a:latin typeface="+mn-lt"/>
+                <a:ea typeface="+mn-ea"/>
+              </a:rPr>
+              <a:t>	cookies</a:t>
+            </a:r>
+            <a:endParaRPr lang="en-US" altLang="zh-CN" sz="1800" dirty="0">
+              <a:latin typeface="+mn-lt"/>
+              <a:ea typeface="+mn-ea"/>
+            </a:endParaRPr>
+          </a:p>
+          <a:p>
+            <a:pPr marL="0" indent="0" algn="l">
+              <a:buNone/>
+            </a:pPr>
+            <a:r>
+              <a:rPr lang="en-US" altLang="zh-CN" sz="1800" dirty="0">
+                <a:latin typeface="+mn-lt"/>
+                <a:ea typeface="+mn-ea"/>
+              </a:rPr>
+              <a:t>	body</a:t>
+            </a:r>
+            <a:endParaRPr lang="en-US" altLang="zh-CN" sz="1800" dirty="0">
+              <a:latin typeface="+mn-lt"/>
+              <a:ea typeface="+mn-ea"/>
+            </a:endParaRPr>
+          </a:p>
+        </p:txBody>
+      </p:sp>
     </p:spTree>
     <p:custDataLst>
-      <p:tags r:id="rId9"/>
+      <p:tags r:id="rId10"/>
     </p:custDataLst>
   </p:cSld>
   <p:clrMapOvr>
@@ -13000,7 +13375,7 @@
         </p:style>
         <p:txBody>
           <a:bodyPr wrap="square" lIns="0" tIns="0" rIns="0" bIns="0" anchor="ctr">
-            <a:normAutofit/>
+            <a:normAutofit fontScale="80000"/>
           </a:bodyPr>
           <a:lstStyle/>
           <a:p>
@@ -13013,9 +13388,9 @@
                   <a:schemeClr val="accent1"/>
                 </a:solidFill>
               </a:rPr>
-              <a:t>01</a:t>
+              <a:t>WHY</a:t>
             </a:r>
-            <a:endParaRPr lang="zh-CN" altLang="en-US" sz="2800" dirty="0">
+            <a:endParaRPr lang="en-US" altLang="zh-CN" sz="2800" dirty="0">
               <a:solidFill>
                 <a:schemeClr val="accent1"/>
               </a:solidFill>
@@ -13147,16 +13522,16 @@
               <a:defRPr/>
             </a:pPr>
             <a:r>
-              <a:rPr lang="en-US" altLang="zh-CN" smtClean="0">
+              <a:rPr lang="zh-CN" altLang="zh-CN" smtClean="0">
                 <a:solidFill>
                   <a:schemeClr val="accent1">
                     <a:lumMod val="50000"/>
                   </a:schemeClr>
                 </a:solidFill>
               </a:rPr>
-              <a:t>Why we want to make a change</a:t>
+              <a:t>目前项目中网络库的使用方式</a:t>
             </a:r>
-            <a:endParaRPr lang="en-US" altLang="zh-CN" smtClean="0">
+            <a:endParaRPr lang="zh-CN" altLang="zh-CN" smtClean="0">
               <a:solidFill>
                 <a:schemeClr val="accent1">
                   <a:lumMod val="50000"/>
@@ -13209,7 +13584,7 @@
         </p:style>
         <p:txBody>
           <a:bodyPr wrap="square" lIns="0" tIns="0" rIns="0" bIns="0" anchor="ctr">
-            <a:normAutofit/>
+            <a:normAutofit fontScale="60000"/>
           </a:bodyPr>
           <a:lstStyle/>
           <a:p>
@@ -13222,9 +13597,9 @@
                   <a:schemeClr val="accent1"/>
                 </a:solidFill>
               </a:rPr>
-              <a:t>02</a:t>
+              <a:t>WHAT</a:t>
             </a:r>
-            <a:endParaRPr lang="zh-CN" altLang="en-US" sz="2800" dirty="0">
+            <a:endParaRPr lang="en-US" altLang="zh-CN" sz="2800" dirty="0">
               <a:solidFill>
                 <a:schemeClr val="accent1"/>
               </a:solidFill>
@@ -13356,16 +13731,16 @@
               <a:defRPr/>
             </a:pPr>
             <a:r>
-              <a:rPr lang="en-US" altLang="zh-CN" smtClean="0">
+              <a:rPr lang="zh-CN" altLang="en-US" smtClean="0">
                 <a:solidFill>
                   <a:schemeClr val="accent1">
                     <a:lumMod val="50000"/>
                   </a:schemeClr>
                 </a:solidFill>
               </a:rPr>
-              <a:t>What we want</a:t>
+              <a:t>我们需要一个怎样的网络库</a:t>
             </a:r>
-            <a:endParaRPr lang="en-US" altLang="zh-CN" smtClean="0">
+            <a:endParaRPr lang="zh-CN" altLang="en-US" smtClean="0">
               <a:solidFill>
                 <a:schemeClr val="accent1">
                   <a:lumMod val="50000"/>
@@ -13418,7 +13793,7 @@
         </p:style>
         <p:txBody>
           <a:bodyPr wrap="square" lIns="0" tIns="0" rIns="0" bIns="0" anchor="ctr">
-            <a:normAutofit/>
+            <a:normAutofit fontScale="80000"/>
           </a:bodyPr>
           <a:lstStyle/>
           <a:p>
@@ -13431,7 +13806,7 @@
                   <a:schemeClr val="accent1"/>
                 </a:solidFill>
               </a:rPr>
-              <a:t>03</a:t>
+              <a:t>HOW</a:t>
             </a:r>
             <a:endParaRPr lang="zh-CN" altLang="en-US" sz="2800" dirty="0">
               <a:solidFill>
@@ -13565,16 +13940,16 @@
               <a:defRPr/>
             </a:pPr>
             <a:r>
-              <a:rPr lang="en-US" altLang="zh-CN" smtClean="0">
+              <a:rPr lang="zh-CN" altLang="en-US" smtClean="0">
                 <a:solidFill>
                   <a:schemeClr val="accent1">
                     <a:lumMod val="50000"/>
                   </a:schemeClr>
                 </a:solidFill>
               </a:rPr>
-              <a:t>How to make it</a:t>
+              <a:t>如何实现网络库</a:t>
             </a:r>
-            <a:endParaRPr lang="en-US" altLang="zh-CN" smtClean="0">
+            <a:endParaRPr lang="zh-CN" altLang="en-US" smtClean="0">
               <a:solidFill>
                 <a:schemeClr val="accent1">
                   <a:lumMod val="50000"/>
@@ -13627,7 +14002,7 @@
         </p:style>
         <p:txBody>
           <a:bodyPr wrap="square" lIns="0" tIns="0" rIns="0" bIns="0" anchor="ctr">
-            <a:normAutofit/>
+            <a:normAutofit fontScale="60000"/>
           </a:bodyPr>
           <a:lstStyle/>
           <a:p>
@@ -13640,9 +14015,9 @@
                   <a:schemeClr val="accent1"/>
                 </a:solidFill>
               </a:rPr>
-              <a:t>04</a:t>
+              <a:t>MORE</a:t>
             </a:r>
-            <a:endParaRPr lang="zh-CN" altLang="en-US" sz="2800" dirty="0">
+            <a:endParaRPr lang="en-US" altLang="zh-CN" sz="2800" dirty="0">
               <a:solidFill>
                 <a:schemeClr val="accent1"/>
               </a:solidFill>
@@ -13781,7 +14156,7 @@
                   </a:schemeClr>
                 </a:solidFill>
               </a:rPr>
-              <a:t>More</a:t>
+              <a:t>TODOs</a:t>
             </a:r>
             <a:endParaRPr lang="en-US" altLang="zh-CN" smtClean="0">
               <a:solidFill>
@@ -14016,7 +14391,7 @@
         </p:blipFill>
         <p:spPr>
           <a:xfrm>
-            <a:off x="1302385" y="2665095"/>
+            <a:off x="1302385" y="2581275"/>
             <a:ext cx="10058400" cy="3961765"/>
           </a:xfrm>
           <a:prstGeom prst="rect">
@@ -14024,37 +14399,6 @@
           </a:prstGeom>
         </p:spPr>
       </p:pic>
-      <p:sp>
-        <p:nvSpPr>
-          <p:cNvPr id="9" name="文本框 8"/>
-          <p:cNvSpPr txBox="1"/>
-          <p:nvPr/>
-        </p:nvSpPr>
-        <p:spPr>
-          <a:xfrm>
-            <a:off x="4975860" y="3246120"/>
-            <a:ext cx="2240280" cy="365760"/>
-          </a:xfrm>
-          <a:prstGeom prst="rect">
-            <a:avLst/>
-          </a:prstGeom>
-          <a:noFill/>
-        </p:spPr>
-        <p:txBody>
-          <a:bodyPr wrap="none" rtlCol="0" anchor="t">
-            <a:spAutoFit/>
-          </a:bodyPr>
-          <a:p>
-            <a:r>
-              <a:rPr lang="zh-CN" altLang="en-US">
-                <a:sym typeface="+mn-ea"/>
-              </a:rPr>
-              <a:t>定义接口定义的方法</a:t>
-            </a:r>
-            <a:endParaRPr lang="zh-CN" altLang="en-US"/>
-          </a:p>
-        </p:txBody>
-      </p:sp>
       <p:sp>
         <p:nvSpPr>
           <p:cNvPr id="10" name="文本框 9"/>
@@ -14529,7 +14873,7 @@
               </a:lnSpc>
             </a:pPr>
             <a:r>
-              <a:rPr lang="en-US" altLang="zh-CN" sz="3200" dirty="0">
+              <a:rPr lang="zh-CN" altLang="en-US" sz="3200" dirty="0">
                 <a:solidFill>
                   <a:schemeClr val="tx2"/>
                 </a:solidFill>
@@ -14537,9 +14881,31 @@
                 <a:ea typeface="+mj-ea"/>
                 <a:cs typeface="+mj-cs"/>
               </a:rPr>
-              <a:t>Why OkHttp</a:t>
+              <a:t>选择</a:t>
             </a:r>
-            <a:endParaRPr lang="en-US" altLang="zh-CN" sz="3200" dirty="0">
+            <a:r>
+              <a:rPr lang="en-US" altLang="zh-CN" sz="3200" dirty="0">
+                <a:solidFill>
+                  <a:schemeClr val="tx2"/>
+                </a:solidFill>
+                <a:latin typeface="+mj-lt"/>
+                <a:ea typeface="+mj-ea"/>
+                <a:cs typeface="+mj-cs"/>
+              </a:rPr>
+              <a:t>OkHttp</a:t>
+            </a:r>
+            <a:r>
+              <a:rPr lang="zh-CN" altLang="en-US" sz="3200" dirty="0">
+                <a:solidFill>
+                  <a:schemeClr val="tx2"/>
+                </a:solidFill>
+                <a:latin typeface="+mj-lt"/>
+                <a:ea typeface="+mj-ea"/>
+                <a:cs typeface="+mj-cs"/>
+              </a:rPr>
+              <a:t>的理由</a:t>
+            </a:r>
+            <a:endParaRPr lang="zh-CN" altLang="en-US" sz="3200" dirty="0">
               <a:solidFill>
                 <a:schemeClr val="tx2"/>
               </a:solidFill>
@@ -15021,9 +15387,20 @@
                 <a:ea typeface="+mj-ea"/>
                 <a:cs typeface="+mj-cs"/>
               </a:rPr>
-              <a:t>Why OkHttp</a:t>
+              <a:t>OkHttp</a:t>
             </a:r>
-            <a:endParaRPr lang="en-US" altLang="zh-CN" sz="3200" dirty="0">
+            <a:r>
+              <a:rPr lang="zh-CN" altLang="en-US" sz="3200" dirty="0">
+                <a:solidFill>
+                  <a:schemeClr val="tx2"/>
+                </a:solidFill>
+                <a:latin typeface="+mj-lt"/>
+                <a:ea typeface="+mj-ea"/>
+                <a:cs typeface="+mj-cs"/>
+              </a:rPr>
+              <a:t>实现原理</a:t>
+            </a:r>
+            <a:endParaRPr lang="zh-CN" altLang="en-US" sz="3200" dirty="0">
               <a:solidFill>
                 <a:schemeClr val="tx2"/>
               </a:solidFill>
@@ -15409,7 +15786,7 @@
             <a:pPr algn="ctr"/>
             <a:r>
               <a:rPr lang="en-US"/>
-              <a:t>interceptors</a:t>
+              <a:t>Interceptors</a:t>
             </a:r>
             <a:endParaRPr lang="en-US"/>
           </a:p>
@@ -15624,7 +16001,7 @@
             <a:pPr algn="ctr"/>
             <a:r>
               <a:rPr lang="en-US"/>
-              <a:t>networkInterceptors</a:t>
+              <a:t>NetworkInterceptors</a:t>
             </a:r>
             <a:endParaRPr lang="en-US"/>
           </a:p>
@@ -15875,8 +16252,21 @@
                 <a:latin typeface="+mj-lt"/>
                 <a:ea typeface="+mj-ea"/>
                 <a:cs typeface="+mj-cs"/>
+                <a:sym typeface="+mn-ea"/>
               </a:rPr>
-              <a:t>Why OkHttp</a:t>
+              <a:t>OkHttp</a:t>
+            </a:r>
+            <a:r>
+              <a:rPr lang="zh-CN" altLang="en-US" sz="3200" dirty="0">
+                <a:solidFill>
+                  <a:schemeClr val="tx2"/>
+                </a:solidFill>
+                <a:latin typeface="+mj-lt"/>
+                <a:ea typeface="+mj-ea"/>
+                <a:cs typeface="+mj-cs"/>
+                <a:sym typeface="+mn-ea"/>
+              </a:rPr>
+              <a:t>实现原理</a:t>
             </a:r>
             <a:endParaRPr lang="en-US" altLang="zh-CN" sz="3200" dirty="0">
               <a:solidFill>
@@ -16539,7 +16929,7 @@
                   </a:schemeClr>
                 </a:solidFill>
               </a:rPr>
-              <a:t>分别修改美聊大约</a:t>
+              <a:t>修改美聊大约</a:t>
             </a:r>
             <a:r>
               <a:rPr lang="en-US" altLang="zh-CN" smtClean="0">
@@ -16761,16 +17151,16 @@
               <a:defRPr/>
             </a:pPr>
             <a:r>
-              <a:rPr lang="en-US" altLang="zh-CN" smtClean="0">
+              <a:rPr lang="zh-CN" altLang="en-US" smtClean="0">
                 <a:solidFill>
                   <a:schemeClr val="accent1">
                     <a:lumMod val="50000"/>
                   </a:schemeClr>
                 </a:solidFill>
               </a:rPr>
-              <a:t>上传稳定的包到代码库中</a:t>
+              <a:t>将代码托管到代码库中</a:t>
             </a:r>
-            <a:endParaRPr lang="en-US" altLang="zh-CN" smtClean="0">
+            <a:endParaRPr lang="zh-CN" altLang="en-US" smtClean="0">
               <a:solidFill>
                 <a:schemeClr val="accent1">
                   <a:lumMod val="50000"/>
@@ -16952,9 +17342,67 @@
           </a:p>
         </p:txBody>
       </p:sp>
+      <p:sp>
+        <p:nvSpPr>
+          <p:cNvPr id="2" name="标题 1"/>
+          <p:cNvSpPr>
+            <a:spLocks noGrp="1"/>
+          </p:cNvSpPr>
+          <p:nvPr>
+            <p:custDataLst>
+              <p:tags r:id="rId10"/>
+            </p:custDataLst>
+          </p:nvPr>
+        </p:nvSpPr>
+        <p:spPr>
+          <a:xfrm>
+            <a:off x="1554600" y="530702"/>
+            <a:ext cx="9082800" cy="939600"/>
+          </a:xfrm>
+          <a:prstGeom prst="rect">
+            <a:avLst/>
+          </a:prstGeom>
+        </p:spPr>
+        <p:txBody>
+          <a:bodyPr vert="horz" lIns="91440" tIns="45720" rIns="91440" bIns="45720" rtlCol="0" anchor="ctr" anchorCtr="0">
+            <a:normAutofit/>
+          </a:bodyPr>
+          <a:lstStyle>
+            <a:lvl1pPr>
+              <a:defRPr sz="4000"/>
+            </a:lvl1pPr>
+          </a:lstStyle>
+          <a:p>
+            <a:pPr algn="ctr">
+              <a:lnSpc>
+                <a:spcPct val="100000"/>
+              </a:lnSpc>
+            </a:pPr>
+            <a:r>
+              <a:rPr lang="en-US" altLang="zh-CN" sz="3200" dirty="0">
+                <a:solidFill>
+                  <a:schemeClr val="tx2"/>
+                </a:solidFill>
+                <a:latin typeface="+mj-lt"/>
+                <a:ea typeface="+mj-ea"/>
+                <a:cs typeface="+mj-cs"/>
+              </a:rPr>
+              <a:t>TODOs</a:t>
+            </a:r>
+            <a:endParaRPr lang="en-US" altLang="zh-CN" sz="3200" dirty="0">
+              <a:solidFill>
+                <a:schemeClr val="tx2"/>
+              </a:solidFill>
+              <a:latin typeface="+mj-lt"/>
+              <a:ea typeface="+mj-ea"/>
+              <a:cs typeface="+mj-cs"/>
+            </a:endParaRPr>
+          </a:p>
+        </p:txBody>
+      </p:sp>
     </p:spTree>
     <p:custDataLst>
-      <p:tags r:id="rId10"/>
+      <p:tags r:id="rId11"/>
     </p:custDataLst>
   </p:cSld>
   <p:clrMapOvr>
@@ -19522,62 +19970,6 @@
   <p:tag name="KSO_WM_TEMPLATE_INDEX" val="160415"/>
   <p:tag name="KSO_WM_UNIT_TYPE" val="a"/>
   <p:tag name="KSO_WM_UNIT_INDEX" val="1"/>
-  <p:tag name="KSO_WM_UNIT_ID" val="custom160415_5*a*1"/>
-  <p:tag name="KSO_WM_UNIT_CLEAR" val="1"/>
-  <p:tag name="KSO_WM_UNIT_LAYERLEVEL" val="1"/>
-  <p:tag name="KSO_WM_UNIT_VALUE" val="21"/>
-  <p:tag name="KSO_WM_UNIT_ISCONTENTSTITLE" val="0"/>
-  <p:tag name="KSO_WM_UNIT_HIGHLIGHT" val="0"/>
-  <p:tag name="KSO_WM_UNIT_COMPATIBLE" val="0"/>
-  <p:tag name="KSO_WM_UNIT_PRESET_TEXT_INDEX" val="3"/>
-  <p:tag name="KSO_WM_UNIT_PRESET_TEXT_LEN" val="17"/>
-</p:tagLst>
-</file>
-
-<file path=ppt/tags/tag101.xml><?xml version="1.0" encoding="utf-8"?>
-<p:tagLst xmlns:p="http://schemas.openxmlformats.org/presentationml/2006/main">
-  <p:tag name="KSO_WM_TEMPLATE_CATEGORY" val="custom"/>
-  <p:tag name="KSO_WM_TEMPLATE_INDEX" val="160415"/>
-  <p:tag name="KSO_WM_TAG_VERSION" val="1.0"/>
-  <p:tag name="KSO_WM_SLIDE_ID" val="custom160415_2"/>
-  <p:tag name="KSO_WM_SLIDE_INDEX" val="2"/>
-  <p:tag name="KSO_WM_SLIDE_ITEM_CNT" val="1"/>
-  <p:tag name="KSO_WM_SLIDE_LAYOUT" val="a_f"/>
-  <p:tag name="KSO_WM_SLIDE_LAYOUT_CNT" val="1_1"/>
-  <p:tag name="KSO_WM_SLIDE_TYPE" val="text"/>
-  <p:tag name="KSO_WM_BEAUTIFY_FLAG" val="#wm#"/>
-  <p:tag name="KSO_WM_SLIDE_POSITION" val="66*130"/>
-  <p:tag name="KSO_WM_SLIDE_SIZE" val="828*356"/>
-</p:tagLst>
-</file>
-
-<file path=ppt/tags/tag102.xml><?xml version="1.0" encoding="utf-8"?>
-<p:tagLst xmlns:p="http://schemas.openxmlformats.org/presentationml/2006/main">
-  <p:tag name="KSO_WM_TAG_VERSION" val="1.0"/>
-  <p:tag name="KSO_WM_BEAUTIFY_FLAG" val="#wm#"/>
-  <p:tag name="KSO_WM_TEMPLATE_CATEGORY" val="custom"/>
-  <p:tag name="KSO_WM_TEMPLATE_INDEX" val="160415"/>
-  <p:tag name="KSO_WM_UNIT_TYPE" val="f"/>
-  <p:tag name="KSO_WM_UNIT_INDEX" val="1"/>
-  <p:tag name="KSO_WM_UNIT_ID" val="custom160415_2*f*1"/>
-  <p:tag name="KSO_WM_UNIT_CLEAR" val="1"/>
-  <p:tag name="KSO_WM_UNIT_LAYERLEVEL" val="1"/>
-  <p:tag name="KSO_WM_UNIT_VALUE" val="264"/>
-  <p:tag name="KSO_WM_UNIT_HIGHLIGHT" val="0"/>
-  <p:tag name="KSO_WM_UNIT_COMPATIBLE" val="0"/>
-  <p:tag name="KSO_WM_UNIT_PRESET_TEXT_INDEX" val="5"/>
-  <p:tag name="KSO_WM_UNIT_PRESET_TEXT_LEN" val="232"/>
-</p:tagLst>
-</file>
-
-<file path=ppt/tags/tag103.xml><?xml version="1.0" encoding="utf-8"?>
-<p:tagLst xmlns:p="http://schemas.openxmlformats.org/presentationml/2006/main">
-  <p:tag name="KSO_WM_TAG_VERSION" val="1.0"/>
-  <p:tag name="KSO_WM_BEAUTIFY_FLAG" val="#wm#"/>
-  <p:tag name="KSO_WM_TEMPLATE_CATEGORY" val="custom"/>
-  <p:tag name="KSO_WM_TEMPLATE_INDEX" val="160415"/>
-  <p:tag name="KSO_WM_UNIT_TYPE" val="a"/>
-  <p:tag name="KSO_WM_UNIT_INDEX" val="1"/>
   <p:tag name="KSO_WM_UNIT_ID" val="custom160415_9*a*1"/>
   <p:tag name="KSO_WM_UNIT_CLEAR" val="1"/>
   <p:tag name="KSO_WM_UNIT_LAYERLEVEL" val="1"/>
@@ -19589,7 +19981,7 @@
 </p:tagLst>
 </file>
 
-<file path=ppt/tags/tag104.xml><?xml version="1.0" encoding="utf-8"?>
+<file path=ppt/tags/tag101.xml><?xml version="1.0" encoding="utf-8"?>
 <p:tagLst xmlns:p="http://schemas.openxmlformats.org/presentationml/2006/main">
   <p:tag name="KSO_WM_TAG_VERSION" val="1.0"/>
   <p:tag name="KSO_WM_BEAUTIFY_FLAG" val="#wm#"/>
@@ -19609,7 +20001,7 @@
 </p:tagLst>
 </file>
 
-<file path=ppt/tags/tag105.xml><?xml version="1.0" encoding="utf-8"?>
+<file path=ppt/tags/tag102.xml><?xml version="1.0" encoding="utf-8"?>
 <p:tagLst xmlns:p="http://schemas.openxmlformats.org/presentationml/2006/main">
   <p:tag name="KSO_WM_TEMPLATE_CATEGORY" val="custom"/>
   <p:tag name="KSO_WM_TEMPLATE_INDEX" val="160415"/>
@@ -19626,7 +20018,7 @@
 </p:tagLst>
 </file>
 
-<file path=ppt/tags/tag106.xml><?xml version="1.0" encoding="utf-8"?>
+<file path=ppt/tags/tag103.xml><?xml version="1.0" encoding="utf-8"?>
 <p:tagLst xmlns:p="http://schemas.openxmlformats.org/presentationml/2006/main">
   <p:tag name="KSO_WM_TAG_VERSION" val="1.0"/>
   <p:tag name="KSO_WM_BEAUTIFY_FLAG" val="#wm#"/>
@@ -19634,18 +20026,18 @@
   <p:tag name="KSO_WM_TEMPLATE_INDEX" val="160415"/>
   <p:tag name="KSO_WM_UNIT_TYPE" val="f"/>
   <p:tag name="KSO_WM_UNIT_INDEX" val="1"/>
-  <p:tag name="KSO_WM_UNIT_ID" val="custom160415_5*f*1"/>
+  <p:tag name="KSO_WM_UNIT_ID" val="custom160415_2*f*1"/>
   <p:tag name="KSO_WM_UNIT_CLEAR" val="1"/>
   <p:tag name="KSO_WM_UNIT_LAYERLEVEL" val="1"/>
-  <p:tag name="KSO_WM_UNIT_VALUE" val="76"/>
+  <p:tag name="KSO_WM_UNIT_VALUE" val="264"/>
   <p:tag name="KSO_WM_UNIT_HIGHLIGHT" val="0"/>
   <p:tag name="KSO_WM_UNIT_COMPATIBLE" val="0"/>
-  <p:tag name="KSO_WM_UNIT_PRESET_TEXT_INDEX" val="4"/>
-  <p:tag name="KSO_WM_UNIT_PRESET_TEXT_LEN" val="57"/>
+  <p:tag name="KSO_WM_UNIT_PRESET_TEXT_INDEX" val="5"/>
+  <p:tag name="KSO_WM_UNIT_PRESET_TEXT_LEN" val="232"/>
 </p:tagLst>
 </file>
 
-<file path=ppt/tags/tag107.xml><?xml version="1.0" encoding="utf-8"?>
+<file path=ppt/tags/tag104.xml><?xml version="1.0" encoding="utf-8"?>
 <p:tagLst xmlns:p="http://schemas.openxmlformats.org/presentationml/2006/main">
   <p:tag name="KSO_WM_TAG_VERSION" val="1.0"/>
   <p:tag name="KSO_WM_BEAUTIFY_FLAG" val="#wm#"/>
@@ -19664,7 +20056,7 @@
 </p:tagLst>
 </file>
 
-<file path=ppt/tags/tag108.xml><?xml version="1.0" encoding="utf-8"?>
+<file path=ppt/tags/tag105.xml><?xml version="1.0" encoding="utf-8"?>
 <p:tagLst xmlns:p="http://schemas.openxmlformats.org/presentationml/2006/main">
   <p:tag name="KSO_WM_TAG_VERSION" val="1.0"/>
   <p:tag name="KSO_WM_BEAUTIFY_FLAG" val="#wm#"/>
@@ -19684,20 +20076,78 @@
 </p:tagLst>
 </file>
 
-<file path=ppt/tags/tag109.xml><?xml version="1.0" encoding="utf-8"?>
+<file path=ppt/tags/tag106.xml><?xml version="1.0" encoding="utf-8"?>
 <p:tagLst xmlns:p="http://schemas.openxmlformats.org/presentationml/2006/main">
   <p:tag name="KSO_WM_TEMPLATE_CATEGORY" val="custom"/>
   <p:tag name="KSO_WM_TEMPLATE_INDEX" val="160415"/>
   <p:tag name="KSO_WM_TAG_VERSION" val="1.0"/>
-  <p:tag name="KSO_WM_SLIDE_ID" val="custom160415_5"/>
-  <p:tag name="KSO_WM_SLIDE_INDEX" val="5"/>
-  <p:tag name="KSO_WM_SLIDE_ITEM_CNT" val="2"/>
-  <p:tag name="KSO_WM_SLIDE_LAYOUT" val="a_f_d"/>
-  <p:tag name="KSO_WM_SLIDE_LAYOUT_CNT" val="1_1_1"/>
+  <p:tag name="KSO_WM_SLIDE_ID" val="custom160415_2"/>
+  <p:tag name="KSO_WM_SLIDE_INDEX" val="2"/>
+  <p:tag name="KSO_WM_SLIDE_ITEM_CNT" val="1"/>
+  <p:tag name="KSO_WM_SLIDE_LAYOUT" val="a_f"/>
+  <p:tag name="KSO_WM_SLIDE_LAYOUT_CNT" val="1_1"/>
   <p:tag name="KSO_WM_SLIDE_TYPE" val="text"/>
   <p:tag name="KSO_WM_BEAUTIFY_FLAG" val="#wm#"/>
-  <p:tag name="KSO_WM_SLIDE_POSITION" val="122*104"/>
-  <p:tag name="KSO_WM_SLIDE_SIZE" val="715*412"/>
+  <p:tag name="KSO_WM_SLIDE_POSITION" val="66*130"/>
+  <p:tag name="KSO_WM_SLIDE_SIZE" val="828*356"/>
+</p:tagLst>
+</file>
+
+<file path=ppt/tags/tag107.xml><?xml version="1.0" encoding="utf-8"?>
+<p:tagLst xmlns:p="http://schemas.openxmlformats.org/presentationml/2006/main">
+  <p:tag name="KSO_WM_TAG_VERSION" val="1.0"/>
+  <p:tag name="KSO_WM_BEAUTIFY_FLAG" val="#wm#"/>
+  <p:tag name="KSO_WM_TEMPLATE_CATEGORY" val="custom"/>
+  <p:tag name="KSO_WM_TEMPLATE_INDEX" val="160415"/>
+  <p:tag name="KSO_WM_UNIT_TYPE" val="f"/>
+  <p:tag name="KSO_WM_UNIT_INDEX" val="1"/>
+  <p:tag name="KSO_WM_UNIT_ID" val="custom160415_5*f*1"/>
+  <p:tag name="KSO_WM_UNIT_CLEAR" val="1"/>
+  <p:tag name="KSO_WM_UNIT_LAYERLEVEL" val="1"/>
+  <p:tag name="KSO_WM_UNIT_VALUE" val="76"/>
+  <p:tag name="KSO_WM_UNIT_HIGHLIGHT" val="0"/>
+  <p:tag name="KSO_WM_UNIT_COMPATIBLE" val="0"/>
+  <p:tag name="KSO_WM_UNIT_PRESET_TEXT_INDEX" val="4"/>
+  <p:tag name="KSO_WM_UNIT_PRESET_TEXT_LEN" val="57"/>
+</p:tagLst>
+</file>
+
+<file path=ppt/tags/tag108.xml><?xml version="1.0" encoding="utf-8"?>
+<p:tagLst xmlns:p="http://schemas.openxmlformats.org/presentationml/2006/main">
+  <p:tag name="KSO_WM_TAG_VERSION" val="1.0"/>
+  <p:tag name="KSO_WM_BEAUTIFY_FLAG" val="#wm#"/>
+  <p:tag name="KSO_WM_TEMPLATE_CATEGORY" val="custom"/>
+  <p:tag name="KSO_WM_TEMPLATE_INDEX" val="160415"/>
+  <p:tag name="KSO_WM_UNIT_TYPE" val="a"/>
+  <p:tag name="KSO_WM_UNIT_INDEX" val="1"/>
+  <p:tag name="KSO_WM_UNIT_ID" val="custom160415_9*a*1"/>
+  <p:tag name="KSO_WM_UNIT_CLEAR" val="1"/>
+  <p:tag name="KSO_WM_UNIT_LAYERLEVEL" val="1"/>
+  <p:tag name="KSO_WM_UNIT_VALUE" val="6"/>
+  <p:tag name="KSO_WM_UNIT_ISCONTENTSTITLE" val="1"/>
+  <p:tag name="KSO_WM_UNIT_HIGHLIGHT" val="0"/>
+  <p:tag name="KSO_WM_UNIT_COMPATIBLE" val="0"/>
+  <p:tag name="KSO_WM_UNIT_PRESET_TEXT" val="Contents"/>
+</p:tagLst>
+</file>
+
+<file path=ppt/tags/tag109.xml><?xml version="1.0" encoding="utf-8"?>
+<p:tagLst xmlns:p="http://schemas.openxmlformats.org/presentationml/2006/main">
+  <p:tag name="KSO_WM_TAG_VERSION" val="1.0"/>
+  <p:tag name="KSO_WM_BEAUTIFY_FLAG" val="#wm#"/>
+  <p:tag name="KSO_WM_TEMPLATE_CATEGORY" val="custom"/>
+  <p:tag name="KSO_WM_TEMPLATE_INDEX" val="160415"/>
+  <p:tag name="KSO_WM_UNIT_TYPE" val="a"/>
+  <p:tag name="KSO_WM_UNIT_INDEX" val="1"/>
+  <p:tag name="KSO_WM_UNIT_ID" val="custom160415_5*a*1"/>
+  <p:tag name="KSO_WM_UNIT_CLEAR" val="1"/>
+  <p:tag name="KSO_WM_UNIT_LAYERLEVEL" val="1"/>
+  <p:tag name="KSO_WM_UNIT_VALUE" val="21"/>
+  <p:tag name="KSO_WM_UNIT_ISCONTENTSTITLE" val="0"/>
+  <p:tag name="KSO_WM_UNIT_HIGHLIGHT" val="0"/>
+  <p:tag name="KSO_WM_UNIT_COMPATIBLE" val="0"/>
+  <p:tag name="KSO_WM_UNIT_PRESET_TEXT_INDEX" val="3"/>
+  <p:tag name="KSO_WM_UNIT_PRESET_TEXT_LEN" val="17"/>
 </p:tagLst>
 </file>
 
@@ -19722,6 +20172,23 @@
 
 <file path=ppt/tags/tag110.xml><?xml version="1.0" encoding="utf-8"?>
 <p:tagLst xmlns:p="http://schemas.openxmlformats.org/presentationml/2006/main">
+  <p:tag name="KSO_WM_TEMPLATE_CATEGORY" val="custom"/>
+  <p:tag name="KSO_WM_TEMPLATE_INDEX" val="160415"/>
+  <p:tag name="KSO_WM_TAG_VERSION" val="1.0"/>
+  <p:tag name="KSO_WM_SLIDE_ID" val="custom160415_5"/>
+  <p:tag name="KSO_WM_SLIDE_INDEX" val="5"/>
+  <p:tag name="KSO_WM_SLIDE_ITEM_CNT" val="2"/>
+  <p:tag name="KSO_WM_SLIDE_LAYOUT" val="a_f_d"/>
+  <p:tag name="KSO_WM_SLIDE_LAYOUT_CNT" val="1_1_1"/>
+  <p:tag name="KSO_WM_SLIDE_TYPE" val="text"/>
+  <p:tag name="KSO_WM_BEAUTIFY_FLAG" val="#wm#"/>
+  <p:tag name="KSO_WM_SLIDE_POSITION" val="122*104"/>
+  <p:tag name="KSO_WM_SLIDE_SIZE" val="715*412"/>
+</p:tagLst>
+</file>
+
+<file path=ppt/tags/tag111.xml><?xml version="1.0" encoding="utf-8"?>
+<p:tagLst xmlns:p="http://schemas.openxmlformats.org/presentationml/2006/main">
   <p:tag name="KSO_WM_TAG_VERSION" val="1.0"/>
   <p:tag name="KSO_WM_BEAUTIFY_FLAG" val="#wm#"/>
   <p:tag name="KSO_WM_TEMPLATE_CATEGORY" val="custom"/>
@@ -19735,7 +20202,7 @@
 </p:tagLst>
 </file>
 
-<file path=ppt/tags/tag111.xml><?xml version="1.0" encoding="utf-8"?>
+<file path=ppt/tags/tag112.xml><?xml version="1.0" encoding="utf-8"?>
 <p:tagLst xmlns:p="http://schemas.openxmlformats.org/presentationml/2006/main">
   <p:tag name="KSO_WM_TAG_VERSION" val="1.0"/>
   <p:tag name="KSO_WM_BEAUTIFY_FLAG" val="#wm#"/>
@@ -19754,7 +20221,7 @@
 </p:tagLst>
 </file>
 
-<file path=ppt/tags/tag112.xml><?xml version="1.0" encoding="utf-8"?>
+<file path=ppt/tags/tag113.xml><?xml version="1.0" encoding="utf-8"?>
 <p:tagLst xmlns:p="http://schemas.openxmlformats.org/presentationml/2006/main">
   <p:tag name="KSO_WM_TAG_VERSION" val="1.0"/>
   <p:tag name="KSO_WM_BEAUTIFY_FLAG" val="#wm#"/>
@@ -19769,7 +20236,7 @@
 </p:tagLst>
 </file>
 
-<file path=ppt/tags/tag113.xml><?xml version="1.0" encoding="utf-8"?>
+<file path=ppt/tags/tag114.xml><?xml version="1.0" encoding="utf-8"?>
 <p:tagLst xmlns:p="http://schemas.openxmlformats.org/presentationml/2006/main">
   <p:tag name="KSO_WM_TAG_VERSION" val="1.0"/>
   <p:tag name="KSO_WM_BEAUTIFY_FLAG" val="#wm#"/>
@@ -19788,7 +20255,7 @@
 </p:tagLst>
 </file>
 
-<file path=ppt/tags/tag114.xml><?xml version="1.0" encoding="utf-8"?>
+<file path=ppt/tags/tag115.xml><?xml version="1.0" encoding="utf-8"?>
 <p:tagLst xmlns:p="http://schemas.openxmlformats.org/presentationml/2006/main">
   <p:tag name="KSO_WM_TAG_VERSION" val="1.0"/>
   <p:tag name="KSO_WM_BEAUTIFY_FLAG" val="#wm#"/>
@@ -19803,7 +20270,7 @@
 </p:tagLst>
 </file>
 
-<file path=ppt/tags/tag115.xml><?xml version="1.0" encoding="utf-8"?>
+<file path=ppt/tags/tag116.xml><?xml version="1.0" encoding="utf-8"?>
 <p:tagLst xmlns:p="http://schemas.openxmlformats.org/presentationml/2006/main">
   <p:tag name="KSO_WM_TAG_VERSION" val="1.0"/>
   <p:tag name="KSO_WM_BEAUTIFY_FLAG" val="#wm#"/>
@@ -19822,7 +20289,7 @@
 </p:tagLst>
 </file>
 
-<file path=ppt/tags/tag116.xml><?xml version="1.0" encoding="utf-8"?>
+<file path=ppt/tags/tag117.xml><?xml version="1.0" encoding="utf-8"?>
 <p:tagLst xmlns:p="http://schemas.openxmlformats.org/presentationml/2006/main">
   <p:tag name="KSO_WM_TAG_VERSION" val="1.0"/>
   <p:tag name="KSO_WM_BEAUTIFY_FLAG" val="#wm#"/>
@@ -19837,7 +20304,7 @@
 </p:tagLst>
 </file>
 
-<file path=ppt/tags/tag117.xml><?xml version="1.0" encoding="utf-8"?>
+<file path=ppt/tags/tag118.xml><?xml version="1.0" encoding="utf-8"?>
 <p:tagLst xmlns:p="http://schemas.openxmlformats.org/presentationml/2006/main">
   <p:tag name="KSO_WM_TAG_VERSION" val="1.0"/>
   <p:tag name="KSO_WM_BEAUTIFY_FLAG" val="#wm#"/>
@@ -19856,7 +20323,7 @@
 </p:tagLst>
 </file>
 
-<file path=ppt/tags/tag118.xml><?xml version="1.0" encoding="utf-8"?>
+<file path=ppt/tags/tag119.xml><?xml version="1.0" encoding="utf-8"?>
 <p:tagLst xmlns:p="http://schemas.openxmlformats.org/presentationml/2006/main">
   <p:tag name="KSO_WM_TAG_VERSION" val="1.0"/>
   <p:tag name="KSO_WM_BEAUTIFY_FLAG" val="#wm#"/>
@@ -19872,22 +20339,6 @@
   <p:tag name="KSO_WM_UNIT_HIGHLIGHT" val="0"/>
   <p:tag name="KSO_WM_UNIT_COMPATIBLE" val="0"/>
   <p:tag name="KSO_WM_UNIT_PRESET_TEXT" val="Contents"/>
-</p:tagLst>
-</file>
-
-<file path=ppt/tags/tag119.xml><?xml version="1.0" encoding="utf-8"?>
-<p:tagLst xmlns:p="http://schemas.openxmlformats.org/presentationml/2006/main">
-  <p:tag name="KSO_WM_TEMPLATE_CATEGORY" val="custom"/>
-  <p:tag name="KSO_WM_TEMPLATE_INDEX" val="160415"/>
-  <p:tag name="KSO_WM_TAG_VERSION" val="1.0"/>
-  <p:tag name="KSO_WM_SLIDE_ID" val="custom160415_9"/>
-  <p:tag name="KSO_WM_SLIDE_INDEX" val="9"/>
-  <p:tag name="KSO_WM_SLIDE_ITEM_CNT" val="4"/>
-  <p:tag name="KSO_WM_SLIDE_LAYOUT" val="a_l"/>
-  <p:tag name="KSO_WM_SLIDE_LAYOUT_CNT" val="1_1"/>
-  <p:tag name="KSO_WM_SLIDE_TYPE" val="contents"/>
-  <p:tag name="KSO_WM_BEAUTIFY_FLAG" val="#wm#"/>
-  <p:tag name="KSO_WM_DIAGRAM_GROUP_CODE" val="l1-1"/>
 </p:tagLst>
 </file>
 
@@ -19914,6 +20365,42 @@
   <p:tag name="KSO_WM_TEMPLATE_INDEX" val="160415"/>
   <p:tag name="KSO_WM_UNIT_TYPE" val="a"/>
   <p:tag name="KSO_WM_UNIT_INDEX" val="1"/>
+  <p:tag name="KSO_WM_UNIT_ID" val="custom160415_5*a*1"/>
+  <p:tag name="KSO_WM_UNIT_CLEAR" val="1"/>
+  <p:tag name="KSO_WM_UNIT_LAYERLEVEL" val="1"/>
+  <p:tag name="KSO_WM_UNIT_VALUE" val="21"/>
+  <p:tag name="KSO_WM_UNIT_ISCONTENTSTITLE" val="0"/>
+  <p:tag name="KSO_WM_UNIT_HIGHLIGHT" val="0"/>
+  <p:tag name="KSO_WM_UNIT_COMPATIBLE" val="0"/>
+  <p:tag name="KSO_WM_UNIT_PRESET_TEXT_INDEX" val="3"/>
+  <p:tag name="KSO_WM_UNIT_PRESET_TEXT_LEN" val="17"/>
+</p:tagLst>
+</file>
+
+<file path=ppt/tags/tag121.xml><?xml version="1.0" encoding="utf-8"?>
+<p:tagLst xmlns:p="http://schemas.openxmlformats.org/presentationml/2006/main">
+  <p:tag name="KSO_WM_TEMPLATE_CATEGORY" val="custom"/>
+  <p:tag name="KSO_WM_TEMPLATE_INDEX" val="160415"/>
+  <p:tag name="KSO_WM_TAG_VERSION" val="1.0"/>
+  <p:tag name="KSO_WM_SLIDE_ID" val="custom160415_9"/>
+  <p:tag name="KSO_WM_SLIDE_INDEX" val="9"/>
+  <p:tag name="KSO_WM_SLIDE_ITEM_CNT" val="4"/>
+  <p:tag name="KSO_WM_SLIDE_LAYOUT" val="a_l"/>
+  <p:tag name="KSO_WM_SLIDE_LAYOUT_CNT" val="1_1"/>
+  <p:tag name="KSO_WM_SLIDE_TYPE" val="contents"/>
+  <p:tag name="KSO_WM_BEAUTIFY_FLAG" val="#wm#"/>
+  <p:tag name="KSO_WM_DIAGRAM_GROUP_CODE" val="l1-1"/>
+</p:tagLst>
+</file>
+
+<file path=ppt/tags/tag122.xml><?xml version="1.0" encoding="utf-8"?>
+<p:tagLst xmlns:p="http://schemas.openxmlformats.org/presentationml/2006/main">
+  <p:tag name="KSO_WM_TAG_VERSION" val="1.0"/>
+  <p:tag name="KSO_WM_BEAUTIFY_FLAG" val="#wm#"/>
+  <p:tag name="KSO_WM_TEMPLATE_CATEGORY" val="custom"/>
+  <p:tag name="KSO_WM_TEMPLATE_INDEX" val="160415"/>
+  <p:tag name="KSO_WM_UNIT_TYPE" val="a"/>
+  <p:tag name="KSO_WM_UNIT_INDEX" val="1"/>
   <p:tag name="KSO_WM_UNIT_ID" val="custom160415_33*a*1"/>
   <p:tag name="KSO_WM_UNIT_CLEAR" val="1"/>
   <p:tag name="KSO_WM_UNIT_LAYERLEVEL" val="1"/>
@@ -19925,7 +20412,7 @@
 </p:tagLst>
 </file>
 
-<file path=ppt/tags/tag121.xml><?xml version="1.0" encoding="utf-8"?>
+<file path=ppt/tags/tag123.xml><?xml version="1.0" encoding="utf-8"?>
 <p:tagLst xmlns:p="http://schemas.openxmlformats.org/presentationml/2006/main">
   <p:tag name="KSO_WM_TEMPLATE_CATEGORY" val="custom"/>
   <p:tag name="KSO_WM_TEMPLATE_INDEX" val="160415"/>
@@ -21279,6 +21766,25 @@
 
 <file path=ppt/tags/tag84.xml><?xml version="1.0" encoding="utf-8"?>
 <p:tagLst xmlns:p="http://schemas.openxmlformats.org/presentationml/2006/main">
+  <p:tag name="KSO_WM_TAG_VERSION" val="1.0"/>
+  <p:tag name="KSO_WM_BEAUTIFY_FLAG" val="#wm#"/>
+  <p:tag name="KSO_WM_TEMPLATE_CATEGORY" val="custom"/>
+  <p:tag name="KSO_WM_TEMPLATE_INDEX" val="160415"/>
+  <p:tag name="KSO_WM_UNIT_TYPE" val="f"/>
+  <p:tag name="KSO_WM_UNIT_INDEX" val="1"/>
+  <p:tag name="KSO_WM_UNIT_ID" val="custom160415_14*f*1"/>
+  <p:tag name="KSO_WM_UNIT_CLEAR" val="1"/>
+  <p:tag name="KSO_WM_UNIT_LAYERLEVEL" val="1"/>
+  <p:tag name="KSO_WM_UNIT_VALUE" val="76"/>
+  <p:tag name="KSO_WM_UNIT_HIGHLIGHT" val="0"/>
+  <p:tag name="KSO_WM_UNIT_COMPATIBLE" val="0"/>
+  <p:tag name="KSO_WM_UNIT_PRESET_TEXT_INDEX" val="4"/>
+  <p:tag name="KSO_WM_UNIT_PRESET_TEXT_LEN" val="57"/>
+</p:tagLst>
+</file>
+
+<file path=ppt/tags/tag85.xml><?xml version="1.0" encoding="utf-8"?>
+<p:tagLst xmlns:p="http://schemas.openxmlformats.org/presentationml/2006/main">
   <p:tag name="KSO_WM_TEMPLATE_CATEGORY" val="custom"/>
   <p:tag name="KSO_WM_TEMPLATE_INDEX" val="160415"/>
   <p:tag name="KSO_WM_TAG_VERSION" val="1.0"/>
@@ -21294,7 +21800,7 @@
 </p:tagLst>
 </file>
 
-<file path=ppt/tags/tag85.xml><?xml version="1.0" encoding="utf-8"?>
+<file path=ppt/tags/tag86.xml><?xml version="1.0" encoding="utf-8"?>
 <p:tagLst xmlns:p="http://schemas.openxmlformats.org/presentationml/2006/main">
   <p:tag name="KSO_WM_TAG_VERSION" val="1.0"/>
   <p:tag name="KSO_WM_BEAUTIFY_FLAG" val="#wm#"/>
@@ -21314,7 +21820,7 @@
 </p:tagLst>
 </file>
 
-<file path=ppt/tags/tag86.xml><?xml version="1.0" encoding="utf-8"?>
+<file path=ppt/tags/tag87.xml><?xml version="1.0" encoding="utf-8"?>
 <p:tagLst xmlns:p="http://schemas.openxmlformats.org/presentationml/2006/main">
   <p:tag name="KSO_WM_TAG_VERSION" val="1.0"/>
   <p:tag name="KSO_WM_BEAUTIFY_FLAG" val="#wm#"/>
@@ -21333,7 +21839,7 @@
 </p:tagLst>
 </file>
 
-<file path=ppt/tags/tag87.xml><?xml version="1.0" encoding="utf-8"?>
+<file path=ppt/tags/tag88.xml><?xml version="1.0" encoding="utf-8"?>
 <p:tagLst xmlns:p="http://schemas.openxmlformats.org/presentationml/2006/main">
   <p:tag name="KSO_WM_TEMPLATE_CATEGORY" val="custom"/>
   <p:tag name="KSO_WM_TEMPLATE_INDEX" val="160415"/>
@@ -21350,7 +21856,7 @@
 </p:tagLst>
 </file>
 
-<file path=ppt/tags/tag88.xml><?xml version="1.0" encoding="utf-8"?>
+<file path=ppt/tags/tag89.xml><?xml version="1.0" encoding="utf-8"?>
 <p:tagLst xmlns:p="http://schemas.openxmlformats.org/presentationml/2006/main">
   <p:tag name="KSO_WM_TAG_VERSION" val="1.0"/>
   <p:tag name="KSO_WM_BEAUTIFY_FLAG" val="#wm#"/>
@@ -21366,26 +21872,6 @@
   <p:tag name="KSO_WM_UNIT_HIGHLIGHT" val="0"/>
   <p:tag name="KSO_WM_UNIT_COMPATIBLE" val="0"/>
   <p:tag name="KSO_WM_UNIT_PRESET_TEXT" val="Contents"/>
-</p:tagLst>
-</file>
-
-<file path=ppt/tags/tag89.xml><?xml version="1.0" encoding="utf-8"?>
-<p:tagLst xmlns:p="http://schemas.openxmlformats.org/presentationml/2006/main">
-  <p:tag name="KSO_WM_TAG_VERSION" val="1.0"/>
-  <p:tag name="KSO_WM_BEAUTIFY_FLAG" val="#wm#"/>
-  <p:tag name="KSO_WM_TEMPLATE_CATEGORY" val="custom"/>
-  <p:tag name="KSO_WM_TEMPLATE_INDEX" val="160415"/>
-  <p:tag name="KSO_WM_UNIT_TYPE" val="a"/>
-  <p:tag name="KSO_WM_UNIT_INDEX" val="1"/>
-  <p:tag name="KSO_WM_UNIT_ID" val="custom160415_5*a*1"/>
-  <p:tag name="KSO_WM_UNIT_CLEAR" val="1"/>
-  <p:tag name="KSO_WM_UNIT_LAYERLEVEL" val="1"/>
-  <p:tag name="KSO_WM_UNIT_VALUE" val="21"/>
-  <p:tag name="KSO_WM_UNIT_ISCONTENTSTITLE" val="0"/>
-  <p:tag name="KSO_WM_UNIT_HIGHLIGHT" val="0"/>
-  <p:tag name="KSO_WM_UNIT_COMPATIBLE" val="0"/>
-  <p:tag name="KSO_WM_UNIT_PRESET_TEXT_INDEX" val="3"/>
-  <p:tag name="KSO_WM_UNIT_PRESET_TEXT_LEN" val="17"/>
 </p:tagLst>
 </file>
 
@@ -21410,6 +21896,26 @@
 
 <file path=ppt/tags/tag90.xml><?xml version="1.0" encoding="utf-8"?>
 <p:tagLst xmlns:p="http://schemas.openxmlformats.org/presentationml/2006/main">
+  <p:tag name="KSO_WM_TAG_VERSION" val="1.0"/>
+  <p:tag name="KSO_WM_BEAUTIFY_FLAG" val="#wm#"/>
+  <p:tag name="KSO_WM_TEMPLATE_CATEGORY" val="custom"/>
+  <p:tag name="KSO_WM_TEMPLATE_INDEX" val="160415"/>
+  <p:tag name="KSO_WM_UNIT_TYPE" val="a"/>
+  <p:tag name="KSO_WM_UNIT_INDEX" val="1"/>
+  <p:tag name="KSO_WM_UNIT_ID" val="custom160415_5*a*1"/>
+  <p:tag name="KSO_WM_UNIT_CLEAR" val="1"/>
+  <p:tag name="KSO_WM_UNIT_LAYERLEVEL" val="1"/>
+  <p:tag name="KSO_WM_UNIT_VALUE" val="21"/>
+  <p:tag name="KSO_WM_UNIT_ISCONTENTSTITLE" val="0"/>
+  <p:tag name="KSO_WM_UNIT_HIGHLIGHT" val="0"/>
+  <p:tag name="KSO_WM_UNIT_COMPATIBLE" val="0"/>
+  <p:tag name="KSO_WM_UNIT_PRESET_TEXT_INDEX" val="3"/>
+  <p:tag name="KSO_WM_UNIT_PRESET_TEXT_LEN" val="17"/>
+</p:tagLst>
+</file>
+
+<file path=ppt/tags/tag91.xml><?xml version="1.0" encoding="utf-8"?>
+<p:tagLst xmlns:p="http://schemas.openxmlformats.org/presentationml/2006/main">
   <p:tag name="KSO_WM_TEMPLATE_CATEGORY" val="custom"/>
   <p:tag name="KSO_WM_TEMPLATE_INDEX" val="160415"/>
   <p:tag name="KSO_WM_TAG_VERSION" val="1.0"/>
@@ -21425,7 +21931,7 @@
 </p:tagLst>
 </file>
 
-<file path=ppt/tags/tag91.xml><?xml version="1.0" encoding="utf-8"?>
+<file path=ppt/tags/tag92.xml><?xml version="1.0" encoding="utf-8"?>
 <p:tagLst xmlns:p="http://schemas.openxmlformats.org/presentationml/2006/main">
   <p:tag name="KSO_WM_TAG_VERSION" val="1.0"/>
   <p:tag name="KSO_WM_BEAUTIFY_FLAG" val="#wm#"/>
@@ -21444,7 +21950,7 @@
 </p:tagLst>
 </file>
 
-<file path=ppt/tags/tag92.xml><?xml version="1.0" encoding="utf-8"?>
+<file path=ppt/tags/tag93.xml><?xml version="1.0" encoding="utf-8"?>
 <p:tagLst xmlns:p="http://schemas.openxmlformats.org/presentationml/2006/main">
   <p:tag name="KSO_WM_TAG_VERSION" val="1.0"/>
   <p:tag name="KSO_WM_BEAUTIFY_FLAG" val="#wm#"/>
@@ -21464,7 +21970,7 @@
 </p:tagLst>
 </file>
 
-<file path=ppt/tags/tag93.xml><?xml version="1.0" encoding="utf-8"?>
+<file path=ppt/tags/tag94.xml><?xml version="1.0" encoding="utf-8"?>
 <p:tagLst xmlns:p="http://schemas.openxmlformats.org/presentationml/2006/main">
   <p:tag name="KSO_WM_TEMPLATE_CATEGORY" val="custom"/>
   <p:tag name="KSO_WM_TEMPLATE_INDEX" val="160415"/>
@@ -21481,7 +21987,7 @@
 </p:tagLst>
 </file>
 
-<file path=ppt/tags/tag94.xml><?xml version="1.0" encoding="utf-8"?>
+<file path=ppt/tags/tag95.xml><?xml version="1.0" encoding="utf-8"?>
 <p:tagLst xmlns:p="http://schemas.openxmlformats.org/presentationml/2006/main">
   <p:tag name="KSO_WM_TAG_VERSION" val="1.0"/>
   <p:tag name="KSO_WM_BEAUTIFY_FLAG" val="#wm#"/>
@@ -21500,7 +22006,7 @@
 </p:tagLst>
 </file>
 
-<file path=ppt/tags/tag95.xml><?xml version="1.0" encoding="utf-8"?>
+<file path=ppt/tags/tag96.xml><?xml version="1.0" encoding="utf-8"?>
 <p:tagLst xmlns:p="http://schemas.openxmlformats.org/presentationml/2006/main">
   <p:tag name="KSO_WM_TEMPLATE_CATEGORY" val="custom"/>
   <p:tag name="KSO_WM_TEMPLATE_INDEX" val="160415"/>
@@ -21517,7 +22023,7 @@
 </p:tagLst>
 </file>
 
-<file path=ppt/tags/tag96.xml><?xml version="1.0" encoding="utf-8"?>
+<file path=ppt/tags/tag97.xml><?xml version="1.0" encoding="utf-8"?>
 <p:tagLst xmlns:p="http://schemas.openxmlformats.org/presentationml/2006/main">
   <p:tag name="KSO_WM_TAG_VERSION" val="1.0"/>
   <p:tag name="KSO_WM_BEAUTIFY_FLAG" val="#wm#"/>
@@ -21536,7 +22042,7 @@
 </p:tagLst>
 </file>
 
-<file path=ppt/tags/tag97.xml><?xml version="1.0" encoding="utf-8"?>
+<file path=ppt/tags/tag98.xml><?xml version="1.0" encoding="utf-8"?>
 <p:tagLst xmlns:p="http://schemas.openxmlformats.org/presentationml/2006/main">
   <p:tag name="KSO_WM_TEMPLATE_CATEGORY" val="custom"/>
   <p:tag name="KSO_WM_TEMPLATE_INDEX" val="160415"/>
@@ -21553,7 +22059,7 @@
 </p:tagLst>
 </file>
 
-<file path=ppt/tags/tag98.xml><?xml version="1.0" encoding="utf-8"?>
+<file path=ppt/tags/tag99.xml><?xml version="1.0" encoding="utf-8"?>
 <p:tagLst xmlns:p="http://schemas.openxmlformats.org/presentationml/2006/main">
   <p:tag name="KSO_WM_TAG_VERSION" val="1.0"/>
   <p:tag name="KSO_WM_BEAUTIFY_FLAG" val="#wm#"/>
@@ -21569,25 +22075,6 @@
   <p:tag name="KSO_WM_UNIT_COMPATIBLE" val="0"/>
   <p:tag name="KSO_WM_UNIT_PRESET_TEXT_INDEX" val="5"/>
   <p:tag name="KSO_WM_UNIT_PRESET_TEXT_LEN" val="232"/>
-</p:tagLst>
-</file>
-
-<file path=ppt/tags/tag99.xml><?xml version="1.0" encoding="utf-8"?>
-<p:tagLst xmlns:p="http://schemas.openxmlformats.org/presentationml/2006/main">
-  <p:tag name="KSO_WM_TAG_VERSION" val="1.0"/>
-  <p:tag name="KSO_WM_BEAUTIFY_FLAG" val="#wm#"/>
-  <p:tag name="KSO_WM_TEMPLATE_CATEGORY" val="custom"/>
-  <p:tag name="KSO_WM_TEMPLATE_INDEX" val="160415"/>
-  <p:tag name="KSO_WM_UNIT_TYPE" val="a"/>
-  <p:tag name="KSO_WM_UNIT_INDEX" val="1"/>
-  <p:tag name="KSO_WM_UNIT_ID" val="custom160415_9*a*1"/>
-  <p:tag name="KSO_WM_UNIT_CLEAR" val="1"/>
-  <p:tag name="KSO_WM_UNIT_LAYERLEVEL" val="1"/>
-  <p:tag name="KSO_WM_UNIT_VALUE" val="6"/>
-  <p:tag name="KSO_WM_UNIT_ISCONTENTSTITLE" val="1"/>
-  <p:tag name="KSO_WM_UNIT_HIGHLIGHT" val="0"/>
-  <p:tag name="KSO_WM_UNIT_COMPATIBLE" val="0"/>
-  <p:tag name="KSO_WM_UNIT_PRESET_TEXT" val="Contents"/>
 </p:tagLst>
 </file>
 

--- a/net_ppt.pptx
+++ b/net_ppt.pptx
@@ -31,7 +31,7 @@
     <p:sldId id="424" r:id="rId24"/>
     <p:sldId id="425" r:id="rId25"/>
     <p:sldId id="416" r:id="rId26"/>
-    <p:sldId id="421" r:id="rId27"/>
+    <p:sldId id="433" r:id="rId27"/>
     <p:sldId id="429" r:id="rId28"/>
   </p:sldIdLst>
   <p:sldSz cx="12192000" cy="6858000"/>
@@ -153,14 +153,14 @@
             <p14:sldId id="409"/>
             <p14:sldId id="410"/>
             <p14:sldId id="411"/>
-            <p14:sldId id="412"/>
             <p14:sldId id="426"/>
             <p14:sldId id="427"/>
             <p14:sldId id="424"/>
             <p14:sldId id="425"/>
             <p14:sldId id="416"/>
-            <p14:sldId id="421"/>
+            <p14:sldId id="433"/>
             <p14:sldId id="429"/>
+            <p14:sldId id="412"/>
           </p14:sldIdLst>
         </p14:section>
       </p14:sectionLst>
@@ -16314,871 +16314,1181 @@
           <a:chExt cx="0" cy="0"/>
         </a:xfrm>
       </p:grpSpPr>
-      <p:sp>
-        <p:nvSpPr>
-          <p:cNvPr id="79" name="五边形 78"/>
-          <p:cNvSpPr/>
+      <p:grpSp>
+        <p:nvGrpSpPr>
+          <p:cNvPr id="11" name="组合 10"/>
+          <p:cNvGrpSpPr/>
           <p:nvPr>
             <p:custDataLst>
               <p:tags r:id="rId1"/>
             </p:custDataLst>
           </p:nvPr>
-        </p:nvSpPr>
-        <p:spPr>
+        </p:nvGrpSpPr>
+        <p:grpSpPr>
           <a:xfrm>
             <a:off x="3935023" y="1778129"/>
-            <a:ext cx="855662" cy="533400"/>
+            <a:ext cx="4997482" cy="831850"/>
+            <a:chOff x="2411023" y="1778129"/>
+            <a:chExt cx="4997482" cy="831850"/>
           </a:xfrm>
-          <a:prstGeom prst="homePlate">
-            <a:avLst/>
-          </a:prstGeom>
-          <a:noFill/>
-          <a:ln w="22225">
-            <a:solidFill>
-              <a:schemeClr val="accent1"/>
-            </a:solidFill>
-          </a:ln>
-        </p:spPr>
-        <p:style>
-          <a:lnRef idx="2">
-            <a:schemeClr val="accent1">
-              <a:shade val="50000"/>
-            </a:schemeClr>
-          </a:lnRef>
-          <a:fillRef idx="1">
-            <a:schemeClr val="accent1"/>
-          </a:fillRef>
-          <a:effectRef idx="0">
-            <a:schemeClr val="accent1"/>
-          </a:effectRef>
-          <a:fontRef idx="minor">
-            <a:schemeClr val="lt1"/>
-          </a:fontRef>
-        </p:style>
-        <p:txBody>
-          <a:bodyPr wrap="square" lIns="0" tIns="0" rIns="0" bIns="0" anchor="ctr">
-            <a:normAutofit/>
-          </a:bodyPr>
-          <a:lstStyle/>
-          <a:p>
-            <a:pPr algn="ctr">
-              <a:defRPr/>
-            </a:pPr>
-            <a:r>
-              <a:rPr lang="en-US" altLang="zh-CN" sz="2800" dirty="0">
-                <a:solidFill>
-                  <a:schemeClr val="accent1"/>
-                </a:solidFill>
-              </a:rPr>
-              <a:t>01</a:t>
-            </a:r>
-            <a:endParaRPr lang="zh-CN" altLang="en-US" sz="2800" dirty="0">
+        </p:grpSpPr>
+        <p:sp>
+          <p:nvSpPr>
+            <p:cNvPr id="79" name="五边形 78"/>
+            <p:cNvSpPr/>
+            <p:nvPr>
+              <p:custDataLst>
+                <p:tags r:id="rId2"/>
+              </p:custDataLst>
+            </p:nvPr>
+          </p:nvSpPr>
+          <p:spPr>
+            <a:xfrm>
+              <a:off x="2411023" y="1778129"/>
+              <a:ext cx="855662" cy="533400"/>
+            </a:xfrm>
+            <a:prstGeom prst="homePlate">
+              <a:avLst/>
+            </a:prstGeom>
+            <a:noFill/>
+            <a:ln w="22225">
               <a:solidFill>
                 <a:schemeClr val="accent1"/>
               </a:solidFill>
-            </a:endParaRPr>
-          </a:p>
-        </p:txBody>
-      </p:sp>
-      <p:sp>
-        <p:nvSpPr>
-          <p:cNvPr id="80" name="六边形 79"/>
-          <p:cNvSpPr/>
-          <p:nvPr>
-            <p:custDataLst>
-              <p:tags r:id="rId2"/>
-            </p:custDataLst>
-          </p:nvPr>
-        </p:nvSpPr>
-        <p:spPr>
-          <a:xfrm>
-            <a:off x="4574785" y="2076579"/>
-            <a:ext cx="4357720" cy="533400"/>
-          </a:xfrm>
-          <a:custGeom>
-            <a:avLst/>
-            <a:gdLst>
-              <a:gd name="connsiteX0" fmla="*/ 0 w 4102100"/>
-              <a:gd name="connsiteY0" fmla="*/ 266700 h 533400"/>
-              <a:gd name="connsiteX1" fmla="*/ 254000 w 4102100"/>
-              <a:gd name="connsiteY1" fmla="*/ 0 h 533400"/>
-              <a:gd name="connsiteX2" fmla="*/ 3848100 w 4102100"/>
-              <a:gd name="connsiteY2" fmla="*/ 0 h 533400"/>
-              <a:gd name="connsiteX3" fmla="*/ 4102100 w 4102100"/>
-              <a:gd name="connsiteY3" fmla="*/ 266700 h 533400"/>
-              <a:gd name="connsiteX4" fmla="*/ 3848100 w 4102100"/>
-              <a:gd name="connsiteY4" fmla="*/ 533400 h 533400"/>
-              <a:gd name="connsiteX5" fmla="*/ 254000 w 4102100"/>
-              <a:gd name="connsiteY5" fmla="*/ 533400 h 533400"/>
-              <a:gd name="connsiteX6" fmla="*/ 0 w 4102100"/>
-              <a:gd name="connsiteY6" fmla="*/ 266700 h 533400"/>
-              <a:gd name="connsiteX0-1" fmla="*/ 0 w 3848100"/>
-              <a:gd name="connsiteY0-2" fmla="*/ 266700 h 533400"/>
-              <a:gd name="connsiteX1-3" fmla="*/ 254000 w 3848100"/>
-              <a:gd name="connsiteY1-4" fmla="*/ 0 h 533400"/>
-              <a:gd name="connsiteX2-5" fmla="*/ 3848100 w 3848100"/>
-              <a:gd name="connsiteY2-6" fmla="*/ 0 h 533400"/>
-              <a:gd name="connsiteX3-7" fmla="*/ 3848100 w 3848100"/>
-              <a:gd name="connsiteY3-8" fmla="*/ 533400 h 533400"/>
-              <a:gd name="connsiteX4-9" fmla="*/ 254000 w 3848100"/>
-              <a:gd name="connsiteY4-10" fmla="*/ 533400 h 533400"/>
-              <a:gd name="connsiteX5-11" fmla="*/ 0 w 3848100"/>
-              <a:gd name="connsiteY5-12" fmla="*/ 266700 h 533400"/>
-            </a:gdLst>
-            <a:ahLst/>
-            <a:cxnLst>
-              <a:cxn ang="0">
-                <a:pos x="connsiteX0-1" y="connsiteY0-2"/>
-              </a:cxn>
-              <a:cxn ang="0">
-                <a:pos x="connsiteX1-3" y="connsiteY1-4"/>
-              </a:cxn>
-              <a:cxn ang="0">
-                <a:pos x="connsiteX2-5" y="connsiteY2-6"/>
-              </a:cxn>
-              <a:cxn ang="0">
-                <a:pos x="connsiteX3-7" y="connsiteY3-8"/>
-              </a:cxn>
-              <a:cxn ang="0">
-                <a:pos x="connsiteX4-9" y="connsiteY4-10"/>
-              </a:cxn>
-              <a:cxn ang="0">
-                <a:pos x="connsiteX5-11" y="connsiteY5-12"/>
-              </a:cxn>
-            </a:cxnLst>
-            <a:rect l="l" t="t" r="r" b="b"/>
-            <a:pathLst>
-              <a:path w="3848100" h="533400">
-                <a:moveTo>
-                  <a:pt x="0" y="266700"/>
-                </a:moveTo>
-                <a:lnTo>
-                  <a:pt x="254000" y="0"/>
-                </a:lnTo>
-                <a:lnTo>
-                  <a:pt x="3848100" y="0"/>
-                </a:lnTo>
-                <a:lnTo>
-                  <a:pt x="3848100" y="533400"/>
-                </a:lnTo>
-                <a:lnTo>
-                  <a:pt x="254000" y="533400"/>
-                </a:lnTo>
-                <a:lnTo>
-                  <a:pt x="0" y="266700"/>
-                </a:lnTo>
-                <a:close/>
-              </a:path>
-            </a:pathLst>
-          </a:custGeom>
-          <a:solidFill>
-            <a:schemeClr val="tx1"/>
-          </a:solidFill>
-          <a:ln>
-            <a:noFill/>
-          </a:ln>
-        </p:spPr>
-        <p:style>
-          <a:lnRef idx="2">
-            <a:schemeClr val="accent1">
-              <a:shade val="50000"/>
-            </a:schemeClr>
-          </a:lnRef>
-          <a:fillRef idx="1">
-            <a:schemeClr val="accent1"/>
-          </a:fillRef>
-          <a:effectRef idx="0">
-            <a:schemeClr val="accent1"/>
-          </a:effectRef>
-          <a:fontRef idx="minor">
-            <a:schemeClr val="lt1"/>
-          </a:fontRef>
-        </p:style>
-        <p:txBody>
-          <a:bodyPr wrap="square" lIns="360000" anchor="ctr">
-            <a:normAutofit/>
-          </a:bodyPr>
-          <a:lstStyle/>
-          <a:p>
-            <a:pPr>
-              <a:defRPr/>
-            </a:pPr>
-            <a:r>
-              <a:rPr lang="en-US" altLang="zh-CN" smtClean="0">
+            </a:ln>
+          </p:spPr>
+          <p:style>
+            <a:lnRef idx="2">
+              <a:schemeClr val="accent1">
+                <a:shade val="50000"/>
+              </a:schemeClr>
+            </a:lnRef>
+            <a:fillRef idx="1">
+              <a:schemeClr val="accent1"/>
+            </a:fillRef>
+            <a:effectRef idx="0">
+              <a:schemeClr val="accent1"/>
+            </a:effectRef>
+            <a:fontRef idx="minor">
+              <a:schemeClr val="lt1"/>
+            </a:fontRef>
+          </p:style>
+          <p:txBody>
+            <a:bodyPr wrap="square" lIns="0" tIns="0" rIns="0" bIns="0" anchor="ctr">
+              <a:normAutofit/>
+            </a:bodyPr>
+            <a:lstStyle/>
+            <a:p>
+              <a:pPr algn="ctr">
+                <a:defRPr/>
+              </a:pPr>
+              <a:r>
+                <a:rPr lang="en-US" altLang="zh-CN" sz="2800" dirty="0">
+                  <a:solidFill>
+                    <a:schemeClr val="accent1"/>
+                  </a:solidFill>
+                </a:rPr>
+                <a:t>01</a:t>
+              </a:r>
+              <a:endParaRPr lang="zh-CN" altLang="en-US" sz="2800" dirty="0">
+                <a:solidFill>
+                  <a:schemeClr val="accent1"/>
+                </a:solidFill>
+              </a:endParaRPr>
+            </a:p>
+          </p:txBody>
+        </p:sp>
+        <p:sp>
+          <p:nvSpPr>
+            <p:cNvPr id="80" name="六边形 79"/>
+            <p:cNvSpPr/>
+            <p:nvPr>
+              <p:custDataLst>
+                <p:tags r:id="rId3"/>
+              </p:custDataLst>
+            </p:nvPr>
+          </p:nvSpPr>
+          <p:spPr>
+            <a:xfrm>
+              <a:off x="3050785" y="2076579"/>
+              <a:ext cx="4357720" cy="533400"/>
+            </a:xfrm>
+            <a:custGeom>
+              <a:avLst/>
+              <a:gdLst>
+                <a:gd name="connsiteX0" fmla="*/ 0 w 4102100"/>
+                <a:gd name="connsiteY0" fmla="*/ 266700 h 533400"/>
+                <a:gd name="connsiteX1" fmla="*/ 254000 w 4102100"/>
+                <a:gd name="connsiteY1" fmla="*/ 0 h 533400"/>
+                <a:gd name="connsiteX2" fmla="*/ 3848100 w 4102100"/>
+                <a:gd name="connsiteY2" fmla="*/ 0 h 533400"/>
+                <a:gd name="connsiteX3" fmla="*/ 4102100 w 4102100"/>
+                <a:gd name="connsiteY3" fmla="*/ 266700 h 533400"/>
+                <a:gd name="connsiteX4" fmla="*/ 3848100 w 4102100"/>
+                <a:gd name="connsiteY4" fmla="*/ 533400 h 533400"/>
+                <a:gd name="connsiteX5" fmla="*/ 254000 w 4102100"/>
+                <a:gd name="connsiteY5" fmla="*/ 533400 h 533400"/>
+                <a:gd name="connsiteX6" fmla="*/ 0 w 4102100"/>
+                <a:gd name="connsiteY6" fmla="*/ 266700 h 533400"/>
+                <a:gd name="connsiteX0-1" fmla="*/ 0 w 3848100"/>
+                <a:gd name="connsiteY0-2" fmla="*/ 266700 h 533400"/>
+                <a:gd name="connsiteX1-3" fmla="*/ 254000 w 3848100"/>
+                <a:gd name="connsiteY1-4" fmla="*/ 0 h 533400"/>
+                <a:gd name="connsiteX2-5" fmla="*/ 3848100 w 3848100"/>
+                <a:gd name="connsiteY2-6" fmla="*/ 0 h 533400"/>
+                <a:gd name="connsiteX3-7" fmla="*/ 3848100 w 3848100"/>
+                <a:gd name="connsiteY3-8" fmla="*/ 533400 h 533400"/>
+                <a:gd name="connsiteX4-9" fmla="*/ 254000 w 3848100"/>
+                <a:gd name="connsiteY4-10" fmla="*/ 533400 h 533400"/>
+                <a:gd name="connsiteX5-11" fmla="*/ 0 w 3848100"/>
+                <a:gd name="connsiteY5-12" fmla="*/ 266700 h 533400"/>
+              </a:gdLst>
+              <a:ahLst/>
+              <a:cxnLst>
+                <a:cxn ang="0">
+                  <a:pos x="connsiteX0-1" y="connsiteY0-2"/>
+                </a:cxn>
+                <a:cxn ang="0">
+                  <a:pos x="connsiteX1-3" y="connsiteY1-4"/>
+                </a:cxn>
+                <a:cxn ang="0">
+                  <a:pos x="connsiteX2-5" y="connsiteY2-6"/>
+                </a:cxn>
+                <a:cxn ang="0">
+                  <a:pos x="connsiteX3-7" y="connsiteY3-8"/>
+                </a:cxn>
+                <a:cxn ang="0">
+                  <a:pos x="connsiteX4-9" y="connsiteY4-10"/>
+                </a:cxn>
+                <a:cxn ang="0">
+                  <a:pos x="connsiteX5-11" y="connsiteY5-12"/>
+                </a:cxn>
+              </a:cxnLst>
+              <a:rect l="l" t="t" r="r" b="b"/>
+              <a:pathLst>
+                <a:path w="3848100" h="533400">
+                  <a:moveTo>
+                    <a:pt x="0" y="266700"/>
+                  </a:moveTo>
+                  <a:lnTo>
+                    <a:pt x="254000" y="0"/>
+                  </a:lnTo>
+                  <a:lnTo>
+                    <a:pt x="3848100" y="0"/>
+                  </a:lnTo>
+                  <a:lnTo>
+                    <a:pt x="3848100" y="533400"/>
+                  </a:lnTo>
+                  <a:lnTo>
+                    <a:pt x="254000" y="533400"/>
+                  </a:lnTo>
+                  <a:lnTo>
+                    <a:pt x="0" y="266700"/>
+                  </a:lnTo>
+                  <a:close/>
+                </a:path>
+              </a:pathLst>
+            </a:custGeom>
+            <a:solidFill>
+              <a:schemeClr val="tx1"/>
+            </a:solidFill>
+            <a:ln>
+              <a:noFill/>
+            </a:ln>
+          </p:spPr>
+          <p:style>
+            <a:lnRef idx="2">
+              <a:schemeClr val="accent1">
+                <a:shade val="50000"/>
+              </a:schemeClr>
+            </a:lnRef>
+            <a:fillRef idx="1">
+              <a:schemeClr val="accent1"/>
+            </a:fillRef>
+            <a:effectRef idx="0">
+              <a:schemeClr val="accent1"/>
+            </a:effectRef>
+            <a:fontRef idx="minor">
+              <a:schemeClr val="lt1"/>
+            </a:fontRef>
+          </p:style>
+          <p:txBody>
+            <a:bodyPr wrap="square" lIns="360000" anchor="ctr">
+              <a:normAutofit/>
+            </a:bodyPr>
+            <a:lstStyle/>
+            <a:p>
+              <a:pPr>
+                <a:defRPr/>
+              </a:pPr>
+              <a:r>
+                <a:rPr lang="zh-CN" altLang="zh-CN" smtClean="0">
+                  <a:solidFill>
+                    <a:schemeClr val="accent1">
+                      <a:lumMod val="50000"/>
+                    </a:schemeClr>
+                  </a:solidFill>
+                </a:rPr>
+                <a:t>完善业务层的通用逻辑</a:t>
+              </a:r>
+              <a:endParaRPr lang="zh-CN" altLang="zh-CN" smtClean="0">
                 <a:solidFill>
                   <a:schemeClr val="accent1">
                     <a:lumMod val="50000"/>
                   </a:schemeClr>
                 </a:solidFill>
-              </a:rPr>
-              <a:t>日志输出</a:t>
-            </a:r>
-            <a:endParaRPr lang="en-US" altLang="zh-CN" smtClean="0">
-              <a:solidFill>
-                <a:schemeClr val="accent1">
-                  <a:lumMod val="50000"/>
-                </a:schemeClr>
-              </a:solidFill>
-            </a:endParaRPr>
-          </a:p>
-        </p:txBody>
-      </p:sp>
-      <p:sp>
-        <p:nvSpPr>
-          <p:cNvPr id="5" name="五边形 4"/>
-          <p:cNvSpPr/>
-          <p:nvPr>
-            <p:custDataLst>
-              <p:tags r:id="rId3"/>
-            </p:custDataLst>
-          </p:nvPr>
-        </p:nvSpPr>
-        <p:spPr>
-          <a:xfrm>
-            <a:off x="3935023" y="2771574"/>
-            <a:ext cx="855662" cy="533400"/>
-          </a:xfrm>
-          <a:prstGeom prst="homePlate">
-            <a:avLst/>
-          </a:prstGeom>
-          <a:noFill/>
-          <a:ln w="22225">
-            <a:solidFill>
-              <a:schemeClr val="accent1"/>
-            </a:solidFill>
-          </a:ln>
-        </p:spPr>
-        <p:style>
-          <a:lnRef idx="2">
-            <a:schemeClr val="accent1">
-              <a:shade val="50000"/>
-            </a:schemeClr>
-          </a:lnRef>
-          <a:fillRef idx="1">
-            <a:schemeClr val="accent1"/>
-          </a:fillRef>
-          <a:effectRef idx="0">
-            <a:schemeClr val="accent1"/>
-          </a:effectRef>
-          <a:fontRef idx="minor">
-            <a:schemeClr val="lt1"/>
-          </a:fontRef>
-        </p:style>
-        <p:txBody>
-          <a:bodyPr wrap="square" lIns="0" tIns="0" rIns="0" bIns="0" anchor="ctr">
-            <a:normAutofit/>
-          </a:bodyPr>
-          <a:lstStyle/>
-          <a:p>
-            <a:pPr algn="ctr">
-              <a:defRPr/>
-            </a:pPr>
-            <a:r>
-              <a:rPr lang="en-US" altLang="zh-CN" sz="2800" dirty="0">
-                <a:solidFill>
-                  <a:schemeClr val="accent1"/>
-                </a:solidFill>
-              </a:rPr>
-              <a:t>02</a:t>
-            </a:r>
-            <a:endParaRPr lang="zh-CN" altLang="en-US" sz="2800" dirty="0">
-              <a:solidFill>
-                <a:schemeClr val="accent1"/>
-              </a:solidFill>
-            </a:endParaRPr>
-          </a:p>
-        </p:txBody>
-      </p:sp>
-      <p:sp>
-        <p:nvSpPr>
-          <p:cNvPr id="6" name="六边形 79"/>
-          <p:cNvSpPr/>
+              </a:endParaRPr>
+            </a:p>
+          </p:txBody>
+        </p:sp>
+      </p:grpSp>
+      <p:grpSp>
+        <p:nvGrpSpPr>
+          <p:cNvPr id="4" name="组合 3"/>
+          <p:cNvGrpSpPr/>
           <p:nvPr>
             <p:custDataLst>
               <p:tags r:id="rId4"/>
             </p:custDataLst>
           </p:nvPr>
-        </p:nvSpPr>
-        <p:spPr>
+        </p:nvGrpSpPr>
+        <p:grpSpPr>
           <a:xfrm>
-            <a:off x="4574785" y="3070024"/>
-            <a:ext cx="4357720" cy="533400"/>
+            <a:off x="3935023" y="2599413"/>
+            <a:ext cx="4997482" cy="831850"/>
+            <a:chOff x="2411023" y="2897801"/>
+            <a:chExt cx="4997482" cy="831850"/>
           </a:xfrm>
-          <a:custGeom>
-            <a:avLst/>
-            <a:gdLst>
-              <a:gd name="connsiteX0" fmla="*/ 0 w 4102100"/>
-              <a:gd name="connsiteY0" fmla="*/ 266700 h 533400"/>
-              <a:gd name="connsiteX1" fmla="*/ 254000 w 4102100"/>
-              <a:gd name="connsiteY1" fmla="*/ 0 h 533400"/>
-              <a:gd name="connsiteX2" fmla="*/ 3848100 w 4102100"/>
-              <a:gd name="connsiteY2" fmla="*/ 0 h 533400"/>
-              <a:gd name="connsiteX3" fmla="*/ 4102100 w 4102100"/>
-              <a:gd name="connsiteY3" fmla="*/ 266700 h 533400"/>
-              <a:gd name="connsiteX4" fmla="*/ 3848100 w 4102100"/>
-              <a:gd name="connsiteY4" fmla="*/ 533400 h 533400"/>
-              <a:gd name="connsiteX5" fmla="*/ 254000 w 4102100"/>
-              <a:gd name="connsiteY5" fmla="*/ 533400 h 533400"/>
-              <a:gd name="connsiteX6" fmla="*/ 0 w 4102100"/>
-              <a:gd name="connsiteY6" fmla="*/ 266700 h 533400"/>
-              <a:gd name="connsiteX0-1" fmla="*/ 0 w 3848100"/>
-              <a:gd name="connsiteY0-2" fmla="*/ 266700 h 533400"/>
-              <a:gd name="connsiteX1-3" fmla="*/ 254000 w 3848100"/>
-              <a:gd name="connsiteY1-4" fmla="*/ 0 h 533400"/>
-              <a:gd name="connsiteX2-5" fmla="*/ 3848100 w 3848100"/>
-              <a:gd name="connsiteY2-6" fmla="*/ 0 h 533400"/>
-              <a:gd name="connsiteX3-7" fmla="*/ 3848100 w 3848100"/>
-              <a:gd name="connsiteY3-8" fmla="*/ 533400 h 533400"/>
-              <a:gd name="connsiteX4-9" fmla="*/ 254000 w 3848100"/>
-              <a:gd name="connsiteY4-10" fmla="*/ 533400 h 533400"/>
-              <a:gd name="connsiteX5-11" fmla="*/ 0 w 3848100"/>
-              <a:gd name="connsiteY5-12" fmla="*/ 266700 h 533400"/>
-            </a:gdLst>
-            <a:ahLst/>
-            <a:cxnLst>
-              <a:cxn ang="0">
-                <a:pos x="connsiteX0-1" y="connsiteY0-2"/>
-              </a:cxn>
-              <a:cxn ang="0">
-                <a:pos x="connsiteX1-3" y="connsiteY1-4"/>
-              </a:cxn>
-              <a:cxn ang="0">
-                <a:pos x="connsiteX2-5" y="connsiteY2-6"/>
-              </a:cxn>
-              <a:cxn ang="0">
-                <a:pos x="connsiteX3-7" y="connsiteY3-8"/>
-              </a:cxn>
-              <a:cxn ang="0">
-                <a:pos x="connsiteX4-9" y="connsiteY4-10"/>
-              </a:cxn>
-              <a:cxn ang="0">
-                <a:pos x="connsiteX5-11" y="connsiteY5-12"/>
-              </a:cxn>
-            </a:cxnLst>
-            <a:rect l="l" t="t" r="r" b="b"/>
-            <a:pathLst>
-              <a:path w="3848100" h="533400">
-                <a:moveTo>
-                  <a:pt x="0" y="266700"/>
-                </a:moveTo>
-                <a:lnTo>
-                  <a:pt x="254000" y="0"/>
-                </a:lnTo>
-                <a:lnTo>
-                  <a:pt x="3848100" y="0"/>
-                </a:lnTo>
-                <a:lnTo>
-                  <a:pt x="3848100" y="533400"/>
-                </a:lnTo>
-                <a:lnTo>
-                  <a:pt x="254000" y="533400"/>
-                </a:lnTo>
-                <a:lnTo>
-                  <a:pt x="0" y="266700"/>
-                </a:lnTo>
-                <a:close/>
-              </a:path>
-            </a:pathLst>
-          </a:custGeom>
-          <a:solidFill>
-            <a:schemeClr val="tx1"/>
-          </a:solidFill>
-          <a:ln>
+        </p:grpSpPr>
+        <p:sp>
+          <p:nvSpPr>
+            <p:cNvPr id="5" name="五边形 4"/>
+            <p:cNvSpPr/>
+            <p:nvPr>
+              <p:custDataLst>
+                <p:tags r:id="rId5"/>
+              </p:custDataLst>
+            </p:nvPr>
+          </p:nvSpPr>
+          <p:spPr>
+            <a:xfrm>
+              <a:off x="2411023" y="2897801"/>
+              <a:ext cx="855662" cy="533400"/>
+            </a:xfrm>
+            <a:prstGeom prst="homePlate">
+              <a:avLst/>
+            </a:prstGeom>
             <a:noFill/>
-          </a:ln>
-        </p:spPr>
-        <p:style>
-          <a:lnRef idx="2">
-            <a:schemeClr val="accent1">
-              <a:shade val="50000"/>
-            </a:schemeClr>
-          </a:lnRef>
-          <a:fillRef idx="1">
-            <a:schemeClr val="accent1"/>
-          </a:fillRef>
-          <a:effectRef idx="0">
-            <a:schemeClr val="accent1"/>
-          </a:effectRef>
-          <a:fontRef idx="minor">
-            <a:schemeClr val="lt1"/>
-          </a:fontRef>
-        </p:style>
-        <p:txBody>
-          <a:bodyPr wrap="square" lIns="360000" anchor="ctr">
-            <a:normAutofit/>
-          </a:bodyPr>
-          <a:lstStyle/>
-          <a:p>
-            <a:pPr>
-              <a:defRPr/>
-            </a:pPr>
-            <a:r>
-              <a:rPr lang="en-US" altLang="zh-CN" smtClean="0">
+            <a:ln w="22225">
+              <a:solidFill>
+                <a:schemeClr val="accent1"/>
+              </a:solidFill>
+            </a:ln>
+          </p:spPr>
+          <p:style>
+            <a:lnRef idx="2">
+              <a:schemeClr val="accent1">
+                <a:shade val="50000"/>
+              </a:schemeClr>
+            </a:lnRef>
+            <a:fillRef idx="1">
+              <a:schemeClr val="accent1"/>
+            </a:fillRef>
+            <a:effectRef idx="0">
+              <a:schemeClr val="accent1"/>
+            </a:effectRef>
+            <a:fontRef idx="minor">
+              <a:schemeClr val="lt1"/>
+            </a:fontRef>
+          </p:style>
+          <p:txBody>
+            <a:bodyPr wrap="square" lIns="0" tIns="0" rIns="0" bIns="0" anchor="ctr">
+              <a:normAutofit/>
+            </a:bodyPr>
+            <a:lstStyle/>
+            <a:p>
+              <a:pPr algn="ctr">
+                <a:defRPr/>
+              </a:pPr>
+              <a:r>
+                <a:rPr lang="en-US" altLang="zh-CN" sz="2800" dirty="0">
+                  <a:solidFill>
+                    <a:schemeClr val="accent1"/>
+                  </a:solidFill>
+                </a:rPr>
+                <a:t>02</a:t>
+              </a:r>
+              <a:endParaRPr lang="zh-CN" altLang="en-US" sz="2800" dirty="0">
+                <a:solidFill>
+                  <a:schemeClr val="accent1"/>
+                </a:solidFill>
+              </a:endParaRPr>
+            </a:p>
+          </p:txBody>
+        </p:sp>
+        <p:sp>
+          <p:nvSpPr>
+            <p:cNvPr id="6" name="六边形 79"/>
+            <p:cNvSpPr/>
+            <p:nvPr>
+              <p:custDataLst>
+                <p:tags r:id="rId6"/>
+              </p:custDataLst>
+            </p:nvPr>
+          </p:nvSpPr>
+          <p:spPr>
+            <a:xfrm>
+              <a:off x="3050785" y="3196251"/>
+              <a:ext cx="4357720" cy="533400"/>
+            </a:xfrm>
+            <a:custGeom>
+              <a:avLst/>
+              <a:gdLst>
+                <a:gd name="connsiteX0" fmla="*/ 0 w 4102100"/>
+                <a:gd name="connsiteY0" fmla="*/ 266700 h 533400"/>
+                <a:gd name="connsiteX1" fmla="*/ 254000 w 4102100"/>
+                <a:gd name="connsiteY1" fmla="*/ 0 h 533400"/>
+                <a:gd name="connsiteX2" fmla="*/ 3848100 w 4102100"/>
+                <a:gd name="connsiteY2" fmla="*/ 0 h 533400"/>
+                <a:gd name="connsiteX3" fmla="*/ 4102100 w 4102100"/>
+                <a:gd name="connsiteY3" fmla="*/ 266700 h 533400"/>
+                <a:gd name="connsiteX4" fmla="*/ 3848100 w 4102100"/>
+                <a:gd name="connsiteY4" fmla="*/ 533400 h 533400"/>
+                <a:gd name="connsiteX5" fmla="*/ 254000 w 4102100"/>
+                <a:gd name="connsiteY5" fmla="*/ 533400 h 533400"/>
+                <a:gd name="connsiteX6" fmla="*/ 0 w 4102100"/>
+                <a:gd name="connsiteY6" fmla="*/ 266700 h 533400"/>
+                <a:gd name="connsiteX0-1" fmla="*/ 0 w 3848100"/>
+                <a:gd name="connsiteY0-2" fmla="*/ 266700 h 533400"/>
+                <a:gd name="connsiteX1-3" fmla="*/ 254000 w 3848100"/>
+                <a:gd name="connsiteY1-4" fmla="*/ 0 h 533400"/>
+                <a:gd name="connsiteX2-5" fmla="*/ 3848100 w 3848100"/>
+                <a:gd name="connsiteY2-6" fmla="*/ 0 h 533400"/>
+                <a:gd name="connsiteX3-7" fmla="*/ 3848100 w 3848100"/>
+                <a:gd name="connsiteY3-8" fmla="*/ 533400 h 533400"/>
+                <a:gd name="connsiteX4-9" fmla="*/ 254000 w 3848100"/>
+                <a:gd name="connsiteY4-10" fmla="*/ 533400 h 533400"/>
+                <a:gd name="connsiteX5-11" fmla="*/ 0 w 3848100"/>
+                <a:gd name="connsiteY5-12" fmla="*/ 266700 h 533400"/>
+              </a:gdLst>
+              <a:ahLst/>
+              <a:cxnLst>
+                <a:cxn ang="0">
+                  <a:pos x="connsiteX0-1" y="connsiteY0-2"/>
+                </a:cxn>
+                <a:cxn ang="0">
+                  <a:pos x="connsiteX1-3" y="connsiteY1-4"/>
+                </a:cxn>
+                <a:cxn ang="0">
+                  <a:pos x="connsiteX2-5" y="connsiteY2-6"/>
+                </a:cxn>
+                <a:cxn ang="0">
+                  <a:pos x="connsiteX3-7" y="connsiteY3-8"/>
+                </a:cxn>
+                <a:cxn ang="0">
+                  <a:pos x="connsiteX4-9" y="connsiteY4-10"/>
+                </a:cxn>
+                <a:cxn ang="0">
+                  <a:pos x="connsiteX5-11" y="connsiteY5-12"/>
+                </a:cxn>
+              </a:cxnLst>
+              <a:rect l="l" t="t" r="r" b="b"/>
+              <a:pathLst>
+                <a:path w="3848100" h="533400">
+                  <a:moveTo>
+                    <a:pt x="0" y="266700"/>
+                  </a:moveTo>
+                  <a:lnTo>
+                    <a:pt x="254000" y="0"/>
+                  </a:lnTo>
+                  <a:lnTo>
+                    <a:pt x="3848100" y="0"/>
+                  </a:lnTo>
+                  <a:lnTo>
+                    <a:pt x="3848100" y="533400"/>
+                  </a:lnTo>
+                  <a:lnTo>
+                    <a:pt x="254000" y="533400"/>
+                  </a:lnTo>
+                  <a:lnTo>
+                    <a:pt x="0" y="266700"/>
+                  </a:lnTo>
+                  <a:close/>
+                </a:path>
+              </a:pathLst>
+            </a:custGeom>
+            <a:solidFill>
+              <a:schemeClr val="tx1"/>
+            </a:solidFill>
+            <a:ln>
+              <a:noFill/>
+            </a:ln>
+          </p:spPr>
+          <p:style>
+            <a:lnRef idx="2">
+              <a:schemeClr val="accent1">
+                <a:shade val="50000"/>
+              </a:schemeClr>
+            </a:lnRef>
+            <a:fillRef idx="1">
+              <a:schemeClr val="accent1"/>
+            </a:fillRef>
+            <a:effectRef idx="0">
+              <a:schemeClr val="accent1"/>
+            </a:effectRef>
+            <a:fontRef idx="minor">
+              <a:schemeClr val="lt1"/>
+            </a:fontRef>
+          </p:style>
+          <p:txBody>
+            <a:bodyPr wrap="square" lIns="360000" anchor="ctr">
+              <a:normAutofit/>
+            </a:bodyPr>
+            <a:lstStyle/>
+            <a:p>
+              <a:pPr>
+                <a:defRPr/>
+              </a:pPr>
+              <a:r>
+                <a:rPr lang="en-US" altLang="zh-CN" smtClean="0">
+                  <a:solidFill>
+                    <a:schemeClr val="accent1">
+                      <a:lumMod val="50000"/>
+                    </a:schemeClr>
+                  </a:solidFill>
+                  <a:sym typeface="+mn-ea"/>
+                </a:rPr>
+                <a:t>日志输出</a:t>
+              </a:r>
+              <a:endParaRPr lang="en-US" altLang="zh-CN" smtClean="0">
                 <a:solidFill>
                   <a:schemeClr val="accent1">
                     <a:lumMod val="50000"/>
                   </a:schemeClr>
                 </a:solidFill>
-              </a:rPr>
-              <a:t>性能监控</a:t>
-            </a:r>
-            <a:endParaRPr lang="en-US" altLang="zh-CN" smtClean="0">
-              <a:solidFill>
-                <a:schemeClr val="accent1">
-                  <a:lumMod val="50000"/>
-                </a:schemeClr>
-              </a:solidFill>
-            </a:endParaRPr>
-          </a:p>
-        </p:txBody>
-      </p:sp>
-      <p:sp>
-        <p:nvSpPr>
-          <p:cNvPr id="7" name="五边形 6"/>
-          <p:cNvSpPr/>
-          <p:nvPr>
-            <p:custDataLst>
-              <p:tags r:id="rId5"/>
-            </p:custDataLst>
-          </p:nvPr>
-        </p:nvSpPr>
-        <p:spPr>
-          <a:xfrm>
-            <a:off x="3935023" y="3765019"/>
-            <a:ext cx="855662" cy="533400"/>
-          </a:xfrm>
-          <a:prstGeom prst="homePlate">
-            <a:avLst/>
-          </a:prstGeom>
-          <a:noFill/>
-          <a:ln w="22225">
-            <a:solidFill>
-              <a:schemeClr val="accent1"/>
-            </a:solidFill>
-          </a:ln>
-        </p:spPr>
-        <p:style>
-          <a:lnRef idx="2">
-            <a:schemeClr val="accent1">
-              <a:shade val="50000"/>
-            </a:schemeClr>
-          </a:lnRef>
-          <a:fillRef idx="1">
-            <a:schemeClr val="accent1"/>
-          </a:fillRef>
-          <a:effectRef idx="0">
-            <a:schemeClr val="accent1"/>
-          </a:effectRef>
-          <a:fontRef idx="minor">
-            <a:schemeClr val="lt1"/>
-          </a:fontRef>
-        </p:style>
-        <p:txBody>
-          <a:bodyPr wrap="square" lIns="0" tIns="0" rIns="0" bIns="0" anchor="ctr">
-            <a:normAutofit/>
-          </a:bodyPr>
-          <a:lstStyle/>
-          <a:p>
-            <a:pPr algn="ctr">
-              <a:defRPr/>
-            </a:pPr>
-            <a:r>
-              <a:rPr lang="en-US" altLang="zh-CN" sz="2800" dirty="0">
-                <a:solidFill>
-                  <a:schemeClr val="accent1"/>
-                </a:solidFill>
-              </a:rPr>
-              <a:t>03</a:t>
-            </a:r>
-            <a:endParaRPr lang="zh-CN" altLang="en-US" sz="2800" dirty="0">
-              <a:solidFill>
-                <a:schemeClr val="accent1"/>
-              </a:solidFill>
-            </a:endParaRPr>
-          </a:p>
-        </p:txBody>
-      </p:sp>
-      <p:sp>
-        <p:nvSpPr>
-          <p:cNvPr id="8" name="六边形 79"/>
-          <p:cNvSpPr/>
-          <p:nvPr>
-            <p:custDataLst>
-              <p:tags r:id="rId6"/>
-            </p:custDataLst>
-          </p:nvPr>
-        </p:nvSpPr>
-        <p:spPr>
-          <a:xfrm>
-            <a:off x="4574785" y="4063469"/>
-            <a:ext cx="4357720" cy="533400"/>
-          </a:xfrm>
-          <a:custGeom>
-            <a:avLst/>
-            <a:gdLst>
-              <a:gd name="connsiteX0" fmla="*/ 0 w 4102100"/>
-              <a:gd name="connsiteY0" fmla="*/ 266700 h 533400"/>
-              <a:gd name="connsiteX1" fmla="*/ 254000 w 4102100"/>
-              <a:gd name="connsiteY1" fmla="*/ 0 h 533400"/>
-              <a:gd name="connsiteX2" fmla="*/ 3848100 w 4102100"/>
-              <a:gd name="connsiteY2" fmla="*/ 0 h 533400"/>
-              <a:gd name="connsiteX3" fmla="*/ 4102100 w 4102100"/>
-              <a:gd name="connsiteY3" fmla="*/ 266700 h 533400"/>
-              <a:gd name="connsiteX4" fmla="*/ 3848100 w 4102100"/>
-              <a:gd name="connsiteY4" fmla="*/ 533400 h 533400"/>
-              <a:gd name="connsiteX5" fmla="*/ 254000 w 4102100"/>
-              <a:gd name="connsiteY5" fmla="*/ 533400 h 533400"/>
-              <a:gd name="connsiteX6" fmla="*/ 0 w 4102100"/>
-              <a:gd name="connsiteY6" fmla="*/ 266700 h 533400"/>
-              <a:gd name="connsiteX0-1" fmla="*/ 0 w 3848100"/>
-              <a:gd name="connsiteY0-2" fmla="*/ 266700 h 533400"/>
-              <a:gd name="connsiteX1-3" fmla="*/ 254000 w 3848100"/>
-              <a:gd name="connsiteY1-4" fmla="*/ 0 h 533400"/>
-              <a:gd name="connsiteX2-5" fmla="*/ 3848100 w 3848100"/>
-              <a:gd name="connsiteY2-6" fmla="*/ 0 h 533400"/>
-              <a:gd name="connsiteX3-7" fmla="*/ 3848100 w 3848100"/>
-              <a:gd name="connsiteY3-8" fmla="*/ 533400 h 533400"/>
-              <a:gd name="connsiteX4-9" fmla="*/ 254000 w 3848100"/>
-              <a:gd name="connsiteY4-10" fmla="*/ 533400 h 533400"/>
-              <a:gd name="connsiteX5-11" fmla="*/ 0 w 3848100"/>
-              <a:gd name="connsiteY5-12" fmla="*/ 266700 h 533400"/>
-            </a:gdLst>
-            <a:ahLst/>
-            <a:cxnLst>
-              <a:cxn ang="0">
-                <a:pos x="connsiteX0-1" y="connsiteY0-2"/>
-              </a:cxn>
-              <a:cxn ang="0">
-                <a:pos x="connsiteX1-3" y="connsiteY1-4"/>
-              </a:cxn>
-              <a:cxn ang="0">
-                <a:pos x="connsiteX2-5" y="connsiteY2-6"/>
-              </a:cxn>
-              <a:cxn ang="0">
-                <a:pos x="connsiteX3-7" y="connsiteY3-8"/>
-              </a:cxn>
-              <a:cxn ang="0">
-                <a:pos x="connsiteX4-9" y="connsiteY4-10"/>
-              </a:cxn>
-              <a:cxn ang="0">
-                <a:pos x="connsiteX5-11" y="connsiteY5-12"/>
-              </a:cxn>
-            </a:cxnLst>
-            <a:rect l="l" t="t" r="r" b="b"/>
-            <a:pathLst>
-              <a:path w="3848100" h="533400">
-                <a:moveTo>
-                  <a:pt x="0" y="266700"/>
-                </a:moveTo>
-                <a:lnTo>
-                  <a:pt x="254000" y="0"/>
-                </a:lnTo>
-                <a:lnTo>
-                  <a:pt x="3848100" y="0"/>
-                </a:lnTo>
-                <a:lnTo>
-                  <a:pt x="3848100" y="533400"/>
-                </a:lnTo>
-                <a:lnTo>
-                  <a:pt x="254000" y="533400"/>
-                </a:lnTo>
-                <a:lnTo>
-                  <a:pt x="0" y="266700"/>
-                </a:lnTo>
-                <a:close/>
-              </a:path>
-            </a:pathLst>
-          </a:custGeom>
-          <a:solidFill>
-            <a:schemeClr val="tx1"/>
-          </a:solidFill>
-          <a:ln>
-            <a:noFill/>
-          </a:ln>
-        </p:spPr>
-        <p:style>
-          <a:lnRef idx="2">
-            <a:schemeClr val="accent1">
-              <a:shade val="50000"/>
-            </a:schemeClr>
-          </a:lnRef>
-          <a:fillRef idx="1">
-            <a:schemeClr val="accent1"/>
-          </a:fillRef>
-          <a:effectRef idx="0">
-            <a:schemeClr val="accent1"/>
-          </a:effectRef>
-          <a:fontRef idx="minor">
-            <a:schemeClr val="lt1"/>
-          </a:fontRef>
-        </p:style>
-        <p:txBody>
-          <a:bodyPr wrap="square" lIns="360000" anchor="ctr">
-            <a:normAutofit/>
-          </a:bodyPr>
-          <a:lstStyle/>
-          <a:p>
-            <a:pPr>
-              <a:defRPr/>
-            </a:pPr>
-            <a:r>
-              <a:rPr lang="zh-CN" altLang="zh-CN" smtClean="0">
-                <a:solidFill>
-                  <a:schemeClr val="accent1">
-                    <a:lumMod val="50000"/>
-                  </a:schemeClr>
-                </a:solidFill>
-              </a:rPr>
-              <a:t>修改美聊大约</a:t>
-            </a:r>
-            <a:r>
-              <a:rPr lang="en-US" altLang="zh-CN" smtClean="0">
-                <a:solidFill>
-                  <a:schemeClr val="accent1">
-                    <a:lumMod val="50000"/>
-                  </a:schemeClr>
-                </a:solidFill>
-              </a:rPr>
-              <a:t>190</a:t>
-            </a:r>
-            <a:r>
-              <a:rPr lang="zh-CN" altLang="en-US" smtClean="0">
-                <a:solidFill>
-                  <a:schemeClr val="accent1">
-                    <a:lumMod val="50000"/>
-                  </a:schemeClr>
-                </a:solidFill>
-              </a:rPr>
-              <a:t>个接口</a:t>
-            </a:r>
-            <a:endParaRPr lang="zh-CN" altLang="en-US" smtClean="0">
-              <a:solidFill>
-                <a:schemeClr val="accent1">
-                  <a:lumMod val="50000"/>
-                </a:schemeClr>
-              </a:solidFill>
-            </a:endParaRPr>
-          </a:p>
-        </p:txBody>
-      </p:sp>
-      <p:sp>
-        <p:nvSpPr>
-          <p:cNvPr id="9" name="五边形 8"/>
-          <p:cNvSpPr/>
+              </a:endParaRPr>
+            </a:p>
+          </p:txBody>
+        </p:sp>
+      </p:grpSp>
+      <p:grpSp>
+        <p:nvGrpSpPr>
+          <p:cNvPr id="3" name="组合 2"/>
+          <p:cNvGrpSpPr/>
           <p:nvPr>
             <p:custDataLst>
               <p:tags r:id="rId7"/>
             </p:custDataLst>
           </p:nvPr>
-        </p:nvSpPr>
-        <p:spPr>
+        </p:nvGrpSpPr>
+        <p:grpSpPr>
           <a:xfrm>
-            <a:off x="3935023" y="4758463"/>
-            <a:ext cx="855662" cy="533400"/>
+            <a:off x="3935023" y="3420697"/>
+            <a:ext cx="4997482" cy="831850"/>
+            <a:chOff x="2411023" y="4008146"/>
+            <a:chExt cx="4997482" cy="831850"/>
           </a:xfrm>
-          <a:prstGeom prst="homePlate">
-            <a:avLst/>
-          </a:prstGeom>
-          <a:noFill/>
-          <a:ln w="22225">
-            <a:solidFill>
-              <a:schemeClr val="accent1"/>
-            </a:solidFill>
-          </a:ln>
-        </p:spPr>
-        <p:style>
-          <a:lnRef idx="2">
-            <a:schemeClr val="accent1">
-              <a:shade val="50000"/>
-            </a:schemeClr>
-          </a:lnRef>
-          <a:fillRef idx="1">
-            <a:schemeClr val="accent1"/>
-          </a:fillRef>
-          <a:effectRef idx="0">
-            <a:schemeClr val="accent1"/>
-          </a:effectRef>
-          <a:fontRef idx="minor">
-            <a:schemeClr val="lt1"/>
-          </a:fontRef>
-        </p:style>
-        <p:txBody>
-          <a:bodyPr wrap="square" lIns="0" tIns="0" rIns="0" bIns="0" anchor="ctr">
-            <a:normAutofit/>
-          </a:bodyPr>
-          <a:lstStyle/>
-          <a:p>
-            <a:pPr algn="ctr">
-              <a:defRPr/>
-            </a:pPr>
-            <a:r>
-              <a:rPr lang="en-US" altLang="zh-CN" sz="2800" dirty="0">
-                <a:solidFill>
-                  <a:schemeClr val="accent1"/>
-                </a:solidFill>
-              </a:rPr>
-              <a:t>04</a:t>
-            </a:r>
-            <a:endParaRPr lang="zh-CN" altLang="en-US" sz="2800" dirty="0">
+        </p:grpSpPr>
+        <p:sp>
+          <p:nvSpPr>
+            <p:cNvPr id="7" name="五边形 6"/>
+            <p:cNvSpPr/>
+            <p:nvPr>
+              <p:custDataLst>
+                <p:tags r:id="rId8"/>
+              </p:custDataLst>
+            </p:nvPr>
+          </p:nvSpPr>
+          <p:spPr>
+            <a:xfrm>
+              <a:off x="2411023" y="4008146"/>
+              <a:ext cx="855662" cy="533400"/>
+            </a:xfrm>
+            <a:prstGeom prst="homePlate">
+              <a:avLst/>
+            </a:prstGeom>
+            <a:noFill/>
+            <a:ln w="22225">
               <a:solidFill>
                 <a:schemeClr val="accent1"/>
               </a:solidFill>
-            </a:endParaRPr>
-          </a:p>
-        </p:txBody>
-      </p:sp>
-      <p:sp>
-        <p:nvSpPr>
-          <p:cNvPr id="10" name="六边形 79"/>
-          <p:cNvSpPr/>
-          <p:nvPr>
-            <p:custDataLst>
-              <p:tags r:id="rId8"/>
-            </p:custDataLst>
-          </p:nvPr>
-        </p:nvSpPr>
-        <p:spPr>
-          <a:xfrm>
-            <a:off x="4574785" y="5056913"/>
-            <a:ext cx="4357720" cy="533400"/>
-          </a:xfrm>
-          <a:custGeom>
-            <a:avLst/>
-            <a:gdLst>
-              <a:gd name="connsiteX0" fmla="*/ 0 w 4102100"/>
-              <a:gd name="connsiteY0" fmla="*/ 266700 h 533400"/>
-              <a:gd name="connsiteX1" fmla="*/ 254000 w 4102100"/>
-              <a:gd name="connsiteY1" fmla="*/ 0 h 533400"/>
-              <a:gd name="connsiteX2" fmla="*/ 3848100 w 4102100"/>
-              <a:gd name="connsiteY2" fmla="*/ 0 h 533400"/>
-              <a:gd name="connsiteX3" fmla="*/ 4102100 w 4102100"/>
-              <a:gd name="connsiteY3" fmla="*/ 266700 h 533400"/>
-              <a:gd name="connsiteX4" fmla="*/ 3848100 w 4102100"/>
-              <a:gd name="connsiteY4" fmla="*/ 533400 h 533400"/>
-              <a:gd name="connsiteX5" fmla="*/ 254000 w 4102100"/>
-              <a:gd name="connsiteY5" fmla="*/ 533400 h 533400"/>
-              <a:gd name="connsiteX6" fmla="*/ 0 w 4102100"/>
-              <a:gd name="connsiteY6" fmla="*/ 266700 h 533400"/>
-              <a:gd name="connsiteX0-1" fmla="*/ 0 w 3848100"/>
-              <a:gd name="connsiteY0-2" fmla="*/ 266700 h 533400"/>
-              <a:gd name="connsiteX1-3" fmla="*/ 254000 w 3848100"/>
-              <a:gd name="connsiteY1-4" fmla="*/ 0 h 533400"/>
-              <a:gd name="connsiteX2-5" fmla="*/ 3848100 w 3848100"/>
-              <a:gd name="connsiteY2-6" fmla="*/ 0 h 533400"/>
-              <a:gd name="connsiteX3-7" fmla="*/ 3848100 w 3848100"/>
-              <a:gd name="connsiteY3-8" fmla="*/ 533400 h 533400"/>
-              <a:gd name="connsiteX4-9" fmla="*/ 254000 w 3848100"/>
-              <a:gd name="connsiteY4-10" fmla="*/ 533400 h 533400"/>
-              <a:gd name="connsiteX5-11" fmla="*/ 0 w 3848100"/>
-              <a:gd name="connsiteY5-12" fmla="*/ 266700 h 533400"/>
-            </a:gdLst>
-            <a:ahLst/>
-            <a:cxnLst>
-              <a:cxn ang="0">
-                <a:pos x="connsiteX0-1" y="connsiteY0-2"/>
-              </a:cxn>
-              <a:cxn ang="0">
-                <a:pos x="connsiteX1-3" y="connsiteY1-4"/>
-              </a:cxn>
-              <a:cxn ang="0">
-                <a:pos x="connsiteX2-5" y="connsiteY2-6"/>
-              </a:cxn>
-              <a:cxn ang="0">
-                <a:pos x="connsiteX3-7" y="connsiteY3-8"/>
-              </a:cxn>
-              <a:cxn ang="0">
-                <a:pos x="connsiteX4-9" y="connsiteY4-10"/>
-              </a:cxn>
-              <a:cxn ang="0">
-                <a:pos x="connsiteX5-11" y="connsiteY5-12"/>
-              </a:cxn>
-            </a:cxnLst>
-            <a:rect l="l" t="t" r="r" b="b"/>
-            <a:pathLst>
-              <a:path w="3848100" h="533400">
-                <a:moveTo>
-                  <a:pt x="0" y="266700"/>
-                </a:moveTo>
-                <a:lnTo>
-                  <a:pt x="254000" y="0"/>
-                </a:lnTo>
-                <a:lnTo>
-                  <a:pt x="3848100" y="0"/>
-                </a:lnTo>
-                <a:lnTo>
-                  <a:pt x="3848100" y="533400"/>
-                </a:lnTo>
-                <a:lnTo>
-                  <a:pt x="254000" y="533400"/>
-                </a:lnTo>
-                <a:lnTo>
-                  <a:pt x="0" y="266700"/>
-                </a:lnTo>
-                <a:close/>
-              </a:path>
-            </a:pathLst>
-          </a:custGeom>
-          <a:solidFill>
-            <a:schemeClr val="tx1"/>
-          </a:solidFill>
-          <a:ln>
-            <a:noFill/>
-          </a:ln>
-        </p:spPr>
-        <p:style>
-          <a:lnRef idx="2">
-            <a:schemeClr val="accent1">
-              <a:shade val="50000"/>
-            </a:schemeClr>
-          </a:lnRef>
-          <a:fillRef idx="1">
-            <a:schemeClr val="accent1"/>
-          </a:fillRef>
-          <a:effectRef idx="0">
-            <a:schemeClr val="accent1"/>
-          </a:effectRef>
-          <a:fontRef idx="minor">
-            <a:schemeClr val="lt1"/>
-          </a:fontRef>
-        </p:style>
-        <p:txBody>
-          <a:bodyPr wrap="square" lIns="360000" anchor="ctr">
-            <a:normAutofit/>
-          </a:bodyPr>
-          <a:lstStyle/>
-          <a:p>
-            <a:pPr>
-              <a:defRPr/>
-            </a:pPr>
-            <a:r>
-              <a:rPr lang="zh-CN" altLang="en-US" smtClean="0">
+            </a:ln>
+          </p:spPr>
+          <p:style>
+            <a:lnRef idx="2">
+              <a:schemeClr val="accent1">
+                <a:shade val="50000"/>
+              </a:schemeClr>
+            </a:lnRef>
+            <a:fillRef idx="1">
+              <a:schemeClr val="accent1"/>
+            </a:fillRef>
+            <a:effectRef idx="0">
+              <a:schemeClr val="accent1"/>
+            </a:effectRef>
+            <a:fontRef idx="minor">
+              <a:schemeClr val="lt1"/>
+            </a:fontRef>
+          </p:style>
+          <p:txBody>
+            <a:bodyPr wrap="square" lIns="0" tIns="0" rIns="0" bIns="0" anchor="ctr">
+              <a:normAutofit/>
+            </a:bodyPr>
+            <a:lstStyle/>
+            <a:p>
+              <a:pPr algn="ctr">
+                <a:defRPr/>
+              </a:pPr>
+              <a:r>
+                <a:rPr lang="en-US" altLang="zh-CN" sz="2800" dirty="0">
+                  <a:solidFill>
+                    <a:schemeClr val="accent1"/>
+                  </a:solidFill>
+                </a:rPr>
+                <a:t>03</a:t>
+              </a:r>
+              <a:endParaRPr lang="zh-CN" altLang="en-US" sz="2800" dirty="0">
+                <a:solidFill>
+                  <a:schemeClr val="accent1"/>
+                </a:solidFill>
+              </a:endParaRPr>
+            </a:p>
+          </p:txBody>
+        </p:sp>
+        <p:sp>
+          <p:nvSpPr>
+            <p:cNvPr id="8" name="六边形 79"/>
+            <p:cNvSpPr/>
+            <p:nvPr>
+              <p:custDataLst>
+                <p:tags r:id="rId9"/>
+              </p:custDataLst>
+            </p:nvPr>
+          </p:nvSpPr>
+          <p:spPr>
+            <a:xfrm>
+              <a:off x="3050785" y="4306596"/>
+              <a:ext cx="4357720" cy="533400"/>
+            </a:xfrm>
+            <a:custGeom>
+              <a:avLst/>
+              <a:gdLst>
+                <a:gd name="connsiteX0" fmla="*/ 0 w 4102100"/>
+                <a:gd name="connsiteY0" fmla="*/ 266700 h 533400"/>
+                <a:gd name="connsiteX1" fmla="*/ 254000 w 4102100"/>
+                <a:gd name="connsiteY1" fmla="*/ 0 h 533400"/>
+                <a:gd name="connsiteX2" fmla="*/ 3848100 w 4102100"/>
+                <a:gd name="connsiteY2" fmla="*/ 0 h 533400"/>
+                <a:gd name="connsiteX3" fmla="*/ 4102100 w 4102100"/>
+                <a:gd name="connsiteY3" fmla="*/ 266700 h 533400"/>
+                <a:gd name="connsiteX4" fmla="*/ 3848100 w 4102100"/>
+                <a:gd name="connsiteY4" fmla="*/ 533400 h 533400"/>
+                <a:gd name="connsiteX5" fmla="*/ 254000 w 4102100"/>
+                <a:gd name="connsiteY5" fmla="*/ 533400 h 533400"/>
+                <a:gd name="connsiteX6" fmla="*/ 0 w 4102100"/>
+                <a:gd name="connsiteY6" fmla="*/ 266700 h 533400"/>
+                <a:gd name="connsiteX0-1" fmla="*/ 0 w 3848100"/>
+                <a:gd name="connsiteY0-2" fmla="*/ 266700 h 533400"/>
+                <a:gd name="connsiteX1-3" fmla="*/ 254000 w 3848100"/>
+                <a:gd name="connsiteY1-4" fmla="*/ 0 h 533400"/>
+                <a:gd name="connsiteX2-5" fmla="*/ 3848100 w 3848100"/>
+                <a:gd name="connsiteY2-6" fmla="*/ 0 h 533400"/>
+                <a:gd name="connsiteX3-7" fmla="*/ 3848100 w 3848100"/>
+                <a:gd name="connsiteY3-8" fmla="*/ 533400 h 533400"/>
+                <a:gd name="connsiteX4-9" fmla="*/ 254000 w 3848100"/>
+                <a:gd name="connsiteY4-10" fmla="*/ 533400 h 533400"/>
+                <a:gd name="connsiteX5-11" fmla="*/ 0 w 3848100"/>
+                <a:gd name="connsiteY5-12" fmla="*/ 266700 h 533400"/>
+              </a:gdLst>
+              <a:ahLst/>
+              <a:cxnLst>
+                <a:cxn ang="0">
+                  <a:pos x="connsiteX0-1" y="connsiteY0-2"/>
+                </a:cxn>
+                <a:cxn ang="0">
+                  <a:pos x="connsiteX1-3" y="connsiteY1-4"/>
+                </a:cxn>
+                <a:cxn ang="0">
+                  <a:pos x="connsiteX2-5" y="connsiteY2-6"/>
+                </a:cxn>
+                <a:cxn ang="0">
+                  <a:pos x="connsiteX3-7" y="connsiteY3-8"/>
+                </a:cxn>
+                <a:cxn ang="0">
+                  <a:pos x="connsiteX4-9" y="connsiteY4-10"/>
+                </a:cxn>
+                <a:cxn ang="0">
+                  <a:pos x="connsiteX5-11" y="connsiteY5-12"/>
+                </a:cxn>
+              </a:cxnLst>
+              <a:rect l="l" t="t" r="r" b="b"/>
+              <a:pathLst>
+                <a:path w="3848100" h="533400">
+                  <a:moveTo>
+                    <a:pt x="0" y="266700"/>
+                  </a:moveTo>
+                  <a:lnTo>
+                    <a:pt x="254000" y="0"/>
+                  </a:lnTo>
+                  <a:lnTo>
+                    <a:pt x="3848100" y="0"/>
+                  </a:lnTo>
+                  <a:lnTo>
+                    <a:pt x="3848100" y="533400"/>
+                  </a:lnTo>
+                  <a:lnTo>
+                    <a:pt x="254000" y="533400"/>
+                  </a:lnTo>
+                  <a:lnTo>
+                    <a:pt x="0" y="266700"/>
+                  </a:lnTo>
+                  <a:close/>
+                </a:path>
+              </a:pathLst>
+            </a:custGeom>
+            <a:solidFill>
+              <a:schemeClr val="tx1"/>
+            </a:solidFill>
+            <a:ln>
+              <a:noFill/>
+            </a:ln>
+          </p:spPr>
+          <p:style>
+            <a:lnRef idx="2">
+              <a:schemeClr val="accent1">
+                <a:shade val="50000"/>
+              </a:schemeClr>
+            </a:lnRef>
+            <a:fillRef idx="1">
+              <a:schemeClr val="accent1"/>
+            </a:fillRef>
+            <a:effectRef idx="0">
+              <a:schemeClr val="accent1"/>
+            </a:effectRef>
+            <a:fontRef idx="minor">
+              <a:schemeClr val="lt1"/>
+            </a:fontRef>
+          </p:style>
+          <p:txBody>
+            <a:bodyPr wrap="square" lIns="360000" anchor="ctr">
+              <a:normAutofit/>
+            </a:bodyPr>
+            <a:lstStyle/>
+            <a:p>
+              <a:pPr>
+                <a:defRPr/>
+              </a:pPr>
+              <a:r>
+                <a:rPr lang="en-US" altLang="zh-CN" smtClean="0">
+                  <a:solidFill>
+                    <a:schemeClr val="accent1">
+                      <a:lumMod val="50000"/>
+                    </a:schemeClr>
+                  </a:solidFill>
+                  <a:sym typeface="+mn-ea"/>
+                </a:rPr>
+                <a:t>性能监控</a:t>
+              </a:r>
+              <a:endParaRPr lang="en-US" altLang="zh-CN" smtClean="0">
                 <a:solidFill>
                   <a:schemeClr val="accent1">
                     <a:lumMod val="50000"/>
                   </a:schemeClr>
                 </a:solidFill>
-              </a:rPr>
-              <a:t>将代码托管到代码库中</a:t>
-            </a:r>
-            <a:endParaRPr lang="zh-CN" altLang="en-US" smtClean="0">
+              </a:endParaRPr>
+            </a:p>
+          </p:txBody>
+        </p:sp>
+      </p:grpSp>
+      <p:grpSp>
+        <p:nvGrpSpPr>
+          <p:cNvPr id="2" name="组合 1"/>
+          <p:cNvGrpSpPr/>
+          <p:nvPr>
+            <p:custDataLst>
+              <p:tags r:id="rId10"/>
+            </p:custDataLst>
+          </p:nvPr>
+        </p:nvGrpSpPr>
+        <p:grpSpPr>
+          <a:xfrm>
+            <a:off x="3935023" y="4241981"/>
+            <a:ext cx="4997482" cy="831850"/>
+            <a:chOff x="2411023" y="5137152"/>
+            <a:chExt cx="4997482" cy="831850"/>
+          </a:xfrm>
+        </p:grpSpPr>
+        <p:sp>
+          <p:nvSpPr>
+            <p:cNvPr id="9" name="五边形 8"/>
+            <p:cNvSpPr/>
+            <p:nvPr>
+              <p:custDataLst>
+                <p:tags r:id="rId11"/>
+              </p:custDataLst>
+            </p:nvPr>
+          </p:nvSpPr>
+          <p:spPr>
+            <a:xfrm>
+              <a:off x="2411023" y="5137152"/>
+              <a:ext cx="855662" cy="533400"/>
+            </a:xfrm>
+            <a:prstGeom prst="homePlate">
+              <a:avLst/>
+            </a:prstGeom>
+            <a:noFill/>
+            <a:ln w="22225">
               <a:solidFill>
-                <a:schemeClr val="accent1">
-                  <a:lumMod val="50000"/>
-                </a:schemeClr>
+                <a:schemeClr val="accent1"/>
               </a:solidFill>
-            </a:endParaRPr>
-          </a:p>
-        </p:txBody>
-      </p:sp>
+            </a:ln>
+          </p:spPr>
+          <p:style>
+            <a:lnRef idx="2">
+              <a:schemeClr val="accent1">
+                <a:shade val="50000"/>
+              </a:schemeClr>
+            </a:lnRef>
+            <a:fillRef idx="1">
+              <a:schemeClr val="accent1"/>
+            </a:fillRef>
+            <a:effectRef idx="0">
+              <a:schemeClr val="accent1"/>
+            </a:effectRef>
+            <a:fontRef idx="minor">
+              <a:schemeClr val="lt1"/>
+            </a:fontRef>
+          </p:style>
+          <p:txBody>
+            <a:bodyPr wrap="square" lIns="0" tIns="0" rIns="0" bIns="0" anchor="ctr">
+              <a:normAutofit/>
+            </a:bodyPr>
+            <a:lstStyle/>
+            <a:p>
+              <a:pPr algn="ctr">
+                <a:defRPr/>
+              </a:pPr>
+              <a:r>
+                <a:rPr lang="en-US" altLang="zh-CN" sz="2800" dirty="0">
+                  <a:solidFill>
+                    <a:schemeClr val="accent1"/>
+                  </a:solidFill>
+                </a:rPr>
+                <a:t>04</a:t>
+              </a:r>
+              <a:endParaRPr lang="zh-CN" altLang="en-US" sz="2800" dirty="0">
+                <a:solidFill>
+                  <a:schemeClr val="accent1"/>
+                </a:solidFill>
+              </a:endParaRPr>
+            </a:p>
+          </p:txBody>
+        </p:sp>
+        <p:sp>
+          <p:nvSpPr>
+            <p:cNvPr id="10" name="六边形 79"/>
+            <p:cNvSpPr/>
+            <p:nvPr>
+              <p:custDataLst>
+                <p:tags r:id="rId12"/>
+              </p:custDataLst>
+            </p:nvPr>
+          </p:nvSpPr>
+          <p:spPr>
+            <a:xfrm>
+              <a:off x="3050785" y="5435602"/>
+              <a:ext cx="4357720" cy="533400"/>
+            </a:xfrm>
+            <a:custGeom>
+              <a:avLst/>
+              <a:gdLst>
+                <a:gd name="connsiteX0" fmla="*/ 0 w 4102100"/>
+                <a:gd name="connsiteY0" fmla="*/ 266700 h 533400"/>
+                <a:gd name="connsiteX1" fmla="*/ 254000 w 4102100"/>
+                <a:gd name="connsiteY1" fmla="*/ 0 h 533400"/>
+                <a:gd name="connsiteX2" fmla="*/ 3848100 w 4102100"/>
+                <a:gd name="connsiteY2" fmla="*/ 0 h 533400"/>
+                <a:gd name="connsiteX3" fmla="*/ 4102100 w 4102100"/>
+                <a:gd name="connsiteY3" fmla="*/ 266700 h 533400"/>
+                <a:gd name="connsiteX4" fmla="*/ 3848100 w 4102100"/>
+                <a:gd name="connsiteY4" fmla="*/ 533400 h 533400"/>
+                <a:gd name="connsiteX5" fmla="*/ 254000 w 4102100"/>
+                <a:gd name="connsiteY5" fmla="*/ 533400 h 533400"/>
+                <a:gd name="connsiteX6" fmla="*/ 0 w 4102100"/>
+                <a:gd name="connsiteY6" fmla="*/ 266700 h 533400"/>
+                <a:gd name="connsiteX0-1" fmla="*/ 0 w 3848100"/>
+                <a:gd name="connsiteY0-2" fmla="*/ 266700 h 533400"/>
+                <a:gd name="connsiteX1-3" fmla="*/ 254000 w 3848100"/>
+                <a:gd name="connsiteY1-4" fmla="*/ 0 h 533400"/>
+                <a:gd name="connsiteX2-5" fmla="*/ 3848100 w 3848100"/>
+                <a:gd name="connsiteY2-6" fmla="*/ 0 h 533400"/>
+                <a:gd name="connsiteX3-7" fmla="*/ 3848100 w 3848100"/>
+                <a:gd name="connsiteY3-8" fmla="*/ 533400 h 533400"/>
+                <a:gd name="connsiteX4-9" fmla="*/ 254000 w 3848100"/>
+                <a:gd name="connsiteY4-10" fmla="*/ 533400 h 533400"/>
+                <a:gd name="connsiteX5-11" fmla="*/ 0 w 3848100"/>
+                <a:gd name="connsiteY5-12" fmla="*/ 266700 h 533400"/>
+              </a:gdLst>
+              <a:ahLst/>
+              <a:cxnLst>
+                <a:cxn ang="0">
+                  <a:pos x="connsiteX0-1" y="connsiteY0-2"/>
+                </a:cxn>
+                <a:cxn ang="0">
+                  <a:pos x="connsiteX1-3" y="connsiteY1-4"/>
+                </a:cxn>
+                <a:cxn ang="0">
+                  <a:pos x="connsiteX2-5" y="connsiteY2-6"/>
+                </a:cxn>
+                <a:cxn ang="0">
+                  <a:pos x="connsiteX3-7" y="connsiteY3-8"/>
+                </a:cxn>
+                <a:cxn ang="0">
+                  <a:pos x="connsiteX4-9" y="connsiteY4-10"/>
+                </a:cxn>
+                <a:cxn ang="0">
+                  <a:pos x="connsiteX5-11" y="connsiteY5-12"/>
+                </a:cxn>
+              </a:cxnLst>
+              <a:rect l="l" t="t" r="r" b="b"/>
+              <a:pathLst>
+                <a:path w="3848100" h="533400">
+                  <a:moveTo>
+                    <a:pt x="0" y="266700"/>
+                  </a:moveTo>
+                  <a:lnTo>
+                    <a:pt x="254000" y="0"/>
+                  </a:lnTo>
+                  <a:lnTo>
+                    <a:pt x="3848100" y="0"/>
+                  </a:lnTo>
+                  <a:lnTo>
+                    <a:pt x="3848100" y="533400"/>
+                  </a:lnTo>
+                  <a:lnTo>
+                    <a:pt x="254000" y="533400"/>
+                  </a:lnTo>
+                  <a:lnTo>
+                    <a:pt x="0" y="266700"/>
+                  </a:lnTo>
+                  <a:close/>
+                </a:path>
+              </a:pathLst>
+            </a:custGeom>
+            <a:solidFill>
+              <a:schemeClr val="tx1"/>
+            </a:solidFill>
+            <a:ln>
+              <a:noFill/>
+            </a:ln>
+          </p:spPr>
+          <p:style>
+            <a:lnRef idx="2">
+              <a:schemeClr val="accent1">
+                <a:shade val="50000"/>
+              </a:schemeClr>
+            </a:lnRef>
+            <a:fillRef idx="1">
+              <a:schemeClr val="accent1"/>
+            </a:fillRef>
+            <a:effectRef idx="0">
+              <a:schemeClr val="accent1"/>
+            </a:effectRef>
+            <a:fontRef idx="minor">
+              <a:schemeClr val="lt1"/>
+            </a:fontRef>
+          </p:style>
+          <p:txBody>
+            <a:bodyPr wrap="square" lIns="360000" anchor="ctr">
+              <a:normAutofit/>
+            </a:bodyPr>
+            <a:lstStyle/>
+            <a:p>
+              <a:pPr>
+                <a:defRPr/>
+              </a:pPr>
+              <a:r>
+                <a:rPr lang="zh-CN" altLang="zh-CN" smtClean="0">
+                  <a:solidFill>
+                    <a:schemeClr val="accent1">
+                      <a:lumMod val="50000"/>
+                    </a:schemeClr>
+                  </a:solidFill>
+                  <a:sym typeface="+mn-ea"/>
+                </a:rPr>
+                <a:t>修改美聊大约</a:t>
+              </a:r>
+              <a:r>
+                <a:rPr lang="en-US" altLang="zh-CN" smtClean="0">
+                  <a:solidFill>
+                    <a:schemeClr val="accent1">
+                      <a:lumMod val="50000"/>
+                    </a:schemeClr>
+                  </a:solidFill>
+                  <a:sym typeface="+mn-ea"/>
+                </a:rPr>
+                <a:t>190</a:t>
+              </a:r>
+              <a:r>
+                <a:rPr lang="zh-CN" altLang="en-US" smtClean="0">
+                  <a:solidFill>
+                    <a:schemeClr val="accent1">
+                      <a:lumMod val="50000"/>
+                    </a:schemeClr>
+                  </a:solidFill>
+                  <a:sym typeface="+mn-ea"/>
+                </a:rPr>
+                <a:t>个接口</a:t>
+              </a:r>
+              <a:endParaRPr lang="en-US" altLang="zh-CN" smtClean="0">
+                <a:solidFill>
+                  <a:schemeClr val="accent1">
+                    <a:lumMod val="50000"/>
+                  </a:schemeClr>
+                </a:solidFill>
+              </a:endParaRPr>
+            </a:p>
+          </p:txBody>
+        </p:sp>
+      </p:grpSp>
+      <p:grpSp>
+        <p:nvGrpSpPr>
+          <p:cNvPr id="15" name="组合 14"/>
+          <p:cNvGrpSpPr/>
+          <p:nvPr>
+            <p:custDataLst>
+              <p:tags r:id="rId13"/>
+            </p:custDataLst>
+          </p:nvPr>
+        </p:nvGrpSpPr>
+        <p:grpSpPr>
+          <a:xfrm>
+            <a:off x="3935023" y="5063264"/>
+            <a:ext cx="4997482" cy="831850"/>
+            <a:chOff x="2411023" y="5137152"/>
+            <a:chExt cx="4997482" cy="831850"/>
+          </a:xfrm>
+        </p:grpSpPr>
+        <p:sp>
+          <p:nvSpPr>
+            <p:cNvPr id="16" name="五边形 15"/>
+            <p:cNvSpPr/>
+            <p:nvPr>
+              <p:custDataLst>
+                <p:tags r:id="rId14"/>
+              </p:custDataLst>
+            </p:nvPr>
+          </p:nvSpPr>
+          <p:spPr>
+            <a:xfrm>
+              <a:off x="2411023" y="5137152"/>
+              <a:ext cx="855662" cy="533400"/>
+            </a:xfrm>
+            <a:prstGeom prst="homePlate">
+              <a:avLst/>
+            </a:prstGeom>
+            <a:noFill/>
+            <a:ln w="22225">
+              <a:solidFill>
+                <a:schemeClr val="accent1"/>
+              </a:solidFill>
+            </a:ln>
+          </p:spPr>
+          <p:style>
+            <a:lnRef idx="2">
+              <a:schemeClr val="accent1">
+                <a:shade val="50000"/>
+              </a:schemeClr>
+            </a:lnRef>
+            <a:fillRef idx="1">
+              <a:schemeClr val="accent1"/>
+            </a:fillRef>
+            <a:effectRef idx="0">
+              <a:schemeClr val="accent1"/>
+            </a:effectRef>
+            <a:fontRef idx="minor">
+              <a:schemeClr val="lt1"/>
+            </a:fontRef>
+          </p:style>
+          <p:txBody>
+            <a:bodyPr wrap="square" lIns="0" tIns="0" rIns="0" bIns="0" anchor="ctr">
+              <a:normAutofit/>
+            </a:bodyPr>
+            <a:lstStyle/>
+            <a:p>
+              <a:pPr algn="ctr">
+                <a:defRPr/>
+              </a:pPr>
+              <a:r>
+                <a:rPr lang="en-US" altLang="zh-CN" sz="2800" dirty="0">
+                  <a:solidFill>
+                    <a:schemeClr val="accent1"/>
+                  </a:solidFill>
+                </a:rPr>
+                <a:t>05</a:t>
+              </a:r>
+              <a:endParaRPr lang="zh-CN" altLang="en-US" sz="2800" dirty="0">
+                <a:solidFill>
+                  <a:schemeClr val="accent1"/>
+                </a:solidFill>
+              </a:endParaRPr>
+            </a:p>
+          </p:txBody>
+        </p:sp>
+        <p:sp>
+          <p:nvSpPr>
+            <p:cNvPr id="17" name="六边形 79"/>
+            <p:cNvSpPr/>
+            <p:nvPr>
+              <p:custDataLst>
+                <p:tags r:id="rId15"/>
+              </p:custDataLst>
+            </p:nvPr>
+          </p:nvSpPr>
+          <p:spPr>
+            <a:xfrm>
+              <a:off x="3050785" y="5435602"/>
+              <a:ext cx="4357720" cy="533400"/>
+            </a:xfrm>
+            <a:custGeom>
+              <a:avLst/>
+              <a:gdLst>
+                <a:gd name="connsiteX0" fmla="*/ 0 w 4102100"/>
+                <a:gd name="connsiteY0" fmla="*/ 266700 h 533400"/>
+                <a:gd name="connsiteX1" fmla="*/ 254000 w 4102100"/>
+                <a:gd name="connsiteY1" fmla="*/ 0 h 533400"/>
+                <a:gd name="connsiteX2" fmla="*/ 3848100 w 4102100"/>
+                <a:gd name="connsiteY2" fmla="*/ 0 h 533400"/>
+                <a:gd name="connsiteX3" fmla="*/ 4102100 w 4102100"/>
+                <a:gd name="connsiteY3" fmla="*/ 266700 h 533400"/>
+                <a:gd name="connsiteX4" fmla="*/ 3848100 w 4102100"/>
+                <a:gd name="connsiteY4" fmla="*/ 533400 h 533400"/>
+                <a:gd name="connsiteX5" fmla="*/ 254000 w 4102100"/>
+                <a:gd name="connsiteY5" fmla="*/ 533400 h 533400"/>
+                <a:gd name="connsiteX6" fmla="*/ 0 w 4102100"/>
+                <a:gd name="connsiteY6" fmla="*/ 266700 h 533400"/>
+                <a:gd name="connsiteX0-1" fmla="*/ 0 w 3848100"/>
+                <a:gd name="connsiteY0-2" fmla="*/ 266700 h 533400"/>
+                <a:gd name="connsiteX1-3" fmla="*/ 254000 w 3848100"/>
+                <a:gd name="connsiteY1-4" fmla="*/ 0 h 533400"/>
+                <a:gd name="connsiteX2-5" fmla="*/ 3848100 w 3848100"/>
+                <a:gd name="connsiteY2-6" fmla="*/ 0 h 533400"/>
+                <a:gd name="connsiteX3-7" fmla="*/ 3848100 w 3848100"/>
+                <a:gd name="connsiteY3-8" fmla="*/ 533400 h 533400"/>
+                <a:gd name="connsiteX4-9" fmla="*/ 254000 w 3848100"/>
+                <a:gd name="connsiteY4-10" fmla="*/ 533400 h 533400"/>
+                <a:gd name="connsiteX5-11" fmla="*/ 0 w 3848100"/>
+                <a:gd name="connsiteY5-12" fmla="*/ 266700 h 533400"/>
+              </a:gdLst>
+              <a:ahLst/>
+              <a:cxnLst>
+                <a:cxn ang="0">
+                  <a:pos x="connsiteX0-1" y="connsiteY0-2"/>
+                </a:cxn>
+                <a:cxn ang="0">
+                  <a:pos x="connsiteX1-3" y="connsiteY1-4"/>
+                </a:cxn>
+                <a:cxn ang="0">
+                  <a:pos x="connsiteX2-5" y="connsiteY2-6"/>
+                </a:cxn>
+                <a:cxn ang="0">
+                  <a:pos x="connsiteX3-7" y="connsiteY3-8"/>
+                </a:cxn>
+                <a:cxn ang="0">
+                  <a:pos x="connsiteX4-9" y="connsiteY4-10"/>
+                </a:cxn>
+                <a:cxn ang="0">
+                  <a:pos x="connsiteX5-11" y="connsiteY5-12"/>
+                </a:cxn>
+              </a:cxnLst>
+              <a:rect l="l" t="t" r="r" b="b"/>
+              <a:pathLst>
+                <a:path w="3848100" h="533400">
+                  <a:moveTo>
+                    <a:pt x="0" y="266700"/>
+                  </a:moveTo>
+                  <a:lnTo>
+                    <a:pt x="254000" y="0"/>
+                  </a:lnTo>
+                  <a:lnTo>
+                    <a:pt x="3848100" y="0"/>
+                  </a:lnTo>
+                  <a:lnTo>
+                    <a:pt x="3848100" y="533400"/>
+                  </a:lnTo>
+                  <a:lnTo>
+                    <a:pt x="254000" y="533400"/>
+                  </a:lnTo>
+                  <a:lnTo>
+                    <a:pt x="0" y="266700"/>
+                  </a:lnTo>
+                  <a:close/>
+                </a:path>
+              </a:pathLst>
+            </a:custGeom>
+            <a:solidFill>
+              <a:schemeClr val="tx1"/>
+            </a:solidFill>
+            <a:ln>
+              <a:noFill/>
+            </a:ln>
+          </p:spPr>
+          <p:style>
+            <a:lnRef idx="2">
+              <a:schemeClr val="accent1">
+                <a:shade val="50000"/>
+              </a:schemeClr>
+            </a:lnRef>
+            <a:fillRef idx="1">
+              <a:schemeClr val="accent1"/>
+            </a:fillRef>
+            <a:effectRef idx="0">
+              <a:schemeClr val="accent1"/>
+            </a:effectRef>
+            <a:fontRef idx="minor">
+              <a:schemeClr val="lt1"/>
+            </a:fontRef>
+          </p:style>
+          <p:txBody>
+            <a:bodyPr wrap="square" lIns="360000" anchor="ctr">
+              <a:normAutofit/>
+            </a:bodyPr>
+            <a:lstStyle/>
+            <a:p>
+              <a:pPr>
+                <a:defRPr/>
+              </a:pPr>
+              <a:r>
+                <a:rPr lang="zh-CN" altLang="en-US" smtClean="0">
+                  <a:solidFill>
+                    <a:schemeClr val="accent1">
+                      <a:lumMod val="50000"/>
+                    </a:schemeClr>
+                  </a:solidFill>
+                  <a:sym typeface="+mn-ea"/>
+                </a:rPr>
+                <a:t>将代码托管到代码库中</a:t>
+              </a:r>
+              <a:endParaRPr lang="en-US" altLang="zh-CN" smtClean="0">
+                <a:solidFill>
+                  <a:schemeClr val="accent1">
+                    <a:lumMod val="50000"/>
+                  </a:schemeClr>
+                </a:solidFill>
+              </a:endParaRPr>
+            </a:p>
+          </p:txBody>
+        </p:sp>
+      </p:grpSp>
       <p:sp>
         <p:nvSpPr>
-          <p:cNvPr id="16" name="文本框 21"/>
+          <p:cNvPr id="12" name="文本框 21"/>
           <p:cNvSpPr txBox="1">
             <a:spLocks noChangeArrowheads="1"/>
           </p:cNvSpPr>
           <p:nvPr>
             <p:custDataLst>
-              <p:tags r:id="rId9"/>
+              <p:tags r:id="rId16"/>
             </p:custDataLst>
           </p:nvPr>
         </p:nvSpPr>
@@ -17344,13 +17654,13 @@
       </p:sp>
       <p:sp>
         <p:nvSpPr>
-          <p:cNvPr id="2" name="标题 1"/>
+          <p:cNvPr id="13" name="标题 1"/>
           <p:cNvSpPr>
             <a:spLocks noGrp="1"/>
           </p:cNvSpPr>
           <p:nvPr>
             <p:custDataLst>
-              <p:tags r:id="rId10"/>
+              <p:tags r:id="rId17"/>
             </p:custDataLst>
           </p:nvPr>
         </p:nvSpPr>
@@ -17402,7 +17712,7 @@
       </p:sp>
     </p:spTree>
     <p:custDataLst>
-      <p:tags r:id="rId11"/>
+      <p:tags r:id="rId18"/>
     </p:custDataLst>
   </p:cSld>
   <p:clrMapOvr>
@@ -20191,14 +20501,11 @@
 <p:tagLst xmlns:p="http://schemas.openxmlformats.org/presentationml/2006/main">
   <p:tag name="KSO_WM_TAG_VERSION" val="1.0"/>
   <p:tag name="KSO_WM_BEAUTIFY_FLAG" val="#wm#"/>
+  <p:tag name="KSO_WM_UNIT_TYPE" val="i"/>
+  <p:tag name="KSO_WM_UNIT_ID" val="custom160415_10*i*0"/>
   <p:tag name="KSO_WM_TEMPLATE_CATEGORY" val="custom"/>
   <p:tag name="KSO_WM_TEMPLATE_INDEX" val="160415"/>
-  <p:tag name="KSO_WM_UNIT_TYPE" val="l_i"/>
-  <p:tag name="KSO_WM_UNIT_INDEX" val="1_1"/>
-  <p:tag name="KSO_WM_UNIT_ID" val="custom160415_9*l_i*1_1"/>
-  <p:tag name="KSO_WM_UNIT_CLEAR" val="1"/>
-  <p:tag name="KSO_WM_UNIT_LAYERLEVEL" val="1_1"/>
-  <p:tag name="KSO_WM_DIAGRAM_GROUP_CODE" val="l1-1"/>
+  <p:tag name="KSO_WM_UNIT_INDEX" val="0"/>
 </p:tagLst>
 </file>
 
@@ -20208,9 +20515,24 @@
   <p:tag name="KSO_WM_BEAUTIFY_FLAG" val="#wm#"/>
   <p:tag name="KSO_WM_TEMPLATE_CATEGORY" val="custom"/>
   <p:tag name="KSO_WM_TEMPLATE_INDEX" val="160415"/>
+  <p:tag name="KSO_WM_UNIT_TYPE" val="l_i"/>
+  <p:tag name="KSO_WM_UNIT_INDEX" val="1_1"/>
+  <p:tag name="KSO_WM_UNIT_ID" val="custom160415_10*l_i*1_1"/>
+  <p:tag name="KSO_WM_UNIT_CLEAR" val="1"/>
+  <p:tag name="KSO_WM_UNIT_LAYERLEVEL" val="1_1"/>
+  <p:tag name="KSO_WM_DIAGRAM_GROUP_CODE" val="l1-1"/>
+</p:tagLst>
+</file>
+
+<file path=ppt/tags/tag113.xml><?xml version="1.0" encoding="utf-8"?>
+<p:tagLst xmlns:p="http://schemas.openxmlformats.org/presentationml/2006/main">
+  <p:tag name="KSO_WM_TAG_VERSION" val="1.0"/>
+  <p:tag name="KSO_WM_BEAUTIFY_FLAG" val="#wm#"/>
+  <p:tag name="KSO_WM_TEMPLATE_CATEGORY" val="custom"/>
+  <p:tag name="KSO_WM_TEMPLATE_INDEX" val="160415"/>
   <p:tag name="KSO_WM_UNIT_TYPE" val="l_h_f"/>
   <p:tag name="KSO_WM_UNIT_INDEX" val="1_1_1"/>
-  <p:tag name="KSO_WM_UNIT_ID" val="custom160415_9*l_h_f*1_1_1"/>
+  <p:tag name="KSO_WM_UNIT_ID" val="custom160415_10*l_h_f*1_1_1"/>
   <p:tag name="KSO_WM_UNIT_CLEAR" val="1"/>
   <p:tag name="KSO_WM_UNIT_LAYERLEVEL" val="1_1_1"/>
   <p:tag name="KSO_WM_UNIT_VALUE" val="17"/>
@@ -20221,37 +20543,15 @@
 </p:tagLst>
 </file>
 
-<file path=ppt/tags/tag113.xml><?xml version="1.0" encoding="utf-8"?>
-<p:tagLst xmlns:p="http://schemas.openxmlformats.org/presentationml/2006/main">
-  <p:tag name="KSO_WM_TAG_VERSION" val="1.0"/>
-  <p:tag name="KSO_WM_BEAUTIFY_FLAG" val="#wm#"/>
-  <p:tag name="KSO_WM_TEMPLATE_CATEGORY" val="custom"/>
-  <p:tag name="KSO_WM_TEMPLATE_INDEX" val="160415"/>
-  <p:tag name="KSO_WM_UNIT_TYPE" val="l_i"/>
-  <p:tag name="KSO_WM_UNIT_INDEX" val="1_2"/>
-  <p:tag name="KSO_WM_UNIT_ID" val="custom160415_9*l_i*1_2"/>
-  <p:tag name="KSO_WM_UNIT_CLEAR" val="1"/>
-  <p:tag name="KSO_WM_UNIT_LAYERLEVEL" val="1_1"/>
-  <p:tag name="KSO_WM_DIAGRAM_GROUP_CODE" val="l1-1"/>
-</p:tagLst>
-</file>
-
 <file path=ppt/tags/tag114.xml><?xml version="1.0" encoding="utf-8"?>
 <p:tagLst xmlns:p="http://schemas.openxmlformats.org/presentationml/2006/main">
   <p:tag name="KSO_WM_TAG_VERSION" val="1.0"/>
   <p:tag name="KSO_WM_BEAUTIFY_FLAG" val="#wm#"/>
+  <p:tag name="KSO_WM_UNIT_TYPE" val="i"/>
+  <p:tag name="KSO_WM_UNIT_ID" val="custom160415_10*i*5"/>
   <p:tag name="KSO_WM_TEMPLATE_CATEGORY" val="custom"/>
   <p:tag name="KSO_WM_TEMPLATE_INDEX" val="160415"/>
-  <p:tag name="KSO_WM_UNIT_TYPE" val="l_h_f"/>
-  <p:tag name="KSO_WM_UNIT_INDEX" val="1_2_1"/>
-  <p:tag name="KSO_WM_UNIT_ID" val="custom160415_9*l_h_f*1_2_1"/>
-  <p:tag name="KSO_WM_UNIT_CLEAR" val="1"/>
-  <p:tag name="KSO_WM_UNIT_LAYERLEVEL" val="1_1_1"/>
-  <p:tag name="KSO_WM_UNIT_VALUE" val="17"/>
-  <p:tag name="KSO_WM_UNIT_HIGHLIGHT" val="0"/>
-  <p:tag name="KSO_WM_UNIT_COMPATIBLE" val="0"/>
-  <p:tag name="KSO_WM_DIAGRAM_GROUP_CODE" val="l1-1"/>
-  <p:tag name="KSO_WM_UNIT_PRESET_TEXT" val="CONSECTETUR ADIPISICING ELIT"/>
+  <p:tag name="KSO_WM_UNIT_INDEX" val="5"/>
 </p:tagLst>
 </file>
 
@@ -20262,8 +20562,8 @@
   <p:tag name="KSO_WM_TEMPLATE_CATEGORY" val="custom"/>
   <p:tag name="KSO_WM_TEMPLATE_INDEX" val="160415"/>
   <p:tag name="KSO_WM_UNIT_TYPE" val="l_i"/>
-  <p:tag name="KSO_WM_UNIT_INDEX" val="1_3"/>
-  <p:tag name="KSO_WM_UNIT_ID" val="custom160415_9*l_i*1_3"/>
+  <p:tag name="KSO_WM_UNIT_INDEX" val="1_2"/>
+  <p:tag name="KSO_WM_UNIT_ID" val="custom160415_10*l_i*1_2"/>
   <p:tag name="KSO_WM_UNIT_CLEAR" val="1"/>
   <p:tag name="KSO_WM_UNIT_LAYERLEVEL" val="1_1"/>
   <p:tag name="KSO_WM_DIAGRAM_GROUP_CODE" val="l1-1"/>
@@ -20277,8 +20577,8 @@
   <p:tag name="KSO_WM_TEMPLATE_CATEGORY" val="custom"/>
   <p:tag name="KSO_WM_TEMPLATE_INDEX" val="160415"/>
   <p:tag name="KSO_WM_UNIT_TYPE" val="l_h_f"/>
-  <p:tag name="KSO_WM_UNIT_INDEX" val="1_3_1"/>
-  <p:tag name="KSO_WM_UNIT_ID" val="custom160415_9*l_h_f*1_3_1"/>
+  <p:tag name="KSO_WM_UNIT_INDEX" val="1_2_1"/>
+  <p:tag name="KSO_WM_UNIT_ID" val="custom160415_10*l_h_f*1_2_1"/>
   <p:tag name="KSO_WM_UNIT_CLEAR" val="1"/>
   <p:tag name="KSO_WM_UNIT_LAYERLEVEL" val="1_1_1"/>
   <p:tag name="KSO_WM_UNIT_VALUE" val="17"/>
@@ -20293,14 +20593,11 @@
 <p:tagLst xmlns:p="http://schemas.openxmlformats.org/presentationml/2006/main">
   <p:tag name="KSO_WM_TAG_VERSION" val="1.0"/>
   <p:tag name="KSO_WM_BEAUTIFY_FLAG" val="#wm#"/>
+  <p:tag name="KSO_WM_UNIT_TYPE" val="i"/>
+  <p:tag name="KSO_WM_UNIT_ID" val="custom160415_10*i*10"/>
   <p:tag name="KSO_WM_TEMPLATE_CATEGORY" val="custom"/>
   <p:tag name="KSO_WM_TEMPLATE_INDEX" val="160415"/>
-  <p:tag name="KSO_WM_UNIT_TYPE" val="l_i"/>
-  <p:tag name="KSO_WM_UNIT_INDEX" val="1_4"/>
-  <p:tag name="KSO_WM_UNIT_ID" val="custom160415_9*l_i*1_4"/>
-  <p:tag name="KSO_WM_UNIT_CLEAR" val="1"/>
-  <p:tag name="KSO_WM_UNIT_LAYERLEVEL" val="1_1"/>
-  <p:tag name="KSO_WM_DIAGRAM_GROUP_CODE" val="l1-1"/>
+  <p:tag name="KSO_WM_UNIT_INDEX" val="10"/>
 </p:tagLst>
 </file>
 
@@ -20310,16 +20607,12 @@
   <p:tag name="KSO_WM_BEAUTIFY_FLAG" val="#wm#"/>
   <p:tag name="KSO_WM_TEMPLATE_CATEGORY" val="custom"/>
   <p:tag name="KSO_WM_TEMPLATE_INDEX" val="160415"/>
-  <p:tag name="KSO_WM_UNIT_TYPE" val="l_h_f"/>
-  <p:tag name="KSO_WM_UNIT_INDEX" val="1_4_1"/>
-  <p:tag name="KSO_WM_UNIT_ID" val="custom160415_9*l_h_f*1_4_1"/>
+  <p:tag name="KSO_WM_UNIT_TYPE" val="l_i"/>
+  <p:tag name="KSO_WM_UNIT_INDEX" val="1_3"/>
+  <p:tag name="KSO_WM_UNIT_ID" val="custom160415_10*l_i*1_3"/>
   <p:tag name="KSO_WM_UNIT_CLEAR" val="1"/>
-  <p:tag name="KSO_WM_UNIT_LAYERLEVEL" val="1_1_1"/>
-  <p:tag name="KSO_WM_UNIT_VALUE" val="17"/>
-  <p:tag name="KSO_WM_UNIT_HIGHLIGHT" val="0"/>
-  <p:tag name="KSO_WM_UNIT_COMPATIBLE" val="0"/>
+  <p:tag name="KSO_WM_UNIT_LAYERLEVEL" val="1_1"/>
   <p:tag name="KSO_WM_DIAGRAM_GROUP_CODE" val="l1-1"/>
-  <p:tag name="KSO_WM_UNIT_PRESET_TEXT" val="CONSECTETUR ADIPISICING ELIT"/>
 </p:tagLst>
 </file>
 
@@ -20329,16 +20622,16 @@
   <p:tag name="KSO_WM_BEAUTIFY_FLAG" val="#wm#"/>
   <p:tag name="KSO_WM_TEMPLATE_CATEGORY" val="custom"/>
   <p:tag name="KSO_WM_TEMPLATE_INDEX" val="160415"/>
-  <p:tag name="KSO_WM_UNIT_TYPE" val="a"/>
-  <p:tag name="KSO_WM_UNIT_INDEX" val="1"/>
-  <p:tag name="KSO_WM_UNIT_ID" val="custom160415_9*a*1"/>
+  <p:tag name="KSO_WM_UNIT_TYPE" val="l_h_f"/>
+  <p:tag name="KSO_WM_UNIT_INDEX" val="1_3_1"/>
+  <p:tag name="KSO_WM_UNIT_ID" val="custom160415_10*l_h_f*1_3_1"/>
   <p:tag name="KSO_WM_UNIT_CLEAR" val="1"/>
-  <p:tag name="KSO_WM_UNIT_LAYERLEVEL" val="1"/>
-  <p:tag name="KSO_WM_UNIT_VALUE" val="6"/>
-  <p:tag name="KSO_WM_UNIT_ISCONTENTSTITLE" val="1"/>
+  <p:tag name="KSO_WM_UNIT_LAYERLEVEL" val="1_1_1"/>
+  <p:tag name="KSO_WM_UNIT_VALUE" val="17"/>
   <p:tag name="KSO_WM_UNIT_HIGHLIGHT" val="0"/>
   <p:tag name="KSO_WM_UNIT_COMPATIBLE" val="0"/>
-  <p:tag name="KSO_WM_UNIT_PRESET_TEXT" val="Contents"/>
+  <p:tag name="KSO_WM_DIAGRAM_GROUP_CODE" val="l1-1"/>
+  <p:tag name="KSO_WM_UNIT_PRESET_TEXT" val="CONSECTETUR ADIPISICING ELIT"/>
 </p:tagLst>
 </file>
 
@@ -20361,6 +20654,117 @@
 <p:tagLst xmlns:p="http://schemas.openxmlformats.org/presentationml/2006/main">
   <p:tag name="KSO_WM_TAG_VERSION" val="1.0"/>
   <p:tag name="KSO_WM_BEAUTIFY_FLAG" val="#wm#"/>
+  <p:tag name="KSO_WM_UNIT_TYPE" val="i"/>
+  <p:tag name="KSO_WM_UNIT_ID" val="custom160415_10*i*15"/>
+  <p:tag name="KSO_WM_TEMPLATE_CATEGORY" val="custom"/>
+  <p:tag name="KSO_WM_TEMPLATE_INDEX" val="160415"/>
+  <p:tag name="KSO_WM_UNIT_INDEX" val="15"/>
+</p:tagLst>
+</file>
+
+<file path=ppt/tags/tag121.xml><?xml version="1.0" encoding="utf-8"?>
+<p:tagLst xmlns:p="http://schemas.openxmlformats.org/presentationml/2006/main">
+  <p:tag name="KSO_WM_TAG_VERSION" val="1.0"/>
+  <p:tag name="KSO_WM_BEAUTIFY_FLAG" val="#wm#"/>
+  <p:tag name="KSO_WM_TEMPLATE_CATEGORY" val="custom"/>
+  <p:tag name="KSO_WM_TEMPLATE_INDEX" val="160415"/>
+  <p:tag name="KSO_WM_UNIT_TYPE" val="l_i"/>
+  <p:tag name="KSO_WM_UNIT_INDEX" val="1_4"/>
+  <p:tag name="KSO_WM_UNIT_ID" val="custom160415_10*l_i*1_4"/>
+  <p:tag name="KSO_WM_UNIT_CLEAR" val="1"/>
+  <p:tag name="KSO_WM_UNIT_LAYERLEVEL" val="1_1"/>
+  <p:tag name="KSO_WM_DIAGRAM_GROUP_CODE" val="l1-1"/>
+</p:tagLst>
+</file>
+
+<file path=ppt/tags/tag122.xml><?xml version="1.0" encoding="utf-8"?>
+<p:tagLst xmlns:p="http://schemas.openxmlformats.org/presentationml/2006/main">
+  <p:tag name="KSO_WM_TAG_VERSION" val="1.0"/>
+  <p:tag name="KSO_WM_BEAUTIFY_FLAG" val="#wm#"/>
+  <p:tag name="KSO_WM_TEMPLATE_CATEGORY" val="custom"/>
+  <p:tag name="KSO_WM_TEMPLATE_INDEX" val="160415"/>
+  <p:tag name="KSO_WM_UNIT_TYPE" val="l_h_f"/>
+  <p:tag name="KSO_WM_UNIT_INDEX" val="1_4_1"/>
+  <p:tag name="KSO_WM_UNIT_ID" val="custom160415_10*l_h_f*1_4_1"/>
+  <p:tag name="KSO_WM_UNIT_CLEAR" val="1"/>
+  <p:tag name="KSO_WM_UNIT_LAYERLEVEL" val="1_1_1"/>
+  <p:tag name="KSO_WM_UNIT_VALUE" val="17"/>
+  <p:tag name="KSO_WM_UNIT_HIGHLIGHT" val="0"/>
+  <p:tag name="KSO_WM_UNIT_COMPATIBLE" val="0"/>
+  <p:tag name="KSO_WM_DIAGRAM_GROUP_CODE" val="l1-1"/>
+  <p:tag name="KSO_WM_UNIT_PRESET_TEXT" val="CONSECTETUR ADIPISICING ELIT"/>
+</p:tagLst>
+</file>
+
+<file path=ppt/tags/tag123.xml><?xml version="1.0" encoding="utf-8"?>
+<p:tagLst xmlns:p="http://schemas.openxmlformats.org/presentationml/2006/main">
+  <p:tag name="KSO_WM_TAG_VERSION" val="1.0"/>
+  <p:tag name="KSO_WM_BEAUTIFY_FLAG" val="#wm#"/>
+  <p:tag name="KSO_WM_UNIT_TYPE" val="i"/>
+  <p:tag name="KSO_WM_UNIT_ID" val="custom160415_10*i*20"/>
+  <p:tag name="KSO_WM_TEMPLATE_CATEGORY" val="custom"/>
+  <p:tag name="KSO_WM_TEMPLATE_INDEX" val="160415"/>
+  <p:tag name="KSO_WM_UNIT_INDEX" val="20"/>
+</p:tagLst>
+</file>
+
+<file path=ppt/tags/tag124.xml><?xml version="1.0" encoding="utf-8"?>
+<p:tagLst xmlns:p="http://schemas.openxmlformats.org/presentationml/2006/main">
+  <p:tag name="KSO_WM_TAG_VERSION" val="1.0"/>
+  <p:tag name="KSO_WM_BEAUTIFY_FLAG" val="#wm#"/>
+  <p:tag name="KSO_WM_TEMPLATE_CATEGORY" val="custom"/>
+  <p:tag name="KSO_WM_TEMPLATE_INDEX" val="160415"/>
+  <p:tag name="KSO_WM_UNIT_TYPE" val="l_i"/>
+  <p:tag name="KSO_WM_UNIT_INDEX" val="1_5"/>
+  <p:tag name="KSO_WM_UNIT_ID" val="custom160415_10*l_i*1_5"/>
+  <p:tag name="KSO_WM_UNIT_CLEAR" val="1"/>
+  <p:tag name="KSO_WM_UNIT_LAYERLEVEL" val="1_1"/>
+  <p:tag name="KSO_WM_DIAGRAM_GROUP_CODE" val="l1-1"/>
+</p:tagLst>
+</file>
+
+<file path=ppt/tags/tag125.xml><?xml version="1.0" encoding="utf-8"?>
+<p:tagLst xmlns:p="http://schemas.openxmlformats.org/presentationml/2006/main">
+  <p:tag name="KSO_WM_TAG_VERSION" val="1.0"/>
+  <p:tag name="KSO_WM_BEAUTIFY_FLAG" val="#wm#"/>
+  <p:tag name="KSO_WM_TEMPLATE_CATEGORY" val="custom"/>
+  <p:tag name="KSO_WM_TEMPLATE_INDEX" val="160415"/>
+  <p:tag name="KSO_WM_UNIT_TYPE" val="l_h_f"/>
+  <p:tag name="KSO_WM_UNIT_INDEX" val="1_5_1"/>
+  <p:tag name="KSO_WM_UNIT_ID" val="custom160415_10*l_h_f*1_5_1"/>
+  <p:tag name="KSO_WM_UNIT_CLEAR" val="1"/>
+  <p:tag name="KSO_WM_UNIT_LAYERLEVEL" val="1_1_1"/>
+  <p:tag name="KSO_WM_UNIT_VALUE" val="17"/>
+  <p:tag name="KSO_WM_UNIT_HIGHLIGHT" val="0"/>
+  <p:tag name="KSO_WM_UNIT_COMPATIBLE" val="0"/>
+  <p:tag name="KSO_WM_DIAGRAM_GROUP_CODE" val="l1-1"/>
+  <p:tag name="KSO_WM_UNIT_PRESET_TEXT" val="CONSECTETUR ADIPISICING ELIT"/>
+</p:tagLst>
+</file>
+
+<file path=ppt/tags/tag126.xml><?xml version="1.0" encoding="utf-8"?>
+<p:tagLst xmlns:p="http://schemas.openxmlformats.org/presentationml/2006/main">
+  <p:tag name="KSO_WM_TAG_VERSION" val="1.0"/>
+  <p:tag name="KSO_WM_BEAUTIFY_FLAG" val="#wm#"/>
+  <p:tag name="KSO_WM_TEMPLATE_CATEGORY" val="custom"/>
+  <p:tag name="KSO_WM_TEMPLATE_INDEX" val="160415"/>
+  <p:tag name="KSO_WM_UNIT_TYPE" val="a"/>
+  <p:tag name="KSO_WM_UNIT_INDEX" val="1"/>
+  <p:tag name="KSO_WM_UNIT_ID" val="custom160415_9*a*1"/>
+  <p:tag name="KSO_WM_UNIT_CLEAR" val="1"/>
+  <p:tag name="KSO_WM_UNIT_LAYERLEVEL" val="1"/>
+  <p:tag name="KSO_WM_UNIT_VALUE" val="6"/>
+  <p:tag name="KSO_WM_UNIT_ISCONTENTSTITLE" val="1"/>
+  <p:tag name="KSO_WM_UNIT_HIGHLIGHT" val="0"/>
+  <p:tag name="KSO_WM_UNIT_COMPATIBLE" val="0"/>
+  <p:tag name="KSO_WM_UNIT_PRESET_TEXT" val="Contents"/>
+</p:tagLst>
+</file>
+
+<file path=ppt/tags/tag127.xml><?xml version="1.0" encoding="utf-8"?>
+<p:tagLst xmlns:p="http://schemas.openxmlformats.org/presentationml/2006/main">
+  <p:tag name="KSO_WM_TAG_VERSION" val="1.0"/>
+  <p:tag name="KSO_WM_BEAUTIFY_FLAG" val="#wm#"/>
   <p:tag name="KSO_WM_TEMPLATE_CATEGORY" val="custom"/>
   <p:tag name="KSO_WM_TEMPLATE_INDEX" val="160415"/>
   <p:tag name="KSO_WM_UNIT_TYPE" val="a"/>
@@ -20377,14 +20781,14 @@
 </p:tagLst>
 </file>
 
-<file path=ppt/tags/tag121.xml><?xml version="1.0" encoding="utf-8"?>
+<file path=ppt/tags/tag128.xml><?xml version="1.0" encoding="utf-8"?>
 <p:tagLst xmlns:p="http://schemas.openxmlformats.org/presentationml/2006/main">
   <p:tag name="KSO_WM_TEMPLATE_CATEGORY" val="custom"/>
   <p:tag name="KSO_WM_TEMPLATE_INDEX" val="160415"/>
   <p:tag name="KSO_WM_TAG_VERSION" val="1.0"/>
-  <p:tag name="KSO_WM_SLIDE_ID" val="custom160415_9"/>
-  <p:tag name="KSO_WM_SLIDE_INDEX" val="9"/>
-  <p:tag name="KSO_WM_SLIDE_ITEM_CNT" val="4"/>
+  <p:tag name="KSO_WM_SLIDE_ID" val="custom160415_10"/>
+  <p:tag name="KSO_WM_SLIDE_INDEX" val="10"/>
+  <p:tag name="KSO_WM_SLIDE_ITEM_CNT" val="5"/>
   <p:tag name="KSO_WM_SLIDE_LAYOUT" val="a_l"/>
   <p:tag name="KSO_WM_SLIDE_LAYOUT_CNT" val="1_1"/>
   <p:tag name="KSO_WM_SLIDE_TYPE" val="contents"/>
@@ -20393,7 +20797,7 @@
 </p:tagLst>
 </file>
 
-<file path=ppt/tags/tag122.xml><?xml version="1.0" encoding="utf-8"?>
+<file path=ppt/tags/tag129.xml><?xml version="1.0" encoding="utf-8"?>
 <p:tagLst xmlns:p="http://schemas.openxmlformats.org/presentationml/2006/main">
   <p:tag name="KSO_WM_TAG_VERSION" val="1.0"/>
   <p:tag name="KSO_WM_BEAUTIFY_FLAG" val="#wm#"/>
@@ -20409,21 +20813,6 @@
   <p:tag name="KSO_WM_UNIT_HIGHLIGHT" val="0"/>
   <p:tag name="KSO_WM_UNIT_COMPATIBLE" val="0"/>
   <p:tag name="KSO_WM_UNIT_PRESET_TEXT" val="THANKS"/>
-</p:tagLst>
-</file>
-
-<file path=ppt/tags/tag123.xml><?xml version="1.0" encoding="utf-8"?>
-<p:tagLst xmlns:p="http://schemas.openxmlformats.org/presentationml/2006/main">
-  <p:tag name="KSO_WM_TEMPLATE_CATEGORY" val="custom"/>
-  <p:tag name="KSO_WM_TEMPLATE_INDEX" val="160415"/>
-  <p:tag name="KSO_WM_TAG_VERSION" val="1.0"/>
-  <p:tag name="KSO_WM_SLIDE_ID" val="custom160415_33"/>
-  <p:tag name="KSO_WM_SLIDE_INDEX" val="33"/>
-  <p:tag name="KSO_WM_SLIDE_ITEM_CNT" val="1"/>
-  <p:tag name="KSO_WM_SLIDE_LAYOUT" val="a"/>
-  <p:tag name="KSO_WM_SLIDE_LAYOUT_CNT" val="1"/>
-  <p:tag name="KSO_WM_SLIDE_TYPE" val="endPage"/>
-  <p:tag name="KSO_WM_BEAUTIFY_FLAG" val="#wm#"/>
 </p:tagLst>
 </file>
 
@@ -20443,6 +20832,21 @@
   <p:tag name="KSO_WM_UNIT_COMPATIBLE" val="0"/>
   <p:tag name="KSO_WM_DIAGRAM_GROUP_CODE" val="l1-1"/>
   <p:tag name="KSO_WM_UNIT_PRESET_TEXT" val="CONSECTETUR ADIPISICING ELIT"/>
+</p:tagLst>
+</file>
+
+<file path=ppt/tags/tag130.xml><?xml version="1.0" encoding="utf-8"?>
+<p:tagLst xmlns:p="http://schemas.openxmlformats.org/presentationml/2006/main">
+  <p:tag name="KSO_WM_TEMPLATE_CATEGORY" val="custom"/>
+  <p:tag name="KSO_WM_TEMPLATE_INDEX" val="160415"/>
+  <p:tag name="KSO_WM_TAG_VERSION" val="1.0"/>
+  <p:tag name="KSO_WM_SLIDE_ID" val="custom160415_33"/>
+  <p:tag name="KSO_WM_SLIDE_INDEX" val="33"/>
+  <p:tag name="KSO_WM_SLIDE_ITEM_CNT" val="1"/>
+  <p:tag name="KSO_WM_SLIDE_LAYOUT" val="a"/>
+  <p:tag name="KSO_WM_SLIDE_LAYOUT_CNT" val="1"/>
+  <p:tag name="KSO_WM_SLIDE_TYPE" val="endPage"/>
+  <p:tag name="KSO_WM_BEAUTIFY_FLAG" val="#wm#"/>
 </p:tagLst>
 </file>
 
